--- a/ppt/Cuda-nbody 优化思路.pptx
+++ b/ppt/Cuda-nbody 优化思路.pptx
@@ -14,6 +14,10 @@
     <p:sldId id="262" r:id="rId8"/>
     <p:sldId id="263" r:id="rId9"/>
     <p:sldId id="264" r:id="rId10"/>
+    <p:sldId id="266" r:id="rId11"/>
+    <p:sldId id="267" r:id="rId12"/>
+    <p:sldId id="268" r:id="rId13"/>
+    <p:sldId id="265" r:id="rId14"/>
   </p:sldIdLst>
   <p:sldSz cx="12192000" cy="6858000"/>
   <p:notesSz cx="6858000" cy="9144000"/>
@@ -203,35 +207,35 @@
               <a:buNone/>
               <a:defRPr sz="2400"/>
             </a:lvl1pPr>
-            <a:lvl2pPr marL="457200" indent="0" algn="ctr">
+            <a:lvl2pPr marL="457189" indent="0" algn="ctr">
               <a:buNone/>
               <a:defRPr sz="2000"/>
             </a:lvl2pPr>
-            <a:lvl3pPr marL="914400" indent="0" algn="ctr">
+            <a:lvl3pPr marL="914377" indent="0" algn="ctr">
               <a:buNone/>
               <a:defRPr sz="1800"/>
             </a:lvl3pPr>
-            <a:lvl4pPr marL="1371600" indent="0" algn="ctr">
+            <a:lvl4pPr marL="1371566" indent="0" algn="ctr">
               <a:buNone/>
               <a:defRPr sz="1600"/>
             </a:lvl4pPr>
-            <a:lvl5pPr marL="1828800" indent="0" algn="ctr">
+            <a:lvl5pPr marL="1828754" indent="0" algn="ctr">
               <a:buNone/>
               <a:defRPr sz="1600"/>
             </a:lvl5pPr>
-            <a:lvl6pPr marL="2286000" indent="0" algn="ctr">
+            <a:lvl6pPr marL="2285943" indent="0" algn="ctr">
               <a:buNone/>
               <a:defRPr sz="1600"/>
             </a:lvl6pPr>
-            <a:lvl7pPr marL="2743200" indent="0" algn="ctr">
+            <a:lvl7pPr marL="2743131" indent="0" algn="ctr">
               <a:buNone/>
               <a:defRPr sz="1600"/>
             </a:lvl7pPr>
-            <a:lvl8pPr marL="3200400" indent="0" algn="ctr">
+            <a:lvl8pPr marL="3200320" indent="0" algn="ctr">
               <a:buNone/>
               <a:defRPr sz="1600"/>
             </a:lvl8pPr>
-            <a:lvl9pPr marL="3657600" indent="0" algn="ctr">
+            <a:lvl9pPr marL="3657509" indent="0" algn="ctr">
               <a:buNone/>
               <a:defRPr sz="1600"/>
             </a:lvl9pPr>
@@ -267,7 +271,7 @@
           <a:p>
             <a:fld id="{DA4DE531-B8A6-42BC-8300-7A016E80DF81}" type="datetimeFigureOut">
               <a:rPr lang="zh-CN" altLang="en-US" smtClean="0"/>
-              <a:t>2019/6/18</a:t>
+              <a:t>2019/6/20</a:t>
             </a:fld>
             <a:endParaRPr lang="zh-CN" altLang="en-US"/>
           </a:p>
@@ -465,7 +469,7 @@
           <a:p>
             <a:fld id="{DA4DE531-B8A6-42BC-8300-7A016E80DF81}" type="datetimeFigureOut">
               <a:rPr lang="zh-CN" altLang="en-US" smtClean="0"/>
-              <a:t>2019/6/18</a:t>
+              <a:t>2019/6/20</a:t>
             </a:fld>
             <a:endParaRPr lang="zh-CN" altLang="en-US"/>
           </a:p>
@@ -573,7 +577,7 @@
         </p:nvSpPr>
         <p:spPr>
           <a:xfrm>
-            <a:off x="8724900" y="365125"/>
+            <a:off x="8724901" y="365125"/>
             <a:ext cx="2628900" cy="5811838"/>
           </a:xfrm>
         </p:spPr>
@@ -606,7 +610,7 @@
         </p:nvSpPr>
         <p:spPr>
           <a:xfrm>
-            <a:off x="838200" y="365125"/>
+            <a:off x="838201" y="365125"/>
             <a:ext cx="7734300" cy="5811838"/>
           </a:xfrm>
         </p:spPr>
@@ -673,7 +677,7 @@
           <a:p>
             <a:fld id="{DA4DE531-B8A6-42BC-8300-7A016E80DF81}" type="datetimeFigureOut">
               <a:rPr lang="zh-CN" altLang="en-US" smtClean="0"/>
-              <a:t>2019/6/18</a:t>
+              <a:t>2019/6/20</a:t>
             </a:fld>
             <a:endParaRPr lang="zh-CN" altLang="en-US"/>
           </a:p>
@@ -871,7 +875,7 @@
           <a:p>
             <a:fld id="{DA4DE531-B8A6-42BC-8300-7A016E80DF81}" type="datetimeFigureOut">
               <a:rPr lang="zh-CN" altLang="en-US" smtClean="0"/>
-              <a:t>2019/6/18</a:t>
+              <a:t>2019/6/20</a:t>
             </a:fld>
             <a:endParaRPr lang="zh-CN" altLang="en-US"/>
           </a:p>
@@ -979,7 +983,7 @@
         </p:nvSpPr>
         <p:spPr>
           <a:xfrm>
-            <a:off x="831850" y="1709738"/>
+            <a:off x="831851" y="1709740"/>
             <a:ext cx="10515600" cy="2852737"/>
           </a:xfrm>
         </p:spPr>
@@ -1016,7 +1020,7 @@
         </p:nvSpPr>
         <p:spPr>
           <a:xfrm>
-            <a:off x="831850" y="4589463"/>
+            <a:off x="831851" y="4589465"/>
             <a:ext cx="10515600" cy="1500187"/>
           </a:xfrm>
         </p:spPr>
@@ -1033,7 +1037,7 @@
                 </a:solidFill>
               </a:defRPr>
             </a:lvl1pPr>
-            <a:lvl2pPr marL="457200" indent="0">
+            <a:lvl2pPr marL="457189" indent="0">
               <a:buNone/>
               <a:defRPr sz="2000">
                 <a:solidFill>
@@ -1043,7 +1047,7 @@
                 </a:solidFill>
               </a:defRPr>
             </a:lvl2pPr>
-            <a:lvl3pPr marL="914400" indent="0">
+            <a:lvl3pPr marL="914377" indent="0">
               <a:buNone/>
               <a:defRPr sz="1800">
                 <a:solidFill>
@@ -1053,7 +1057,7 @@
                 </a:solidFill>
               </a:defRPr>
             </a:lvl3pPr>
-            <a:lvl4pPr marL="1371600" indent="0">
+            <a:lvl4pPr marL="1371566" indent="0">
               <a:buNone/>
               <a:defRPr sz="1600">
                 <a:solidFill>
@@ -1063,7 +1067,7 @@
                 </a:solidFill>
               </a:defRPr>
             </a:lvl4pPr>
-            <a:lvl5pPr marL="1828800" indent="0">
+            <a:lvl5pPr marL="1828754" indent="0">
               <a:buNone/>
               <a:defRPr sz="1600">
                 <a:solidFill>
@@ -1073,7 +1077,7 @@
                 </a:solidFill>
               </a:defRPr>
             </a:lvl5pPr>
-            <a:lvl6pPr marL="2286000" indent="0">
+            <a:lvl6pPr marL="2285943" indent="0">
               <a:buNone/>
               <a:defRPr sz="1600">
                 <a:solidFill>
@@ -1083,7 +1087,7 @@
                 </a:solidFill>
               </a:defRPr>
             </a:lvl6pPr>
-            <a:lvl7pPr marL="2743200" indent="0">
+            <a:lvl7pPr marL="2743131" indent="0">
               <a:buNone/>
               <a:defRPr sz="1600">
                 <a:solidFill>
@@ -1093,7 +1097,7 @@
                 </a:solidFill>
               </a:defRPr>
             </a:lvl7pPr>
-            <a:lvl8pPr marL="3200400" indent="0">
+            <a:lvl8pPr marL="3200320" indent="0">
               <a:buNone/>
               <a:defRPr sz="1600">
                 <a:solidFill>
@@ -1103,7 +1107,7 @@
                 </a:solidFill>
               </a:defRPr>
             </a:lvl8pPr>
-            <a:lvl9pPr marL="3657600" indent="0">
+            <a:lvl9pPr marL="3657509" indent="0">
               <a:buNone/>
               <a:defRPr sz="1600">
                 <a:solidFill>
@@ -1146,7 +1150,7 @@
           <a:p>
             <a:fld id="{DA4DE531-B8A6-42BC-8300-7A016E80DF81}" type="datetimeFigureOut">
               <a:rPr lang="zh-CN" altLang="en-US" smtClean="0"/>
-              <a:t>2019/6/18</a:t>
+              <a:t>2019/6/20</a:t>
             </a:fld>
             <a:endParaRPr lang="zh-CN" altLang="en-US"/>
           </a:p>
@@ -1411,7 +1415,7 @@
           <a:p>
             <a:fld id="{DA4DE531-B8A6-42BC-8300-7A016E80DF81}" type="datetimeFigureOut">
               <a:rPr lang="zh-CN" altLang="en-US" smtClean="0"/>
-              <a:t>2019/6/18</a:t>
+              <a:t>2019/6/20</a:t>
             </a:fld>
             <a:endParaRPr lang="zh-CN" altLang="en-US"/>
           </a:p>
@@ -1519,7 +1523,7 @@
         </p:nvSpPr>
         <p:spPr>
           <a:xfrm>
-            <a:off x="839788" y="365125"/>
+            <a:off x="839788" y="365127"/>
             <a:ext cx="10515600" cy="1325563"/>
           </a:xfrm>
         </p:spPr>
@@ -1552,7 +1556,7 @@
         </p:nvSpPr>
         <p:spPr>
           <a:xfrm>
-            <a:off x="839788" y="1681163"/>
+            <a:off x="839789" y="1681163"/>
             <a:ext cx="5157787" cy="823912"/>
           </a:xfrm>
         </p:spPr>
@@ -1563,35 +1567,35 @@
               <a:buNone/>
               <a:defRPr sz="2400" b="1"/>
             </a:lvl1pPr>
-            <a:lvl2pPr marL="457200" indent="0">
+            <a:lvl2pPr marL="457189" indent="0">
               <a:buNone/>
               <a:defRPr sz="2000" b="1"/>
             </a:lvl2pPr>
-            <a:lvl3pPr marL="914400" indent="0">
+            <a:lvl3pPr marL="914377" indent="0">
               <a:buNone/>
               <a:defRPr sz="1800" b="1"/>
             </a:lvl3pPr>
-            <a:lvl4pPr marL="1371600" indent="0">
+            <a:lvl4pPr marL="1371566" indent="0">
               <a:buNone/>
               <a:defRPr sz="1600" b="1"/>
             </a:lvl4pPr>
-            <a:lvl5pPr marL="1828800" indent="0">
+            <a:lvl5pPr marL="1828754" indent="0">
               <a:buNone/>
               <a:defRPr sz="1600" b="1"/>
             </a:lvl5pPr>
-            <a:lvl6pPr marL="2286000" indent="0">
+            <a:lvl6pPr marL="2285943" indent="0">
               <a:buNone/>
               <a:defRPr sz="1600" b="1"/>
             </a:lvl6pPr>
-            <a:lvl7pPr marL="2743200" indent="0">
+            <a:lvl7pPr marL="2743131" indent="0">
               <a:buNone/>
               <a:defRPr sz="1600" b="1"/>
             </a:lvl7pPr>
-            <a:lvl8pPr marL="3200400" indent="0">
+            <a:lvl8pPr marL="3200320" indent="0">
               <a:buNone/>
               <a:defRPr sz="1600" b="1"/>
             </a:lvl8pPr>
-            <a:lvl9pPr marL="3657600" indent="0">
+            <a:lvl9pPr marL="3657509" indent="0">
               <a:buNone/>
               <a:defRPr sz="1600" b="1"/>
             </a:lvl9pPr>
@@ -1623,7 +1627,7 @@
         </p:nvSpPr>
         <p:spPr>
           <a:xfrm>
-            <a:off x="839788" y="2505075"/>
+            <a:off x="839789" y="2505075"/>
             <a:ext cx="5157787" cy="3684588"/>
           </a:xfrm>
         </p:spPr>
@@ -1685,7 +1689,7 @@
         </p:nvSpPr>
         <p:spPr>
           <a:xfrm>
-            <a:off x="6172200" y="1681163"/>
+            <a:off x="6172201" y="1681163"/>
             <a:ext cx="5183188" cy="823912"/>
           </a:xfrm>
         </p:spPr>
@@ -1696,35 +1700,35 @@
               <a:buNone/>
               <a:defRPr sz="2400" b="1"/>
             </a:lvl1pPr>
-            <a:lvl2pPr marL="457200" indent="0">
+            <a:lvl2pPr marL="457189" indent="0">
               <a:buNone/>
               <a:defRPr sz="2000" b="1"/>
             </a:lvl2pPr>
-            <a:lvl3pPr marL="914400" indent="0">
+            <a:lvl3pPr marL="914377" indent="0">
               <a:buNone/>
               <a:defRPr sz="1800" b="1"/>
             </a:lvl3pPr>
-            <a:lvl4pPr marL="1371600" indent="0">
+            <a:lvl4pPr marL="1371566" indent="0">
               <a:buNone/>
               <a:defRPr sz="1600" b="1"/>
             </a:lvl4pPr>
-            <a:lvl5pPr marL="1828800" indent="0">
+            <a:lvl5pPr marL="1828754" indent="0">
               <a:buNone/>
               <a:defRPr sz="1600" b="1"/>
             </a:lvl5pPr>
-            <a:lvl6pPr marL="2286000" indent="0">
+            <a:lvl6pPr marL="2285943" indent="0">
               <a:buNone/>
               <a:defRPr sz="1600" b="1"/>
             </a:lvl6pPr>
-            <a:lvl7pPr marL="2743200" indent="0">
+            <a:lvl7pPr marL="2743131" indent="0">
               <a:buNone/>
               <a:defRPr sz="1600" b="1"/>
             </a:lvl7pPr>
-            <a:lvl8pPr marL="3200400" indent="0">
+            <a:lvl8pPr marL="3200320" indent="0">
               <a:buNone/>
               <a:defRPr sz="1600" b="1"/>
             </a:lvl8pPr>
-            <a:lvl9pPr marL="3657600" indent="0">
+            <a:lvl9pPr marL="3657509" indent="0">
               <a:buNone/>
               <a:defRPr sz="1600" b="1"/>
             </a:lvl9pPr>
@@ -1756,7 +1760,7 @@
         </p:nvSpPr>
         <p:spPr>
           <a:xfrm>
-            <a:off x="6172200" y="2505075"/>
+            <a:off x="6172201" y="2505075"/>
             <a:ext cx="5183188" cy="3684588"/>
           </a:xfrm>
         </p:spPr>
@@ -1823,7 +1827,7 @@
           <a:p>
             <a:fld id="{DA4DE531-B8A6-42BC-8300-7A016E80DF81}" type="datetimeFigureOut">
               <a:rPr lang="zh-CN" altLang="en-US" smtClean="0"/>
-              <a:t>2019/6/18</a:t>
+              <a:t>2019/6/20</a:t>
             </a:fld>
             <a:endParaRPr lang="zh-CN" altLang="en-US"/>
           </a:p>
@@ -1964,7 +1968,7 @@
           <a:p>
             <a:fld id="{DA4DE531-B8A6-42BC-8300-7A016E80DF81}" type="datetimeFigureOut">
               <a:rPr lang="zh-CN" altLang="en-US" smtClean="0"/>
-              <a:t>2019/6/18</a:t>
+              <a:t>2019/6/20</a:t>
             </a:fld>
             <a:endParaRPr lang="zh-CN" altLang="en-US"/>
           </a:p>
@@ -2077,7 +2081,7 @@
           <a:p>
             <a:fld id="{DA4DE531-B8A6-42BC-8300-7A016E80DF81}" type="datetimeFigureOut">
               <a:rPr lang="zh-CN" altLang="en-US" smtClean="0"/>
-              <a:t>2019/6/18</a:t>
+              <a:t>2019/6/20</a:t>
             </a:fld>
             <a:endParaRPr lang="zh-CN" altLang="en-US"/>
           </a:p>
@@ -2222,7 +2226,7 @@
         </p:nvSpPr>
         <p:spPr>
           <a:xfrm>
-            <a:off x="5183188" y="987425"/>
+            <a:off x="5183188" y="987427"/>
             <a:ext cx="6172200" cy="4873625"/>
           </a:xfrm>
         </p:spPr>
@@ -2323,35 +2327,35 @@
               <a:buNone/>
               <a:defRPr sz="1600"/>
             </a:lvl1pPr>
-            <a:lvl2pPr marL="457200" indent="0">
+            <a:lvl2pPr marL="457189" indent="0">
               <a:buNone/>
               <a:defRPr sz="1400"/>
             </a:lvl2pPr>
-            <a:lvl3pPr marL="914400" indent="0">
+            <a:lvl3pPr marL="914377" indent="0">
               <a:buNone/>
               <a:defRPr sz="1200"/>
             </a:lvl3pPr>
-            <a:lvl4pPr marL="1371600" indent="0">
+            <a:lvl4pPr marL="1371566" indent="0">
               <a:buNone/>
               <a:defRPr sz="1000"/>
             </a:lvl4pPr>
-            <a:lvl5pPr marL="1828800" indent="0">
+            <a:lvl5pPr marL="1828754" indent="0">
               <a:buNone/>
               <a:defRPr sz="1000"/>
             </a:lvl5pPr>
-            <a:lvl6pPr marL="2286000" indent="0">
+            <a:lvl6pPr marL="2285943" indent="0">
               <a:buNone/>
               <a:defRPr sz="1000"/>
             </a:lvl6pPr>
-            <a:lvl7pPr marL="2743200" indent="0">
+            <a:lvl7pPr marL="2743131" indent="0">
               <a:buNone/>
               <a:defRPr sz="1000"/>
             </a:lvl7pPr>
-            <a:lvl8pPr marL="3200400" indent="0">
+            <a:lvl8pPr marL="3200320" indent="0">
               <a:buNone/>
               <a:defRPr sz="1000"/>
             </a:lvl8pPr>
-            <a:lvl9pPr marL="3657600" indent="0">
+            <a:lvl9pPr marL="3657509" indent="0">
               <a:buNone/>
               <a:defRPr sz="1000"/>
             </a:lvl9pPr>
@@ -2388,7 +2392,7 @@
           <a:p>
             <a:fld id="{DA4DE531-B8A6-42BC-8300-7A016E80DF81}" type="datetimeFigureOut">
               <a:rPr lang="zh-CN" altLang="en-US" smtClean="0"/>
-              <a:t>2019/6/18</a:t>
+              <a:t>2019/6/20</a:t>
             </a:fld>
             <a:endParaRPr lang="zh-CN" altLang="en-US"/>
           </a:p>
@@ -2533,7 +2537,7 @@
         </p:nvSpPr>
         <p:spPr>
           <a:xfrm>
-            <a:off x="5183188" y="987425"/>
+            <a:off x="5183188" y="987427"/>
             <a:ext cx="6172200" cy="4873625"/>
           </a:xfrm>
         </p:spPr>
@@ -2544,35 +2548,35 @@
               <a:buNone/>
               <a:defRPr sz="3200"/>
             </a:lvl1pPr>
-            <a:lvl2pPr marL="457200" indent="0">
+            <a:lvl2pPr marL="457189" indent="0">
               <a:buNone/>
               <a:defRPr sz="2800"/>
             </a:lvl2pPr>
-            <a:lvl3pPr marL="914400" indent="0">
+            <a:lvl3pPr marL="914377" indent="0">
               <a:buNone/>
               <a:defRPr sz="2400"/>
             </a:lvl3pPr>
-            <a:lvl4pPr marL="1371600" indent="0">
+            <a:lvl4pPr marL="1371566" indent="0">
               <a:buNone/>
               <a:defRPr sz="2000"/>
             </a:lvl4pPr>
-            <a:lvl5pPr marL="1828800" indent="0">
+            <a:lvl5pPr marL="1828754" indent="0">
               <a:buNone/>
               <a:defRPr sz="2000"/>
             </a:lvl5pPr>
-            <a:lvl6pPr marL="2286000" indent="0">
+            <a:lvl6pPr marL="2285943" indent="0">
               <a:buNone/>
               <a:defRPr sz="2000"/>
             </a:lvl6pPr>
-            <a:lvl7pPr marL="2743200" indent="0">
+            <a:lvl7pPr marL="2743131" indent="0">
               <a:buNone/>
               <a:defRPr sz="2000"/>
             </a:lvl7pPr>
-            <a:lvl8pPr marL="3200400" indent="0">
+            <a:lvl8pPr marL="3200320" indent="0">
               <a:buNone/>
               <a:defRPr sz="2000"/>
             </a:lvl8pPr>
-            <a:lvl9pPr marL="3657600" indent="0">
+            <a:lvl9pPr marL="3657509" indent="0">
               <a:buNone/>
               <a:defRPr sz="2000"/>
             </a:lvl9pPr>
@@ -2611,35 +2615,35 @@
               <a:buNone/>
               <a:defRPr sz="1600"/>
             </a:lvl1pPr>
-            <a:lvl2pPr marL="457200" indent="0">
+            <a:lvl2pPr marL="457189" indent="0">
               <a:buNone/>
               <a:defRPr sz="1400"/>
             </a:lvl2pPr>
-            <a:lvl3pPr marL="914400" indent="0">
+            <a:lvl3pPr marL="914377" indent="0">
               <a:buNone/>
               <a:defRPr sz="1200"/>
             </a:lvl3pPr>
-            <a:lvl4pPr marL="1371600" indent="0">
+            <a:lvl4pPr marL="1371566" indent="0">
               <a:buNone/>
               <a:defRPr sz="1000"/>
             </a:lvl4pPr>
-            <a:lvl5pPr marL="1828800" indent="0">
+            <a:lvl5pPr marL="1828754" indent="0">
               <a:buNone/>
               <a:defRPr sz="1000"/>
             </a:lvl5pPr>
-            <a:lvl6pPr marL="2286000" indent="0">
+            <a:lvl6pPr marL="2285943" indent="0">
               <a:buNone/>
               <a:defRPr sz="1000"/>
             </a:lvl6pPr>
-            <a:lvl7pPr marL="2743200" indent="0">
+            <a:lvl7pPr marL="2743131" indent="0">
               <a:buNone/>
               <a:defRPr sz="1000"/>
             </a:lvl7pPr>
-            <a:lvl8pPr marL="3200400" indent="0">
+            <a:lvl8pPr marL="3200320" indent="0">
               <a:buNone/>
               <a:defRPr sz="1000"/>
             </a:lvl8pPr>
-            <a:lvl9pPr marL="3657600" indent="0">
+            <a:lvl9pPr marL="3657509" indent="0">
               <a:buNone/>
               <a:defRPr sz="1000"/>
             </a:lvl9pPr>
@@ -2676,7 +2680,7 @@
           <a:p>
             <a:fld id="{DA4DE531-B8A6-42BC-8300-7A016E80DF81}" type="datetimeFigureOut">
               <a:rPr lang="zh-CN" altLang="en-US" smtClean="0"/>
-              <a:t>2019/6/18</a:t>
+              <a:t>2019/6/20</a:t>
             </a:fld>
             <a:endParaRPr lang="zh-CN" altLang="en-US"/>
           </a:p>
@@ -2794,7 +2798,7 @@
         </p:nvSpPr>
         <p:spPr>
           <a:xfrm>
-            <a:off x="838200" y="365125"/>
+            <a:off x="838200" y="365127"/>
             <a:ext cx="10515600" cy="1325563"/>
           </a:xfrm>
           <a:prstGeom prst="rect">
@@ -2899,7 +2903,7 @@
         </p:nvSpPr>
         <p:spPr>
           <a:xfrm>
-            <a:off x="838200" y="6356350"/>
+            <a:off x="838200" y="6356352"/>
             <a:ext cx="2743200" cy="365125"/>
           </a:xfrm>
           <a:prstGeom prst="rect">
@@ -2922,7 +2926,7 @@
           <a:p>
             <a:fld id="{DA4DE531-B8A6-42BC-8300-7A016E80DF81}" type="datetimeFigureOut">
               <a:rPr lang="zh-CN" altLang="en-US" smtClean="0"/>
-              <a:t>2019/6/18</a:t>
+              <a:t>2019/6/20</a:t>
             </a:fld>
             <a:endParaRPr lang="zh-CN" altLang="en-US"/>
           </a:p>
@@ -2946,7 +2950,7 @@
         </p:nvSpPr>
         <p:spPr>
           <a:xfrm>
-            <a:off x="4038600" y="6356350"/>
+            <a:off x="4038600" y="6356352"/>
             <a:ext cx="4114800" cy="365125"/>
           </a:xfrm>
           <a:prstGeom prst="rect">
@@ -2989,7 +2993,7 @@
         </p:nvSpPr>
         <p:spPr>
           <a:xfrm>
-            <a:off x="8610600" y="6356350"/>
+            <a:off x="8610600" y="6356352"/>
             <a:ext cx="2743200" cy="365125"/>
           </a:xfrm>
           <a:prstGeom prst="rect">
@@ -3041,7 +3045,7 @@
   </p:sldLayoutIdLst>
   <p:txStyles>
     <p:titleStyle>
-      <a:lvl1pPr algn="l" defTabSz="914400" rtl="0" eaLnBrk="1" latinLnBrk="0" hangingPunct="1">
+      <a:lvl1pPr algn="l" defTabSz="914377" rtl="0" eaLnBrk="1" latinLnBrk="0" hangingPunct="1">
         <a:lnSpc>
           <a:spcPct val="90000"/>
         </a:lnSpc>
@@ -3060,7 +3064,7 @@
       </a:lvl1pPr>
     </p:titleStyle>
     <p:bodyStyle>
-      <a:lvl1pPr marL="228600" indent="-228600" algn="l" defTabSz="914400" rtl="0" eaLnBrk="1" latinLnBrk="0" hangingPunct="1">
+      <a:lvl1pPr marL="228594" indent="-228594" algn="l" defTabSz="914377" rtl="0" eaLnBrk="1" latinLnBrk="0" hangingPunct="1">
         <a:lnSpc>
           <a:spcPct val="90000"/>
         </a:lnSpc>
@@ -3078,7 +3082,7 @@
           <a:cs typeface="+mn-cs"/>
         </a:defRPr>
       </a:lvl1pPr>
-      <a:lvl2pPr marL="685800" indent="-228600" algn="l" defTabSz="914400" rtl="0" eaLnBrk="1" latinLnBrk="0" hangingPunct="1">
+      <a:lvl2pPr marL="685783" indent="-228594" algn="l" defTabSz="914377" rtl="0" eaLnBrk="1" latinLnBrk="0" hangingPunct="1">
         <a:lnSpc>
           <a:spcPct val="90000"/>
         </a:lnSpc>
@@ -3096,7 +3100,7 @@
           <a:cs typeface="+mn-cs"/>
         </a:defRPr>
       </a:lvl2pPr>
-      <a:lvl3pPr marL="1143000" indent="-228600" algn="l" defTabSz="914400" rtl="0" eaLnBrk="1" latinLnBrk="0" hangingPunct="1">
+      <a:lvl3pPr marL="1142971" indent="-228594" algn="l" defTabSz="914377" rtl="0" eaLnBrk="1" latinLnBrk="0" hangingPunct="1">
         <a:lnSpc>
           <a:spcPct val="90000"/>
         </a:lnSpc>
@@ -3114,7 +3118,7 @@
           <a:cs typeface="+mn-cs"/>
         </a:defRPr>
       </a:lvl3pPr>
-      <a:lvl4pPr marL="1600200" indent="-228600" algn="l" defTabSz="914400" rtl="0" eaLnBrk="1" latinLnBrk="0" hangingPunct="1">
+      <a:lvl4pPr marL="1600160" indent="-228594" algn="l" defTabSz="914377" rtl="0" eaLnBrk="1" latinLnBrk="0" hangingPunct="1">
         <a:lnSpc>
           <a:spcPct val="90000"/>
         </a:lnSpc>
@@ -3132,7 +3136,7 @@
           <a:cs typeface="+mn-cs"/>
         </a:defRPr>
       </a:lvl4pPr>
-      <a:lvl5pPr marL="2057400" indent="-228600" algn="l" defTabSz="914400" rtl="0" eaLnBrk="1" latinLnBrk="0" hangingPunct="1">
+      <a:lvl5pPr marL="2057349" indent="-228594" algn="l" defTabSz="914377" rtl="0" eaLnBrk="1" latinLnBrk="0" hangingPunct="1">
         <a:lnSpc>
           <a:spcPct val="90000"/>
         </a:lnSpc>
@@ -3150,7 +3154,7 @@
           <a:cs typeface="+mn-cs"/>
         </a:defRPr>
       </a:lvl5pPr>
-      <a:lvl6pPr marL="2514600" indent="-228600" algn="l" defTabSz="914400" rtl="0" eaLnBrk="1" latinLnBrk="0" hangingPunct="1">
+      <a:lvl6pPr marL="2514537" indent="-228594" algn="l" defTabSz="914377" rtl="0" eaLnBrk="1" latinLnBrk="0" hangingPunct="1">
         <a:lnSpc>
           <a:spcPct val="90000"/>
         </a:lnSpc>
@@ -3168,7 +3172,7 @@
           <a:cs typeface="+mn-cs"/>
         </a:defRPr>
       </a:lvl6pPr>
-      <a:lvl7pPr marL="2971800" indent="-228600" algn="l" defTabSz="914400" rtl="0" eaLnBrk="1" latinLnBrk="0" hangingPunct="1">
+      <a:lvl7pPr marL="2971726" indent="-228594" algn="l" defTabSz="914377" rtl="0" eaLnBrk="1" latinLnBrk="0" hangingPunct="1">
         <a:lnSpc>
           <a:spcPct val="90000"/>
         </a:lnSpc>
@@ -3186,7 +3190,7 @@
           <a:cs typeface="+mn-cs"/>
         </a:defRPr>
       </a:lvl7pPr>
-      <a:lvl8pPr marL="3429000" indent="-228600" algn="l" defTabSz="914400" rtl="0" eaLnBrk="1" latinLnBrk="0" hangingPunct="1">
+      <a:lvl8pPr marL="3428914" indent="-228594" algn="l" defTabSz="914377" rtl="0" eaLnBrk="1" latinLnBrk="0" hangingPunct="1">
         <a:lnSpc>
           <a:spcPct val="90000"/>
         </a:lnSpc>
@@ -3204,7 +3208,7 @@
           <a:cs typeface="+mn-cs"/>
         </a:defRPr>
       </a:lvl8pPr>
-      <a:lvl9pPr marL="3886200" indent="-228600" algn="l" defTabSz="914400" rtl="0" eaLnBrk="1" latinLnBrk="0" hangingPunct="1">
+      <a:lvl9pPr marL="3886103" indent="-228594" algn="l" defTabSz="914377" rtl="0" eaLnBrk="1" latinLnBrk="0" hangingPunct="1">
         <a:lnSpc>
           <a:spcPct val="90000"/>
         </a:lnSpc>
@@ -3227,7 +3231,7 @@
       <a:defPPr>
         <a:defRPr lang="zh-CN"/>
       </a:defPPr>
-      <a:lvl1pPr marL="0" algn="l" defTabSz="914400" rtl="0" eaLnBrk="1" latinLnBrk="0" hangingPunct="1">
+      <a:lvl1pPr marL="0" algn="l" defTabSz="914377" rtl="0" eaLnBrk="1" latinLnBrk="0" hangingPunct="1">
         <a:defRPr sz="1800" kern="1200">
           <a:solidFill>
             <a:schemeClr val="tx1"/>
@@ -3237,7 +3241,7 @@
           <a:cs typeface="+mn-cs"/>
         </a:defRPr>
       </a:lvl1pPr>
-      <a:lvl2pPr marL="457200" algn="l" defTabSz="914400" rtl="0" eaLnBrk="1" latinLnBrk="0" hangingPunct="1">
+      <a:lvl2pPr marL="457189" algn="l" defTabSz="914377" rtl="0" eaLnBrk="1" latinLnBrk="0" hangingPunct="1">
         <a:defRPr sz="1800" kern="1200">
           <a:solidFill>
             <a:schemeClr val="tx1"/>
@@ -3247,7 +3251,7 @@
           <a:cs typeface="+mn-cs"/>
         </a:defRPr>
       </a:lvl2pPr>
-      <a:lvl3pPr marL="914400" algn="l" defTabSz="914400" rtl="0" eaLnBrk="1" latinLnBrk="0" hangingPunct="1">
+      <a:lvl3pPr marL="914377" algn="l" defTabSz="914377" rtl="0" eaLnBrk="1" latinLnBrk="0" hangingPunct="1">
         <a:defRPr sz="1800" kern="1200">
           <a:solidFill>
             <a:schemeClr val="tx1"/>
@@ -3257,7 +3261,7 @@
           <a:cs typeface="+mn-cs"/>
         </a:defRPr>
       </a:lvl3pPr>
-      <a:lvl4pPr marL="1371600" algn="l" defTabSz="914400" rtl="0" eaLnBrk="1" latinLnBrk="0" hangingPunct="1">
+      <a:lvl4pPr marL="1371566" algn="l" defTabSz="914377" rtl="0" eaLnBrk="1" latinLnBrk="0" hangingPunct="1">
         <a:defRPr sz="1800" kern="1200">
           <a:solidFill>
             <a:schemeClr val="tx1"/>
@@ -3267,7 +3271,7 @@
           <a:cs typeface="+mn-cs"/>
         </a:defRPr>
       </a:lvl4pPr>
-      <a:lvl5pPr marL="1828800" algn="l" defTabSz="914400" rtl="0" eaLnBrk="1" latinLnBrk="0" hangingPunct="1">
+      <a:lvl5pPr marL="1828754" algn="l" defTabSz="914377" rtl="0" eaLnBrk="1" latinLnBrk="0" hangingPunct="1">
         <a:defRPr sz="1800" kern="1200">
           <a:solidFill>
             <a:schemeClr val="tx1"/>
@@ -3277,7 +3281,7 @@
           <a:cs typeface="+mn-cs"/>
         </a:defRPr>
       </a:lvl5pPr>
-      <a:lvl6pPr marL="2286000" algn="l" defTabSz="914400" rtl="0" eaLnBrk="1" latinLnBrk="0" hangingPunct="1">
+      <a:lvl6pPr marL="2285943" algn="l" defTabSz="914377" rtl="0" eaLnBrk="1" latinLnBrk="0" hangingPunct="1">
         <a:defRPr sz="1800" kern="1200">
           <a:solidFill>
             <a:schemeClr val="tx1"/>
@@ -3287,7 +3291,7 @@
           <a:cs typeface="+mn-cs"/>
         </a:defRPr>
       </a:lvl6pPr>
-      <a:lvl7pPr marL="2743200" algn="l" defTabSz="914400" rtl="0" eaLnBrk="1" latinLnBrk="0" hangingPunct="1">
+      <a:lvl7pPr marL="2743131" algn="l" defTabSz="914377" rtl="0" eaLnBrk="1" latinLnBrk="0" hangingPunct="1">
         <a:defRPr sz="1800" kern="1200">
           <a:solidFill>
             <a:schemeClr val="tx1"/>
@@ -3297,7 +3301,7 @@
           <a:cs typeface="+mn-cs"/>
         </a:defRPr>
       </a:lvl7pPr>
-      <a:lvl8pPr marL="3200400" algn="l" defTabSz="914400" rtl="0" eaLnBrk="1" latinLnBrk="0" hangingPunct="1">
+      <a:lvl8pPr marL="3200320" algn="l" defTabSz="914377" rtl="0" eaLnBrk="1" latinLnBrk="0" hangingPunct="1">
         <a:defRPr sz="1800" kern="1200">
           <a:solidFill>
             <a:schemeClr val="tx1"/>
@@ -3307,7 +3311,7 @@
           <a:cs typeface="+mn-cs"/>
         </a:defRPr>
       </a:lvl8pPr>
-      <a:lvl9pPr marL="3657600" algn="l" defTabSz="914400" rtl="0" eaLnBrk="1" latinLnBrk="0" hangingPunct="1">
+      <a:lvl9pPr marL="3657509" algn="l" defTabSz="914377" rtl="0" eaLnBrk="1" latinLnBrk="0" hangingPunct="1">
         <a:defRPr sz="1800" kern="1200">
           <a:solidFill>
             <a:schemeClr val="tx1"/>
@@ -3413,6 +3417,938 @@
 </p:sld>
 </file>
 
+<file path=ppt/slides/slide10.xml><?xml version="1.0" encoding="utf-8"?>
+<p:sld xmlns:a="http://schemas.openxmlformats.org/drawingml/2006/main" xmlns:r="http://schemas.openxmlformats.org/officeDocument/2006/relationships" xmlns:p="http://schemas.openxmlformats.org/presentationml/2006/main">
+  <p:cSld>
+    <p:spTree>
+      <p:nvGrpSpPr>
+        <p:cNvPr id="1" name=""/>
+        <p:cNvGrpSpPr/>
+        <p:nvPr/>
+      </p:nvGrpSpPr>
+      <p:grpSpPr>
+        <a:xfrm>
+          <a:off x="0" y="0"/>
+          <a:ext cx="0" cy="0"/>
+          <a:chOff x="0" y="0"/>
+          <a:chExt cx="0" cy="0"/>
+        </a:xfrm>
+      </p:grpSpPr>
+      <p:sp>
+        <p:nvSpPr>
+          <p:cNvPr id="2" name="标题 1">
+            <a:extLst>
+              <a:ext uri="{FF2B5EF4-FFF2-40B4-BE49-F238E27FC236}">
+                <a16:creationId xmlns:a16="http://schemas.microsoft.com/office/drawing/2014/main" id="{0D16DDC7-7AE4-4A96-AF9B-9D515E4566B4}"/>
+              </a:ext>
+            </a:extLst>
+          </p:cNvPr>
+          <p:cNvSpPr>
+            <a:spLocks noGrp="1"/>
+          </p:cNvSpPr>
+          <p:nvPr>
+            <p:ph type="title"/>
+          </p:nvPr>
+        </p:nvSpPr>
+        <p:spPr>
+          <a:xfrm>
+            <a:off x="838200" y="365125"/>
+            <a:ext cx="685800" cy="3284008"/>
+          </a:xfrm>
+        </p:spPr>
+        <p:txBody>
+          <a:bodyPr>
+            <a:normAutofit fontScale="90000"/>
+          </a:bodyPr>
+          <a:lstStyle/>
+          <a:p>
+            <a:r>
+              <a:rPr lang="zh-CN" altLang="en-US" dirty="0"/>
+              <a:t>类似思路分析</a:t>
+            </a:r>
+          </a:p>
+        </p:txBody>
+      </p:sp>
+      <p:pic>
+        <p:nvPicPr>
+          <p:cNvPr id="4" name="内容占位符 3">
+            <a:extLst>
+              <a:ext uri="{FF2B5EF4-FFF2-40B4-BE49-F238E27FC236}">
+                <a16:creationId xmlns:a16="http://schemas.microsoft.com/office/drawing/2014/main" id="{F6769618-3D75-4ED2-8745-7D476C7597E5}"/>
+              </a:ext>
+            </a:extLst>
+          </p:cNvPr>
+          <p:cNvPicPr>
+            <a:picLocks noGrp="1" noChangeAspect="1"/>
+          </p:cNvPicPr>
+          <p:nvPr>
+            <p:ph idx="1"/>
+          </p:nvPr>
+        </p:nvPicPr>
+        <p:blipFill>
+          <a:blip r:embed="rId2"/>
+          <a:stretch>
+            <a:fillRect/>
+          </a:stretch>
+        </p:blipFill>
+        <p:spPr>
+          <a:xfrm>
+            <a:off x="2133603" y="-84814"/>
+            <a:ext cx="9934852" cy="7088932"/>
+          </a:xfrm>
+          <a:prstGeom prst="rect">
+            <a:avLst/>
+          </a:prstGeom>
+        </p:spPr>
+      </p:pic>
+      <p:sp>
+        <p:nvSpPr>
+          <p:cNvPr id="5" name="文本框 4">
+            <a:extLst>
+              <a:ext uri="{FF2B5EF4-FFF2-40B4-BE49-F238E27FC236}">
+                <a16:creationId xmlns:a16="http://schemas.microsoft.com/office/drawing/2014/main" id="{D10A5FE5-A3FC-454F-9ABF-09CBE44A9E7D}"/>
+              </a:ext>
+            </a:extLst>
+          </p:cNvPr>
+          <p:cNvSpPr txBox="1"/>
+          <p:nvPr/>
+        </p:nvSpPr>
+        <p:spPr>
+          <a:xfrm>
+            <a:off x="4406053" y="497841"/>
+            <a:ext cx="3616960" cy="276999"/>
+          </a:xfrm>
+          <a:prstGeom prst="rect">
+            <a:avLst/>
+          </a:prstGeom>
+          <a:noFill/>
+        </p:spPr>
+        <p:txBody>
+          <a:bodyPr wrap="square" rtlCol="0">
+            <a:spAutoFit/>
+          </a:bodyPr>
+          <a:lstStyle/>
+          <a:p>
+            <a:r>
+              <a:rPr lang="zh-CN" altLang="en-US" sz="1200" dirty="0">
+                <a:solidFill>
+                  <a:srgbClr val="FF0000"/>
+                </a:solidFill>
+              </a:rPr>
+              <a:t>前</a:t>
+            </a:r>
+            <a:r>
+              <a:rPr lang="en-US" altLang="zh-CN" sz="1200" dirty="0">
+                <a:solidFill>
+                  <a:srgbClr val="FF0000"/>
+                </a:solidFill>
+              </a:rPr>
+              <a:t>4096</a:t>
+            </a:r>
+            <a:r>
+              <a:rPr lang="zh-CN" altLang="en-US" sz="1200" dirty="0">
+                <a:solidFill>
+                  <a:srgbClr val="FF0000"/>
+                </a:solidFill>
+              </a:rPr>
+              <a:t>个线程 </a:t>
+            </a:r>
+            <a:r>
+              <a:rPr lang="en-US" altLang="zh-CN" sz="1200" dirty="0">
+                <a:solidFill>
+                  <a:srgbClr val="FF0000"/>
+                </a:solidFill>
+              </a:rPr>
+              <a:t>num</a:t>
+            </a:r>
+            <a:r>
+              <a:rPr lang="zh-CN" altLang="en-US" sz="1200" dirty="0">
+                <a:solidFill>
+                  <a:srgbClr val="FF0000"/>
+                </a:solidFill>
+              </a:rPr>
+              <a:t>为 </a:t>
+            </a:r>
+            <a:r>
+              <a:rPr lang="en-US" altLang="zh-CN" sz="1200" dirty="0">
+                <a:solidFill>
+                  <a:srgbClr val="FF0000"/>
+                </a:solidFill>
+              </a:rPr>
+              <a:t>0</a:t>
+            </a:r>
+            <a:r>
+              <a:rPr lang="zh-CN" altLang="en-US" sz="1200" dirty="0">
+                <a:solidFill>
+                  <a:srgbClr val="FF0000"/>
+                </a:solidFill>
+              </a:rPr>
+              <a:t>，随后每</a:t>
+            </a:r>
+            <a:r>
+              <a:rPr lang="en-US" altLang="zh-CN" sz="1200" dirty="0">
+                <a:solidFill>
+                  <a:srgbClr val="FF0000"/>
+                </a:solidFill>
+              </a:rPr>
+              <a:t>4096</a:t>
+            </a:r>
+            <a:r>
+              <a:rPr lang="zh-CN" altLang="en-US" sz="1200" dirty="0">
+                <a:solidFill>
+                  <a:srgbClr val="FF0000"/>
+                </a:solidFill>
+              </a:rPr>
+              <a:t>个线程</a:t>
+            </a:r>
+            <a:r>
+              <a:rPr lang="en-US" altLang="zh-CN" sz="1200" dirty="0">
+                <a:solidFill>
+                  <a:srgbClr val="FF0000"/>
+                </a:solidFill>
+              </a:rPr>
+              <a:t>num+1</a:t>
+            </a:r>
+            <a:endParaRPr lang="zh-CN" altLang="en-US" sz="1200" dirty="0">
+              <a:solidFill>
+                <a:srgbClr val="FF0000"/>
+              </a:solidFill>
+            </a:endParaRPr>
+          </a:p>
+        </p:txBody>
+      </p:sp>
+      <p:sp>
+        <p:nvSpPr>
+          <p:cNvPr id="6" name="文本框 5">
+            <a:extLst>
+              <a:ext uri="{FF2B5EF4-FFF2-40B4-BE49-F238E27FC236}">
+                <a16:creationId xmlns:a16="http://schemas.microsoft.com/office/drawing/2014/main" id="{35321816-336C-4504-85FB-7DAE3BA117C9}"/>
+              </a:ext>
+            </a:extLst>
+          </p:cNvPr>
+          <p:cNvSpPr txBox="1"/>
+          <p:nvPr/>
+        </p:nvSpPr>
+        <p:spPr>
+          <a:xfrm>
+            <a:off x="8390467" y="1109134"/>
+            <a:ext cx="2895600" cy="523220"/>
+          </a:xfrm>
+          <a:prstGeom prst="rect">
+            <a:avLst/>
+          </a:prstGeom>
+          <a:noFill/>
+        </p:spPr>
+        <p:txBody>
+          <a:bodyPr wrap="square" rtlCol="0">
+            <a:spAutoFit/>
+          </a:bodyPr>
+          <a:lstStyle/>
+          <a:p>
+            <a:r>
+              <a:rPr lang="en-US" altLang="zh-CN" sz="1400" dirty="0" err="1">
+                <a:solidFill>
+                  <a:srgbClr val="FF0000"/>
+                </a:solidFill>
+              </a:rPr>
+              <a:t>lgp</a:t>
+            </a:r>
+            <a:r>
+              <a:rPr lang="en-US" altLang="zh-CN" sz="1400" dirty="0">
+                <a:solidFill>
+                  <a:srgbClr val="FF0000"/>
+                </a:solidFill>
+              </a:rPr>
+              <a:t> </a:t>
+            </a:r>
+            <a:r>
+              <a:rPr lang="zh-CN" altLang="en-US" sz="1400" dirty="0">
+                <a:solidFill>
+                  <a:srgbClr val="FF0000"/>
+                </a:solidFill>
+              </a:rPr>
+              <a:t>表示要处理的物体，每个线程取对应位置的物体</a:t>
+            </a:r>
+          </a:p>
+        </p:txBody>
+      </p:sp>
+      <p:sp>
+        <p:nvSpPr>
+          <p:cNvPr id="7" name="文本框 6">
+            <a:extLst>
+              <a:ext uri="{FF2B5EF4-FFF2-40B4-BE49-F238E27FC236}">
+                <a16:creationId xmlns:a16="http://schemas.microsoft.com/office/drawing/2014/main" id="{75DD1D46-8A81-4FB1-89F7-EF38D365AF14}"/>
+              </a:ext>
+            </a:extLst>
+          </p:cNvPr>
+          <p:cNvSpPr txBox="1"/>
+          <p:nvPr/>
+        </p:nvSpPr>
+        <p:spPr>
+          <a:xfrm>
+            <a:off x="8229601" y="3953934"/>
+            <a:ext cx="3335867" cy="1754326"/>
+          </a:xfrm>
+          <a:prstGeom prst="rect">
+            <a:avLst/>
+          </a:prstGeom>
+          <a:noFill/>
+        </p:spPr>
+        <p:txBody>
+          <a:bodyPr wrap="square" rtlCol="0">
+            <a:spAutoFit/>
+          </a:bodyPr>
+          <a:lstStyle/>
+          <a:p>
+            <a:r>
+              <a:rPr lang="zh-CN" altLang="en-US" dirty="0"/>
+              <a:t>每个线程做 </a:t>
+            </a:r>
+            <a:r>
+              <a:rPr lang="en-US" altLang="zh-CN" dirty="0"/>
+              <a:t>n/BLOCK_REDUN </a:t>
+            </a:r>
+            <a:r>
+              <a:rPr lang="zh-CN" altLang="en-US" dirty="0"/>
+              <a:t>次计算。</a:t>
+            </a:r>
+            <a:endParaRPr lang="en-US" altLang="zh-CN" dirty="0"/>
+          </a:p>
+          <a:p>
+            <a:endParaRPr lang="en-US" altLang="zh-CN" dirty="0"/>
+          </a:p>
+          <a:p>
+            <a:r>
+              <a:rPr lang="zh-CN" altLang="en-US" dirty="0"/>
+              <a:t>和前面分块算法的计算量是相同的，但是计算涉及的对象组成有所不同。</a:t>
+            </a:r>
+            <a:endParaRPr lang="en-US" altLang="zh-CN" dirty="0"/>
+          </a:p>
+        </p:txBody>
+      </p:sp>
+    </p:spTree>
+    <p:extLst>
+      <p:ext uri="{BB962C8B-B14F-4D97-AF65-F5344CB8AC3E}">
+        <p14:creationId xmlns:p14="http://schemas.microsoft.com/office/powerpoint/2010/main" val="3485968994"/>
+      </p:ext>
+    </p:extLst>
+  </p:cSld>
+  <p:clrMapOvr>
+    <a:masterClrMapping/>
+  </p:clrMapOvr>
+</p:sld>
+</file>
+
+<file path=ppt/slides/slide11.xml><?xml version="1.0" encoding="utf-8"?>
+<p:sld xmlns:a="http://schemas.openxmlformats.org/drawingml/2006/main" xmlns:r="http://schemas.openxmlformats.org/officeDocument/2006/relationships" xmlns:p="http://schemas.openxmlformats.org/presentationml/2006/main">
+  <p:cSld>
+    <p:spTree>
+      <p:nvGrpSpPr>
+        <p:cNvPr id="1" name=""/>
+        <p:cNvGrpSpPr/>
+        <p:nvPr/>
+      </p:nvGrpSpPr>
+      <p:grpSpPr>
+        <a:xfrm>
+          <a:off x="0" y="0"/>
+          <a:ext cx="0" cy="0"/>
+          <a:chOff x="0" y="0"/>
+          <a:chExt cx="0" cy="0"/>
+        </a:xfrm>
+      </p:grpSpPr>
+      <p:sp>
+        <p:nvSpPr>
+          <p:cNvPr id="2" name="标题 1">
+            <a:extLst>
+              <a:ext uri="{FF2B5EF4-FFF2-40B4-BE49-F238E27FC236}">
+                <a16:creationId xmlns:a16="http://schemas.microsoft.com/office/drawing/2014/main" id="{9308EBD6-7813-4FA6-8B70-27FADDAA1C53}"/>
+              </a:ext>
+            </a:extLst>
+          </p:cNvPr>
+          <p:cNvSpPr>
+            <a:spLocks noGrp="1"/>
+          </p:cNvSpPr>
+          <p:nvPr>
+            <p:ph type="title"/>
+          </p:nvPr>
+        </p:nvSpPr>
+        <p:spPr/>
+        <p:txBody>
+          <a:bodyPr/>
+          <a:lstStyle/>
+          <a:p>
+            <a:r>
+              <a:rPr lang="zh-CN" altLang="en-US" dirty="0"/>
+              <a:t>性能分析</a:t>
+            </a:r>
+          </a:p>
+        </p:txBody>
+      </p:sp>
+      <p:pic>
+        <p:nvPicPr>
+          <p:cNvPr id="5" name="内容占位符 4">
+            <a:extLst>
+              <a:ext uri="{FF2B5EF4-FFF2-40B4-BE49-F238E27FC236}">
+                <a16:creationId xmlns:a16="http://schemas.microsoft.com/office/drawing/2014/main" id="{1F8E0E2B-B23A-452F-8674-4E086E553D6E}"/>
+              </a:ext>
+            </a:extLst>
+          </p:cNvPr>
+          <p:cNvPicPr>
+            <a:picLocks noGrp="1" noChangeAspect="1"/>
+          </p:cNvPicPr>
+          <p:nvPr>
+            <p:ph idx="1"/>
+          </p:nvPr>
+        </p:nvPicPr>
+        <p:blipFill>
+          <a:blip r:embed="rId2"/>
+          <a:stretch>
+            <a:fillRect/>
+          </a:stretch>
+        </p:blipFill>
+        <p:spPr>
+          <a:xfrm>
+            <a:off x="931253" y="1352272"/>
+            <a:ext cx="6683715" cy="1145395"/>
+          </a:xfrm>
+          <a:prstGeom prst="rect">
+            <a:avLst/>
+          </a:prstGeom>
+        </p:spPr>
+      </p:pic>
+      <p:pic>
+        <p:nvPicPr>
+          <p:cNvPr id="6" name="图片 5">
+            <a:extLst>
+              <a:ext uri="{FF2B5EF4-FFF2-40B4-BE49-F238E27FC236}">
+                <a16:creationId xmlns:a16="http://schemas.microsoft.com/office/drawing/2014/main" id="{8A670A6E-C314-4D55-91FF-D2E1B61353CC}"/>
+              </a:ext>
+            </a:extLst>
+          </p:cNvPr>
+          <p:cNvPicPr>
+            <a:picLocks noChangeAspect="1"/>
+          </p:cNvPicPr>
+          <p:nvPr/>
+        </p:nvPicPr>
+        <p:blipFill>
+          <a:blip r:embed="rId3"/>
+          <a:stretch>
+            <a:fillRect/>
+          </a:stretch>
+        </p:blipFill>
+        <p:spPr>
+          <a:xfrm>
+            <a:off x="931257" y="2427784"/>
+            <a:ext cx="7891015" cy="2009331"/>
+          </a:xfrm>
+          <a:prstGeom prst="rect">
+            <a:avLst/>
+          </a:prstGeom>
+        </p:spPr>
+      </p:pic>
+      <p:pic>
+        <p:nvPicPr>
+          <p:cNvPr id="7" name="图片 6">
+            <a:extLst>
+              <a:ext uri="{FF2B5EF4-FFF2-40B4-BE49-F238E27FC236}">
+                <a16:creationId xmlns:a16="http://schemas.microsoft.com/office/drawing/2014/main" id="{B905EC9C-1121-479D-BA33-BDFB1D7478F3}"/>
+              </a:ext>
+            </a:extLst>
+          </p:cNvPr>
+          <p:cNvPicPr>
+            <a:picLocks noChangeAspect="1"/>
+          </p:cNvPicPr>
+          <p:nvPr/>
+        </p:nvPicPr>
+        <p:blipFill>
+          <a:blip r:embed="rId4"/>
+          <a:stretch>
+            <a:fillRect/>
+          </a:stretch>
+        </p:blipFill>
+        <p:spPr>
+          <a:xfrm>
+            <a:off x="931252" y="4437113"/>
+            <a:ext cx="9220283" cy="1718715"/>
+          </a:xfrm>
+          <a:prstGeom prst="rect">
+            <a:avLst/>
+          </a:prstGeom>
+        </p:spPr>
+      </p:pic>
+      <p:sp>
+        <p:nvSpPr>
+          <p:cNvPr id="8" name="文本框 7">
+            <a:extLst>
+              <a:ext uri="{FF2B5EF4-FFF2-40B4-BE49-F238E27FC236}">
+                <a16:creationId xmlns:a16="http://schemas.microsoft.com/office/drawing/2014/main" id="{3038C292-56F9-4081-BE1A-B4FA683FCD07}"/>
+              </a:ext>
+            </a:extLst>
+          </p:cNvPr>
+          <p:cNvSpPr txBox="1"/>
+          <p:nvPr/>
+        </p:nvSpPr>
+        <p:spPr>
+          <a:xfrm>
+            <a:off x="9194801" y="1109134"/>
+            <a:ext cx="2624667" cy="2246769"/>
+          </a:xfrm>
+          <a:prstGeom prst="rect">
+            <a:avLst/>
+          </a:prstGeom>
+          <a:noFill/>
+        </p:spPr>
+        <p:txBody>
+          <a:bodyPr wrap="square" rtlCol="0">
+            <a:spAutoFit/>
+          </a:bodyPr>
+          <a:lstStyle/>
+          <a:p>
+            <a:pPr marL="342891" indent="-342891">
+              <a:buFont typeface="+mj-lt"/>
+              <a:buAutoNum type="arabicPeriod"/>
+            </a:pPr>
+            <a:r>
+              <a:rPr lang="zh-CN" altLang="en-US" sz="2000" dirty="0"/>
+              <a:t>占有率进一步得到提升，因为</a:t>
+            </a:r>
+            <a:r>
+              <a:rPr lang="en-US" altLang="zh-CN" sz="2000" dirty="0"/>
+              <a:t>BLOCK_SIZE </a:t>
+            </a:r>
+            <a:r>
+              <a:rPr lang="zh-CN" altLang="en-US" sz="2000" dirty="0"/>
+              <a:t>更大，调度效率更高。</a:t>
+            </a:r>
+            <a:endParaRPr lang="en-US" altLang="zh-CN" sz="2000" dirty="0"/>
+          </a:p>
+          <a:p>
+            <a:pPr marL="342891" indent="-342891">
+              <a:buFont typeface="+mj-lt"/>
+              <a:buAutoNum type="arabicPeriod"/>
+            </a:pPr>
+            <a:r>
+              <a:rPr lang="zh-CN" altLang="en-US" sz="2000" dirty="0"/>
+              <a:t>访存效率不高，内存利用率和分块算法类似。</a:t>
+            </a:r>
+          </a:p>
+        </p:txBody>
+      </p:sp>
+    </p:spTree>
+    <p:extLst>
+      <p:ext uri="{BB962C8B-B14F-4D97-AF65-F5344CB8AC3E}">
+        <p14:creationId xmlns:p14="http://schemas.microsoft.com/office/powerpoint/2010/main" val="2385025906"/>
+      </p:ext>
+    </p:extLst>
+  </p:cSld>
+  <p:clrMapOvr>
+    <a:masterClrMapping/>
+  </p:clrMapOvr>
+</p:sld>
+</file>
+
+<file path=ppt/slides/slide12.xml><?xml version="1.0" encoding="utf-8"?>
+<p:sld xmlns:a="http://schemas.openxmlformats.org/drawingml/2006/main" xmlns:r="http://schemas.openxmlformats.org/officeDocument/2006/relationships" xmlns:p="http://schemas.openxmlformats.org/presentationml/2006/main">
+  <p:cSld>
+    <p:spTree>
+      <p:nvGrpSpPr>
+        <p:cNvPr id="1" name=""/>
+        <p:cNvGrpSpPr/>
+        <p:nvPr/>
+      </p:nvGrpSpPr>
+      <p:grpSpPr>
+        <a:xfrm>
+          <a:off x="0" y="0"/>
+          <a:ext cx="0" cy="0"/>
+          <a:chOff x="0" y="0"/>
+          <a:chExt cx="0" cy="0"/>
+        </a:xfrm>
+      </p:grpSpPr>
+      <p:sp>
+        <p:nvSpPr>
+          <p:cNvPr id="2" name="标题 1">
+            <a:extLst>
+              <a:ext uri="{FF2B5EF4-FFF2-40B4-BE49-F238E27FC236}">
+                <a16:creationId xmlns:a16="http://schemas.microsoft.com/office/drawing/2014/main" id="{A7C67B6E-9403-492C-9F33-BFBA8F012D72}"/>
+              </a:ext>
+            </a:extLst>
+          </p:cNvPr>
+          <p:cNvSpPr>
+            <a:spLocks noGrp="1"/>
+          </p:cNvSpPr>
+          <p:nvPr>
+            <p:ph type="title"/>
+          </p:nvPr>
+        </p:nvSpPr>
+        <p:spPr/>
+        <p:txBody>
+          <a:bodyPr/>
+          <a:lstStyle/>
+          <a:p>
+            <a:r>
+              <a:rPr lang="zh-CN" altLang="en-US" dirty="0"/>
+              <a:t>对比分析</a:t>
+            </a:r>
+          </a:p>
+        </p:txBody>
+      </p:sp>
+      <p:sp>
+        <p:nvSpPr>
+          <p:cNvPr id="3" name="内容占位符 2">
+            <a:extLst>
+              <a:ext uri="{FF2B5EF4-FFF2-40B4-BE49-F238E27FC236}">
+                <a16:creationId xmlns:a16="http://schemas.microsoft.com/office/drawing/2014/main" id="{F7627589-C871-41A1-BDBF-BF43E368A048}"/>
+              </a:ext>
+            </a:extLst>
+          </p:cNvPr>
+          <p:cNvSpPr>
+            <a:spLocks noGrp="1"/>
+          </p:cNvSpPr>
+          <p:nvPr>
+            <p:ph idx="1"/>
+          </p:nvPr>
+        </p:nvSpPr>
+        <p:spPr/>
+        <p:txBody>
+          <a:bodyPr/>
+          <a:lstStyle/>
+          <a:p>
+            <a:r>
+              <a:rPr lang="zh-CN" altLang="en-US" dirty="0"/>
+              <a:t>每个线程计算量一致，但是计算内容的设计有所不同。</a:t>
+            </a:r>
+            <a:endParaRPr lang="en-US" altLang="zh-CN" dirty="0"/>
+          </a:p>
+          <a:p>
+            <a:r>
+              <a:rPr lang="zh-CN" altLang="en-US" dirty="0"/>
+              <a:t>访存设计不同，两种思路调整达到最高使用的</a:t>
+            </a:r>
+            <a:r>
+              <a:rPr lang="en-US" altLang="zh-CN" dirty="0" err="1"/>
+              <a:t>shared_memory</a:t>
+            </a:r>
+            <a:r>
+              <a:rPr lang="zh-CN" altLang="en-US" dirty="0"/>
+              <a:t>大小不一样。</a:t>
+            </a:r>
+            <a:endParaRPr lang="en-US" altLang="zh-CN" dirty="0"/>
+          </a:p>
+          <a:p>
+            <a:r>
+              <a:rPr lang="zh-CN" altLang="en-US" dirty="0"/>
+              <a:t>第二种思路的判断逻辑出现了 </a:t>
+            </a:r>
+            <a:r>
+              <a:rPr lang="en-US" altLang="zh-CN" dirty="0"/>
+              <a:t>control divergence</a:t>
+            </a:r>
+          </a:p>
+          <a:p>
+            <a:endParaRPr lang="en-US" altLang="zh-CN" dirty="0"/>
+          </a:p>
+          <a:p>
+            <a:endParaRPr lang="en-US" altLang="zh-CN" dirty="0"/>
+          </a:p>
+          <a:p>
+            <a:r>
+              <a:rPr lang="zh-CN" altLang="en-US" dirty="0"/>
+              <a:t>下图是第一种思路的分支效率指标</a:t>
+            </a:r>
+            <a:endParaRPr lang="en-US" altLang="zh-CN" dirty="0"/>
+          </a:p>
+          <a:p>
+            <a:pPr marL="0" indent="0">
+              <a:buNone/>
+            </a:pPr>
+            <a:endParaRPr lang="en-US" altLang="zh-CN" dirty="0"/>
+          </a:p>
+          <a:p>
+            <a:pPr marL="0" indent="0">
+              <a:buNone/>
+            </a:pPr>
+            <a:endParaRPr lang="zh-CN" altLang="en-US" dirty="0"/>
+          </a:p>
+        </p:txBody>
+      </p:sp>
+      <p:pic>
+        <p:nvPicPr>
+          <p:cNvPr id="4" name="图片 3">
+            <a:extLst>
+              <a:ext uri="{FF2B5EF4-FFF2-40B4-BE49-F238E27FC236}">
+                <a16:creationId xmlns:a16="http://schemas.microsoft.com/office/drawing/2014/main" id="{738704A8-D3A5-4808-8A01-86DA7BD842A6}"/>
+              </a:ext>
+            </a:extLst>
+          </p:cNvPr>
+          <p:cNvPicPr>
+            <a:picLocks noChangeAspect="1"/>
+          </p:cNvPicPr>
+          <p:nvPr/>
+        </p:nvPicPr>
+        <p:blipFill>
+          <a:blip r:embed="rId2"/>
+          <a:stretch>
+            <a:fillRect/>
+          </a:stretch>
+        </p:blipFill>
+        <p:spPr>
+          <a:xfrm>
+            <a:off x="1120088" y="3693777"/>
+            <a:ext cx="9006045" cy="1033019"/>
+          </a:xfrm>
+          <a:prstGeom prst="rect">
+            <a:avLst/>
+          </a:prstGeom>
+        </p:spPr>
+      </p:pic>
+      <p:pic>
+        <p:nvPicPr>
+          <p:cNvPr id="5" name="图片 4">
+            <a:extLst>
+              <a:ext uri="{FF2B5EF4-FFF2-40B4-BE49-F238E27FC236}">
+                <a16:creationId xmlns:a16="http://schemas.microsoft.com/office/drawing/2014/main" id="{57C785CA-4C26-48FD-8CE8-BA0ED50F020B}"/>
+              </a:ext>
+            </a:extLst>
+          </p:cNvPr>
+          <p:cNvPicPr>
+            <a:picLocks noChangeAspect="1"/>
+          </p:cNvPicPr>
+          <p:nvPr/>
+        </p:nvPicPr>
+        <p:blipFill>
+          <a:blip r:embed="rId3"/>
+          <a:stretch>
+            <a:fillRect/>
+          </a:stretch>
+        </p:blipFill>
+        <p:spPr>
+          <a:xfrm>
+            <a:off x="1120089" y="5231291"/>
+            <a:ext cx="9214675" cy="1080612"/>
+          </a:xfrm>
+          <a:prstGeom prst="rect">
+            <a:avLst/>
+          </a:prstGeom>
+        </p:spPr>
+      </p:pic>
+    </p:spTree>
+    <p:extLst>
+      <p:ext uri="{BB962C8B-B14F-4D97-AF65-F5344CB8AC3E}">
+        <p14:creationId xmlns:p14="http://schemas.microsoft.com/office/powerpoint/2010/main" val="528518687"/>
+      </p:ext>
+    </p:extLst>
+  </p:cSld>
+  <p:clrMapOvr>
+    <a:masterClrMapping/>
+  </p:clrMapOvr>
+</p:sld>
+</file>
+
+<file path=ppt/slides/slide13.xml><?xml version="1.0" encoding="utf-8"?>
+<p:sld xmlns:a="http://schemas.openxmlformats.org/drawingml/2006/main" xmlns:r="http://schemas.openxmlformats.org/officeDocument/2006/relationships" xmlns:p="http://schemas.openxmlformats.org/presentationml/2006/main">
+  <p:cSld>
+    <p:spTree>
+      <p:nvGrpSpPr>
+        <p:cNvPr id="1" name=""/>
+        <p:cNvGrpSpPr/>
+        <p:nvPr/>
+      </p:nvGrpSpPr>
+      <p:grpSpPr>
+        <a:xfrm>
+          <a:off x="0" y="0"/>
+          <a:ext cx="0" cy="0"/>
+          <a:chOff x="0" y="0"/>
+          <a:chExt cx="0" cy="0"/>
+        </a:xfrm>
+      </p:grpSpPr>
+      <p:sp>
+        <p:nvSpPr>
+          <p:cNvPr id="2" name="标题 1">
+            <a:extLst>
+              <a:ext uri="{FF2B5EF4-FFF2-40B4-BE49-F238E27FC236}">
+                <a16:creationId xmlns:a16="http://schemas.microsoft.com/office/drawing/2014/main" id="{C3811FE0-93A5-4E16-8619-53D1B7AEA996}"/>
+              </a:ext>
+            </a:extLst>
+          </p:cNvPr>
+          <p:cNvSpPr>
+            <a:spLocks noGrp="1"/>
+          </p:cNvSpPr>
+          <p:nvPr>
+            <p:ph type="title"/>
+          </p:nvPr>
+        </p:nvSpPr>
+        <p:spPr/>
+        <p:txBody>
+          <a:bodyPr/>
+          <a:lstStyle/>
+          <a:p>
+            <a:r>
+              <a:rPr lang="zh-CN" altLang="en-US" dirty="0"/>
+              <a:t>优化总结</a:t>
+            </a:r>
+          </a:p>
+        </p:txBody>
+      </p:sp>
+      <p:sp>
+        <p:nvSpPr>
+          <p:cNvPr id="3" name="内容占位符 2">
+            <a:extLst>
+              <a:ext uri="{FF2B5EF4-FFF2-40B4-BE49-F238E27FC236}">
+                <a16:creationId xmlns:a16="http://schemas.microsoft.com/office/drawing/2014/main" id="{85EEF6F3-928C-4B88-AD59-F9A7145F050F}"/>
+              </a:ext>
+            </a:extLst>
+          </p:cNvPr>
+          <p:cNvSpPr>
+            <a:spLocks noGrp="1"/>
+          </p:cNvSpPr>
+          <p:nvPr>
+            <p:ph idx="1"/>
+          </p:nvPr>
+        </p:nvSpPr>
+        <p:spPr/>
+        <p:txBody>
+          <a:bodyPr>
+            <a:normAutofit/>
+          </a:bodyPr>
+          <a:lstStyle/>
+          <a:p>
+            <a:r>
+              <a:rPr lang="zh-CN" altLang="en-US" sz="2000" dirty="0"/>
+              <a:t>优先考虑使用 </a:t>
+            </a:r>
+            <a:r>
+              <a:rPr lang="en-US" altLang="zh-CN" sz="2000" dirty="0"/>
+              <a:t>shared memory</a:t>
+            </a:r>
+            <a:r>
+              <a:rPr lang="zh-CN" altLang="en-US" sz="2000" dirty="0"/>
+              <a:t>，这样的优化在大部分场景下都适用。</a:t>
+            </a:r>
+            <a:endParaRPr lang="en-US" altLang="zh-CN" sz="2000" dirty="0"/>
+          </a:p>
+          <a:p>
+            <a:r>
+              <a:rPr lang="zh-CN" altLang="en-US" sz="2000" dirty="0"/>
+              <a:t>多使用 </a:t>
+            </a:r>
+            <a:r>
+              <a:rPr lang="en-US" altLang="zh-CN" sz="2000" dirty="0" err="1"/>
+              <a:t>nvprof</a:t>
+            </a:r>
+            <a:r>
+              <a:rPr lang="en-US" altLang="zh-CN" sz="2000" dirty="0"/>
+              <a:t> </a:t>
+            </a:r>
+            <a:r>
+              <a:rPr lang="zh-CN" altLang="en-US" sz="2000" dirty="0"/>
+              <a:t>以及其多种 </a:t>
+            </a:r>
+            <a:r>
+              <a:rPr lang="en-US" altLang="zh-CN" sz="2000" dirty="0"/>
+              <a:t>metrics </a:t>
+            </a:r>
+            <a:r>
+              <a:rPr lang="zh-CN" altLang="en-US" sz="2000" dirty="0"/>
+              <a:t>来对程序进行分析</a:t>
+            </a:r>
+            <a:endParaRPr lang="en-US" altLang="zh-CN" sz="2000" dirty="0"/>
+          </a:p>
+          <a:p>
+            <a:r>
+              <a:rPr lang="zh-CN" altLang="en-US" sz="2000" dirty="0"/>
+              <a:t>分块，加大并行度的思路不一定适用于所有场景，我们测试了 </a:t>
+            </a:r>
+            <a:r>
+              <a:rPr lang="en-US" altLang="zh-CN" sz="2000" dirty="0" err="1"/>
+              <a:t>nbody</a:t>
+            </a:r>
+            <a:r>
+              <a:rPr lang="en-US" altLang="zh-CN" sz="2000" dirty="0"/>
+              <a:t> 15 </a:t>
+            </a:r>
+            <a:r>
+              <a:rPr lang="zh-CN" altLang="en-US" sz="2000" dirty="0"/>
+              <a:t>的性能，这样的分块思路只能带来 </a:t>
+            </a:r>
+            <a:r>
+              <a:rPr lang="en-US" altLang="zh-CN" sz="2000" dirty="0"/>
+              <a:t>30 Billion</a:t>
+            </a:r>
+            <a:r>
+              <a:rPr lang="zh-CN" altLang="en-US" sz="2000" dirty="0"/>
+              <a:t>左右的提升。</a:t>
+            </a:r>
+            <a:endParaRPr lang="en-US" altLang="zh-CN" sz="2000" dirty="0"/>
+          </a:p>
+          <a:p>
+            <a:r>
+              <a:rPr lang="zh-CN" altLang="en-US" sz="2000" dirty="0"/>
+              <a:t>各个 </a:t>
+            </a:r>
+            <a:r>
+              <a:rPr lang="en-US" altLang="zh-CN" sz="2000" dirty="0"/>
+              <a:t>metrics </a:t>
+            </a:r>
+            <a:r>
+              <a:rPr lang="zh-CN" altLang="en-US" sz="2000" dirty="0"/>
+              <a:t>的效果都是程序优化的一部分体现，某个参数达到最佳不能代表整体的最佳，要综合来看，结合提升。</a:t>
+            </a:r>
+            <a:endParaRPr lang="en-US" altLang="zh-CN" sz="2000" dirty="0"/>
+          </a:p>
+          <a:p>
+            <a:r>
+              <a:rPr lang="zh-CN" altLang="en-US" sz="2000" dirty="0"/>
+              <a:t>我们认为该程序仍有调整内存结构</a:t>
+            </a:r>
+            <a:r>
+              <a:rPr lang="en-US" altLang="zh-CN" sz="2000" dirty="0"/>
+              <a:t>(</a:t>
+            </a:r>
+            <a:r>
+              <a:rPr lang="zh-CN" altLang="en-US" sz="2000" dirty="0"/>
+              <a:t>提高内存利用率</a:t>
+            </a:r>
+            <a:r>
+              <a:rPr lang="en-US" altLang="zh-CN" sz="2000" dirty="0"/>
+              <a:t>)</a:t>
+            </a:r>
+            <a:r>
+              <a:rPr lang="zh-CN" altLang="en-US" sz="2000" dirty="0"/>
+              <a:t>，调节计算模型</a:t>
+            </a:r>
+            <a:r>
+              <a:rPr lang="en-US" altLang="zh-CN" sz="2000" dirty="0"/>
+              <a:t>(</a:t>
+            </a:r>
+            <a:r>
+              <a:rPr lang="zh-CN" altLang="en-US" sz="2000" dirty="0"/>
+              <a:t>提高占有率</a:t>
+            </a:r>
+            <a:r>
+              <a:rPr lang="en-US" altLang="zh-CN" sz="2000" dirty="0"/>
+              <a:t>)</a:t>
+            </a:r>
+            <a:r>
+              <a:rPr lang="zh-CN" altLang="en-US" sz="2000" dirty="0"/>
+              <a:t>等方法的优化方式，时间原因没有得到进一步的优化。</a:t>
+            </a:r>
+            <a:endParaRPr lang="en-US" altLang="zh-CN" sz="2000" dirty="0"/>
+          </a:p>
+        </p:txBody>
+      </p:sp>
+    </p:spTree>
+    <p:extLst>
+      <p:ext uri="{BB962C8B-B14F-4D97-AF65-F5344CB8AC3E}">
+        <p14:creationId xmlns:p14="http://schemas.microsoft.com/office/powerpoint/2010/main" val="2885200827"/>
+      </p:ext>
+    </p:extLst>
+  </p:cSld>
+  <p:clrMapOvr>
+    <a:masterClrMapping/>
+  </p:clrMapOvr>
+</p:sld>
+</file>
+
 <file path=ppt/slides/slide2.xml><?xml version="1.0" encoding="utf-8"?>
 <p:sld xmlns:a="http://schemas.openxmlformats.org/drawingml/2006/main" xmlns:r="http://schemas.openxmlformats.org/officeDocument/2006/relationships" xmlns:p="http://schemas.openxmlformats.org/presentationml/2006/main">
   <p:cSld>
@@ -3452,8 +4388,8 @@
         </p:blipFill>
         <p:spPr>
           <a:xfrm>
-            <a:off x="619936" y="5076226"/>
-            <a:ext cx="6347870" cy="1722397"/>
+            <a:off x="619939" y="5076227"/>
+            <a:ext cx="6347871" cy="1722397"/>
           </a:xfrm>
           <a:prstGeom prst="rect">
             <a:avLst/>
@@ -3517,8 +4453,8 @@
         </p:blipFill>
         <p:spPr>
           <a:xfrm>
-            <a:off x="838200" y="1521082"/>
-            <a:ext cx="4808338" cy="1907918"/>
+            <a:off x="838200" y="1521085"/>
+            <a:ext cx="4808339" cy="1907919"/>
           </a:xfrm>
           <a:prstGeom prst="rect">
             <a:avLst/>
@@ -3547,8 +4483,8 @@
         </p:blipFill>
         <p:spPr>
           <a:xfrm>
-            <a:off x="4680893" y="3318572"/>
-            <a:ext cx="2830214" cy="2122661"/>
+            <a:off x="4680897" y="3318572"/>
+            <a:ext cx="2830215" cy="2122661"/>
           </a:xfrm>
           <a:prstGeom prst="rect">
             <a:avLst/>
@@ -3569,7 +4505,7 @@
         </p:nvCxnSpPr>
         <p:spPr>
           <a:xfrm>
-            <a:off x="1312606" y="3112468"/>
+            <a:off x="1312607" y="3112473"/>
             <a:ext cx="0" cy="2760087"/>
           </a:xfrm>
           <a:prstGeom prst="straightConnector1">
@@ -3613,8 +4549,8 @@
         </p:nvCxnSpPr>
         <p:spPr>
           <a:xfrm flipV="1">
-            <a:off x="1342103" y="4173794"/>
-            <a:ext cx="3967316" cy="1698762"/>
+            <a:off x="1342106" y="4173793"/>
+            <a:ext cx="3967316" cy="1698763"/>
           </a:xfrm>
           <a:prstGeom prst="straightConnector1">
             <a:avLst/>
@@ -3657,8 +4593,8 @@
         </p:nvCxnSpPr>
         <p:spPr>
           <a:xfrm flipH="1">
-            <a:off x="1619864" y="3110286"/>
-            <a:ext cx="81116" cy="2827138"/>
+            <a:off x="1619867" y="3110285"/>
+            <a:ext cx="81116" cy="2827139"/>
           </a:xfrm>
           <a:prstGeom prst="straightConnector1">
             <a:avLst/>
@@ -3701,8 +4637,8 @@
         </p:nvCxnSpPr>
         <p:spPr>
           <a:xfrm flipH="1">
-            <a:off x="1864933" y="3110286"/>
-            <a:ext cx="145763" cy="2761178"/>
+            <a:off x="1864933" y="3110285"/>
+            <a:ext cx="145763" cy="2761179"/>
           </a:xfrm>
           <a:prstGeom prst="straightConnector1">
             <a:avLst/>
@@ -3746,7 +4682,7 @@
         <p:spPr>
           <a:xfrm flipH="1">
             <a:off x="2206183" y="3064949"/>
-            <a:ext cx="145706" cy="2872475"/>
+            <a:ext cx="145707" cy="2872475"/>
           </a:xfrm>
           <a:prstGeom prst="straightConnector1">
             <a:avLst/>
@@ -3789,8 +4725,8 @@
         </p:nvCxnSpPr>
         <p:spPr>
           <a:xfrm flipH="1">
-            <a:off x="2537273" y="3091794"/>
-            <a:ext cx="120537" cy="2779670"/>
+            <a:off x="2537277" y="3091797"/>
+            <a:ext cx="120537" cy="2779671"/>
           </a:xfrm>
           <a:prstGeom prst="straightConnector1">
             <a:avLst/>
@@ -3833,8 +4769,8 @@
         </p:nvCxnSpPr>
         <p:spPr>
           <a:xfrm flipH="1">
-            <a:off x="3242369" y="3091794"/>
-            <a:ext cx="70961" cy="2779670"/>
+            <a:off x="3242373" y="3091797"/>
+            <a:ext cx="70961" cy="2779671"/>
           </a:xfrm>
           <a:prstGeom prst="straightConnector1">
             <a:avLst/>
@@ -3877,7 +4813,7 @@
         </p:nvCxnSpPr>
         <p:spPr>
           <a:xfrm flipH="1">
-            <a:off x="3594111" y="3064949"/>
+            <a:off x="3594112" y="3064949"/>
             <a:ext cx="88459" cy="2872475"/>
           </a:xfrm>
           <a:prstGeom prst="straightConnector1">
@@ -3921,7 +4857,7 @@
         </p:nvCxnSpPr>
         <p:spPr>
           <a:xfrm flipH="1">
-            <a:off x="2860042" y="3073977"/>
+            <a:off x="2860043" y="3073977"/>
             <a:ext cx="88459" cy="2872475"/>
           </a:xfrm>
           <a:prstGeom prst="straightConnector1">
@@ -3965,8 +4901,8 @@
         </p:nvCxnSpPr>
         <p:spPr>
           <a:xfrm flipV="1">
-            <a:off x="2064270" y="4146033"/>
-            <a:ext cx="3967316" cy="1698762"/>
+            <a:off x="2064274" y="4146033"/>
+            <a:ext cx="3967316" cy="1698763"/>
           </a:xfrm>
           <a:prstGeom prst="straightConnector1">
             <a:avLst/>
@@ -4009,8 +4945,8 @@
         </p:nvCxnSpPr>
         <p:spPr>
           <a:xfrm flipV="1">
-            <a:off x="2657810" y="4205136"/>
-            <a:ext cx="3967316" cy="1698762"/>
+            <a:off x="2657814" y="4205136"/>
+            <a:ext cx="3967316" cy="1698763"/>
           </a:xfrm>
           <a:prstGeom prst="straightConnector1">
             <a:avLst/>
@@ -4051,7 +4987,7 @@
         </p:nvSpPr>
         <p:spPr>
           <a:xfrm>
-            <a:off x="165332" y="3924260"/>
+            <a:off x="165336" y="3924265"/>
             <a:ext cx="1574657" cy="923330"/>
           </a:xfrm>
           <a:prstGeom prst="rect">
@@ -4095,7 +5031,7 @@
         <p:spPr>
           <a:xfrm rot="16200000" flipH="1">
             <a:off x="5324168" y="2418735"/>
-            <a:ext cx="1297858" cy="973394"/>
+            <a:ext cx="1297859" cy="973395"/>
           </a:xfrm>
           <a:prstGeom prst="bentConnector3">
             <a:avLst>
@@ -4138,7 +5074,7 @@
         </p:nvSpPr>
         <p:spPr>
           <a:xfrm>
-            <a:off x="5973097" y="1690688"/>
+            <a:off x="5973101" y="1690691"/>
             <a:ext cx="1292204" cy="923330"/>
           </a:xfrm>
           <a:prstGeom prst="rect">
@@ -4178,7 +5114,7 @@
         </p:nvSpPr>
         <p:spPr>
           <a:xfrm>
-            <a:off x="8151222" y="1018903"/>
+            <a:off x="8151226" y="1018906"/>
             <a:ext cx="4040777" cy="4247317"/>
           </a:xfrm>
           <a:prstGeom prst="rect">
@@ -4205,7 +5141,7 @@
             </a:endParaRPr>
           </a:p>
           <a:p>
-            <a:pPr marL="342900" indent="-342900">
+            <a:pPr marL="342891" indent="-342891">
               <a:buFont typeface="+mj-lt"/>
               <a:buAutoNum type="arabicPeriod"/>
             </a:pPr>
@@ -4250,7 +5186,7 @@
             </a:endParaRPr>
           </a:p>
           <a:p>
-            <a:pPr marL="342900" indent="-342900">
+            <a:pPr marL="342891" indent="-342891">
               <a:buFont typeface="+mj-lt"/>
               <a:buAutoNum type="arabicPeriod"/>
             </a:pPr>
@@ -4267,7 +5203,7 @@
             </a:endParaRPr>
           </a:p>
           <a:p>
-            <a:pPr marL="800100" lvl="1" indent="-342900">
+            <a:pPr marL="800080" lvl="1" indent="-342891">
               <a:buFont typeface="+mj-lt"/>
               <a:buAutoNum type="arabicPeriod"/>
             </a:pPr>
@@ -4340,7 +5276,7 @@
             </a:endParaRPr>
           </a:p>
           <a:p>
-            <a:pPr marL="800100" lvl="1" indent="-342900">
+            <a:pPr marL="800080" lvl="1" indent="-342891">
               <a:buFont typeface="+mj-lt"/>
               <a:buAutoNum type="arabicPeriod"/>
             </a:pPr>
@@ -4399,7 +5335,7 @@
             </a:endParaRPr>
           </a:p>
           <a:p>
-            <a:pPr marL="800100" lvl="1" indent="-342900">
+            <a:pPr marL="800080" lvl="1" indent="-342891">
               <a:buFont typeface="+mj-lt"/>
               <a:buAutoNum type="arabicPeriod"/>
             </a:pPr>
@@ -4451,7 +5387,7 @@
             </a:endParaRPr>
           </a:p>
           <a:p>
-            <a:pPr marL="342900" indent="-342900">
+            <a:pPr marL="342891" indent="-342891">
               <a:buFont typeface="+mj-lt"/>
               <a:buAutoNum type="arabicPeriod"/>
             </a:pPr>
@@ -4589,7 +5525,7 @@
         </p:blipFill>
         <p:spPr>
           <a:xfrm>
-            <a:off x="5754329" y="987460"/>
+            <a:off x="5754333" y="987463"/>
             <a:ext cx="6884876" cy="5870540"/>
           </a:xfrm>
           <a:prstGeom prst="rect">
@@ -4691,8 +5627,8 @@
         </p:blipFill>
         <p:spPr>
           <a:xfrm>
-            <a:off x="838200" y="1607662"/>
-            <a:ext cx="7591830" cy="1141525"/>
+            <a:off x="838203" y="1607663"/>
+            <a:ext cx="7591831" cy="1141525"/>
           </a:xfrm>
           <a:prstGeom prst="rect">
             <a:avLst/>
@@ -4721,8 +5657,8 @@
         </p:blipFill>
         <p:spPr>
           <a:xfrm>
-            <a:off x="838200" y="2749187"/>
-            <a:ext cx="7494639" cy="1867146"/>
+            <a:off x="838205" y="2749187"/>
+            <a:ext cx="7494639" cy="1867147"/>
           </a:xfrm>
           <a:prstGeom prst="rect">
             <a:avLst/>
@@ -4743,7 +5679,7 @@
         </p:nvSpPr>
         <p:spPr>
           <a:xfrm>
-            <a:off x="8979829" y="1607662"/>
+            <a:off x="8979829" y="1607666"/>
             <a:ext cx="2764867" cy="2862322"/>
           </a:xfrm>
           <a:prstGeom prst="rect">
@@ -4757,7 +5693,7 @@
           </a:bodyPr>
           <a:lstStyle/>
           <a:p>
-            <a:pPr marL="342900" indent="-342900">
+            <a:pPr marL="342891" indent="-342891">
               <a:buFont typeface="+mj-lt"/>
               <a:buAutoNum type="arabicPeriod"/>
             </a:pPr>
@@ -4781,7 +5717,7 @@
             </a:endParaRPr>
           </a:p>
           <a:p>
-            <a:pPr marL="342900" indent="-342900">
+            <a:pPr marL="342891" indent="-342891">
               <a:buFont typeface="+mj-lt"/>
               <a:buAutoNum type="arabicPeriod"/>
             </a:pPr>
@@ -4812,7 +5748,7 @@
             </a:endParaRPr>
           </a:p>
           <a:p>
-            <a:pPr marL="342900" indent="-342900">
+            <a:pPr marL="342891" indent="-342891">
               <a:buFont typeface="+mj-lt"/>
               <a:buAutoNum type="arabicPeriod"/>
             </a:pPr>
@@ -4862,7 +5798,7 @@
         </p:blipFill>
         <p:spPr>
           <a:xfrm>
-            <a:off x="838200" y="4625728"/>
+            <a:off x="838203" y="4625732"/>
             <a:ext cx="10407732" cy="1888457"/>
           </a:xfrm>
           <a:prstGeom prst="rect">
@@ -4892,7 +5828,7 @@
         </p:blipFill>
         <p:spPr>
           <a:xfrm>
-            <a:off x="8979829" y="41377"/>
+            <a:off x="8979833" y="41378"/>
             <a:ext cx="2467633" cy="1488413"/>
           </a:xfrm>
           <a:prstGeom prst="rect">
@@ -4991,134 +5927,182 @@
           <a:lstStyle/>
           <a:p>
             <a:r>
-              <a:rPr lang="en-US" altLang="zh-CN" dirty="0" err="1"/>
+              <a:rPr lang="en-US" altLang="zh-CN" b="1" dirty="0" err="1"/>
               <a:t>achieved_occupancy</a:t>
             </a:r>
-            <a:endParaRPr lang="en-US" altLang="zh-CN" dirty="0"/>
+            <a:endParaRPr lang="en-US" altLang="zh-CN" b="1" dirty="0"/>
           </a:p>
           <a:p>
             <a:pPr marL="0" indent="0">
               <a:buNone/>
             </a:pPr>
             <a:r>
-              <a:rPr lang="zh-CN" altLang="en-US" sz="2400" dirty="0"/>
+              <a:rPr lang="zh-CN" altLang="en-US" sz="2000" dirty="0"/>
               <a:t>在</a:t>
             </a:r>
             <a:r>
-              <a:rPr lang="en-US" altLang="zh-CN" sz="2400" dirty="0"/>
+              <a:rPr lang="en-US" altLang="zh-CN" sz="2000" dirty="0"/>
               <a:t>SM</a:t>
             </a:r>
             <a:r>
-              <a:rPr lang="zh-CN" altLang="en-US" sz="2400" dirty="0"/>
+              <a:rPr lang="zh-CN" altLang="en-US" sz="2000" dirty="0"/>
               <a:t>上实际激活</a:t>
             </a:r>
             <a:r>
-              <a:rPr lang="en-US" altLang="zh-CN" sz="2400" dirty="0"/>
+              <a:rPr lang="en-US" altLang="zh-CN" sz="2000" dirty="0"/>
               <a:t>warp</a:t>
             </a:r>
             <a:r>
-              <a:rPr lang="zh-CN" altLang="en-US" sz="2400" dirty="0"/>
+              <a:rPr lang="zh-CN" altLang="en-US" sz="2000" dirty="0"/>
               <a:t>数量与理论最大激活</a:t>
             </a:r>
             <a:r>
-              <a:rPr lang="en-US" altLang="zh-CN" sz="2400" dirty="0"/>
+              <a:rPr lang="en-US" altLang="zh-CN" sz="2000" dirty="0"/>
               <a:t>warp</a:t>
             </a:r>
             <a:r>
-              <a:rPr lang="zh-CN" altLang="en-US" sz="2400" dirty="0"/>
+              <a:rPr lang="zh-CN" altLang="en-US" sz="2000" dirty="0"/>
               <a:t>数量之比。高的占用率不一定能提升性能，但低的占用率会降低内存延迟隐藏的作用。</a:t>
             </a:r>
-            <a:endParaRPr lang="en-US" altLang="zh-CN" sz="2400" dirty="0"/>
-          </a:p>
-          <a:p>
-            <a:r>
-              <a:rPr lang="en-US" altLang="zh-CN" dirty="0" err="1"/>
+            <a:endParaRPr lang="en-US" altLang="zh-CN" sz="2000" dirty="0"/>
+          </a:p>
+          <a:p>
+            <a:r>
+              <a:rPr lang="en-US" altLang="zh-CN" b="1" dirty="0" err="1"/>
               <a:t>gld_throughput</a:t>
             </a:r>
-            <a:endParaRPr lang="en-US" altLang="zh-CN" dirty="0"/>
+            <a:endParaRPr lang="en-US" altLang="zh-CN" b="1" dirty="0"/>
           </a:p>
           <a:p>
             <a:pPr marL="0" indent="0">
               <a:buNone/>
             </a:pPr>
             <a:r>
-              <a:rPr lang="zh-CN" altLang="en-US" sz="2400" dirty="0">
+              <a:rPr lang="zh-CN" altLang="en-US" sz="2000" dirty="0">
                 <a:latin typeface="+mn-ea"/>
               </a:rPr>
               <a:t>内存吞吐量，较高的</a:t>
             </a:r>
             <a:r>
-              <a:rPr lang="en-US" altLang="zh-CN" sz="2400" dirty="0">
+              <a:rPr lang="en-US" altLang="zh-CN" sz="2000" dirty="0">
                 <a:latin typeface="+mn-ea"/>
               </a:rPr>
               <a:t>load throughput</a:t>
             </a:r>
             <a:r>
-              <a:rPr lang="zh-CN" altLang="en-US" sz="2400" dirty="0">
+              <a:rPr lang="zh-CN" altLang="en-US" sz="2000" dirty="0">
                 <a:latin typeface="+mn-ea"/>
               </a:rPr>
               <a:t>也不一定就有较高的性能，可能会存在许多不必要的</a:t>
             </a:r>
             <a:r>
-              <a:rPr lang="en-US" altLang="zh-CN" sz="2400" dirty="0">
+              <a:rPr lang="en-US" altLang="zh-CN" sz="2000" dirty="0">
                 <a:latin typeface="+mn-ea"/>
               </a:rPr>
               <a:t>load</a:t>
             </a:r>
             <a:r>
-              <a:rPr lang="zh-CN" altLang="en-US" sz="2400" dirty="0">
+              <a:rPr lang="zh-CN" altLang="en-US" sz="2000" dirty="0">
                 <a:latin typeface="+mn-ea"/>
               </a:rPr>
               <a:t>操作，</a:t>
             </a:r>
             <a:r>
-              <a:rPr lang="en-US" altLang="zh-CN" sz="2400" dirty="0">
+              <a:rPr lang="en-US" altLang="zh-CN" sz="2000" dirty="0">
                 <a:latin typeface="+mn-ea"/>
               </a:rPr>
               <a:t>memory</a:t>
             </a:r>
             <a:r>
-              <a:rPr lang="zh-CN" altLang="en-US" sz="2400" dirty="0">
+              <a:rPr lang="zh-CN" altLang="en-US" sz="2000" dirty="0">
                 <a:latin typeface="+mn-ea"/>
               </a:rPr>
               <a:t>中存储格式未对齐，不连续等原因。</a:t>
             </a:r>
-            <a:endParaRPr lang="en-US" altLang="zh-CN" sz="2400" dirty="0">
+            <a:endParaRPr lang="en-US" altLang="zh-CN" sz="2000" dirty="0">
               <a:latin typeface="+mn-ea"/>
             </a:endParaRPr>
           </a:p>
           <a:p>
             <a:r>
-              <a:rPr lang="en-US" altLang="zh-CN" dirty="0" err="1"/>
+              <a:rPr lang="en-US" altLang="zh-CN" b="1" dirty="0" err="1"/>
               <a:t>gld_efficiency</a:t>
             </a:r>
-            <a:endParaRPr lang="en-US" altLang="zh-CN" dirty="0"/>
+            <a:endParaRPr lang="en-US" altLang="zh-CN" b="1" dirty="0"/>
           </a:p>
           <a:p>
             <a:pPr marL="0" indent="0">
               <a:buNone/>
             </a:pPr>
             <a:r>
-              <a:rPr lang="zh-CN" altLang="en-US" sz="2400" dirty="0"/>
+              <a:rPr lang="zh-CN" altLang="en-US" sz="2000" dirty="0"/>
               <a:t>我们确切需要的</a:t>
             </a:r>
             <a:r>
-              <a:rPr lang="en-US" altLang="zh-CN" sz="2400" dirty="0"/>
+              <a:rPr lang="en-US" altLang="zh-CN" sz="2000" dirty="0"/>
               <a:t>global load throughput</a:t>
             </a:r>
             <a:r>
-              <a:rPr lang="zh-CN" altLang="en-US" sz="2400" dirty="0"/>
+              <a:rPr lang="zh-CN" altLang="en-US" sz="2000" dirty="0"/>
               <a:t>与实际得到</a:t>
             </a:r>
             <a:r>
-              <a:rPr lang="en-US" altLang="zh-CN" sz="2400" dirty="0"/>
+              <a:rPr lang="en-US" altLang="zh-CN" sz="2000" dirty="0"/>
               <a:t>global load memory</a:t>
             </a:r>
             <a:r>
-              <a:rPr lang="zh-CN" altLang="en-US" sz="2400" dirty="0"/>
+              <a:rPr lang="zh-CN" altLang="en-US" sz="2000" dirty="0"/>
               <a:t>的比值</a:t>
             </a:r>
-            <a:endParaRPr lang="en-US" altLang="zh-CN" sz="2400" dirty="0"/>
+          </a:p>
+          <a:p>
+            <a:r>
+              <a:rPr lang="en-US" altLang="zh-CN" b="1" dirty="0" err="1"/>
+              <a:t>branch_efficiency</a:t>
+            </a:r>
+            <a:endParaRPr lang="en-US" altLang="zh-CN" b="1" dirty="0"/>
+          </a:p>
+          <a:p>
+            <a:pPr marL="0" indent="0">
+              <a:buNone/>
+            </a:pPr>
+            <a:r>
+              <a:rPr lang="zh-CN" altLang="en-US" sz="2000" dirty="0"/>
+              <a:t>查看分支效率，即 </a:t>
+            </a:r>
+            <a:r>
+              <a:rPr lang="en-US" altLang="zh-CN" sz="2000" dirty="0"/>
+              <a:t>(</a:t>
+            </a:r>
+            <a:r>
+              <a:rPr lang="zh-CN" altLang="en-US" sz="2000" dirty="0"/>
+              <a:t>分支数</a:t>
+            </a:r>
+            <a:r>
+              <a:rPr lang="en-US" altLang="zh-CN" sz="2000" dirty="0"/>
+              <a:t>-</a:t>
+            </a:r>
+            <a:r>
+              <a:rPr lang="zh-CN" altLang="en-US" sz="2000" dirty="0"/>
+              <a:t>分化分支数</a:t>
+            </a:r>
+            <a:r>
+              <a:rPr lang="en-US" altLang="zh-CN" sz="2000" dirty="0"/>
+              <a:t>)/</a:t>
+            </a:r>
+            <a:r>
+              <a:rPr lang="zh-CN" altLang="en-US" sz="2000" dirty="0"/>
+              <a:t>分支数，描述了是否出现</a:t>
+            </a:r>
+            <a:r>
+              <a:rPr lang="en-US" altLang="zh-CN" sz="2000" dirty="0"/>
+              <a:t>control divergence</a:t>
+            </a:r>
+            <a:r>
+              <a:rPr lang="zh-CN" altLang="en-US" sz="2000" dirty="0"/>
+              <a:t>的情况</a:t>
+            </a:r>
+            <a:endParaRPr lang="en-US" altLang="zh-CN" sz="2000" dirty="0"/>
           </a:p>
         </p:txBody>
       </p:sp>
@@ -5238,7 +6222,7 @@
         </p:blipFill>
         <p:spPr>
           <a:xfrm>
-            <a:off x="640754" y="1374669"/>
+            <a:off x="640758" y="1374669"/>
             <a:ext cx="5305356" cy="5483331"/>
           </a:xfrm>
           <a:prstGeom prst="rect">
@@ -5260,7 +6244,7 @@
         </p:nvSpPr>
         <p:spPr>
           <a:xfrm>
-            <a:off x="6555179" y="1808500"/>
+            <a:off x="6555183" y="1808500"/>
             <a:ext cx="4639807" cy="3693319"/>
           </a:xfrm>
           <a:prstGeom prst="rect">
@@ -5486,8 +6470,8 @@
         </p:blipFill>
         <p:spPr>
           <a:xfrm>
-            <a:off x="375680" y="5055365"/>
-            <a:ext cx="4902214" cy="923330"/>
+            <a:off x="375683" y="5055365"/>
+            <a:ext cx="4902215" cy="923331"/>
           </a:xfrm>
           <a:prstGeom prst="rect">
             <a:avLst/>
@@ -5516,8 +6500,8 @@
         </p:blipFill>
         <p:spPr>
           <a:xfrm>
-            <a:off x="375679" y="1690687"/>
-            <a:ext cx="5098846" cy="1901667"/>
+            <a:off x="375682" y="1690688"/>
+            <a:ext cx="5098847" cy="1901667"/>
           </a:xfrm>
           <a:prstGeom prst="rect">
             <a:avLst/>
@@ -5540,8 +6524,8 @@
         </p:nvCxnSpPr>
         <p:spPr>
           <a:xfrm flipH="1">
-            <a:off x="838200" y="2543802"/>
-            <a:ext cx="159328" cy="3156354"/>
+            <a:off x="838200" y="2543801"/>
+            <a:ext cx="159328" cy="3156355"/>
           </a:xfrm>
           <a:prstGeom prst="straightConnector1">
             <a:avLst/>
@@ -5581,8 +6565,8 @@
         </p:nvCxnSpPr>
         <p:spPr>
           <a:xfrm flipH="1">
-            <a:off x="1508166" y="2543802"/>
-            <a:ext cx="152401" cy="3156354"/>
+            <a:off x="1508170" y="2543801"/>
+            <a:ext cx="152401" cy="3156355"/>
           </a:xfrm>
           <a:prstGeom prst="straightConnector1">
             <a:avLst/>
@@ -5622,8 +6606,8 @@
         </p:nvCxnSpPr>
         <p:spPr>
           <a:xfrm flipH="1">
-            <a:off x="2113808" y="2543802"/>
-            <a:ext cx="186048" cy="3156354"/>
+            <a:off x="2113808" y="2543801"/>
+            <a:ext cx="186048" cy="3156355"/>
           </a:xfrm>
           <a:prstGeom prst="straightConnector1">
             <a:avLst/>
@@ -5663,8 +6647,8 @@
         </p:nvCxnSpPr>
         <p:spPr>
           <a:xfrm flipH="1">
-            <a:off x="2800976" y="2543802"/>
-            <a:ext cx="78792" cy="3156354"/>
+            <a:off x="2800976" y="2543801"/>
+            <a:ext cx="78792" cy="3156355"/>
           </a:xfrm>
           <a:prstGeom prst="straightConnector1">
             <a:avLst/>
@@ -5704,7 +6688,7 @@
         </p:nvCxnSpPr>
         <p:spPr>
           <a:xfrm>
-            <a:off x="4611586" y="3064337"/>
+            <a:off x="4611587" y="3064337"/>
             <a:ext cx="0" cy="2635819"/>
           </a:xfrm>
           <a:prstGeom prst="straightConnector1">
@@ -5743,8 +6727,8 @@
         </p:nvSpPr>
         <p:spPr>
           <a:xfrm>
-            <a:off x="3076205" y="3592354"/>
-            <a:ext cx="1721922" cy="923330"/>
+            <a:off x="3076205" y="3592358"/>
+            <a:ext cx="1721923" cy="923330"/>
           </a:xfrm>
           <a:prstGeom prst="rect">
             <a:avLst/>
@@ -5783,7 +6767,7 @@
         </p:nvSpPr>
         <p:spPr>
           <a:xfrm>
-            <a:off x="5189516" y="815006"/>
+            <a:off x="5189521" y="815010"/>
             <a:ext cx="2457575" cy="923330"/>
           </a:xfrm>
           <a:prstGeom prst="rect">
@@ -5831,7 +6815,7 @@
         </p:blipFill>
         <p:spPr>
           <a:xfrm>
-            <a:off x="6047510" y="1734512"/>
+            <a:off x="6047514" y="1734513"/>
             <a:ext cx="2906956" cy="1084179"/>
           </a:xfrm>
           <a:prstGeom prst="rect">
@@ -5861,7 +6845,7 @@
         </p:blipFill>
         <p:spPr>
           <a:xfrm>
-            <a:off x="8740710" y="1732843"/>
+            <a:off x="8740714" y="1732846"/>
             <a:ext cx="2906959" cy="1084180"/>
           </a:xfrm>
           <a:prstGeom prst="rect">
@@ -5891,8 +6875,8 @@
         </p:blipFill>
         <p:spPr>
           <a:xfrm>
-            <a:off x="8844074" y="2696838"/>
-            <a:ext cx="2803590" cy="1045628"/>
+            <a:off x="8844077" y="2696842"/>
+            <a:ext cx="2803591" cy="1045628"/>
           </a:xfrm>
           <a:prstGeom prst="rect">
             <a:avLst/>
@@ -5921,7 +6905,7 @@
         </p:blipFill>
         <p:spPr>
           <a:xfrm>
-            <a:off x="6047509" y="2659955"/>
+            <a:off x="6047509" y="2659956"/>
             <a:ext cx="2906955" cy="1084179"/>
           </a:xfrm>
           <a:prstGeom prst="rect">
@@ -5951,8 +6935,8 @@
         </p:blipFill>
         <p:spPr>
           <a:xfrm>
-            <a:off x="6418303" y="5055365"/>
-            <a:ext cx="5756201" cy="1084178"/>
+            <a:off x="6418308" y="5055365"/>
+            <a:ext cx="5756201" cy="1084179"/>
           </a:xfrm>
           <a:prstGeom prst="rect">
             <a:avLst/>
@@ -5975,7 +6959,7 @@
         </p:nvCxnSpPr>
         <p:spPr>
           <a:xfrm>
-            <a:off x="6423069" y="2243624"/>
+            <a:off x="6423073" y="2243629"/>
             <a:ext cx="506519" cy="3616255"/>
           </a:xfrm>
           <a:prstGeom prst="straightConnector1">
@@ -6016,8 +7000,8 @@
         </p:nvCxnSpPr>
         <p:spPr>
           <a:xfrm flipH="1">
-            <a:off x="6948470" y="2164289"/>
-            <a:ext cx="2152301" cy="3693922"/>
+            <a:off x="6948471" y="2164289"/>
+            <a:ext cx="2152301" cy="3693923"/>
           </a:xfrm>
           <a:prstGeom prst="straightConnector1">
             <a:avLst/>
@@ -6057,8 +7041,8 @@
         </p:nvCxnSpPr>
         <p:spPr>
           <a:xfrm>
-            <a:off x="6404187" y="3202044"/>
-            <a:ext cx="438162" cy="2656167"/>
+            <a:off x="6404187" y="3202049"/>
+            <a:ext cx="438163" cy="2656167"/>
           </a:xfrm>
           <a:prstGeom prst="straightConnector1">
             <a:avLst/>
@@ -6098,7 +7082,7 @@
         </p:nvCxnSpPr>
         <p:spPr>
           <a:xfrm flipH="1">
-            <a:off x="7089396" y="3109556"/>
+            <a:off x="7089400" y="3109561"/>
             <a:ext cx="2117497" cy="2748655"/>
           </a:xfrm>
           <a:prstGeom prst="straightConnector1">
@@ -6139,8 +7123,8 @@
         </p:nvCxnSpPr>
         <p:spPr>
           <a:xfrm>
-            <a:off x="7141187" y="2228673"/>
-            <a:ext cx="1379064" cy="3600246"/>
+            <a:off x="7141187" y="2228677"/>
+            <a:ext cx="1379064" cy="3600247"/>
           </a:xfrm>
           <a:prstGeom prst="straightConnector1">
             <a:avLst/>
@@ -6180,7 +7164,7 @@
         </p:nvCxnSpPr>
         <p:spPr>
           <a:xfrm flipH="1">
-            <a:off x="8634949" y="3158920"/>
+            <a:off x="8634953" y="3158925"/>
             <a:ext cx="1189849" cy="2669999"/>
           </a:xfrm>
           <a:prstGeom prst="straightConnector1">
@@ -6221,8 +7205,8 @@
         </p:nvCxnSpPr>
         <p:spPr>
           <a:xfrm flipH="1">
-            <a:off x="8539133" y="2274933"/>
-            <a:ext cx="1212429" cy="3553986"/>
+            <a:off x="8539134" y="2274933"/>
+            <a:ext cx="1212429" cy="3553987"/>
           </a:xfrm>
           <a:prstGeom prst="straightConnector1">
             <a:avLst/>
@@ -6262,7 +7246,7 @@
         </p:nvCxnSpPr>
         <p:spPr>
           <a:xfrm>
-            <a:off x="7124436" y="3163575"/>
+            <a:off x="7124441" y="3163575"/>
             <a:ext cx="1308575" cy="2665344"/>
           </a:xfrm>
           <a:prstGeom prst="straightConnector1">
@@ -6303,8 +7287,8 @@
         </p:nvCxnSpPr>
         <p:spPr>
           <a:xfrm>
-            <a:off x="6772539" y="2211127"/>
-            <a:ext cx="920316" cy="3600246"/>
+            <a:off x="6772542" y="2211130"/>
+            <a:ext cx="920316" cy="3600247"/>
           </a:xfrm>
           <a:prstGeom prst="straightConnector1">
             <a:avLst/>
@@ -6344,7 +7328,7 @@
         </p:nvCxnSpPr>
         <p:spPr>
           <a:xfrm flipH="1">
-            <a:off x="7885572" y="3158920"/>
+            <a:off x="7885573" y="3158920"/>
             <a:ext cx="1661779" cy="2652453"/>
           </a:xfrm>
           <a:prstGeom prst="straightConnector1">
@@ -6385,7 +7369,7 @@
         </p:nvCxnSpPr>
         <p:spPr>
           <a:xfrm>
-            <a:off x="6767450" y="3150292"/>
+            <a:off x="6767454" y="3150296"/>
             <a:ext cx="814665" cy="2661081"/>
           </a:xfrm>
           <a:prstGeom prst="straightConnector1">
@@ -6427,7 +7411,7 @@
         <p:spPr>
           <a:xfrm flipH="1">
             <a:off x="7774832" y="2211127"/>
-            <a:ext cx="1687642" cy="3617792"/>
+            <a:ext cx="1687643" cy="3617792"/>
           </a:xfrm>
           <a:prstGeom prst="straightConnector1">
             <a:avLst/>
@@ -6465,8 +7449,8 @@
         </p:nvSpPr>
         <p:spPr>
           <a:xfrm>
-            <a:off x="7925908" y="1432715"/>
-            <a:ext cx="2349726" cy="369332"/>
+            <a:off x="7925911" y="1432715"/>
+            <a:ext cx="2349727" cy="369332"/>
           </a:xfrm>
           <a:prstGeom prst="rect">
             <a:avLst/>
@@ -6490,6 +7474,69 @@
             <a:r>
               <a:rPr lang="zh-CN" altLang="en-US" dirty="0"/>
               <a:t>的时候</a:t>
+            </a:r>
+          </a:p>
+        </p:txBody>
+      </p:sp>
+      <p:sp>
+        <p:nvSpPr>
+          <p:cNvPr id="3" name="文本框 2">
+            <a:extLst>
+              <a:ext uri="{FF2B5EF4-FFF2-40B4-BE49-F238E27FC236}">
+                <a16:creationId xmlns:a16="http://schemas.microsoft.com/office/drawing/2014/main" id="{D06499E2-8DEE-4F26-B286-95A1BEE1868C}"/>
+              </a:ext>
+            </a:extLst>
+          </p:cNvPr>
+          <p:cNvSpPr txBox="1"/>
+          <p:nvPr/>
+        </p:nvSpPr>
+        <p:spPr>
+          <a:xfrm>
+            <a:off x="9573215" y="3867089"/>
+            <a:ext cx="2601291" cy="923330"/>
+          </a:xfrm>
+          <a:prstGeom prst="rect">
+            <a:avLst/>
+          </a:prstGeom>
+          <a:noFill/>
+        </p:spPr>
+        <p:txBody>
+          <a:bodyPr wrap="square" rtlCol="0">
+            <a:spAutoFit/>
+          </a:bodyPr>
+          <a:lstStyle/>
+          <a:p>
+            <a:r>
+              <a:rPr lang="zh-CN" altLang="en-US" dirty="0"/>
+              <a:t>这里的连线表示第 </a:t>
+            </a:r>
+            <a:r>
+              <a:rPr lang="en-US" altLang="zh-CN" dirty="0" err="1"/>
+              <a:t>i</a:t>
+            </a:r>
+            <a:r>
+              <a:rPr lang="en-US" altLang="zh-CN" dirty="0"/>
+              <a:t> </a:t>
+            </a:r>
+            <a:r>
+              <a:rPr lang="zh-CN" altLang="en-US" dirty="0"/>
+              <a:t>个线程处理第</a:t>
+            </a:r>
+            <a:r>
+              <a:rPr lang="en-US" altLang="zh-CN" dirty="0"/>
+              <a:t> </a:t>
+            </a:r>
+            <a:r>
+              <a:rPr lang="en-US" altLang="zh-CN" dirty="0" err="1"/>
+              <a:t>i</a:t>
+            </a:r>
+            <a:r>
+              <a:rPr lang="en-US" altLang="zh-CN" dirty="0"/>
+              <a:t> % n </a:t>
+            </a:r>
+            <a:r>
+              <a:rPr lang="zh-CN" altLang="en-US" dirty="0"/>
+              <a:t>个位置的物体。</a:t>
             </a:r>
           </a:p>
         </p:txBody>
@@ -6599,7 +7646,7 @@
         </p:blipFill>
         <p:spPr>
           <a:xfrm>
-            <a:off x="6597252" y="507628"/>
+            <a:off x="6597256" y="507628"/>
             <a:ext cx="6423329" cy="6249432"/>
           </a:xfrm>
           <a:prstGeom prst="rect">
@@ -6637,6 +7684,73 @@
           </a:prstGeom>
         </p:spPr>
       </p:pic>
+      <p:sp>
+        <p:nvSpPr>
+          <p:cNvPr id="4" name="文本框 3">
+            <a:extLst>
+              <a:ext uri="{FF2B5EF4-FFF2-40B4-BE49-F238E27FC236}">
+                <a16:creationId xmlns:a16="http://schemas.microsoft.com/office/drawing/2014/main" id="{8E8028D6-3A92-407A-A103-36ACC6657028}"/>
+              </a:ext>
+            </a:extLst>
+          </p:cNvPr>
+          <p:cNvSpPr txBox="1"/>
+          <p:nvPr/>
+        </p:nvSpPr>
+        <p:spPr>
+          <a:xfrm>
+            <a:off x="10718803" y="3742273"/>
+            <a:ext cx="2132079" cy="923330"/>
+          </a:xfrm>
+          <a:prstGeom prst="rect">
+            <a:avLst/>
+          </a:prstGeom>
+          <a:noFill/>
+        </p:spPr>
+        <p:txBody>
+          <a:bodyPr wrap="square" rtlCol="0">
+            <a:spAutoFit/>
+          </a:bodyPr>
+          <a:lstStyle/>
+          <a:p>
+            <a:r>
+              <a:rPr lang="zh-CN" altLang="en-US" dirty="0">
+                <a:solidFill>
+                  <a:srgbClr val="FF0000"/>
+                </a:solidFill>
+              </a:rPr>
+              <a:t>每个线程计算 </a:t>
+            </a:r>
+            <a:endParaRPr lang="en-US" altLang="zh-CN" dirty="0">
+              <a:solidFill>
+                <a:srgbClr val="FF0000"/>
+              </a:solidFill>
+            </a:endParaRPr>
+          </a:p>
+          <a:p>
+            <a:r>
+              <a:rPr lang="en-US" altLang="zh-CN" dirty="0">
+                <a:solidFill>
+                  <a:srgbClr val="FF0000"/>
+                </a:solidFill>
+              </a:rPr>
+              <a:t>n / BLOCK_STRIDE </a:t>
+            </a:r>
+            <a:r>
+              <a:rPr lang="zh-CN" altLang="en-US" dirty="0">
+                <a:solidFill>
+                  <a:srgbClr val="FF0000"/>
+                </a:solidFill>
+              </a:rPr>
+              <a:t>次</a:t>
+            </a:r>
+            <a:endParaRPr lang="en-US" altLang="zh-CN" dirty="0">
+              <a:solidFill>
+                <a:srgbClr val="FF0000"/>
+              </a:solidFill>
+            </a:endParaRPr>
+          </a:p>
+        </p:txBody>
+      </p:sp>
     </p:spTree>
     <p:extLst>
       <p:ext uri="{BB962C8B-B14F-4D97-AF65-F5344CB8AC3E}">
@@ -6719,8 +7833,8 @@
         </p:blipFill>
         <p:spPr>
           <a:xfrm>
-            <a:off x="838200" y="1547996"/>
-            <a:ext cx="5261708" cy="815194"/>
+            <a:off x="838203" y="1547996"/>
+            <a:ext cx="5261708" cy="815195"/>
           </a:xfrm>
           <a:prstGeom prst="rect">
             <a:avLst/>
@@ -6749,8 +7863,8 @@
         </p:blipFill>
         <p:spPr>
           <a:xfrm>
-            <a:off x="173182" y="2426411"/>
-            <a:ext cx="8507681" cy="2005178"/>
+            <a:off x="173186" y="2426411"/>
+            <a:ext cx="8507681" cy="2005179"/>
           </a:xfrm>
           <a:prstGeom prst="rect">
             <a:avLst/>
@@ -6779,7 +7893,7 @@
         </p:blipFill>
         <p:spPr>
           <a:xfrm>
-            <a:off x="90055" y="4494811"/>
+            <a:off x="90059" y="4494814"/>
             <a:ext cx="10731887" cy="2033060"/>
           </a:xfrm>
           <a:prstGeom prst="rect">
@@ -6801,7 +7915,7 @@
         </p:nvSpPr>
         <p:spPr>
           <a:xfrm>
-            <a:off x="8680863" y="992280"/>
+            <a:off x="8680866" y="992281"/>
             <a:ext cx="3158836" cy="3139321"/>
           </a:xfrm>
           <a:prstGeom prst="rect">
@@ -6815,7 +7929,7 @@
           </a:bodyPr>
           <a:lstStyle/>
           <a:p>
-            <a:pPr marL="342900" indent="-342900">
+            <a:pPr marL="342891" indent="-342891">
               <a:buFont typeface="+mj-lt"/>
               <a:buAutoNum type="arabicPeriod"/>
             </a:pPr>
@@ -6833,7 +7947,7 @@
             </a:r>
           </a:p>
           <a:p>
-            <a:pPr marL="342900" indent="-342900">
+            <a:pPr marL="342891" indent="-342891">
               <a:buFont typeface="+mj-lt"/>
               <a:buAutoNum type="arabicPeriod"/>
             </a:pPr>
@@ -6852,7 +7966,7 @@
             <a:endParaRPr lang="en-US" altLang="zh-CN" dirty="0"/>
           </a:p>
           <a:p>
-            <a:pPr marL="342900" indent="-342900">
+            <a:pPr marL="342891" indent="-342891">
               <a:buFont typeface="+mj-lt"/>
               <a:buAutoNum type="arabicPeriod"/>
             </a:pPr>
@@ -6879,13 +7993,13 @@
             <a:endParaRPr lang="en-US" altLang="zh-CN" dirty="0"/>
           </a:p>
           <a:p>
-            <a:pPr marL="342900" indent="-342900">
+            <a:pPr marL="342891" indent="-342891">
               <a:buFont typeface="+mj-lt"/>
               <a:buAutoNum type="arabicPeriod"/>
             </a:pPr>
             <a:r>
               <a:rPr lang="zh-CN" altLang="en-US" dirty="0"/>
-              <a:t>再增加步长带宽最高可以达到</a:t>
+              <a:t>再增加步长，带宽最高可以达到</a:t>
             </a:r>
             <a:r>
               <a:rPr lang="en-US" altLang="zh-CN" dirty="0"/>
@@ -6897,7 +8011,7 @@
             </a:r>
             <a:r>
               <a:rPr lang="en-US" altLang="zh-CN" dirty="0"/>
-              <a:t>0.4</a:t>
+              <a:t>0.40</a:t>
             </a:r>
             <a:r>
               <a:rPr lang="zh-CN" altLang="en-US" dirty="0"/>

--- a/ppt/Cuda-nbody 优化思路.pptx
+++ b/ppt/Cuda-nbody 优化思路.pptx
@@ -4,6 +4,9 @@
   <p:sldMasterIdLst>
     <p:sldMasterId id="2147483648" r:id="rId1"/>
   </p:sldMasterIdLst>
+  <p:notesMasterIdLst>
+    <p:notesMasterId r:id="rId15"/>
+  </p:notesMasterIdLst>
   <p:sldIdLst>
     <p:sldId id="256" r:id="rId2"/>
     <p:sldId id="257" r:id="rId3"/>
@@ -124,6 +127,1348 @@
 </p:presentation>
 </file>
 
+<file path=ppt/notesMasters/notesMaster1.xml><?xml version="1.0" encoding="utf-8"?>
+<p:notesMaster xmlns:a="http://schemas.openxmlformats.org/drawingml/2006/main" xmlns:r="http://schemas.openxmlformats.org/officeDocument/2006/relationships" xmlns:p="http://schemas.openxmlformats.org/presentationml/2006/main">
+  <p:cSld>
+    <p:bg>
+      <p:bgRef idx="1001">
+        <a:schemeClr val="bg1"/>
+      </p:bgRef>
+    </p:bg>
+    <p:spTree>
+      <p:nvGrpSpPr>
+        <p:cNvPr id="1" name=""/>
+        <p:cNvGrpSpPr/>
+        <p:nvPr/>
+      </p:nvGrpSpPr>
+      <p:grpSpPr>
+        <a:xfrm>
+          <a:off x="0" y="0"/>
+          <a:ext cx="0" cy="0"/>
+          <a:chOff x="0" y="0"/>
+          <a:chExt cx="0" cy="0"/>
+        </a:xfrm>
+      </p:grpSpPr>
+      <p:sp>
+        <p:nvSpPr>
+          <p:cNvPr id="2" name="页眉占位符 1"/>
+          <p:cNvSpPr>
+            <a:spLocks noGrp="1"/>
+          </p:cNvSpPr>
+          <p:nvPr>
+            <p:ph type="hdr" sz="quarter"/>
+          </p:nvPr>
+        </p:nvSpPr>
+        <p:spPr>
+          <a:xfrm>
+            <a:off x="0" y="0"/>
+            <a:ext cx="2971800" cy="458788"/>
+          </a:xfrm>
+          <a:prstGeom prst="rect">
+            <a:avLst/>
+          </a:prstGeom>
+        </p:spPr>
+        <p:txBody>
+          <a:bodyPr vert="horz" lIns="91440" tIns="45720" rIns="91440" bIns="45720" rtlCol="0"/>
+          <a:lstStyle>
+            <a:lvl1pPr algn="l">
+              <a:defRPr sz="1200"/>
+            </a:lvl1pPr>
+          </a:lstStyle>
+          <a:p>
+            <a:endParaRPr kumimoji="1" lang="zh-CN" altLang="en-US"/>
+          </a:p>
+        </p:txBody>
+      </p:sp>
+      <p:sp>
+        <p:nvSpPr>
+          <p:cNvPr id="3" name="日期占位符 2"/>
+          <p:cNvSpPr>
+            <a:spLocks noGrp="1"/>
+          </p:cNvSpPr>
+          <p:nvPr>
+            <p:ph type="dt" idx="1"/>
+          </p:nvPr>
+        </p:nvSpPr>
+        <p:spPr>
+          <a:xfrm>
+            <a:off x="3884613" y="0"/>
+            <a:ext cx="2971800" cy="458788"/>
+          </a:xfrm>
+          <a:prstGeom prst="rect">
+            <a:avLst/>
+          </a:prstGeom>
+        </p:spPr>
+        <p:txBody>
+          <a:bodyPr vert="horz" lIns="91440" tIns="45720" rIns="91440" bIns="45720" rtlCol="0"/>
+          <a:lstStyle>
+            <a:lvl1pPr algn="r">
+              <a:defRPr sz="1200"/>
+            </a:lvl1pPr>
+          </a:lstStyle>
+          <a:p>
+            <a:fld id="{4B743BC4-317B-434F-B2B7-8D760DA1861D}" type="datetimeFigureOut">
+              <a:rPr kumimoji="1" lang="zh-CN" altLang="en-US" smtClean="0"/>
+              <a:t>2019/6/20</a:t>
+            </a:fld>
+            <a:endParaRPr kumimoji="1" lang="zh-CN" altLang="en-US"/>
+          </a:p>
+        </p:txBody>
+      </p:sp>
+      <p:sp>
+        <p:nvSpPr>
+          <p:cNvPr id="4" name="幻灯片图像占位符 3"/>
+          <p:cNvSpPr>
+            <a:spLocks noGrp="1" noRot="1" noChangeAspect="1"/>
+          </p:cNvSpPr>
+          <p:nvPr>
+            <p:ph type="sldImg" idx="2"/>
+          </p:nvPr>
+        </p:nvSpPr>
+        <p:spPr>
+          <a:xfrm>
+            <a:off x="685800" y="1143000"/>
+            <a:ext cx="5486400" cy="3086100"/>
+          </a:xfrm>
+          <a:prstGeom prst="rect">
+            <a:avLst/>
+          </a:prstGeom>
+          <a:noFill/>
+          <a:ln w="12700">
+            <a:solidFill>
+              <a:prstClr val="black"/>
+            </a:solidFill>
+          </a:ln>
+        </p:spPr>
+        <p:txBody>
+          <a:bodyPr vert="horz" lIns="91440" tIns="45720" rIns="91440" bIns="45720" rtlCol="0" anchor="ctr"/>
+          <a:lstStyle/>
+          <a:p>
+            <a:endParaRPr lang="zh-CN" altLang="en-US"/>
+          </a:p>
+        </p:txBody>
+      </p:sp>
+      <p:sp>
+        <p:nvSpPr>
+          <p:cNvPr id="5" name="备注占位符 4"/>
+          <p:cNvSpPr>
+            <a:spLocks noGrp="1"/>
+          </p:cNvSpPr>
+          <p:nvPr>
+            <p:ph type="body" sz="quarter" idx="3"/>
+          </p:nvPr>
+        </p:nvSpPr>
+        <p:spPr>
+          <a:xfrm>
+            <a:off x="685800" y="4400550"/>
+            <a:ext cx="5486400" cy="3600450"/>
+          </a:xfrm>
+          <a:prstGeom prst="rect">
+            <a:avLst/>
+          </a:prstGeom>
+        </p:spPr>
+        <p:txBody>
+          <a:bodyPr vert="horz" lIns="91440" tIns="45720" rIns="91440" bIns="45720" rtlCol="0"/>
+          <a:lstStyle/>
+          <a:p>
+            <a:pPr lvl="0"/>
+            <a:r>
+              <a:rPr kumimoji="1" lang="zh-CN" altLang="en-US" smtClean="0"/>
+              <a:t>单击此处编辑母版文本样式</a:t>
+            </a:r>
+          </a:p>
+          <a:p>
+            <a:pPr lvl="1"/>
+            <a:r>
+              <a:rPr kumimoji="1" lang="zh-CN" altLang="en-US" smtClean="0"/>
+              <a:t>二级</a:t>
+            </a:r>
+          </a:p>
+          <a:p>
+            <a:pPr lvl="2"/>
+            <a:r>
+              <a:rPr kumimoji="1" lang="zh-CN" altLang="en-US" smtClean="0"/>
+              <a:t>三级</a:t>
+            </a:r>
+          </a:p>
+          <a:p>
+            <a:pPr lvl="3"/>
+            <a:r>
+              <a:rPr kumimoji="1" lang="zh-CN" altLang="en-US" smtClean="0"/>
+              <a:t>四级</a:t>
+            </a:r>
+          </a:p>
+          <a:p>
+            <a:pPr lvl="4"/>
+            <a:r>
+              <a:rPr kumimoji="1" lang="zh-CN" altLang="en-US" smtClean="0"/>
+              <a:t>五级</a:t>
+            </a:r>
+            <a:endParaRPr kumimoji="1" lang="zh-CN" altLang="en-US"/>
+          </a:p>
+        </p:txBody>
+      </p:sp>
+      <p:sp>
+        <p:nvSpPr>
+          <p:cNvPr id="6" name="页脚占位符 5"/>
+          <p:cNvSpPr>
+            <a:spLocks noGrp="1"/>
+          </p:cNvSpPr>
+          <p:nvPr>
+            <p:ph type="ftr" sz="quarter" idx="4"/>
+          </p:nvPr>
+        </p:nvSpPr>
+        <p:spPr>
+          <a:xfrm>
+            <a:off x="0" y="8685213"/>
+            <a:ext cx="2971800" cy="458787"/>
+          </a:xfrm>
+          <a:prstGeom prst="rect">
+            <a:avLst/>
+          </a:prstGeom>
+        </p:spPr>
+        <p:txBody>
+          <a:bodyPr vert="horz" lIns="91440" tIns="45720" rIns="91440" bIns="45720" rtlCol="0" anchor="b"/>
+          <a:lstStyle>
+            <a:lvl1pPr algn="l">
+              <a:defRPr sz="1200"/>
+            </a:lvl1pPr>
+          </a:lstStyle>
+          <a:p>
+            <a:endParaRPr kumimoji="1" lang="zh-CN" altLang="en-US"/>
+          </a:p>
+        </p:txBody>
+      </p:sp>
+      <p:sp>
+        <p:nvSpPr>
+          <p:cNvPr id="7" name="幻灯片编号占位符 6"/>
+          <p:cNvSpPr>
+            <a:spLocks noGrp="1"/>
+          </p:cNvSpPr>
+          <p:nvPr>
+            <p:ph type="sldNum" sz="quarter" idx="5"/>
+          </p:nvPr>
+        </p:nvSpPr>
+        <p:spPr>
+          <a:xfrm>
+            <a:off x="3884613" y="8685213"/>
+            <a:ext cx="2971800" cy="458787"/>
+          </a:xfrm>
+          <a:prstGeom prst="rect">
+            <a:avLst/>
+          </a:prstGeom>
+        </p:spPr>
+        <p:txBody>
+          <a:bodyPr vert="horz" lIns="91440" tIns="45720" rIns="91440" bIns="45720" rtlCol="0" anchor="b"/>
+          <a:lstStyle>
+            <a:lvl1pPr algn="r">
+              <a:defRPr sz="1200"/>
+            </a:lvl1pPr>
+          </a:lstStyle>
+          <a:p>
+            <a:fld id="{81A77586-BD1D-8C4A-9A71-7FCC963615FD}" type="slidenum">
+              <a:rPr kumimoji="1" lang="zh-CN" altLang="en-US" smtClean="0"/>
+              <a:t>‹#›</a:t>
+            </a:fld>
+            <a:endParaRPr kumimoji="1" lang="zh-CN" altLang="en-US"/>
+          </a:p>
+        </p:txBody>
+      </p:sp>
+    </p:spTree>
+    <p:extLst>
+      <p:ext uri="{BB962C8B-B14F-4D97-AF65-F5344CB8AC3E}">
+        <p14:creationId xmlns:p14="http://schemas.microsoft.com/office/powerpoint/2010/main" val="616553140"/>
+      </p:ext>
+    </p:extLst>
+  </p:cSld>
+  <p:clrMap bg1="lt1" tx1="dk1" bg2="lt2" tx2="dk2" accent1="accent1" accent2="accent2" accent3="accent3" accent4="accent4" accent5="accent5" accent6="accent6" hlink="hlink" folHlink="folHlink"/>
+  <p:notesStyle>
+    <a:lvl1pPr marL="0" algn="l" defTabSz="914400" rtl="0" eaLnBrk="1" latinLnBrk="0" hangingPunct="1">
+      <a:defRPr sz="1200" kern="1200">
+        <a:solidFill>
+          <a:schemeClr val="tx1"/>
+        </a:solidFill>
+        <a:latin typeface="+mn-lt"/>
+        <a:ea typeface="+mn-ea"/>
+        <a:cs typeface="+mn-cs"/>
+      </a:defRPr>
+    </a:lvl1pPr>
+    <a:lvl2pPr marL="457200" algn="l" defTabSz="914400" rtl="0" eaLnBrk="1" latinLnBrk="0" hangingPunct="1">
+      <a:defRPr sz="1200" kern="1200">
+        <a:solidFill>
+          <a:schemeClr val="tx1"/>
+        </a:solidFill>
+        <a:latin typeface="+mn-lt"/>
+        <a:ea typeface="+mn-ea"/>
+        <a:cs typeface="+mn-cs"/>
+      </a:defRPr>
+    </a:lvl2pPr>
+    <a:lvl3pPr marL="914400" algn="l" defTabSz="914400" rtl="0" eaLnBrk="1" latinLnBrk="0" hangingPunct="1">
+      <a:defRPr sz="1200" kern="1200">
+        <a:solidFill>
+          <a:schemeClr val="tx1"/>
+        </a:solidFill>
+        <a:latin typeface="+mn-lt"/>
+        <a:ea typeface="+mn-ea"/>
+        <a:cs typeface="+mn-cs"/>
+      </a:defRPr>
+    </a:lvl3pPr>
+    <a:lvl4pPr marL="1371600" algn="l" defTabSz="914400" rtl="0" eaLnBrk="1" latinLnBrk="0" hangingPunct="1">
+      <a:defRPr sz="1200" kern="1200">
+        <a:solidFill>
+          <a:schemeClr val="tx1"/>
+        </a:solidFill>
+        <a:latin typeface="+mn-lt"/>
+        <a:ea typeface="+mn-ea"/>
+        <a:cs typeface="+mn-cs"/>
+      </a:defRPr>
+    </a:lvl4pPr>
+    <a:lvl5pPr marL="1828800" algn="l" defTabSz="914400" rtl="0" eaLnBrk="1" latinLnBrk="0" hangingPunct="1">
+      <a:defRPr sz="1200" kern="1200">
+        <a:solidFill>
+          <a:schemeClr val="tx1"/>
+        </a:solidFill>
+        <a:latin typeface="+mn-lt"/>
+        <a:ea typeface="+mn-ea"/>
+        <a:cs typeface="+mn-cs"/>
+      </a:defRPr>
+    </a:lvl5pPr>
+    <a:lvl6pPr marL="2286000" algn="l" defTabSz="914400" rtl="0" eaLnBrk="1" latinLnBrk="0" hangingPunct="1">
+      <a:defRPr sz="1200" kern="1200">
+        <a:solidFill>
+          <a:schemeClr val="tx1"/>
+        </a:solidFill>
+        <a:latin typeface="+mn-lt"/>
+        <a:ea typeface="+mn-ea"/>
+        <a:cs typeface="+mn-cs"/>
+      </a:defRPr>
+    </a:lvl6pPr>
+    <a:lvl7pPr marL="2743200" algn="l" defTabSz="914400" rtl="0" eaLnBrk="1" latinLnBrk="0" hangingPunct="1">
+      <a:defRPr sz="1200" kern="1200">
+        <a:solidFill>
+          <a:schemeClr val="tx1"/>
+        </a:solidFill>
+        <a:latin typeface="+mn-lt"/>
+        <a:ea typeface="+mn-ea"/>
+        <a:cs typeface="+mn-cs"/>
+      </a:defRPr>
+    </a:lvl7pPr>
+    <a:lvl8pPr marL="3200400" algn="l" defTabSz="914400" rtl="0" eaLnBrk="1" latinLnBrk="0" hangingPunct="1">
+      <a:defRPr sz="1200" kern="1200">
+        <a:solidFill>
+          <a:schemeClr val="tx1"/>
+        </a:solidFill>
+        <a:latin typeface="+mn-lt"/>
+        <a:ea typeface="+mn-ea"/>
+        <a:cs typeface="+mn-cs"/>
+      </a:defRPr>
+    </a:lvl8pPr>
+    <a:lvl9pPr marL="3657600" algn="l" defTabSz="914400" rtl="0" eaLnBrk="1" latinLnBrk="0" hangingPunct="1">
+      <a:defRPr sz="1200" kern="1200">
+        <a:solidFill>
+          <a:schemeClr val="tx1"/>
+        </a:solidFill>
+        <a:latin typeface="+mn-lt"/>
+        <a:ea typeface="+mn-ea"/>
+        <a:cs typeface="+mn-cs"/>
+      </a:defRPr>
+    </a:lvl9pPr>
+  </p:notesStyle>
+</p:notesMaster>
+</file>
+
+<file path=ppt/notesSlides/notesSlide1.xml><?xml version="1.0" encoding="utf-8"?>
+<p:notes xmlns:a="http://schemas.openxmlformats.org/drawingml/2006/main" xmlns:r="http://schemas.openxmlformats.org/officeDocument/2006/relationships" xmlns:p="http://schemas.openxmlformats.org/presentationml/2006/main">
+  <p:cSld>
+    <p:spTree>
+      <p:nvGrpSpPr>
+        <p:cNvPr id="1" name=""/>
+        <p:cNvGrpSpPr/>
+        <p:nvPr/>
+      </p:nvGrpSpPr>
+      <p:grpSpPr>
+        <a:xfrm>
+          <a:off x="0" y="0"/>
+          <a:ext cx="0" cy="0"/>
+          <a:chOff x="0" y="0"/>
+          <a:chExt cx="0" cy="0"/>
+        </a:xfrm>
+      </p:grpSpPr>
+      <p:sp>
+        <p:nvSpPr>
+          <p:cNvPr id="2" name="幻灯片图像占位符 1"/>
+          <p:cNvSpPr>
+            <a:spLocks noGrp="1" noRot="1" noChangeAspect="1"/>
+          </p:cNvSpPr>
+          <p:nvPr>
+            <p:ph type="sldImg"/>
+          </p:nvPr>
+        </p:nvSpPr>
+        <p:spPr/>
+      </p:sp>
+      <p:sp>
+        <p:nvSpPr>
+          <p:cNvPr id="3" name="备注占位符 2"/>
+          <p:cNvSpPr>
+            <a:spLocks noGrp="1"/>
+          </p:cNvSpPr>
+          <p:nvPr>
+            <p:ph type="body" idx="1"/>
+          </p:nvPr>
+        </p:nvSpPr>
+        <p:spPr/>
+        <p:txBody>
+          <a:bodyPr/>
+          <a:lstStyle/>
+          <a:p>
+            <a:pPr marL="0" marR="0" indent="0" algn="l" defTabSz="914400" rtl="0" eaLnBrk="1" fontAlgn="auto" latinLnBrk="0" hangingPunct="1">
+              <a:lnSpc>
+                <a:spcPct val="100000"/>
+              </a:lnSpc>
+              <a:spcBef>
+                <a:spcPts val="0"/>
+              </a:spcBef>
+              <a:spcAft>
+                <a:spcPts val="0"/>
+              </a:spcAft>
+              <a:buClrTx/>
+              <a:buSzTx/>
+              <a:buFontTx/>
+              <a:buNone/>
+              <a:tabLst/>
+              <a:defRPr/>
+            </a:pPr>
+            <a:r>
+              <a:rPr kumimoji="1" lang="zh-CN" altLang="en-US" dirty="0" smtClean="0"/>
+              <a:t>将数据从</a:t>
+            </a:r>
+            <a:r>
+              <a:rPr kumimoji="1" lang="en-US" altLang="zh-CN" dirty="0" smtClean="0"/>
+              <a:t>global</a:t>
+            </a:r>
+            <a:r>
+              <a:rPr kumimoji="1" lang="zh-CN" altLang="en-US" dirty="0" smtClean="0"/>
+              <a:t> </a:t>
+            </a:r>
+            <a:r>
+              <a:rPr kumimoji="1" lang="en-US" altLang="zh-CN" dirty="0" smtClean="0"/>
+              <a:t>memory</a:t>
+            </a:r>
+            <a:r>
+              <a:rPr kumimoji="1" lang="zh-CN" altLang="en-US" dirty="0" smtClean="0"/>
+              <a:t> 加载到 </a:t>
+            </a:r>
+            <a:r>
+              <a:rPr kumimoji="1" lang="en-US" altLang="zh-CN" dirty="0" smtClean="0"/>
+              <a:t>shared</a:t>
+            </a:r>
+            <a:r>
+              <a:rPr kumimoji="1" lang="zh-CN" altLang="en-US" dirty="0" smtClean="0"/>
+              <a:t> </a:t>
+            </a:r>
+            <a:r>
+              <a:rPr kumimoji="1" lang="en-US" altLang="zh-CN" dirty="0" smtClean="0"/>
+              <a:t>memory</a:t>
+            </a:r>
+            <a:r>
+              <a:rPr kumimoji="1" lang="zh-CN" altLang="en-US" dirty="0" smtClean="0"/>
+              <a:t> 中的时候，可以一开始就全部加载到</a:t>
+            </a:r>
+            <a:r>
+              <a:rPr kumimoji="1" lang="en-US" altLang="zh-CN" dirty="0" smtClean="0"/>
+              <a:t>shared</a:t>
+            </a:r>
+            <a:r>
+              <a:rPr kumimoji="1" lang="zh-CN" altLang="en-US" dirty="0" smtClean="0"/>
+              <a:t> </a:t>
+            </a:r>
+            <a:r>
+              <a:rPr kumimoji="1" lang="en-US" altLang="zh-CN" dirty="0" smtClean="0"/>
+              <a:t>memory</a:t>
+            </a:r>
+            <a:r>
+              <a:rPr kumimoji="1" lang="zh-CN" altLang="en-US" dirty="0" smtClean="0"/>
+              <a:t>中，但这样会使用大量的</a:t>
+            </a:r>
+            <a:r>
+              <a:rPr kumimoji="1" lang="en-US" altLang="zh-CN" dirty="0" smtClean="0"/>
+              <a:t>shared</a:t>
+            </a:r>
+            <a:r>
+              <a:rPr kumimoji="1" lang="zh-CN" altLang="en-US" dirty="0" smtClean="0"/>
+              <a:t> </a:t>
+            </a:r>
+            <a:r>
+              <a:rPr kumimoji="1" lang="en-US" altLang="zh-CN" dirty="0" smtClean="0"/>
+              <a:t>memory</a:t>
+            </a:r>
+            <a:r>
+              <a:rPr kumimoji="1" lang="zh-CN" altLang="en-US" dirty="0" smtClean="0"/>
+              <a:t>空间，所以采用按块加载的方式</a:t>
+            </a:r>
+          </a:p>
+        </p:txBody>
+      </p:sp>
+      <p:sp>
+        <p:nvSpPr>
+          <p:cNvPr id="4" name="幻灯片编号占位符 3"/>
+          <p:cNvSpPr>
+            <a:spLocks noGrp="1"/>
+          </p:cNvSpPr>
+          <p:nvPr>
+            <p:ph type="sldNum" sz="quarter" idx="10"/>
+          </p:nvPr>
+        </p:nvSpPr>
+        <p:spPr/>
+        <p:txBody>
+          <a:bodyPr/>
+          <a:lstStyle/>
+          <a:p>
+            <a:fld id="{81A77586-BD1D-8C4A-9A71-7FCC963615FD}" type="slidenum">
+              <a:rPr kumimoji="1" lang="zh-CN" altLang="en-US" smtClean="0"/>
+              <a:t>2</a:t>
+            </a:fld>
+            <a:endParaRPr kumimoji="1" lang="zh-CN" altLang="en-US"/>
+          </a:p>
+        </p:txBody>
+      </p:sp>
+    </p:spTree>
+    <p:extLst>
+      <p:ext uri="{BB962C8B-B14F-4D97-AF65-F5344CB8AC3E}">
+        <p14:creationId xmlns:p14="http://schemas.microsoft.com/office/powerpoint/2010/main" val="800027205"/>
+      </p:ext>
+    </p:extLst>
+  </p:cSld>
+  <p:clrMapOvr>
+    <a:masterClrMapping/>
+  </p:clrMapOvr>
+</p:notes>
+</file>
+
+<file path=ppt/notesSlides/notesSlide2.xml><?xml version="1.0" encoding="utf-8"?>
+<p:notes xmlns:a="http://schemas.openxmlformats.org/drawingml/2006/main" xmlns:r="http://schemas.openxmlformats.org/officeDocument/2006/relationships" xmlns:p="http://schemas.openxmlformats.org/presentationml/2006/main">
+  <p:cSld>
+    <p:spTree>
+      <p:nvGrpSpPr>
+        <p:cNvPr id="1" name=""/>
+        <p:cNvGrpSpPr/>
+        <p:nvPr/>
+      </p:nvGrpSpPr>
+      <p:grpSpPr>
+        <a:xfrm>
+          <a:off x="0" y="0"/>
+          <a:ext cx="0" cy="0"/>
+          <a:chOff x="0" y="0"/>
+          <a:chExt cx="0" cy="0"/>
+        </a:xfrm>
+      </p:grpSpPr>
+      <p:sp>
+        <p:nvSpPr>
+          <p:cNvPr id="2" name="幻灯片图像占位符 1"/>
+          <p:cNvSpPr>
+            <a:spLocks noGrp="1" noRot="1" noChangeAspect="1"/>
+          </p:cNvSpPr>
+          <p:nvPr>
+            <p:ph type="sldImg"/>
+          </p:nvPr>
+        </p:nvSpPr>
+        <p:spPr/>
+      </p:sp>
+      <p:sp>
+        <p:nvSpPr>
+          <p:cNvPr id="3" name="备注占位符 2"/>
+          <p:cNvSpPr>
+            <a:spLocks noGrp="1"/>
+          </p:cNvSpPr>
+          <p:nvPr>
+            <p:ph type="body" idx="1"/>
+          </p:nvPr>
+        </p:nvSpPr>
+        <p:spPr/>
+        <p:txBody>
+          <a:bodyPr/>
+          <a:lstStyle/>
+          <a:p>
+            <a:pPr marL="0" marR="0" indent="0" algn="l" defTabSz="914400" rtl="0" eaLnBrk="1" fontAlgn="auto" latinLnBrk="0" hangingPunct="1">
+              <a:lnSpc>
+                <a:spcPct val="100000"/>
+              </a:lnSpc>
+              <a:spcBef>
+                <a:spcPts val="0"/>
+              </a:spcBef>
+              <a:spcAft>
+                <a:spcPts val="0"/>
+              </a:spcAft>
+              <a:buClrTx/>
+              <a:buSzTx/>
+              <a:buFontTx/>
+              <a:buNone/>
+              <a:tabLst/>
+              <a:defRPr/>
+            </a:pPr>
+            <a:r>
+              <a:rPr kumimoji="1" lang="zh-CN" altLang="en-US" dirty="0" smtClean="0"/>
+              <a:t>由于再计算的时候，使用到了其他</a:t>
+            </a:r>
+            <a:r>
+              <a:rPr kumimoji="1" lang="en-US" altLang="zh-CN" dirty="0" smtClean="0"/>
+              <a:t>body</a:t>
+            </a:r>
+            <a:r>
+              <a:rPr kumimoji="1" lang="zh-CN" altLang="en-US" dirty="0" smtClean="0"/>
+              <a:t>的</a:t>
+            </a:r>
+            <a:r>
+              <a:rPr kumimoji="1" lang="en-US" altLang="zh-CN" dirty="0" smtClean="0"/>
+              <a:t>x</a:t>
+            </a:r>
+            <a:r>
+              <a:rPr kumimoji="1" lang="zh-CN" altLang="en-US" dirty="0" smtClean="0"/>
+              <a:t>，</a:t>
+            </a:r>
+            <a:r>
+              <a:rPr kumimoji="1" lang="en-US" altLang="zh-CN" dirty="0" smtClean="0"/>
+              <a:t>y</a:t>
+            </a:r>
+            <a:r>
+              <a:rPr kumimoji="1" lang="zh-CN" altLang="en-US" dirty="0" smtClean="0"/>
+              <a:t>，</a:t>
+            </a:r>
+            <a:r>
+              <a:rPr kumimoji="1" lang="en-US" altLang="zh-CN" dirty="0" smtClean="0"/>
+              <a:t>z</a:t>
+            </a:r>
+            <a:r>
+              <a:rPr kumimoji="1" lang="zh-CN" altLang="en-US" dirty="0" smtClean="0"/>
+              <a:t>的数据，为了进一步缩小</a:t>
+            </a:r>
+            <a:r>
+              <a:rPr kumimoji="1" lang="en-US" altLang="zh-CN" dirty="0" smtClean="0"/>
+              <a:t>shared</a:t>
+            </a:r>
+            <a:r>
+              <a:rPr kumimoji="1" lang="zh-CN" altLang="en-US" dirty="0" smtClean="0"/>
+              <a:t> </a:t>
+            </a:r>
+            <a:r>
+              <a:rPr kumimoji="1" lang="en-US" altLang="zh-CN" dirty="0" smtClean="0"/>
+              <a:t>memory</a:t>
+            </a:r>
+            <a:r>
+              <a:rPr kumimoji="1" lang="zh-CN" altLang="en-US" dirty="0" smtClean="0"/>
+              <a:t>的使用量，</a:t>
+            </a:r>
+            <a:r>
+              <a:rPr kumimoji="1" lang="en-US" altLang="zh-CN" dirty="0" smtClean="0"/>
+              <a:t>shared</a:t>
+            </a:r>
+            <a:r>
+              <a:rPr kumimoji="1" lang="zh-CN" altLang="en-US" dirty="0" smtClean="0"/>
+              <a:t> </a:t>
+            </a:r>
+            <a:r>
+              <a:rPr kumimoji="1" lang="en-US" altLang="zh-CN" dirty="0" smtClean="0"/>
+              <a:t>memory</a:t>
+            </a:r>
+            <a:r>
+              <a:rPr kumimoji="1" lang="zh-CN" altLang="en-US" dirty="0" smtClean="0"/>
+              <a:t> 中存储的数据可以只是一个</a:t>
+            </a:r>
+            <a:r>
+              <a:rPr kumimoji="1" lang="en-US" altLang="zh-CN" dirty="0" smtClean="0"/>
+              <a:t>float3</a:t>
+            </a:r>
+            <a:r>
+              <a:rPr kumimoji="1" lang="zh-CN" altLang="en-US" dirty="0" smtClean="0"/>
+              <a:t>类型（</a:t>
+            </a:r>
+            <a:r>
+              <a:rPr kumimoji="1" lang="en-US" altLang="zh-CN" dirty="0" smtClean="0"/>
+              <a:t>3</a:t>
+            </a:r>
+            <a:r>
+              <a:rPr kumimoji="1" lang="zh-CN" altLang="en-US" dirty="0" smtClean="0"/>
+              <a:t>个</a:t>
+            </a:r>
+            <a:r>
+              <a:rPr kumimoji="1" lang="en-US" altLang="zh-CN" dirty="0" smtClean="0"/>
+              <a:t>float</a:t>
+            </a:r>
+            <a:r>
+              <a:rPr kumimoji="1" lang="zh-CN" altLang="en-US" dirty="0" smtClean="0"/>
+              <a:t>）的数据来存储</a:t>
+            </a:r>
+            <a:r>
+              <a:rPr kumimoji="1" lang="en-US" altLang="zh-CN" dirty="0" smtClean="0"/>
+              <a:t>x</a:t>
+            </a:r>
+            <a:r>
+              <a:rPr kumimoji="1" lang="zh-CN" altLang="en-US" dirty="0" smtClean="0"/>
+              <a:t>，</a:t>
+            </a:r>
+            <a:r>
+              <a:rPr kumimoji="1" lang="en-US" altLang="zh-CN" dirty="0" smtClean="0"/>
+              <a:t>y</a:t>
+            </a:r>
+            <a:r>
+              <a:rPr kumimoji="1" lang="zh-CN" altLang="en-US" dirty="0" smtClean="0"/>
+              <a:t>，</a:t>
+            </a:r>
+            <a:r>
+              <a:rPr kumimoji="1" lang="en-US" altLang="zh-CN" dirty="0" smtClean="0"/>
+              <a:t>z</a:t>
+            </a:r>
+            <a:endParaRPr kumimoji="1" lang="zh-CN" altLang="en-US" dirty="0" smtClean="0"/>
+          </a:p>
+        </p:txBody>
+      </p:sp>
+      <p:sp>
+        <p:nvSpPr>
+          <p:cNvPr id="4" name="幻灯片编号占位符 3"/>
+          <p:cNvSpPr>
+            <a:spLocks noGrp="1"/>
+          </p:cNvSpPr>
+          <p:nvPr>
+            <p:ph type="sldNum" sz="quarter" idx="10"/>
+          </p:nvPr>
+        </p:nvSpPr>
+        <p:spPr/>
+        <p:txBody>
+          <a:bodyPr/>
+          <a:lstStyle/>
+          <a:p>
+            <a:fld id="{81A77586-BD1D-8C4A-9A71-7FCC963615FD}" type="slidenum">
+              <a:rPr kumimoji="1" lang="zh-CN" altLang="en-US" smtClean="0"/>
+              <a:t>3</a:t>
+            </a:fld>
+            <a:endParaRPr kumimoji="1" lang="zh-CN" altLang="en-US"/>
+          </a:p>
+        </p:txBody>
+      </p:sp>
+    </p:spTree>
+    <p:extLst>
+      <p:ext uri="{BB962C8B-B14F-4D97-AF65-F5344CB8AC3E}">
+        <p14:creationId xmlns:p14="http://schemas.microsoft.com/office/powerpoint/2010/main" val="145539063"/>
+      </p:ext>
+    </p:extLst>
+  </p:cSld>
+  <p:clrMapOvr>
+    <a:masterClrMapping/>
+  </p:clrMapOvr>
+</p:notes>
+</file>
+
+<file path=ppt/notesSlides/notesSlide3.xml><?xml version="1.0" encoding="utf-8"?>
+<p:notes xmlns:a="http://schemas.openxmlformats.org/drawingml/2006/main" xmlns:r="http://schemas.openxmlformats.org/officeDocument/2006/relationships" xmlns:p="http://schemas.openxmlformats.org/presentationml/2006/main">
+  <p:cSld>
+    <p:spTree>
+      <p:nvGrpSpPr>
+        <p:cNvPr id="1" name=""/>
+        <p:cNvGrpSpPr/>
+        <p:nvPr/>
+      </p:nvGrpSpPr>
+      <p:grpSpPr>
+        <a:xfrm>
+          <a:off x="0" y="0"/>
+          <a:ext cx="0" cy="0"/>
+          <a:chOff x="0" y="0"/>
+          <a:chExt cx="0" cy="0"/>
+        </a:xfrm>
+      </p:grpSpPr>
+      <p:sp>
+        <p:nvSpPr>
+          <p:cNvPr id="2" name="幻灯片图像占位符 1"/>
+          <p:cNvSpPr>
+            <a:spLocks noGrp="1" noRot="1" noChangeAspect="1"/>
+          </p:cNvSpPr>
+          <p:nvPr>
+            <p:ph type="sldImg"/>
+          </p:nvPr>
+        </p:nvSpPr>
+        <p:spPr/>
+      </p:sp>
+      <p:sp>
+        <p:nvSpPr>
+          <p:cNvPr id="3" name="备注占位符 2"/>
+          <p:cNvSpPr>
+            <a:spLocks noGrp="1"/>
+          </p:cNvSpPr>
+          <p:nvPr>
+            <p:ph type="body" idx="1"/>
+          </p:nvPr>
+        </p:nvSpPr>
+        <p:spPr/>
+        <p:txBody>
+          <a:bodyPr/>
+          <a:lstStyle/>
+          <a:p>
+            <a:pPr marL="0" marR="0" indent="0" algn="l" defTabSz="914400" rtl="0" eaLnBrk="1" fontAlgn="auto" latinLnBrk="0" hangingPunct="1">
+              <a:lnSpc>
+                <a:spcPct val="100000"/>
+              </a:lnSpc>
+              <a:spcBef>
+                <a:spcPts val="0"/>
+              </a:spcBef>
+              <a:spcAft>
+                <a:spcPts val="0"/>
+              </a:spcAft>
+              <a:buClrTx/>
+              <a:buSzTx/>
+              <a:buFontTx/>
+              <a:buNone/>
+              <a:tabLst/>
+              <a:defRPr/>
+            </a:pPr>
+            <a:r>
+              <a:rPr kumimoji="1" lang="zh-CN" altLang="en-US" dirty="0" smtClean="0"/>
+              <a:t>之前的代码是一个线程计算一个</a:t>
+            </a:r>
+            <a:r>
+              <a:rPr kumimoji="1" lang="en-US" altLang="zh-CN" dirty="0" smtClean="0"/>
+              <a:t>body</a:t>
+            </a:r>
+            <a:r>
+              <a:rPr kumimoji="1" lang="zh-CN" altLang="en-US" dirty="0" smtClean="0"/>
+              <a:t>受其它</a:t>
+            </a:r>
+            <a:r>
+              <a:rPr kumimoji="1" lang="en-US" altLang="zh-CN" dirty="0" smtClean="0"/>
+              <a:t>body</a:t>
+            </a:r>
+            <a:r>
+              <a:rPr kumimoji="1" lang="zh-CN" altLang="en-US" dirty="0" smtClean="0"/>
+              <a:t>的受力情况，现在是多个线程处理一个</a:t>
+            </a:r>
+            <a:r>
+              <a:rPr kumimoji="1" lang="en-US" altLang="zh-CN" dirty="0" smtClean="0"/>
+              <a:t>body</a:t>
+            </a:r>
+            <a:r>
+              <a:rPr kumimoji="1" lang="zh-CN" altLang="en-US" dirty="0" smtClean="0"/>
+              <a:t>受其他</a:t>
+            </a:r>
+            <a:r>
+              <a:rPr kumimoji="1" lang="en-US" altLang="zh-CN" dirty="0" smtClean="0"/>
+              <a:t>body</a:t>
+            </a:r>
+            <a:r>
+              <a:rPr kumimoji="1" lang="zh-CN" altLang="en-US" dirty="0" smtClean="0"/>
+              <a:t>的受力情况，例如当步长为</a:t>
+            </a:r>
+            <a:r>
+              <a:rPr kumimoji="1" lang="en-US" altLang="zh-CN" dirty="0" smtClean="0"/>
+              <a:t>4</a:t>
+            </a:r>
+            <a:r>
+              <a:rPr kumimoji="1" lang="zh-CN" altLang="en-US" dirty="0" smtClean="0"/>
+              <a:t>的时候，第</a:t>
+            </a:r>
+            <a:r>
+              <a:rPr kumimoji="1" lang="en-US" altLang="zh-CN" dirty="0" smtClean="0"/>
+              <a:t>0</a:t>
+            </a:r>
+            <a:r>
+              <a:rPr kumimoji="1" lang="zh-CN" altLang="en-US" dirty="0" smtClean="0"/>
+              <a:t>个</a:t>
+            </a:r>
+            <a:r>
+              <a:rPr kumimoji="1" lang="en-US" altLang="zh-CN" dirty="0" smtClean="0"/>
+              <a:t>block</a:t>
+            </a:r>
+            <a:r>
+              <a:rPr kumimoji="1" lang="zh-CN" altLang="en-US" dirty="0" smtClean="0"/>
+              <a:t>中的第一个线程处理的是第</a:t>
+            </a:r>
+            <a:r>
+              <a:rPr kumimoji="1" lang="en-US" altLang="zh-CN" dirty="0" smtClean="0"/>
+              <a:t>0</a:t>
+            </a:r>
+            <a:r>
+              <a:rPr kumimoji="1" lang="zh-CN" altLang="en-US" dirty="0" smtClean="0"/>
+              <a:t>个</a:t>
+            </a:r>
+            <a:r>
+              <a:rPr kumimoji="1" lang="en-US" altLang="zh-CN" dirty="0" smtClean="0"/>
+              <a:t>body</a:t>
+            </a:r>
+            <a:r>
+              <a:rPr kumimoji="1" lang="zh-CN" altLang="en-US" dirty="0" smtClean="0"/>
+              <a:t>和其他</a:t>
+            </a:r>
+            <a:r>
+              <a:rPr kumimoji="1" lang="en-US" altLang="zh-CN" dirty="0" smtClean="0"/>
+              <a:t>body</a:t>
+            </a:r>
+            <a:r>
+              <a:rPr kumimoji="1" lang="zh-CN" altLang="en-US" dirty="0" smtClean="0"/>
+              <a:t>的受力关系，第</a:t>
+            </a:r>
+            <a:r>
+              <a:rPr kumimoji="1" lang="en-US" altLang="zh-CN" dirty="0" smtClean="0"/>
+              <a:t>128</a:t>
+            </a:r>
+            <a:r>
+              <a:rPr kumimoji="1" lang="zh-CN" altLang="en-US" dirty="0" smtClean="0"/>
+              <a:t>个</a:t>
+            </a:r>
+            <a:r>
+              <a:rPr kumimoji="1" lang="en-US" altLang="zh-CN" dirty="0" smtClean="0"/>
+              <a:t>block</a:t>
+            </a:r>
+            <a:r>
+              <a:rPr kumimoji="1" lang="zh-CN" altLang="en-US" dirty="0" smtClean="0"/>
+              <a:t>、第</a:t>
+            </a:r>
+            <a:r>
+              <a:rPr kumimoji="1" lang="en-US" altLang="zh-CN" dirty="0" smtClean="0"/>
+              <a:t>256</a:t>
+            </a:r>
+            <a:r>
+              <a:rPr kumimoji="1" lang="zh-CN" altLang="en-US" dirty="0" smtClean="0"/>
+              <a:t>个</a:t>
+            </a:r>
+            <a:r>
+              <a:rPr kumimoji="1" lang="en-US" altLang="zh-CN" dirty="0" smtClean="0"/>
+              <a:t>block</a:t>
+            </a:r>
+            <a:r>
+              <a:rPr kumimoji="1" lang="zh-CN" altLang="en-US" dirty="0" smtClean="0"/>
+              <a:t>、第</a:t>
+            </a:r>
+            <a:r>
+              <a:rPr kumimoji="1" lang="en-US" altLang="zh-CN" dirty="0" smtClean="0"/>
+              <a:t>384</a:t>
+            </a:r>
+            <a:r>
+              <a:rPr kumimoji="1" lang="zh-CN" altLang="en-US" dirty="0" smtClean="0"/>
+              <a:t>个</a:t>
+            </a:r>
+            <a:r>
+              <a:rPr kumimoji="1" lang="en-US" altLang="zh-CN" dirty="0" smtClean="0"/>
+              <a:t>block</a:t>
+            </a:r>
+            <a:r>
+              <a:rPr kumimoji="1" lang="zh-CN" altLang="en-US" dirty="0" smtClean="0"/>
+              <a:t>中的第一个线程处理的仍然是第</a:t>
+            </a:r>
+            <a:r>
+              <a:rPr kumimoji="1" lang="en-US" altLang="zh-CN" dirty="0" smtClean="0"/>
+              <a:t>0</a:t>
+            </a:r>
+            <a:r>
+              <a:rPr kumimoji="1" lang="zh-CN" altLang="en-US" dirty="0" smtClean="0"/>
+              <a:t>个</a:t>
+            </a:r>
+            <a:r>
+              <a:rPr kumimoji="1" lang="en-US" altLang="zh-CN" dirty="0" smtClean="0"/>
+              <a:t>body</a:t>
+            </a:r>
+            <a:r>
+              <a:rPr kumimoji="1" lang="zh-CN" altLang="en-US" dirty="0" smtClean="0"/>
+              <a:t>和其他</a:t>
+            </a:r>
+            <a:r>
+              <a:rPr kumimoji="1" lang="en-US" altLang="zh-CN" dirty="0" smtClean="0"/>
+              <a:t>body</a:t>
+            </a:r>
+            <a:r>
+              <a:rPr kumimoji="1" lang="zh-CN" altLang="en-US" dirty="0" smtClean="0"/>
+              <a:t>的受力关系，因为有多个线程处理同一</a:t>
+            </a:r>
+            <a:r>
+              <a:rPr kumimoji="1" lang="en-US" altLang="zh-CN" dirty="0" smtClean="0"/>
+              <a:t>body</a:t>
+            </a:r>
+            <a:r>
+              <a:rPr kumimoji="1" lang="zh-CN" altLang="en-US" dirty="0" smtClean="0"/>
+              <a:t>和其他</a:t>
+            </a:r>
+            <a:r>
+              <a:rPr kumimoji="1" lang="en-US" altLang="zh-CN" dirty="0" smtClean="0"/>
+              <a:t>body</a:t>
+            </a:r>
+            <a:r>
+              <a:rPr kumimoji="1" lang="zh-CN" altLang="en-US" dirty="0" smtClean="0"/>
+              <a:t>的受力关系，所以每个线程需要处理的</a:t>
+            </a:r>
+            <a:r>
+              <a:rPr kumimoji="1" lang="en-US" altLang="zh-CN" dirty="0" smtClean="0"/>
+              <a:t>body</a:t>
+            </a:r>
+            <a:r>
+              <a:rPr kumimoji="1" lang="zh-CN" altLang="en-US" dirty="0" smtClean="0"/>
+              <a:t>数量就会变少，例如这里每个线程需要处理的</a:t>
+            </a:r>
+            <a:r>
+              <a:rPr kumimoji="1" lang="en-US" altLang="zh-CN" dirty="0" smtClean="0"/>
+              <a:t>body</a:t>
+            </a:r>
+            <a:r>
+              <a:rPr kumimoji="1" lang="zh-CN" altLang="en-US" dirty="0" smtClean="0"/>
+              <a:t>数就只有</a:t>
+            </a:r>
+            <a:r>
+              <a:rPr kumimoji="1" lang="en-US" altLang="zh-CN" dirty="0" smtClean="0"/>
+              <a:t>1024</a:t>
+            </a:r>
+            <a:r>
+              <a:rPr kumimoji="1" lang="zh-CN" altLang="en-US" dirty="0" smtClean="0"/>
+              <a:t>个。如果将</a:t>
+            </a:r>
+            <a:r>
+              <a:rPr kumimoji="1" lang="en-US" altLang="zh-CN" dirty="0" smtClean="0"/>
+              <a:t>body</a:t>
+            </a:r>
+            <a:r>
+              <a:rPr kumimoji="1" lang="zh-CN" altLang="en-US" dirty="0" smtClean="0"/>
+              <a:t>数组分块，那么就是第</a:t>
+            </a:r>
+            <a:r>
+              <a:rPr kumimoji="1" lang="en-US" altLang="zh-CN" dirty="0" smtClean="0"/>
+              <a:t>0</a:t>
+            </a:r>
+            <a:r>
+              <a:rPr kumimoji="1" lang="zh-CN" altLang="en-US" dirty="0" smtClean="0"/>
+              <a:t>个</a:t>
+            </a:r>
+            <a:r>
+              <a:rPr kumimoji="1" lang="en-US" altLang="zh-CN" dirty="0" smtClean="0"/>
+              <a:t>block</a:t>
+            </a:r>
+            <a:r>
+              <a:rPr kumimoji="1" lang="zh-CN" altLang="en-US" dirty="0" smtClean="0"/>
+              <a:t>的的第一个线程处理第</a:t>
+            </a:r>
+            <a:r>
+              <a:rPr kumimoji="1" lang="en-US" altLang="zh-CN" dirty="0" smtClean="0"/>
+              <a:t>0</a:t>
+            </a:r>
+            <a:r>
+              <a:rPr kumimoji="1" lang="zh-CN" altLang="en-US" dirty="0" smtClean="0"/>
+              <a:t>个</a:t>
+            </a:r>
+            <a:r>
+              <a:rPr kumimoji="1" lang="en-US" altLang="zh-CN" dirty="0" smtClean="0"/>
+              <a:t>body</a:t>
+            </a:r>
+            <a:r>
+              <a:rPr kumimoji="1" lang="zh-CN" altLang="en-US" dirty="0" smtClean="0"/>
+              <a:t>和</a:t>
+            </a:r>
+            <a:r>
+              <a:rPr kumimoji="1" lang="en-US" altLang="zh-CN" dirty="0" smtClean="0"/>
+              <a:t>0</a:t>
+            </a:r>
+            <a:r>
+              <a:rPr kumimoji="1" lang="zh-CN" altLang="en-US" dirty="0" smtClean="0"/>
+              <a:t>、</a:t>
+            </a:r>
+            <a:r>
+              <a:rPr kumimoji="1" lang="en-US" altLang="zh-CN" dirty="0" smtClean="0"/>
+              <a:t>4</a:t>
+            </a:r>
+            <a:r>
+              <a:rPr kumimoji="1" lang="zh-CN" altLang="en-US" dirty="0" smtClean="0"/>
+              <a:t>、</a:t>
+            </a:r>
+            <a:r>
+              <a:rPr kumimoji="1" lang="en-US" altLang="zh-CN" dirty="0" smtClean="0"/>
+              <a:t>8</a:t>
+            </a:r>
+            <a:r>
+              <a:rPr kumimoji="1" lang="zh-CN" altLang="en-US" dirty="0" smtClean="0"/>
+              <a:t>、</a:t>
+            </a:r>
+            <a:r>
+              <a:rPr kumimoji="1" lang="en-US" altLang="zh-CN" dirty="0" smtClean="0"/>
+              <a:t>...</a:t>
+            </a:r>
+            <a:r>
+              <a:rPr kumimoji="1" lang="zh-CN" altLang="en-US" dirty="0" smtClean="0"/>
+              <a:t>、</a:t>
+            </a:r>
+            <a:r>
+              <a:rPr kumimoji="1" lang="en-US" altLang="zh-CN" dirty="0" smtClean="0"/>
+              <a:t>128</a:t>
+            </a:r>
+            <a:r>
+              <a:rPr kumimoji="1" lang="zh-CN" altLang="en-US" dirty="0" smtClean="0"/>
+              <a:t>块中的</a:t>
+            </a:r>
+            <a:r>
+              <a:rPr kumimoji="1" lang="en-US" altLang="zh-CN" dirty="0" smtClean="0"/>
+              <a:t>body</a:t>
+            </a:r>
+            <a:r>
+              <a:rPr kumimoji="1" lang="zh-CN" altLang="en-US" dirty="0" smtClean="0"/>
+              <a:t>的受力关系，第</a:t>
+            </a:r>
+            <a:r>
+              <a:rPr kumimoji="1" lang="en-US" altLang="zh-CN" dirty="0" smtClean="0"/>
+              <a:t>128</a:t>
+            </a:r>
+            <a:r>
+              <a:rPr kumimoji="1" lang="zh-CN" altLang="en-US" dirty="0" smtClean="0"/>
+              <a:t>个</a:t>
+            </a:r>
+            <a:r>
+              <a:rPr kumimoji="1" lang="en-US" altLang="zh-CN" dirty="0" smtClean="0"/>
+              <a:t>block</a:t>
+            </a:r>
+            <a:r>
+              <a:rPr kumimoji="1" lang="zh-CN" altLang="en-US" dirty="0" smtClean="0"/>
+              <a:t>中的第</a:t>
+            </a:r>
+            <a:r>
+              <a:rPr kumimoji="1" lang="en-US" altLang="zh-CN" dirty="0" smtClean="0"/>
+              <a:t>0</a:t>
+            </a:r>
+            <a:r>
+              <a:rPr kumimoji="1" lang="zh-CN" altLang="en-US" dirty="0" smtClean="0"/>
+              <a:t>个线程处理第</a:t>
+            </a:r>
+            <a:r>
+              <a:rPr kumimoji="1" lang="en-US" altLang="zh-CN" dirty="0" smtClean="0"/>
+              <a:t>0</a:t>
+            </a:r>
+            <a:r>
+              <a:rPr kumimoji="1" lang="zh-CN" altLang="en-US" dirty="0" smtClean="0"/>
+              <a:t>个</a:t>
+            </a:r>
+            <a:r>
+              <a:rPr kumimoji="1" lang="en-US" altLang="zh-CN" dirty="0" smtClean="0"/>
+              <a:t>body</a:t>
+            </a:r>
+            <a:r>
+              <a:rPr kumimoji="1" lang="zh-CN" altLang="en-US" dirty="0" smtClean="0"/>
+              <a:t>和第</a:t>
+            </a:r>
+            <a:r>
+              <a:rPr kumimoji="1" lang="en-US" altLang="zh-CN" dirty="0" smtClean="0"/>
+              <a:t>1</a:t>
+            </a:r>
+            <a:r>
+              <a:rPr kumimoji="1" lang="zh-CN" altLang="en-US" dirty="0" smtClean="0"/>
+              <a:t>、</a:t>
+            </a:r>
+            <a:r>
+              <a:rPr kumimoji="1" lang="en-US" altLang="zh-CN" dirty="0" smtClean="0"/>
+              <a:t>5</a:t>
+            </a:r>
+            <a:r>
+              <a:rPr kumimoji="1" lang="zh-CN" altLang="en-US" dirty="0" smtClean="0"/>
+              <a:t>、</a:t>
+            </a:r>
+            <a:r>
+              <a:rPr kumimoji="1" lang="en-US" altLang="zh-CN" dirty="0" smtClean="0"/>
+              <a:t>9</a:t>
+            </a:r>
+            <a:r>
+              <a:rPr kumimoji="1" lang="zh-CN" altLang="en-US" dirty="0" smtClean="0"/>
+              <a:t>、</a:t>
+            </a:r>
+            <a:r>
+              <a:rPr kumimoji="1" lang="en-US" altLang="zh-CN" dirty="0" smtClean="0"/>
+              <a:t>...</a:t>
+            </a:r>
+            <a:r>
+              <a:rPr kumimoji="1" lang="zh-CN" altLang="en-US" dirty="0" smtClean="0"/>
+              <a:t>、</a:t>
+            </a:r>
+            <a:r>
+              <a:rPr kumimoji="1" lang="en-US" altLang="zh-CN" dirty="0" smtClean="0"/>
+              <a:t>125</a:t>
+            </a:r>
+            <a:r>
+              <a:rPr kumimoji="1" lang="zh-CN" altLang="en-US" dirty="0" smtClean="0"/>
+              <a:t>块中的</a:t>
+            </a:r>
+            <a:r>
+              <a:rPr kumimoji="1" lang="en-US" altLang="zh-CN" dirty="0" smtClean="0"/>
+              <a:t>body</a:t>
+            </a:r>
+            <a:r>
+              <a:rPr kumimoji="1" lang="zh-CN" altLang="en-US" dirty="0" smtClean="0"/>
+              <a:t>的受力关系，以此类推。</a:t>
+            </a:r>
+          </a:p>
+          <a:p>
+            <a:endParaRPr kumimoji="1" lang="zh-CN" altLang="en-US" dirty="0"/>
+          </a:p>
+        </p:txBody>
+      </p:sp>
+      <p:sp>
+        <p:nvSpPr>
+          <p:cNvPr id="4" name="幻灯片编号占位符 3"/>
+          <p:cNvSpPr>
+            <a:spLocks noGrp="1"/>
+          </p:cNvSpPr>
+          <p:nvPr>
+            <p:ph type="sldNum" sz="quarter" idx="10"/>
+          </p:nvPr>
+        </p:nvSpPr>
+        <p:spPr/>
+        <p:txBody>
+          <a:bodyPr/>
+          <a:lstStyle/>
+          <a:p>
+            <a:fld id="{81A77586-BD1D-8C4A-9A71-7FCC963615FD}" type="slidenum">
+              <a:rPr kumimoji="1" lang="zh-CN" altLang="en-US" smtClean="0"/>
+              <a:t>7</a:t>
+            </a:fld>
+            <a:endParaRPr kumimoji="1" lang="zh-CN" altLang="en-US"/>
+          </a:p>
+        </p:txBody>
+      </p:sp>
+    </p:spTree>
+    <p:extLst>
+      <p:ext uri="{BB962C8B-B14F-4D97-AF65-F5344CB8AC3E}">
+        <p14:creationId xmlns:p14="http://schemas.microsoft.com/office/powerpoint/2010/main" val="1002794192"/>
+      </p:ext>
+    </p:extLst>
+  </p:cSld>
+  <p:clrMapOvr>
+    <a:masterClrMapping/>
+  </p:clrMapOvr>
+</p:notes>
+</file>
+
+<file path=ppt/notesSlides/notesSlide4.xml><?xml version="1.0" encoding="utf-8"?>
+<p:notes xmlns:a="http://schemas.openxmlformats.org/drawingml/2006/main" xmlns:r="http://schemas.openxmlformats.org/officeDocument/2006/relationships" xmlns:p="http://schemas.openxmlformats.org/presentationml/2006/main">
+  <p:cSld>
+    <p:spTree>
+      <p:nvGrpSpPr>
+        <p:cNvPr id="1" name=""/>
+        <p:cNvGrpSpPr/>
+        <p:nvPr/>
+      </p:nvGrpSpPr>
+      <p:grpSpPr>
+        <a:xfrm>
+          <a:off x="0" y="0"/>
+          <a:ext cx="0" cy="0"/>
+          <a:chOff x="0" y="0"/>
+          <a:chExt cx="0" cy="0"/>
+        </a:xfrm>
+      </p:grpSpPr>
+      <p:sp>
+        <p:nvSpPr>
+          <p:cNvPr id="2" name="幻灯片图像占位符 1"/>
+          <p:cNvSpPr>
+            <a:spLocks noGrp="1" noRot="1" noChangeAspect="1"/>
+          </p:cNvSpPr>
+          <p:nvPr>
+            <p:ph type="sldImg"/>
+          </p:nvPr>
+        </p:nvSpPr>
+        <p:spPr/>
+      </p:sp>
+      <p:sp>
+        <p:nvSpPr>
+          <p:cNvPr id="3" name="备注占位符 2"/>
+          <p:cNvSpPr>
+            <a:spLocks noGrp="1"/>
+          </p:cNvSpPr>
+          <p:nvPr>
+            <p:ph type="body" idx="1"/>
+          </p:nvPr>
+        </p:nvSpPr>
+        <p:spPr/>
+        <p:txBody>
+          <a:bodyPr/>
+          <a:lstStyle/>
+          <a:p>
+            <a:pPr marL="0" marR="0" indent="0" algn="l" defTabSz="914400" rtl="0" eaLnBrk="1" fontAlgn="auto" latinLnBrk="0" hangingPunct="1">
+              <a:lnSpc>
+                <a:spcPct val="100000"/>
+              </a:lnSpc>
+              <a:spcBef>
+                <a:spcPts val="0"/>
+              </a:spcBef>
+              <a:spcAft>
+                <a:spcPts val="0"/>
+              </a:spcAft>
+              <a:buClrTx/>
+              <a:buSzTx/>
+              <a:buFontTx/>
+              <a:buNone/>
+              <a:tabLst/>
+              <a:defRPr/>
+            </a:pPr>
+            <a:r>
+              <a:rPr kumimoji="1" lang="zh-CN" altLang="en-US" dirty="0" smtClean="0"/>
+              <a:t>由于多个线程处理同一个</a:t>
+            </a:r>
+            <a:r>
+              <a:rPr kumimoji="1" lang="en-US" altLang="zh-CN" dirty="0" smtClean="0"/>
+              <a:t>body</a:t>
+            </a:r>
+            <a:r>
+              <a:rPr kumimoji="1" lang="zh-CN" altLang="en-US" dirty="0" smtClean="0"/>
+              <a:t>的受力情况，最后计算</a:t>
+            </a:r>
+            <a:r>
+              <a:rPr kumimoji="1" lang="en-US" altLang="zh-CN" dirty="0" err="1" smtClean="0"/>
+              <a:t>vx</a:t>
+            </a:r>
+            <a:r>
+              <a:rPr kumimoji="1" lang="zh-CN" altLang="en-US" dirty="0" smtClean="0"/>
+              <a:t>的时候会有多个线程同时进行</a:t>
+            </a:r>
+            <a:r>
+              <a:rPr kumimoji="1" lang="en-US" altLang="zh-CN" dirty="0" smtClean="0"/>
+              <a:t>add</a:t>
+            </a:r>
+            <a:r>
+              <a:rPr kumimoji="1" lang="zh-CN" altLang="en-US" dirty="0" smtClean="0"/>
+              <a:t>操作，所以需要使用原子加</a:t>
+            </a:r>
+            <a:r>
+              <a:rPr kumimoji="1" lang="en-US" altLang="zh-CN" dirty="0" err="1" smtClean="0"/>
+              <a:t>atomicAdd</a:t>
+            </a:r>
+            <a:endParaRPr kumimoji="1" lang="zh-CN" altLang="en-US" dirty="0" smtClean="0"/>
+          </a:p>
+          <a:p>
+            <a:endParaRPr kumimoji="1" lang="zh-CN" altLang="en-US" dirty="0"/>
+          </a:p>
+        </p:txBody>
+      </p:sp>
+      <p:sp>
+        <p:nvSpPr>
+          <p:cNvPr id="4" name="幻灯片编号占位符 3"/>
+          <p:cNvSpPr>
+            <a:spLocks noGrp="1"/>
+          </p:cNvSpPr>
+          <p:nvPr>
+            <p:ph type="sldNum" sz="quarter" idx="10"/>
+          </p:nvPr>
+        </p:nvSpPr>
+        <p:spPr/>
+        <p:txBody>
+          <a:bodyPr/>
+          <a:lstStyle/>
+          <a:p>
+            <a:fld id="{81A77586-BD1D-8C4A-9A71-7FCC963615FD}" type="slidenum">
+              <a:rPr kumimoji="1" lang="zh-CN" altLang="en-US" smtClean="0"/>
+              <a:t>8</a:t>
+            </a:fld>
+            <a:endParaRPr kumimoji="1" lang="zh-CN" altLang="en-US"/>
+          </a:p>
+        </p:txBody>
+      </p:sp>
+    </p:spTree>
+    <p:extLst>
+      <p:ext uri="{BB962C8B-B14F-4D97-AF65-F5344CB8AC3E}">
+        <p14:creationId xmlns:p14="http://schemas.microsoft.com/office/powerpoint/2010/main" val="1162564684"/>
+      </p:ext>
+    </p:extLst>
+  </p:cSld>
+  <p:clrMapOvr>
+    <a:masterClrMapping/>
+  </p:clrMapOvr>
+</p:notes>
+</file>
+
 <file path=ppt/slideLayouts/slideLayout1.xml><?xml version="1.0" encoding="utf-8"?>
 <p:sldLayout xmlns:a="http://schemas.openxmlformats.org/drawingml/2006/main" xmlns:r="http://schemas.openxmlformats.org/officeDocument/2006/relationships" xmlns:p="http://schemas.openxmlformats.org/presentationml/2006/main" type="title" preserve="1">
   <p:cSld name="标题幻灯片">
@@ -146,7 +1491,7 @@
           <p:cNvPr id="2" name="标题 1">
             <a:extLst>
               <a:ext uri="{FF2B5EF4-FFF2-40B4-BE49-F238E27FC236}">
-                <a16:creationId xmlns:a16="http://schemas.microsoft.com/office/drawing/2014/main" id="{54CD5184-687C-45AE-B6AF-D01DC9390462}"/>
+                <a16:creationId xmlns:a16="http://schemas.microsoft.com/office/drawing/2014/main" xmlns="" id="{54CD5184-687C-45AE-B6AF-D01DC9390462}"/>
               </a:ext>
             </a:extLst>
           </p:cNvPr>
@@ -183,7 +1528,7 @@
           <p:cNvPr id="3" name="副标题 2">
             <a:extLst>
               <a:ext uri="{FF2B5EF4-FFF2-40B4-BE49-F238E27FC236}">
-                <a16:creationId xmlns:a16="http://schemas.microsoft.com/office/drawing/2014/main" id="{3C1B7832-B241-40C5-8BEF-0897DB76B5C0}"/>
+                <a16:creationId xmlns:a16="http://schemas.microsoft.com/office/drawing/2014/main" xmlns="" id="{3C1B7832-B241-40C5-8BEF-0897DB76B5C0}"/>
               </a:ext>
             </a:extLst>
           </p:cNvPr>
@@ -253,7 +1598,7 @@
           <p:cNvPr id="4" name="日期占位符 3">
             <a:extLst>
               <a:ext uri="{FF2B5EF4-FFF2-40B4-BE49-F238E27FC236}">
-                <a16:creationId xmlns:a16="http://schemas.microsoft.com/office/drawing/2014/main" id="{1B9EC787-1E52-453E-9855-2C4A2244D657}"/>
+                <a16:creationId xmlns:a16="http://schemas.microsoft.com/office/drawing/2014/main" xmlns="" id="{1B9EC787-1E52-453E-9855-2C4A2244D657}"/>
               </a:ext>
             </a:extLst>
           </p:cNvPr>
@@ -282,7 +1627,7 @@
           <p:cNvPr id="5" name="页脚占位符 4">
             <a:extLst>
               <a:ext uri="{FF2B5EF4-FFF2-40B4-BE49-F238E27FC236}">
-                <a16:creationId xmlns:a16="http://schemas.microsoft.com/office/drawing/2014/main" id="{AB0C4A29-30DC-4B98-817C-4C3121606D03}"/>
+                <a16:creationId xmlns:a16="http://schemas.microsoft.com/office/drawing/2014/main" xmlns="" id="{AB0C4A29-30DC-4B98-817C-4C3121606D03}"/>
               </a:ext>
             </a:extLst>
           </p:cNvPr>
@@ -307,7 +1652,7 @@
           <p:cNvPr id="6" name="灯片编号占位符 5">
             <a:extLst>
               <a:ext uri="{FF2B5EF4-FFF2-40B4-BE49-F238E27FC236}">
-                <a16:creationId xmlns:a16="http://schemas.microsoft.com/office/drawing/2014/main" id="{E17BDA01-5691-4DC2-A397-BD293F86EAFC}"/>
+                <a16:creationId xmlns:a16="http://schemas.microsoft.com/office/drawing/2014/main" xmlns="" id="{E17BDA01-5691-4DC2-A397-BD293F86EAFC}"/>
               </a:ext>
             </a:extLst>
           </p:cNvPr>
@@ -366,7 +1711,7 @@
           <p:cNvPr id="2" name="标题 1">
             <a:extLst>
               <a:ext uri="{FF2B5EF4-FFF2-40B4-BE49-F238E27FC236}">
-                <a16:creationId xmlns:a16="http://schemas.microsoft.com/office/drawing/2014/main" id="{0B336018-C28C-42C7-89AB-B53CE4B573C6}"/>
+                <a16:creationId xmlns:a16="http://schemas.microsoft.com/office/drawing/2014/main" xmlns="" id="{0B336018-C28C-42C7-89AB-B53CE4B573C6}"/>
               </a:ext>
             </a:extLst>
           </p:cNvPr>
@@ -394,7 +1739,7 @@
           <p:cNvPr id="3" name="竖排文字占位符 2">
             <a:extLst>
               <a:ext uri="{FF2B5EF4-FFF2-40B4-BE49-F238E27FC236}">
-                <a16:creationId xmlns:a16="http://schemas.microsoft.com/office/drawing/2014/main" id="{03B2A4DB-85E2-4EE0-A8B2-0375037E3029}"/>
+                <a16:creationId xmlns:a16="http://schemas.microsoft.com/office/drawing/2014/main" xmlns="" id="{03B2A4DB-85E2-4EE0-A8B2-0375037E3029}"/>
               </a:ext>
             </a:extLst>
           </p:cNvPr>
@@ -451,7 +1796,7 @@
           <p:cNvPr id="4" name="日期占位符 3">
             <a:extLst>
               <a:ext uri="{FF2B5EF4-FFF2-40B4-BE49-F238E27FC236}">
-                <a16:creationId xmlns:a16="http://schemas.microsoft.com/office/drawing/2014/main" id="{DE52E869-7336-44A7-B685-CEF7B8413546}"/>
+                <a16:creationId xmlns:a16="http://schemas.microsoft.com/office/drawing/2014/main" xmlns="" id="{DE52E869-7336-44A7-B685-CEF7B8413546}"/>
               </a:ext>
             </a:extLst>
           </p:cNvPr>
@@ -480,7 +1825,7 @@
           <p:cNvPr id="5" name="页脚占位符 4">
             <a:extLst>
               <a:ext uri="{FF2B5EF4-FFF2-40B4-BE49-F238E27FC236}">
-                <a16:creationId xmlns:a16="http://schemas.microsoft.com/office/drawing/2014/main" id="{59213677-0E47-48A8-8279-540633387F8B}"/>
+                <a16:creationId xmlns:a16="http://schemas.microsoft.com/office/drawing/2014/main" xmlns="" id="{59213677-0E47-48A8-8279-540633387F8B}"/>
               </a:ext>
             </a:extLst>
           </p:cNvPr>
@@ -505,7 +1850,7 @@
           <p:cNvPr id="6" name="灯片编号占位符 5">
             <a:extLst>
               <a:ext uri="{FF2B5EF4-FFF2-40B4-BE49-F238E27FC236}">
-                <a16:creationId xmlns:a16="http://schemas.microsoft.com/office/drawing/2014/main" id="{4C9F36F3-5AFC-4B54-A025-24F0618FC213}"/>
+                <a16:creationId xmlns:a16="http://schemas.microsoft.com/office/drawing/2014/main" xmlns="" id="{4C9F36F3-5AFC-4B54-A025-24F0618FC213}"/>
               </a:ext>
             </a:extLst>
           </p:cNvPr>
@@ -564,7 +1909,7 @@
           <p:cNvPr id="2" name="竖排标题 1">
             <a:extLst>
               <a:ext uri="{FF2B5EF4-FFF2-40B4-BE49-F238E27FC236}">
-                <a16:creationId xmlns:a16="http://schemas.microsoft.com/office/drawing/2014/main" id="{BD238A3C-19A3-428F-B625-285998C24FD4}"/>
+                <a16:creationId xmlns:a16="http://schemas.microsoft.com/office/drawing/2014/main" xmlns="" id="{BD238A3C-19A3-428F-B625-285998C24FD4}"/>
               </a:ext>
             </a:extLst>
           </p:cNvPr>
@@ -597,7 +1942,7 @@
           <p:cNvPr id="3" name="竖排文字占位符 2">
             <a:extLst>
               <a:ext uri="{FF2B5EF4-FFF2-40B4-BE49-F238E27FC236}">
-                <a16:creationId xmlns:a16="http://schemas.microsoft.com/office/drawing/2014/main" id="{67977BCF-AE18-44DA-A11D-6159B515EC00}"/>
+                <a16:creationId xmlns:a16="http://schemas.microsoft.com/office/drawing/2014/main" xmlns="" id="{67977BCF-AE18-44DA-A11D-6159B515EC00}"/>
               </a:ext>
             </a:extLst>
           </p:cNvPr>
@@ -659,7 +2004,7 @@
           <p:cNvPr id="4" name="日期占位符 3">
             <a:extLst>
               <a:ext uri="{FF2B5EF4-FFF2-40B4-BE49-F238E27FC236}">
-                <a16:creationId xmlns:a16="http://schemas.microsoft.com/office/drawing/2014/main" id="{BBA9FA3D-D34A-4AAF-8BBB-D2B055FFAF65}"/>
+                <a16:creationId xmlns:a16="http://schemas.microsoft.com/office/drawing/2014/main" xmlns="" id="{BBA9FA3D-D34A-4AAF-8BBB-D2B055FFAF65}"/>
               </a:ext>
             </a:extLst>
           </p:cNvPr>
@@ -688,7 +2033,7 @@
           <p:cNvPr id="5" name="页脚占位符 4">
             <a:extLst>
               <a:ext uri="{FF2B5EF4-FFF2-40B4-BE49-F238E27FC236}">
-                <a16:creationId xmlns:a16="http://schemas.microsoft.com/office/drawing/2014/main" id="{E16BF3FB-0E91-4295-92C2-182A059EC0FF}"/>
+                <a16:creationId xmlns:a16="http://schemas.microsoft.com/office/drawing/2014/main" xmlns="" id="{E16BF3FB-0E91-4295-92C2-182A059EC0FF}"/>
               </a:ext>
             </a:extLst>
           </p:cNvPr>
@@ -713,7 +2058,7 @@
           <p:cNvPr id="6" name="灯片编号占位符 5">
             <a:extLst>
               <a:ext uri="{FF2B5EF4-FFF2-40B4-BE49-F238E27FC236}">
-                <a16:creationId xmlns:a16="http://schemas.microsoft.com/office/drawing/2014/main" id="{09DEBE10-B7B9-4A5B-90CA-30AFACB60A4C}"/>
+                <a16:creationId xmlns:a16="http://schemas.microsoft.com/office/drawing/2014/main" xmlns="" id="{09DEBE10-B7B9-4A5B-90CA-30AFACB60A4C}"/>
               </a:ext>
             </a:extLst>
           </p:cNvPr>
@@ -772,7 +2117,7 @@
           <p:cNvPr id="2" name="标题 1">
             <a:extLst>
               <a:ext uri="{FF2B5EF4-FFF2-40B4-BE49-F238E27FC236}">
-                <a16:creationId xmlns:a16="http://schemas.microsoft.com/office/drawing/2014/main" id="{F6ECC4D3-AFDA-4197-872C-36750C9B6EF2}"/>
+                <a16:creationId xmlns:a16="http://schemas.microsoft.com/office/drawing/2014/main" xmlns="" id="{F6ECC4D3-AFDA-4197-872C-36750C9B6EF2}"/>
               </a:ext>
             </a:extLst>
           </p:cNvPr>
@@ -800,7 +2145,7 @@
           <p:cNvPr id="3" name="内容占位符 2">
             <a:extLst>
               <a:ext uri="{FF2B5EF4-FFF2-40B4-BE49-F238E27FC236}">
-                <a16:creationId xmlns:a16="http://schemas.microsoft.com/office/drawing/2014/main" id="{19C61A62-C3E7-4A81-A43B-51B27AFC3B40}"/>
+                <a16:creationId xmlns:a16="http://schemas.microsoft.com/office/drawing/2014/main" xmlns="" id="{19C61A62-C3E7-4A81-A43B-51B27AFC3B40}"/>
               </a:ext>
             </a:extLst>
           </p:cNvPr>
@@ -857,7 +2202,7 @@
           <p:cNvPr id="4" name="日期占位符 3">
             <a:extLst>
               <a:ext uri="{FF2B5EF4-FFF2-40B4-BE49-F238E27FC236}">
-                <a16:creationId xmlns:a16="http://schemas.microsoft.com/office/drawing/2014/main" id="{B499659B-B9F7-4A3D-8A27-D6B1795F9A78}"/>
+                <a16:creationId xmlns:a16="http://schemas.microsoft.com/office/drawing/2014/main" xmlns="" id="{B499659B-B9F7-4A3D-8A27-D6B1795F9A78}"/>
               </a:ext>
             </a:extLst>
           </p:cNvPr>
@@ -886,7 +2231,7 @@
           <p:cNvPr id="5" name="页脚占位符 4">
             <a:extLst>
               <a:ext uri="{FF2B5EF4-FFF2-40B4-BE49-F238E27FC236}">
-                <a16:creationId xmlns:a16="http://schemas.microsoft.com/office/drawing/2014/main" id="{7E605585-415A-49AA-B4EB-6A5815410334}"/>
+                <a16:creationId xmlns:a16="http://schemas.microsoft.com/office/drawing/2014/main" xmlns="" id="{7E605585-415A-49AA-B4EB-6A5815410334}"/>
               </a:ext>
             </a:extLst>
           </p:cNvPr>
@@ -911,7 +2256,7 @@
           <p:cNvPr id="6" name="灯片编号占位符 5">
             <a:extLst>
               <a:ext uri="{FF2B5EF4-FFF2-40B4-BE49-F238E27FC236}">
-                <a16:creationId xmlns:a16="http://schemas.microsoft.com/office/drawing/2014/main" id="{CB585055-C433-4B90-8E6F-47012A4A51FB}"/>
+                <a16:creationId xmlns:a16="http://schemas.microsoft.com/office/drawing/2014/main" xmlns="" id="{CB585055-C433-4B90-8E6F-47012A4A51FB}"/>
               </a:ext>
             </a:extLst>
           </p:cNvPr>
@@ -970,7 +2315,7 @@
           <p:cNvPr id="2" name="标题 1">
             <a:extLst>
               <a:ext uri="{FF2B5EF4-FFF2-40B4-BE49-F238E27FC236}">
-                <a16:creationId xmlns:a16="http://schemas.microsoft.com/office/drawing/2014/main" id="{01AEEED0-74AF-42E6-A01D-D12FF63E7F10}"/>
+                <a16:creationId xmlns:a16="http://schemas.microsoft.com/office/drawing/2014/main" xmlns="" id="{01AEEED0-74AF-42E6-A01D-D12FF63E7F10}"/>
               </a:ext>
             </a:extLst>
           </p:cNvPr>
@@ -1007,7 +2352,7 @@
           <p:cNvPr id="3" name="文本占位符 2">
             <a:extLst>
               <a:ext uri="{FF2B5EF4-FFF2-40B4-BE49-F238E27FC236}">
-                <a16:creationId xmlns:a16="http://schemas.microsoft.com/office/drawing/2014/main" id="{4F5C3668-7127-4308-AECE-B3F2F1B975F6}"/>
+                <a16:creationId xmlns:a16="http://schemas.microsoft.com/office/drawing/2014/main" xmlns="" id="{4F5C3668-7127-4308-AECE-B3F2F1B975F6}"/>
               </a:ext>
             </a:extLst>
           </p:cNvPr>
@@ -1132,7 +2477,7 @@
           <p:cNvPr id="4" name="日期占位符 3">
             <a:extLst>
               <a:ext uri="{FF2B5EF4-FFF2-40B4-BE49-F238E27FC236}">
-                <a16:creationId xmlns:a16="http://schemas.microsoft.com/office/drawing/2014/main" id="{2C15579D-756F-415E-B734-19021D56EFC9}"/>
+                <a16:creationId xmlns:a16="http://schemas.microsoft.com/office/drawing/2014/main" xmlns="" id="{2C15579D-756F-415E-B734-19021D56EFC9}"/>
               </a:ext>
             </a:extLst>
           </p:cNvPr>
@@ -1161,7 +2506,7 @@
           <p:cNvPr id="5" name="页脚占位符 4">
             <a:extLst>
               <a:ext uri="{FF2B5EF4-FFF2-40B4-BE49-F238E27FC236}">
-                <a16:creationId xmlns:a16="http://schemas.microsoft.com/office/drawing/2014/main" id="{AF1847B3-B6CC-4AA8-91C5-1771D4B15C80}"/>
+                <a16:creationId xmlns:a16="http://schemas.microsoft.com/office/drawing/2014/main" xmlns="" id="{AF1847B3-B6CC-4AA8-91C5-1771D4B15C80}"/>
               </a:ext>
             </a:extLst>
           </p:cNvPr>
@@ -1186,7 +2531,7 @@
           <p:cNvPr id="6" name="灯片编号占位符 5">
             <a:extLst>
               <a:ext uri="{FF2B5EF4-FFF2-40B4-BE49-F238E27FC236}">
-                <a16:creationId xmlns:a16="http://schemas.microsoft.com/office/drawing/2014/main" id="{20D6F410-9C0B-4269-94DB-564D3DF048CE}"/>
+                <a16:creationId xmlns:a16="http://schemas.microsoft.com/office/drawing/2014/main" xmlns="" id="{20D6F410-9C0B-4269-94DB-564D3DF048CE}"/>
               </a:ext>
             </a:extLst>
           </p:cNvPr>
@@ -1245,7 +2590,7 @@
           <p:cNvPr id="2" name="标题 1">
             <a:extLst>
               <a:ext uri="{FF2B5EF4-FFF2-40B4-BE49-F238E27FC236}">
-                <a16:creationId xmlns:a16="http://schemas.microsoft.com/office/drawing/2014/main" id="{89104A76-6A82-4A6E-8561-8D41122CAFFD}"/>
+                <a16:creationId xmlns:a16="http://schemas.microsoft.com/office/drawing/2014/main" xmlns="" id="{89104A76-6A82-4A6E-8561-8D41122CAFFD}"/>
               </a:ext>
             </a:extLst>
           </p:cNvPr>
@@ -1273,7 +2618,7 @@
           <p:cNvPr id="3" name="内容占位符 2">
             <a:extLst>
               <a:ext uri="{FF2B5EF4-FFF2-40B4-BE49-F238E27FC236}">
-                <a16:creationId xmlns:a16="http://schemas.microsoft.com/office/drawing/2014/main" id="{5E23DC8E-873E-4E45-9CC9-701A4940891A}"/>
+                <a16:creationId xmlns:a16="http://schemas.microsoft.com/office/drawing/2014/main" xmlns="" id="{5E23DC8E-873E-4E45-9CC9-701A4940891A}"/>
               </a:ext>
             </a:extLst>
           </p:cNvPr>
@@ -1335,7 +2680,7 @@
           <p:cNvPr id="4" name="内容占位符 3">
             <a:extLst>
               <a:ext uri="{FF2B5EF4-FFF2-40B4-BE49-F238E27FC236}">
-                <a16:creationId xmlns:a16="http://schemas.microsoft.com/office/drawing/2014/main" id="{FA50D352-0B77-4F44-BC5B-849CB1DE8D61}"/>
+                <a16:creationId xmlns:a16="http://schemas.microsoft.com/office/drawing/2014/main" xmlns="" id="{FA50D352-0B77-4F44-BC5B-849CB1DE8D61}"/>
               </a:ext>
             </a:extLst>
           </p:cNvPr>
@@ -1397,7 +2742,7 @@
           <p:cNvPr id="5" name="日期占位符 4">
             <a:extLst>
               <a:ext uri="{FF2B5EF4-FFF2-40B4-BE49-F238E27FC236}">
-                <a16:creationId xmlns:a16="http://schemas.microsoft.com/office/drawing/2014/main" id="{BD1F5A2D-B556-461F-A2A8-795EBB676CE5}"/>
+                <a16:creationId xmlns:a16="http://schemas.microsoft.com/office/drawing/2014/main" xmlns="" id="{BD1F5A2D-B556-461F-A2A8-795EBB676CE5}"/>
               </a:ext>
             </a:extLst>
           </p:cNvPr>
@@ -1426,7 +2771,7 @@
           <p:cNvPr id="6" name="页脚占位符 5">
             <a:extLst>
               <a:ext uri="{FF2B5EF4-FFF2-40B4-BE49-F238E27FC236}">
-                <a16:creationId xmlns:a16="http://schemas.microsoft.com/office/drawing/2014/main" id="{1938A5C4-A71A-4EB2-8608-011888D70485}"/>
+                <a16:creationId xmlns:a16="http://schemas.microsoft.com/office/drawing/2014/main" xmlns="" id="{1938A5C4-A71A-4EB2-8608-011888D70485}"/>
               </a:ext>
             </a:extLst>
           </p:cNvPr>
@@ -1451,7 +2796,7 @@
           <p:cNvPr id="7" name="灯片编号占位符 6">
             <a:extLst>
               <a:ext uri="{FF2B5EF4-FFF2-40B4-BE49-F238E27FC236}">
-                <a16:creationId xmlns:a16="http://schemas.microsoft.com/office/drawing/2014/main" id="{4E5845C3-C376-4D34-9953-FBD9E8518D38}"/>
+                <a16:creationId xmlns:a16="http://schemas.microsoft.com/office/drawing/2014/main" xmlns="" id="{4E5845C3-C376-4D34-9953-FBD9E8518D38}"/>
               </a:ext>
             </a:extLst>
           </p:cNvPr>
@@ -1510,7 +2855,7 @@
           <p:cNvPr id="2" name="标题 1">
             <a:extLst>
               <a:ext uri="{FF2B5EF4-FFF2-40B4-BE49-F238E27FC236}">
-                <a16:creationId xmlns:a16="http://schemas.microsoft.com/office/drawing/2014/main" id="{D9D76AB6-E4DB-4E55-B9B3-4D5E0DA893F6}"/>
+                <a16:creationId xmlns:a16="http://schemas.microsoft.com/office/drawing/2014/main" xmlns="" id="{D9D76AB6-E4DB-4E55-B9B3-4D5E0DA893F6}"/>
               </a:ext>
             </a:extLst>
           </p:cNvPr>
@@ -1543,7 +2888,7 @@
           <p:cNvPr id="3" name="文本占位符 2">
             <a:extLst>
               <a:ext uri="{FF2B5EF4-FFF2-40B4-BE49-F238E27FC236}">
-                <a16:creationId xmlns:a16="http://schemas.microsoft.com/office/drawing/2014/main" id="{A6FDB0A2-4497-48D9-AB36-3F5AFDC642D0}"/>
+                <a16:creationId xmlns:a16="http://schemas.microsoft.com/office/drawing/2014/main" xmlns="" id="{A6FDB0A2-4497-48D9-AB36-3F5AFDC642D0}"/>
               </a:ext>
             </a:extLst>
           </p:cNvPr>
@@ -1614,7 +2959,7 @@
           <p:cNvPr id="4" name="内容占位符 3">
             <a:extLst>
               <a:ext uri="{FF2B5EF4-FFF2-40B4-BE49-F238E27FC236}">
-                <a16:creationId xmlns:a16="http://schemas.microsoft.com/office/drawing/2014/main" id="{1D45BA0E-485A-41BA-86F5-2BE1A0B72E61}"/>
+                <a16:creationId xmlns:a16="http://schemas.microsoft.com/office/drawing/2014/main" xmlns="" id="{1D45BA0E-485A-41BA-86F5-2BE1A0B72E61}"/>
               </a:ext>
             </a:extLst>
           </p:cNvPr>
@@ -1676,7 +3021,7 @@
           <p:cNvPr id="5" name="文本占位符 4">
             <a:extLst>
               <a:ext uri="{FF2B5EF4-FFF2-40B4-BE49-F238E27FC236}">
-                <a16:creationId xmlns:a16="http://schemas.microsoft.com/office/drawing/2014/main" id="{9F71588E-29C2-4BE4-A022-BBA911CB96EE}"/>
+                <a16:creationId xmlns:a16="http://schemas.microsoft.com/office/drawing/2014/main" xmlns="" id="{9F71588E-29C2-4BE4-A022-BBA911CB96EE}"/>
               </a:ext>
             </a:extLst>
           </p:cNvPr>
@@ -1747,7 +3092,7 @@
           <p:cNvPr id="6" name="内容占位符 5">
             <a:extLst>
               <a:ext uri="{FF2B5EF4-FFF2-40B4-BE49-F238E27FC236}">
-                <a16:creationId xmlns:a16="http://schemas.microsoft.com/office/drawing/2014/main" id="{818E5082-CEB2-4F2D-82C1-EA4F41A096F1}"/>
+                <a16:creationId xmlns:a16="http://schemas.microsoft.com/office/drawing/2014/main" xmlns="" id="{818E5082-CEB2-4F2D-82C1-EA4F41A096F1}"/>
               </a:ext>
             </a:extLst>
           </p:cNvPr>
@@ -1809,7 +3154,7 @@
           <p:cNvPr id="7" name="日期占位符 6">
             <a:extLst>
               <a:ext uri="{FF2B5EF4-FFF2-40B4-BE49-F238E27FC236}">
-                <a16:creationId xmlns:a16="http://schemas.microsoft.com/office/drawing/2014/main" id="{76D828CC-0483-40C1-856E-FFFEBD439BDE}"/>
+                <a16:creationId xmlns:a16="http://schemas.microsoft.com/office/drawing/2014/main" xmlns="" id="{76D828CC-0483-40C1-856E-FFFEBD439BDE}"/>
               </a:ext>
             </a:extLst>
           </p:cNvPr>
@@ -1838,7 +3183,7 @@
           <p:cNvPr id="8" name="页脚占位符 7">
             <a:extLst>
               <a:ext uri="{FF2B5EF4-FFF2-40B4-BE49-F238E27FC236}">
-                <a16:creationId xmlns:a16="http://schemas.microsoft.com/office/drawing/2014/main" id="{F0F69D36-6AB9-4505-8C89-21A59497F0A5}"/>
+                <a16:creationId xmlns:a16="http://schemas.microsoft.com/office/drawing/2014/main" xmlns="" id="{F0F69D36-6AB9-4505-8C89-21A59497F0A5}"/>
               </a:ext>
             </a:extLst>
           </p:cNvPr>
@@ -1863,7 +3208,7 @@
           <p:cNvPr id="9" name="灯片编号占位符 8">
             <a:extLst>
               <a:ext uri="{FF2B5EF4-FFF2-40B4-BE49-F238E27FC236}">
-                <a16:creationId xmlns:a16="http://schemas.microsoft.com/office/drawing/2014/main" id="{D34F39D5-2187-4F48-8FB7-B092631B230E}"/>
+                <a16:creationId xmlns:a16="http://schemas.microsoft.com/office/drawing/2014/main" xmlns="" id="{D34F39D5-2187-4F48-8FB7-B092631B230E}"/>
               </a:ext>
             </a:extLst>
           </p:cNvPr>
@@ -1922,7 +3267,7 @@
           <p:cNvPr id="2" name="标题 1">
             <a:extLst>
               <a:ext uri="{FF2B5EF4-FFF2-40B4-BE49-F238E27FC236}">
-                <a16:creationId xmlns:a16="http://schemas.microsoft.com/office/drawing/2014/main" id="{25621271-35EC-4FAF-94BB-3B8E3D08C44A}"/>
+                <a16:creationId xmlns:a16="http://schemas.microsoft.com/office/drawing/2014/main" xmlns="" id="{25621271-35EC-4FAF-94BB-3B8E3D08C44A}"/>
               </a:ext>
             </a:extLst>
           </p:cNvPr>
@@ -1950,7 +3295,7 @@
           <p:cNvPr id="3" name="日期占位符 2">
             <a:extLst>
               <a:ext uri="{FF2B5EF4-FFF2-40B4-BE49-F238E27FC236}">
-                <a16:creationId xmlns:a16="http://schemas.microsoft.com/office/drawing/2014/main" id="{D7DEDE6C-8BFC-4BA3-8CAB-46350D90AE0A}"/>
+                <a16:creationId xmlns:a16="http://schemas.microsoft.com/office/drawing/2014/main" xmlns="" id="{D7DEDE6C-8BFC-4BA3-8CAB-46350D90AE0A}"/>
               </a:ext>
             </a:extLst>
           </p:cNvPr>
@@ -1979,7 +3324,7 @@
           <p:cNvPr id="4" name="页脚占位符 3">
             <a:extLst>
               <a:ext uri="{FF2B5EF4-FFF2-40B4-BE49-F238E27FC236}">
-                <a16:creationId xmlns:a16="http://schemas.microsoft.com/office/drawing/2014/main" id="{9225BFA9-EAAC-4A3D-A961-8BE0B9FA8D36}"/>
+                <a16:creationId xmlns:a16="http://schemas.microsoft.com/office/drawing/2014/main" xmlns="" id="{9225BFA9-EAAC-4A3D-A961-8BE0B9FA8D36}"/>
               </a:ext>
             </a:extLst>
           </p:cNvPr>
@@ -2004,7 +3349,7 @@
           <p:cNvPr id="5" name="灯片编号占位符 4">
             <a:extLst>
               <a:ext uri="{FF2B5EF4-FFF2-40B4-BE49-F238E27FC236}">
-                <a16:creationId xmlns:a16="http://schemas.microsoft.com/office/drawing/2014/main" id="{ADCC64CB-EC48-4656-B8E2-D0D5FCA19D62}"/>
+                <a16:creationId xmlns:a16="http://schemas.microsoft.com/office/drawing/2014/main" xmlns="" id="{ADCC64CB-EC48-4656-B8E2-D0D5FCA19D62}"/>
               </a:ext>
             </a:extLst>
           </p:cNvPr>
@@ -2063,7 +3408,7 @@
           <p:cNvPr id="2" name="日期占位符 1">
             <a:extLst>
               <a:ext uri="{FF2B5EF4-FFF2-40B4-BE49-F238E27FC236}">
-                <a16:creationId xmlns:a16="http://schemas.microsoft.com/office/drawing/2014/main" id="{D50E68EE-5B6D-431C-AECC-74C2B8D9562A}"/>
+                <a16:creationId xmlns:a16="http://schemas.microsoft.com/office/drawing/2014/main" xmlns="" id="{D50E68EE-5B6D-431C-AECC-74C2B8D9562A}"/>
               </a:ext>
             </a:extLst>
           </p:cNvPr>
@@ -2092,7 +3437,7 @@
           <p:cNvPr id="3" name="页脚占位符 2">
             <a:extLst>
               <a:ext uri="{FF2B5EF4-FFF2-40B4-BE49-F238E27FC236}">
-                <a16:creationId xmlns:a16="http://schemas.microsoft.com/office/drawing/2014/main" id="{8B6A1092-6FB1-40EC-AF42-05E40C8E7AD0}"/>
+                <a16:creationId xmlns:a16="http://schemas.microsoft.com/office/drawing/2014/main" xmlns="" id="{8B6A1092-6FB1-40EC-AF42-05E40C8E7AD0}"/>
               </a:ext>
             </a:extLst>
           </p:cNvPr>
@@ -2117,7 +3462,7 @@
           <p:cNvPr id="4" name="灯片编号占位符 3">
             <a:extLst>
               <a:ext uri="{FF2B5EF4-FFF2-40B4-BE49-F238E27FC236}">
-                <a16:creationId xmlns:a16="http://schemas.microsoft.com/office/drawing/2014/main" id="{F00F1464-B7CA-4AA0-9B39-951AD1D6967E}"/>
+                <a16:creationId xmlns:a16="http://schemas.microsoft.com/office/drawing/2014/main" xmlns="" id="{F00F1464-B7CA-4AA0-9B39-951AD1D6967E}"/>
               </a:ext>
             </a:extLst>
           </p:cNvPr>
@@ -2176,7 +3521,7 @@
           <p:cNvPr id="2" name="标题 1">
             <a:extLst>
               <a:ext uri="{FF2B5EF4-FFF2-40B4-BE49-F238E27FC236}">
-                <a16:creationId xmlns:a16="http://schemas.microsoft.com/office/drawing/2014/main" id="{7CACB425-F080-43E6-B6FF-1047AE54A1A4}"/>
+                <a16:creationId xmlns:a16="http://schemas.microsoft.com/office/drawing/2014/main" xmlns="" id="{7CACB425-F080-43E6-B6FF-1047AE54A1A4}"/>
               </a:ext>
             </a:extLst>
           </p:cNvPr>
@@ -2213,7 +3558,7 @@
           <p:cNvPr id="3" name="内容占位符 2">
             <a:extLst>
               <a:ext uri="{FF2B5EF4-FFF2-40B4-BE49-F238E27FC236}">
-                <a16:creationId xmlns:a16="http://schemas.microsoft.com/office/drawing/2014/main" id="{0C54FF23-FFC1-489B-BF14-D78B3B95D4E1}"/>
+                <a16:creationId xmlns:a16="http://schemas.microsoft.com/office/drawing/2014/main" xmlns="" id="{0C54FF23-FFC1-489B-BF14-D78B3B95D4E1}"/>
               </a:ext>
             </a:extLst>
           </p:cNvPr>
@@ -2303,7 +3648,7 @@
           <p:cNvPr id="4" name="文本占位符 3">
             <a:extLst>
               <a:ext uri="{FF2B5EF4-FFF2-40B4-BE49-F238E27FC236}">
-                <a16:creationId xmlns:a16="http://schemas.microsoft.com/office/drawing/2014/main" id="{651F3BC9-BA3B-407A-ACC6-D83EAA3F97E3}"/>
+                <a16:creationId xmlns:a16="http://schemas.microsoft.com/office/drawing/2014/main" xmlns="" id="{651F3BC9-BA3B-407A-ACC6-D83EAA3F97E3}"/>
               </a:ext>
             </a:extLst>
           </p:cNvPr>
@@ -2374,7 +3719,7 @@
           <p:cNvPr id="5" name="日期占位符 4">
             <a:extLst>
               <a:ext uri="{FF2B5EF4-FFF2-40B4-BE49-F238E27FC236}">
-                <a16:creationId xmlns:a16="http://schemas.microsoft.com/office/drawing/2014/main" id="{D20BE6E0-6874-4A0B-B58E-70CD6D0E165C}"/>
+                <a16:creationId xmlns:a16="http://schemas.microsoft.com/office/drawing/2014/main" xmlns="" id="{D20BE6E0-6874-4A0B-B58E-70CD6D0E165C}"/>
               </a:ext>
             </a:extLst>
           </p:cNvPr>
@@ -2403,7 +3748,7 @@
           <p:cNvPr id="6" name="页脚占位符 5">
             <a:extLst>
               <a:ext uri="{FF2B5EF4-FFF2-40B4-BE49-F238E27FC236}">
-                <a16:creationId xmlns:a16="http://schemas.microsoft.com/office/drawing/2014/main" id="{D4AA1536-FC39-468D-837E-63A828851466}"/>
+                <a16:creationId xmlns:a16="http://schemas.microsoft.com/office/drawing/2014/main" xmlns="" id="{D4AA1536-FC39-468D-837E-63A828851466}"/>
               </a:ext>
             </a:extLst>
           </p:cNvPr>
@@ -2428,7 +3773,7 @@
           <p:cNvPr id="7" name="灯片编号占位符 6">
             <a:extLst>
               <a:ext uri="{FF2B5EF4-FFF2-40B4-BE49-F238E27FC236}">
-                <a16:creationId xmlns:a16="http://schemas.microsoft.com/office/drawing/2014/main" id="{1EB1EC0F-D676-435C-B042-89452549B04A}"/>
+                <a16:creationId xmlns:a16="http://schemas.microsoft.com/office/drawing/2014/main" xmlns="" id="{1EB1EC0F-D676-435C-B042-89452549B04A}"/>
               </a:ext>
             </a:extLst>
           </p:cNvPr>
@@ -2487,7 +3832,7 @@
           <p:cNvPr id="2" name="标题 1">
             <a:extLst>
               <a:ext uri="{FF2B5EF4-FFF2-40B4-BE49-F238E27FC236}">
-                <a16:creationId xmlns:a16="http://schemas.microsoft.com/office/drawing/2014/main" id="{B5E60A70-2801-4814-A141-0BA325396211}"/>
+                <a16:creationId xmlns:a16="http://schemas.microsoft.com/office/drawing/2014/main" xmlns="" id="{B5E60A70-2801-4814-A141-0BA325396211}"/>
               </a:ext>
             </a:extLst>
           </p:cNvPr>
@@ -2524,7 +3869,7 @@
           <p:cNvPr id="3" name="图片占位符 2">
             <a:extLst>
               <a:ext uri="{FF2B5EF4-FFF2-40B4-BE49-F238E27FC236}">
-                <a16:creationId xmlns:a16="http://schemas.microsoft.com/office/drawing/2014/main" id="{EEF9E7A3-1A87-43EE-9146-76D705F8D3CE}"/>
+                <a16:creationId xmlns:a16="http://schemas.microsoft.com/office/drawing/2014/main" xmlns="" id="{EEF9E7A3-1A87-43EE-9146-76D705F8D3CE}"/>
               </a:ext>
             </a:extLst>
           </p:cNvPr>
@@ -2591,7 +3936,7 @@
           <p:cNvPr id="4" name="文本占位符 3">
             <a:extLst>
               <a:ext uri="{FF2B5EF4-FFF2-40B4-BE49-F238E27FC236}">
-                <a16:creationId xmlns:a16="http://schemas.microsoft.com/office/drawing/2014/main" id="{576D465A-1D9D-4ABA-990A-0046A74685FF}"/>
+                <a16:creationId xmlns:a16="http://schemas.microsoft.com/office/drawing/2014/main" xmlns="" id="{576D465A-1D9D-4ABA-990A-0046A74685FF}"/>
               </a:ext>
             </a:extLst>
           </p:cNvPr>
@@ -2662,7 +4007,7 @@
           <p:cNvPr id="5" name="日期占位符 4">
             <a:extLst>
               <a:ext uri="{FF2B5EF4-FFF2-40B4-BE49-F238E27FC236}">
-                <a16:creationId xmlns:a16="http://schemas.microsoft.com/office/drawing/2014/main" id="{BD53777A-3F16-443A-94E4-76C6F2BBA1F7}"/>
+                <a16:creationId xmlns:a16="http://schemas.microsoft.com/office/drawing/2014/main" xmlns="" id="{BD53777A-3F16-443A-94E4-76C6F2BBA1F7}"/>
               </a:ext>
             </a:extLst>
           </p:cNvPr>
@@ -2691,7 +4036,7 @@
           <p:cNvPr id="6" name="页脚占位符 5">
             <a:extLst>
               <a:ext uri="{FF2B5EF4-FFF2-40B4-BE49-F238E27FC236}">
-                <a16:creationId xmlns:a16="http://schemas.microsoft.com/office/drawing/2014/main" id="{C0972071-CCCC-4817-8E5C-09E03025950A}"/>
+                <a16:creationId xmlns:a16="http://schemas.microsoft.com/office/drawing/2014/main" xmlns="" id="{C0972071-CCCC-4817-8E5C-09E03025950A}"/>
               </a:ext>
             </a:extLst>
           </p:cNvPr>
@@ -2716,7 +4061,7 @@
           <p:cNvPr id="7" name="灯片编号占位符 6">
             <a:extLst>
               <a:ext uri="{FF2B5EF4-FFF2-40B4-BE49-F238E27FC236}">
-                <a16:creationId xmlns:a16="http://schemas.microsoft.com/office/drawing/2014/main" id="{EA9D1B0C-3C59-4CA8-858D-82C4FE2E0427}"/>
+                <a16:creationId xmlns:a16="http://schemas.microsoft.com/office/drawing/2014/main" xmlns="" id="{EA9D1B0C-3C59-4CA8-858D-82C4FE2E0427}"/>
               </a:ext>
             </a:extLst>
           </p:cNvPr>
@@ -2785,7 +4130,7 @@
           <p:cNvPr id="2" name="标题占位符 1">
             <a:extLst>
               <a:ext uri="{FF2B5EF4-FFF2-40B4-BE49-F238E27FC236}">
-                <a16:creationId xmlns:a16="http://schemas.microsoft.com/office/drawing/2014/main" id="{ECE7A69D-461A-41FC-89C6-5DBC8F1609F5}"/>
+                <a16:creationId xmlns:a16="http://schemas.microsoft.com/office/drawing/2014/main" xmlns="" id="{ECE7A69D-461A-41FC-89C6-5DBC8F1609F5}"/>
               </a:ext>
             </a:extLst>
           </p:cNvPr>
@@ -2823,7 +4168,7 @@
           <p:cNvPr id="3" name="文本占位符 2">
             <a:extLst>
               <a:ext uri="{FF2B5EF4-FFF2-40B4-BE49-F238E27FC236}">
-                <a16:creationId xmlns:a16="http://schemas.microsoft.com/office/drawing/2014/main" id="{673D7220-ECC8-40FC-9EFE-B351BC31E7D6}"/>
+                <a16:creationId xmlns:a16="http://schemas.microsoft.com/office/drawing/2014/main" xmlns="" id="{673D7220-ECC8-40FC-9EFE-B351BC31E7D6}"/>
               </a:ext>
             </a:extLst>
           </p:cNvPr>
@@ -2890,7 +4235,7 @@
           <p:cNvPr id="4" name="日期占位符 3">
             <a:extLst>
               <a:ext uri="{FF2B5EF4-FFF2-40B4-BE49-F238E27FC236}">
-                <a16:creationId xmlns:a16="http://schemas.microsoft.com/office/drawing/2014/main" id="{72816873-FD09-4E94-A4F9-5DDDEA5BA7CA}"/>
+                <a16:creationId xmlns:a16="http://schemas.microsoft.com/office/drawing/2014/main" xmlns="" id="{72816873-FD09-4E94-A4F9-5DDDEA5BA7CA}"/>
               </a:ext>
             </a:extLst>
           </p:cNvPr>
@@ -2937,7 +4282,7 @@
           <p:cNvPr id="5" name="页脚占位符 4">
             <a:extLst>
               <a:ext uri="{FF2B5EF4-FFF2-40B4-BE49-F238E27FC236}">
-                <a16:creationId xmlns:a16="http://schemas.microsoft.com/office/drawing/2014/main" id="{089994A9-EE77-410B-B623-D63D727C35A7}"/>
+                <a16:creationId xmlns:a16="http://schemas.microsoft.com/office/drawing/2014/main" xmlns="" id="{089994A9-EE77-410B-B623-D63D727C35A7}"/>
               </a:ext>
             </a:extLst>
           </p:cNvPr>
@@ -2980,7 +4325,7 @@
           <p:cNvPr id="6" name="灯片编号占位符 5">
             <a:extLst>
               <a:ext uri="{FF2B5EF4-FFF2-40B4-BE49-F238E27FC236}">
-                <a16:creationId xmlns:a16="http://schemas.microsoft.com/office/drawing/2014/main" id="{97A139A9-CC99-4471-9156-47226AF1AD54}"/>
+                <a16:creationId xmlns:a16="http://schemas.microsoft.com/office/drawing/2014/main" xmlns="" id="{97A139A9-CC99-4471-9156-47226AF1AD54}"/>
               </a:ext>
             </a:extLst>
           </p:cNvPr>
@@ -3348,7 +4693,7 @@
           <p:cNvPr id="2" name="标题 1">
             <a:extLst>
               <a:ext uri="{FF2B5EF4-FFF2-40B4-BE49-F238E27FC236}">
-                <a16:creationId xmlns:a16="http://schemas.microsoft.com/office/drawing/2014/main" id="{54B864FA-CC7A-4307-BE98-0420689A65DE}"/>
+                <a16:creationId xmlns:a16="http://schemas.microsoft.com/office/drawing/2014/main" xmlns="" id="{54B864FA-CC7A-4307-BE98-0420689A65DE}"/>
               </a:ext>
             </a:extLst>
           </p:cNvPr>
@@ -3384,7 +4729,7 @@
           <p:cNvPr id="3" name="副标题 2">
             <a:extLst>
               <a:ext uri="{FF2B5EF4-FFF2-40B4-BE49-F238E27FC236}">
-                <a16:creationId xmlns:a16="http://schemas.microsoft.com/office/drawing/2014/main" id="{2CB7A8A4-0312-44BB-BD04-12264291C1D7}"/>
+                <a16:creationId xmlns:a16="http://schemas.microsoft.com/office/drawing/2014/main" xmlns="" id="{2CB7A8A4-0312-44BB-BD04-12264291C1D7}"/>
               </a:ext>
             </a:extLst>
           </p:cNvPr>
@@ -3439,7 +4784,7 @@
           <p:cNvPr id="2" name="标题 1">
             <a:extLst>
               <a:ext uri="{FF2B5EF4-FFF2-40B4-BE49-F238E27FC236}">
-                <a16:creationId xmlns:a16="http://schemas.microsoft.com/office/drawing/2014/main" id="{0D16DDC7-7AE4-4A96-AF9B-9D515E4566B4}"/>
+                <a16:creationId xmlns:a16="http://schemas.microsoft.com/office/drawing/2014/main" xmlns="" id="{0D16DDC7-7AE4-4A96-AF9B-9D515E4566B4}"/>
               </a:ext>
             </a:extLst>
           </p:cNvPr>
@@ -3474,7 +4819,7 @@
           <p:cNvPr id="4" name="内容占位符 3">
             <a:extLst>
               <a:ext uri="{FF2B5EF4-FFF2-40B4-BE49-F238E27FC236}">
-                <a16:creationId xmlns:a16="http://schemas.microsoft.com/office/drawing/2014/main" id="{F6769618-3D75-4ED2-8745-7D476C7597E5}"/>
+                <a16:creationId xmlns:a16="http://schemas.microsoft.com/office/drawing/2014/main" xmlns="" id="{F6769618-3D75-4ED2-8745-7D476C7597E5}"/>
               </a:ext>
             </a:extLst>
           </p:cNvPr>
@@ -3506,7 +4851,7 @@
           <p:cNvPr id="5" name="文本框 4">
             <a:extLst>
               <a:ext uri="{FF2B5EF4-FFF2-40B4-BE49-F238E27FC236}">
-                <a16:creationId xmlns:a16="http://schemas.microsoft.com/office/drawing/2014/main" id="{D10A5FE5-A3FC-454F-9ABF-09CBE44A9E7D}"/>
+                <a16:creationId xmlns:a16="http://schemas.microsoft.com/office/drawing/2014/main" xmlns="" id="{D10A5FE5-A3FC-454F-9ABF-09CBE44A9E7D}"/>
               </a:ext>
             </a:extLst>
           </p:cNvPr>
@@ -3622,7 +4967,7 @@
           <p:cNvPr id="6" name="文本框 5">
             <a:extLst>
               <a:ext uri="{FF2B5EF4-FFF2-40B4-BE49-F238E27FC236}">
-                <a16:creationId xmlns:a16="http://schemas.microsoft.com/office/drawing/2014/main" id="{35321816-336C-4504-85FB-7DAE3BA117C9}"/>
+                <a16:creationId xmlns:a16="http://schemas.microsoft.com/office/drawing/2014/main" xmlns="" id="{35321816-336C-4504-85FB-7DAE3BA117C9}"/>
               </a:ext>
             </a:extLst>
           </p:cNvPr>
@@ -3677,7 +5022,7 @@
           <p:cNvPr id="7" name="文本框 6">
             <a:extLst>
               <a:ext uri="{FF2B5EF4-FFF2-40B4-BE49-F238E27FC236}">
-                <a16:creationId xmlns:a16="http://schemas.microsoft.com/office/drawing/2014/main" id="{75DD1D46-8A81-4FB1-89F7-EF38D365AF14}"/>
+                <a16:creationId xmlns:a16="http://schemas.microsoft.com/office/drawing/2014/main" xmlns="" id="{75DD1D46-8A81-4FB1-89F7-EF38D365AF14}"/>
               </a:ext>
             </a:extLst>
           </p:cNvPr>
@@ -3761,7 +5106,7 @@
           <p:cNvPr id="2" name="标题 1">
             <a:extLst>
               <a:ext uri="{FF2B5EF4-FFF2-40B4-BE49-F238E27FC236}">
-                <a16:creationId xmlns:a16="http://schemas.microsoft.com/office/drawing/2014/main" id="{9308EBD6-7813-4FA6-8B70-27FADDAA1C53}"/>
+                <a16:creationId xmlns:a16="http://schemas.microsoft.com/office/drawing/2014/main" xmlns="" id="{9308EBD6-7813-4FA6-8B70-27FADDAA1C53}"/>
               </a:ext>
             </a:extLst>
           </p:cNvPr>
@@ -3789,7 +5134,7 @@
           <p:cNvPr id="5" name="内容占位符 4">
             <a:extLst>
               <a:ext uri="{FF2B5EF4-FFF2-40B4-BE49-F238E27FC236}">
-                <a16:creationId xmlns:a16="http://schemas.microsoft.com/office/drawing/2014/main" id="{1F8E0E2B-B23A-452F-8674-4E086E553D6E}"/>
+                <a16:creationId xmlns:a16="http://schemas.microsoft.com/office/drawing/2014/main" xmlns="" id="{1F8E0E2B-B23A-452F-8674-4E086E553D6E}"/>
               </a:ext>
             </a:extLst>
           </p:cNvPr>
@@ -3821,7 +5166,7 @@
           <p:cNvPr id="6" name="图片 5">
             <a:extLst>
               <a:ext uri="{FF2B5EF4-FFF2-40B4-BE49-F238E27FC236}">
-                <a16:creationId xmlns:a16="http://schemas.microsoft.com/office/drawing/2014/main" id="{8A670A6E-C314-4D55-91FF-D2E1B61353CC}"/>
+                <a16:creationId xmlns:a16="http://schemas.microsoft.com/office/drawing/2014/main" xmlns="" id="{8A670A6E-C314-4D55-91FF-D2E1B61353CC}"/>
               </a:ext>
             </a:extLst>
           </p:cNvPr>
@@ -3851,7 +5196,7 @@
           <p:cNvPr id="7" name="图片 6">
             <a:extLst>
               <a:ext uri="{FF2B5EF4-FFF2-40B4-BE49-F238E27FC236}">
-                <a16:creationId xmlns:a16="http://schemas.microsoft.com/office/drawing/2014/main" id="{B905EC9C-1121-479D-BA33-BDFB1D7478F3}"/>
+                <a16:creationId xmlns:a16="http://schemas.microsoft.com/office/drawing/2014/main" xmlns="" id="{B905EC9C-1121-479D-BA33-BDFB1D7478F3}"/>
               </a:ext>
             </a:extLst>
           </p:cNvPr>
@@ -3881,7 +5226,7 @@
           <p:cNvPr id="8" name="文本框 7">
             <a:extLst>
               <a:ext uri="{FF2B5EF4-FFF2-40B4-BE49-F238E27FC236}">
-                <a16:creationId xmlns:a16="http://schemas.microsoft.com/office/drawing/2014/main" id="{3038C292-56F9-4081-BE1A-B4FA683FCD07}"/>
+                <a16:creationId xmlns:a16="http://schemas.microsoft.com/office/drawing/2014/main" xmlns="" id="{3038C292-56F9-4081-BE1A-B4FA683FCD07}"/>
               </a:ext>
             </a:extLst>
           </p:cNvPr>
@@ -3969,7 +5314,7 @@
           <p:cNvPr id="2" name="标题 1">
             <a:extLst>
               <a:ext uri="{FF2B5EF4-FFF2-40B4-BE49-F238E27FC236}">
-                <a16:creationId xmlns:a16="http://schemas.microsoft.com/office/drawing/2014/main" id="{A7C67B6E-9403-492C-9F33-BFBA8F012D72}"/>
+                <a16:creationId xmlns:a16="http://schemas.microsoft.com/office/drawing/2014/main" xmlns="" id="{A7C67B6E-9403-492C-9F33-BFBA8F012D72}"/>
               </a:ext>
             </a:extLst>
           </p:cNvPr>
@@ -3997,7 +5342,7 @@
           <p:cNvPr id="3" name="内容占位符 2">
             <a:extLst>
               <a:ext uri="{FF2B5EF4-FFF2-40B4-BE49-F238E27FC236}">
-                <a16:creationId xmlns:a16="http://schemas.microsoft.com/office/drawing/2014/main" id="{F7627589-C871-41A1-BDBF-BF43E368A048}"/>
+                <a16:creationId xmlns:a16="http://schemas.microsoft.com/office/drawing/2014/main" xmlns="" id="{F7627589-C871-41A1-BDBF-BF43E368A048}"/>
               </a:ext>
             </a:extLst>
           </p:cNvPr>
@@ -4076,7 +5421,7 @@
           <p:cNvPr id="4" name="图片 3">
             <a:extLst>
               <a:ext uri="{FF2B5EF4-FFF2-40B4-BE49-F238E27FC236}">
-                <a16:creationId xmlns:a16="http://schemas.microsoft.com/office/drawing/2014/main" id="{738704A8-D3A5-4808-8A01-86DA7BD842A6}"/>
+                <a16:creationId xmlns:a16="http://schemas.microsoft.com/office/drawing/2014/main" xmlns="" id="{738704A8-D3A5-4808-8A01-86DA7BD842A6}"/>
               </a:ext>
             </a:extLst>
           </p:cNvPr>
@@ -4106,7 +5451,7 @@
           <p:cNvPr id="5" name="图片 4">
             <a:extLst>
               <a:ext uri="{FF2B5EF4-FFF2-40B4-BE49-F238E27FC236}">
-                <a16:creationId xmlns:a16="http://schemas.microsoft.com/office/drawing/2014/main" id="{57C785CA-4C26-48FD-8CE8-BA0ED50F020B}"/>
+                <a16:creationId xmlns:a16="http://schemas.microsoft.com/office/drawing/2014/main" xmlns="" id="{57C785CA-4C26-48FD-8CE8-BA0ED50F020B}"/>
               </a:ext>
             </a:extLst>
           </p:cNvPr>
@@ -4166,7 +5511,7 @@
           <p:cNvPr id="2" name="标题 1">
             <a:extLst>
               <a:ext uri="{FF2B5EF4-FFF2-40B4-BE49-F238E27FC236}">
-                <a16:creationId xmlns:a16="http://schemas.microsoft.com/office/drawing/2014/main" id="{C3811FE0-93A5-4E16-8619-53D1B7AEA996}"/>
+                <a16:creationId xmlns:a16="http://schemas.microsoft.com/office/drawing/2014/main" xmlns="" id="{C3811FE0-93A5-4E16-8619-53D1B7AEA996}"/>
               </a:ext>
             </a:extLst>
           </p:cNvPr>
@@ -4194,7 +5539,7 @@
           <p:cNvPr id="3" name="内容占位符 2">
             <a:extLst>
               <a:ext uri="{FF2B5EF4-FFF2-40B4-BE49-F238E27FC236}">
-                <a16:creationId xmlns:a16="http://schemas.microsoft.com/office/drawing/2014/main" id="{85EEF6F3-928C-4B88-AD59-F9A7145F050F}"/>
+                <a16:creationId xmlns:a16="http://schemas.microsoft.com/office/drawing/2014/main" xmlns="" id="{85EEF6F3-928C-4B88-AD59-F9A7145F050F}"/>
               </a:ext>
             </a:extLst>
           </p:cNvPr>
@@ -4371,7 +5716,7 @@
           <p:cNvPr id="29" name="图片 28">
             <a:extLst>
               <a:ext uri="{FF2B5EF4-FFF2-40B4-BE49-F238E27FC236}">
-                <a16:creationId xmlns:a16="http://schemas.microsoft.com/office/drawing/2014/main" id="{B2132DA7-6ABF-4226-AF19-9D97A73E573C}"/>
+                <a16:creationId xmlns:a16="http://schemas.microsoft.com/office/drawing/2014/main" xmlns="" id="{B2132DA7-6ABF-4226-AF19-9D97A73E573C}"/>
               </a:ext>
             </a:extLst>
           </p:cNvPr>
@@ -4379,71 +5724,6 @@
             <a:picLocks noChangeAspect="1"/>
           </p:cNvPicPr>
           <p:nvPr/>
-        </p:nvPicPr>
-        <p:blipFill>
-          <a:blip r:embed="rId2"/>
-          <a:stretch>
-            <a:fillRect/>
-          </a:stretch>
-        </p:blipFill>
-        <p:spPr>
-          <a:xfrm>
-            <a:off x="619939" y="5076227"/>
-            <a:ext cx="6347871" cy="1722397"/>
-          </a:xfrm>
-          <a:prstGeom prst="rect">
-            <a:avLst/>
-          </a:prstGeom>
-        </p:spPr>
-      </p:pic>
-      <p:sp>
-        <p:nvSpPr>
-          <p:cNvPr id="2" name="标题 1">
-            <a:extLst>
-              <a:ext uri="{FF2B5EF4-FFF2-40B4-BE49-F238E27FC236}">
-                <a16:creationId xmlns:a16="http://schemas.microsoft.com/office/drawing/2014/main" id="{7EF384BB-226E-4294-9B64-A7AE4BE81D58}"/>
-              </a:ext>
-            </a:extLst>
-          </p:cNvPr>
-          <p:cNvSpPr>
-            <a:spLocks noGrp="1"/>
-          </p:cNvSpPr>
-          <p:nvPr>
-            <p:ph type="title"/>
-          </p:nvPr>
-        </p:nvSpPr>
-        <p:spPr/>
-        <p:txBody>
-          <a:bodyPr/>
-          <a:lstStyle/>
-          <a:p>
-            <a:r>
-              <a:rPr lang="zh-CN" altLang="en-US" dirty="0"/>
-              <a:t>使用 </a:t>
-            </a:r>
-            <a:r>
-              <a:rPr lang="en-US" altLang="zh-CN" dirty="0"/>
-              <a:t>shared memory</a:t>
-            </a:r>
-            <a:endParaRPr lang="zh-CN" altLang="en-US" dirty="0"/>
-          </a:p>
-        </p:txBody>
-      </p:sp>
-      <p:pic>
-        <p:nvPicPr>
-          <p:cNvPr id="7" name="内容占位符 6">
-            <a:extLst>
-              <a:ext uri="{FF2B5EF4-FFF2-40B4-BE49-F238E27FC236}">
-                <a16:creationId xmlns:a16="http://schemas.microsoft.com/office/drawing/2014/main" id="{B6C6BDDA-16C4-4A72-A6AD-3B03D6B12686}"/>
-              </a:ext>
-            </a:extLst>
-          </p:cNvPr>
-          <p:cNvPicPr>
-            <a:picLocks noGrp="1" noChangeAspect="1"/>
-          </p:cNvPicPr>
-          <p:nvPr>
-            <p:ph idx="1"/>
-          </p:nvPr>
         </p:nvPicPr>
         <p:blipFill>
           <a:blip r:embed="rId3"/>
@@ -4453,27 +5733,62 @@
         </p:blipFill>
         <p:spPr>
           <a:xfrm>
-            <a:off x="838200" y="1521085"/>
-            <a:ext cx="4808339" cy="1907919"/>
+            <a:off x="619939" y="5076227"/>
+            <a:ext cx="6347871" cy="1722397"/>
           </a:xfrm>
           <a:prstGeom prst="rect">
             <a:avLst/>
           </a:prstGeom>
         </p:spPr>
       </p:pic>
+      <p:sp>
+        <p:nvSpPr>
+          <p:cNvPr id="2" name="标题 1">
+            <a:extLst>
+              <a:ext uri="{FF2B5EF4-FFF2-40B4-BE49-F238E27FC236}">
+                <a16:creationId xmlns:a16="http://schemas.microsoft.com/office/drawing/2014/main" xmlns="" id="{7EF384BB-226E-4294-9B64-A7AE4BE81D58}"/>
+              </a:ext>
+            </a:extLst>
+          </p:cNvPr>
+          <p:cNvSpPr>
+            <a:spLocks noGrp="1"/>
+          </p:cNvSpPr>
+          <p:nvPr>
+            <p:ph type="title"/>
+          </p:nvPr>
+        </p:nvSpPr>
+        <p:spPr/>
+        <p:txBody>
+          <a:bodyPr/>
+          <a:lstStyle/>
+          <a:p>
+            <a:r>
+              <a:rPr lang="zh-CN" altLang="en-US" dirty="0"/>
+              <a:t>使用 </a:t>
+            </a:r>
+            <a:r>
+              <a:rPr lang="en-US" altLang="zh-CN" dirty="0"/>
+              <a:t>shared memory</a:t>
+            </a:r>
+            <a:endParaRPr lang="zh-CN" altLang="en-US" dirty="0"/>
+          </a:p>
+        </p:txBody>
+      </p:sp>
       <p:pic>
         <p:nvPicPr>
-          <p:cNvPr id="9" name="图片 8">
-            <a:extLst>
-              <a:ext uri="{FF2B5EF4-FFF2-40B4-BE49-F238E27FC236}">
-                <a16:creationId xmlns:a16="http://schemas.microsoft.com/office/drawing/2014/main" id="{2177472B-E14B-4227-8380-34EC88378EBF}"/>
+          <p:cNvPr id="7" name="内容占位符 6">
+            <a:extLst>
+              <a:ext uri="{FF2B5EF4-FFF2-40B4-BE49-F238E27FC236}">
+                <a16:creationId xmlns:a16="http://schemas.microsoft.com/office/drawing/2014/main" xmlns="" id="{B6C6BDDA-16C4-4A72-A6AD-3B03D6B12686}"/>
               </a:ext>
             </a:extLst>
           </p:cNvPr>
           <p:cNvPicPr>
-            <a:picLocks noChangeAspect="1"/>
+            <a:picLocks noGrp="1" noChangeAspect="1"/>
           </p:cNvPicPr>
-          <p:nvPr/>
+          <p:nvPr>
+            <p:ph idx="1"/>
+          </p:nvPr>
         </p:nvPicPr>
         <p:blipFill>
           <a:blip r:embed="rId4"/>
@@ -4483,6 +5798,36 @@
         </p:blipFill>
         <p:spPr>
           <a:xfrm>
+            <a:off x="838200" y="1521085"/>
+            <a:ext cx="4808339" cy="1907919"/>
+          </a:xfrm>
+          <a:prstGeom prst="rect">
+            <a:avLst/>
+          </a:prstGeom>
+        </p:spPr>
+      </p:pic>
+      <p:pic>
+        <p:nvPicPr>
+          <p:cNvPr id="9" name="图片 8">
+            <a:extLst>
+              <a:ext uri="{FF2B5EF4-FFF2-40B4-BE49-F238E27FC236}">
+                <a16:creationId xmlns:a16="http://schemas.microsoft.com/office/drawing/2014/main" xmlns="" id="{2177472B-E14B-4227-8380-34EC88378EBF}"/>
+              </a:ext>
+            </a:extLst>
+          </p:cNvPr>
+          <p:cNvPicPr>
+            <a:picLocks noChangeAspect="1"/>
+          </p:cNvPicPr>
+          <p:nvPr/>
+        </p:nvPicPr>
+        <p:blipFill>
+          <a:blip r:embed="rId5"/>
+          <a:stretch>
+            <a:fillRect/>
+          </a:stretch>
+        </p:blipFill>
+        <p:spPr>
+          <a:xfrm>
             <a:off x="4680897" y="3318572"/>
             <a:ext cx="2830215" cy="2122661"/>
           </a:xfrm>
@@ -4496,7 +5841,7 @@
           <p:cNvPr id="11" name="直接箭头连接符 10">
             <a:extLst>
               <a:ext uri="{FF2B5EF4-FFF2-40B4-BE49-F238E27FC236}">
-                <a16:creationId xmlns:a16="http://schemas.microsoft.com/office/drawing/2014/main" id="{83F0797F-9EC2-455D-A3FD-B55F1EACA0D1}"/>
+                <a16:creationId xmlns:a16="http://schemas.microsoft.com/office/drawing/2014/main" xmlns="" id="{83F0797F-9EC2-455D-A3FD-B55F1EACA0D1}"/>
               </a:ext>
             </a:extLst>
           </p:cNvPr>
@@ -4538,7 +5883,7 @@
           <p:cNvPr id="15" name="直接箭头连接符 14">
             <a:extLst>
               <a:ext uri="{FF2B5EF4-FFF2-40B4-BE49-F238E27FC236}">
-                <a16:creationId xmlns:a16="http://schemas.microsoft.com/office/drawing/2014/main" id="{A17FE52D-F505-4286-831B-6CCE02239233}"/>
+                <a16:creationId xmlns:a16="http://schemas.microsoft.com/office/drawing/2014/main" xmlns="" id="{A17FE52D-F505-4286-831B-6CCE02239233}"/>
               </a:ext>
             </a:extLst>
           </p:cNvPr>
@@ -4582,7 +5927,7 @@
           <p:cNvPr id="18" name="直接箭头连接符 17">
             <a:extLst>
               <a:ext uri="{FF2B5EF4-FFF2-40B4-BE49-F238E27FC236}">
-                <a16:creationId xmlns:a16="http://schemas.microsoft.com/office/drawing/2014/main" id="{B508E974-A3F4-46FF-A1B1-1EECA4582960}"/>
+                <a16:creationId xmlns:a16="http://schemas.microsoft.com/office/drawing/2014/main" xmlns="" id="{B508E974-A3F4-46FF-A1B1-1EECA4582960}"/>
               </a:ext>
             </a:extLst>
           </p:cNvPr>
@@ -4626,7 +5971,7 @@
           <p:cNvPr id="21" name="直接箭头连接符 20">
             <a:extLst>
               <a:ext uri="{FF2B5EF4-FFF2-40B4-BE49-F238E27FC236}">
-                <a16:creationId xmlns:a16="http://schemas.microsoft.com/office/drawing/2014/main" id="{9AAF0346-BBFA-40F7-8FA7-EA6AFDCC60A0}"/>
+                <a16:creationId xmlns:a16="http://schemas.microsoft.com/office/drawing/2014/main" xmlns="" id="{9AAF0346-BBFA-40F7-8FA7-EA6AFDCC60A0}"/>
               </a:ext>
             </a:extLst>
           </p:cNvPr>
@@ -4670,7 +6015,7 @@
           <p:cNvPr id="23" name="直接箭头连接符 22">
             <a:extLst>
               <a:ext uri="{FF2B5EF4-FFF2-40B4-BE49-F238E27FC236}">
-                <a16:creationId xmlns:a16="http://schemas.microsoft.com/office/drawing/2014/main" id="{FC7ACAED-5D56-4207-8BA8-F4B76B3A2725}"/>
+                <a16:creationId xmlns:a16="http://schemas.microsoft.com/office/drawing/2014/main" xmlns="" id="{FC7ACAED-5D56-4207-8BA8-F4B76B3A2725}"/>
               </a:ext>
             </a:extLst>
           </p:cNvPr>
@@ -4714,7 +6059,7 @@
           <p:cNvPr id="24" name="直接箭头连接符 23">
             <a:extLst>
               <a:ext uri="{FF2B5EF4-FFF2-40B4-BE49-F238E27FC236}">
-                <a16:creationId xmlns:a16="http://schemas.microsoft.com/office/drawing/2014/main" id="{B729A076-E6FC-4FF6-ACC3-3BB20B621B6B}"/>
+                <a16:creationId xmlns:a16="http://schemas.microsoft.com/office/drawing/2014/main" xmlns="" id="{B729A076-E6FC-4FF6-ACC3-3BB20B621B6B}"/>
               </a:ext>
             </a:extLst>
           </p:cNvPr>
@@ -4758,7 +6103,7 @@
           <p:cNvPr id="25" name="直接箭头连接符 24">
             <a:extLst>
               <a:ext uri="{FF2B5EF4-FFF2-40B4-BE49-F238E27FC236}">
-                <a16:creationId xmlns:a16="http://schemas.microsoft.com/office/drawing/2014/main" id="{62A67F31-7252-49A9-995F-E5D31D65AC38}"/>
+                <a16:creationId xmlns:a16="http://schemas.microsoft.com/office/drawing/2014/main" xmlns="" id="{62A67F31-7252-49A9-995F-E5D31D65AC38}"/>
               </a:ext>
             </a:extLst>
           </p:cNvPr>
@@ -4802,7 +6147,7 @@
           <p:cNvPr id="26" name="直接箭头连接符 25">
             <a:extLst>
               <a:ext uri="{FF2B5EF4-FFF2-40B4-BE49-F238E27FC236}">
-                <a16:creationId xmlns:a16="http://schemas.microsoft.com/office/drawing/2014/main" id="{BA8ADF29-6DCA-4EC7-98DD-153AE2AAA5A0}"/>
+                <a16:creationId xmlns:a16="http://schemas.microsoft.com/office/drawing/2014/main" xmlns="" id="{BA8ADF29-6DCA-4EC7-98DD-153AE2AAA5A0}"/>
               </a:ext>
             </a:extLst>
           </p:cNvPr>
@@ -4846,7 +6191,7 @@
           <p:cNvPr id="37" name="直接箭头连接符 36">
             <a:extLst>
               <a:ext uri="{FF2B5EF4-FFF2-40B4-BE49-F238E27FC236}">
-                <a16:creationId xmlns:a16="http://schemas.microsoft.com/office/drawing/2014/main" id="{9C69E0F1-81E9-4770-8AF7-9C9F5A4DC826}"/>
+                <a16:creationId xmlns:a16="http://schemas.microsoft.com/office/drawing/2014/main" xmlns="" id="{9C69E0F1-81E9-4770-8AF7-9C9F5A4DC826}"/>
               </a:ext>
             </a:extLst>
           </p:cNvPr>
@@ -4890,7 +6235,7 @@
           <p:cNvPr id="40" name="直接箭头连接符 39">
             <a:extLst>
               <a:ext uri="{FF2B5EF4-FFF2-40B4-BE49-F238E27FC236}">
-                <a16:creationId xmlns:a16="http://schemas.microsoft.com/office/drawing/2014/main" id="{FE791026-1457-4E39-A183-264FD390C476}"/>
+                <a16:creationId xmlns:a16="http://schemas.microsoft.com/office/drawing/2014/main" xmlns="" id="{FE791026-1457-4E39-A183-264FD390C476}"/>
               </a:ext>
             </a:extLst>
           </p:cNvPr>
@@ -4934,7 +6279,7 @@
           <p:cNvPr id="41" name="直接箭头连接符 40">
             <a:extLst>
               <a:ext uri="{FF2B5EF4-FFF2-40B4-BE49-F238E27FC236}">
-                <a16:creationId xmlns:a16="http://schemas.microsoft.com/office/drawing/2014/main" id="{FFEC20CE-959B-425A-AC86-C589FB87D314}"/>
+                <a16:creationId xmlns:a16="http://schemas.microsoft.com/office/drawing/2014/main" xmlns="" id="{FFEC20CE-959B-425A-AC86-C589FB87D314}"/>
               </a:ext>
             </a:extLst>
           </p:cNvPr>
@@ -4978,7 +6323,7 @@
           <p:cNvPr id="42" name="文本框 41">
             <a:extLst>
               <a:ext uri="{FF2B5EF4-FFF2-40B4-BE49-F238E27FC236}">
-                <a16:creationId xmlns:a16="http://schemas.microsoft.com/office/drawing/2014/main" id="{874E2BD7-E6B5-4AD7-A5FE-C7D98738669D}"/>
+                <a16:creationId xmlns:a16="http://schemas.microsoft.com/office/drawing/2014/main" xmlns="" id="{874E2BD7-E6B5-4AD7-A5FE-C7D98738669D}"/>
               </a:ext>
             </a:extLst>
           </p:cNvPr>
@@ -5021,7 +6366,7 @@
           <p:cNvPr id="44" name="连接符: 肘形 43">
             <a:extLst>
               <a:ext uri="{FF2B5EF4-FFF2-40B4-BE49-F238E27FC236}">
-                <a16:creationId xmlns:a16="http://schemas.microsoft.com/office/drawing/2014/main" id="{B7BF48E9-5458-4FEF-93AB-9FDC4FEFE7C5}"/>
+                <a16:creationId xmlns:a16="http://schemas.microsoft.com/office/drawing/2014/main" xmlns="" id="{B7BF48E9-5458-4FEF-93AB-9FDC4FEFE7C5}"/>
               </a:ext>
             </a:extLst>
           </p:cNvPr>
@@ -5065,7 +6410,7 @@
           <p:cNvPr id="47" name="文本框 46">
             <a:extLst>
               <a:ext uri="{FF2B5EF4-FFF2-40B4-BE49-F238E27FC236}">
-                <a16:creationId xmlns:a16="http://schemas.microsoft.com/office/drawing/2014/main" id="{D2C3BC11-20CA-4682-9B58-3E5DB4A431DF}"/>
+                <a16:creationId xmlns:a16="http://schemas.microsoft.com/office/drawing/2014/main" xmlns="" id="{D2C3BC11-20CA-4682-9B58-3E5DB4A431DF}"/>
               </a:ext>
             </a:extLst>
           </p:cNvPr>
@@ -5105,7 +6450,7 @@
           <p:cNvPr id="3" name="文本框 2">
             <a:extLst>
               <a:ext uri="{FF2B5EF4-FFF2-40B4-BE49-F238E27FC236}">
-                <a16:creationId xmlns:a16="http://schemas.microsoft.com/office/drawing/2014/main" id="{DBD62070-C783-48BC-8DF1-1BA70ABC886C}"/>
+                <a16:creationId xmlns:a16="http://schemas.microsoft.com/office/drawing/2014/main" xmlns="" id="{DBD62070-C783-48BC-8DF1-1BA70ABC886C}"/>
               </a:ext>
             </a:extLst>
           </p:cNvPr>
@@ -5447,7 +6792,7 @@
           <p:cNvPr id="2" name="标题 1">
             <a:extLst>
               <a:ext uri="{FF2B5EF4-FFF2-40B4-BE49-F238E27FC236}">
-                <a16:creationId xmlns:a16="http://schemas.microsoft.com/office/drawing/2014/main" id="{752429C3-C831-4135-B497-DA6F5A9FB5EB}"/>
+                <a16:creationId xmlns:a16="http://schemas.microsoft.com/office/drawing/2014/main" xmlns="" id="{752429C3-C831-4135-B497-DA6F5A9FB5EB}"/>
               </a:ext>
             </a:extLst>
           </p:cNvPr>
@@ -5476,7 +6821,7 @@
           <p:cNvPr id="4" name="内容占位符 3">
             <a:extLst>
               <a:ext uri="{FF2B5EF4-FFF2-40B4-BE49-F238E27FC236}">
-                <a16:creationId xmlns:a16="http://schemas.microsoft.com/office/drawing/2014/main" id="{AC4200E2-4E4C-4059-B992-DDD044AC88BB}"/>
+                <a16:creationId xmlns:a16="http://schemas.microsoft.com/office/drawing/2014/main" xmlns="" id="{AC4200E2-4E4C-4059-B992-DDD044AC88BB}"/>
               </a:ext>
             </a:extLst>
           </p:cNvPr>
@@ -5488,7 +6833,7 @@
           </p:nvPr>
         </p:nvPicPr>
         <p:blipFill>
-          <a:blip r:embed="rId2"/>
+          <a:blip r:embed="rId3"/>
           <a:stretch>
             <a:fillRect/>
           </a:stretch>
@@ -5508,7 +6853,7 @@
           <p:cNvPr id="5" name="图片 4">
             <a:extLst>
               <a:ext uri="{FF2B5EF4-FFF2-40B4-BE49-F238E27FC236}">
-                <a16:creationId xmlns:a16="http://schemas.microsoft.com/office/drawing/2014/main" id="{BBA5B3D8-F09A-42B8-8762-5785BB69F65C}"/>
+                <a16:creationId xmlns:a16="http://schemas.microsoft.com/office/drawing/2014/main" xmlns="" id="{BBA5B3D8-F09A-42B8-8762-5785BB69F65C}"/>
               </a:ext>
             </a:extLst>
           </p:cNvPr>
@@ -5518,7 +6863,7 @@
           <p:nvPr/>
         </p:nvPicPr>
         <p:blipFill>
-          <a:blip r:embed="rId3"/>
+          <a:blip r:embed="rId4"/>
           <a:stretch>
             <a:fillRect/>
           </a:stretch>
@@ -5568,7 +6913,7 @@
           <p:cNvPr id="2" name="标题 1">
             <a:extLst>
               <a:ext uri="{FF2B5EF4-FFF2-40B4-BE49-F238E27FC236}">
-                <a16:creationId xmlns:a16="http://schemas.microsoft.com/office/drawing/2014/main" id="{E4ADBCFA-E502-4AFA-AF82-8C0ACCBAF87D}"/>
+                <a16:creationId xmlns:a16="http://schemas.microsoft.com/office/drawing/2014/main" xmlns="" id="{E4ADBCFA-E502-4AFA-AF82-8C0ACCBAF87D}"/>
               </a:ext>
             </a:extLst>
           </p:cNvPr>
@@ -5608,7 +6953,7 @@
           <p:cNvPr id="4" name="内容占位符 3">
             <a:extLst>
               <a:ext uri="{FF2B5EF4-FFF2-40B4-BE49-F238E27FC236}">
-                <a16:creationId xmlns:a16="http://schemas.microsoft.com/office/drawing/2014/main" id="{4D1665ED-3D88-4A91-8373-B48C83363E97}"/>
+                <a16:creationId xmlns:a16="http://schemas.microsoft.com/office/drawing/2014/main" xmlns="" id="{4D1665ED-3D88-4A91-8373-B48C83363E97}"/>
               </a:ext>
             </a:extLst>
           </p:cNvPr>
@@ -5640,7 +6985,7 @@
           <p:cNvPr id="6" name="图片 5">
             <a:extLst>
               <a:ext uri="{FF2B5EF4-FFF2-40B4-BE49-F238E27FC236}">
-                <a16:creationId xmlns:a16="http://schemas.microsoft.com/office/drawing/2014/main" id="{F9DC9FBB-DD24-4A7E-A622-451F6A857DBA}"/>
+                <a16:creationId xmlns:a16="http://schemas.microsoft.com/office/drawing/2014/main" xmlns="" id="{F9DC9FBB-DD24-4A7E-A622-451F6A857DBA}"/>
               </a:ext>
             </a:extLst>
           </p:cNvPr>
@@ -5670,7 +7015,7 @@
           <p:cNvPr id="3" name="文本框 2">
             <a:extLst>
               <a:ext uri="{FF2B5EF4-FFF2-40B4-BE49-F238E27FC236}">
-                <a16:creationId xmlns:a16="http://schemas.microsoft.com/office/drawing/2014/main" id="{BB706CF2-DFF9-4EFF-AFE1-FBF83B9BDE93}"/>
+                <a16:creationId xmlns:a16="http://schemas.microsoft.com/office/drawing/2014/main" xmlns="" id="{BB706CF2-DFF9-4EFF-AFE1-FBF83B9BDE93}"/>
               </a:ext>
             </a:extLst>
           </p:cNvPr>
@@ -5781,7 +7126,7 @@
           <p:cNvPr id="5" name="图片 4">
             <a:extLst>
               <a:ext uri="{FF2B5EF4-FFF2-40B4-BE49-F238E27FC236}">
-                <a16:creationId xmlns:a16="http://schemas.microsoft.com/office/drawing/2014/main" id="{6C009300-D8FE-4930-8D25-602CB0A7CEB3}"/>
+                <a16:creationId xmlns:a16="http://schemas.microsoft.com/office/drawing/2014/main" xmlns="" id="{6C009300-D8FE-4930-8D25-602CB0A7CEB3}"/>
               </a:ext>
             </a:extLst>
           </p:cNvPr>
@@ -5811,7 +7156,7 @@
           <p:cNvPr id="9" name="图片 8">
             <a:extLst>
               <a:ext uri="{FF2B5EF4-FFF2-40B4-BE49-F238E27FC236}">
-                <a16:creationId xmlns:a16="http://schemas.microsoft.com/office/drawing/2014/main" id="{E8EE0E91-EA40-4FA8-8A8B-FCA30C022DED}"/>
+                <a16:creationId xmlns:a16="http://schemas.microsoft.com/office/drawing/2014/main" xmlns="" id="{E8EE0E91-EA40-4FA8-8A8B-FCA30C022DED}"/>
               </a:ext>
             </a:extLst>
           </p:cNvPr>
@@ -5871,7 +7216,7 @@
           <p:cNvPr id="2" name="标题 1">
             <a:extLst>
               <a:ext uri="{FF2B5EF4-FFF2-40B4-BE49-F238E27FC236}">
-                <a16:creationId xmlns:a16="http://schemas.microsoft.com/office/drawing/2014/main" id="{494753AF-D77E-4C90-9C64-6C997F9C6CFA}"/>
+                <a16:creationId xmlns:a16="http://schemas.microsoft.com/office/drawing/2014/main" xmlns="" id="{494753AF-D77E-4C90-9C64-6C997F9C6CFA}"/>
               </a:ext>
             </a:extLst>
           </p:cNvPr>
@@ -5908,7 +7253,7 @@
           <p:cNvPr id="3" name="内容占位符 2">
             <a:extLst>
               <a:ext uri="{FF2B5EF4-FFF2-40B4-BE49-F238E27FC236}">
-                <a16:creationId xmlns:a16="http://schemas.microsoft.com/office/drawing/2014/main" id="{1F3C2F20-0833-48C6-B868-EDBA4740CE05}"/>
+                <a16:creationId xmlns:a16="http://schemas.microsoft.com/office/drawing/2014/main" xmlns="" id="{1F3C2F20-0833-48C6-B868-EDBA4740CE05}"/>
               </a:ext>
             </a:extLst>
           </p:cNvPr>
@@ -6141,7 +7486,7 @@
           <p:cNvPr id="2" name="标题 1">
             <a:extLst>
               <a:ext uri="{FF2B5EF4-FFF2-40B4-BE49-F238E27FC236}">
-                <a16:creationId xmlns:a16="http://schemas.microsoft.com/office/drawing/2014/main" id="{B0154214-FAE3-4D45-B6DB-4A78EAD1CD1E}"/>
+                <a16:creationId xmlns:a16="http://schemas.microsoft.com/office/drawing/2014/main" xmlns="" id="{B0154214-FAE3-4D45-B6DB-4A78EAD1CD1E}"/>
               </a:ext>
             </a:extLst>
           </p:cNvPr>
@@ -6177,7 +7522,7 @@
           <p:cNvPr id="6" name="内容占位符 5">
             <a:extLst>
               <a:ext uri="{FF2B5EF4-FFF2-40B4-BE49-F238E27FC236}">
-                <a16:creationId xmlns:a16="http://schemas.microsoft.com/office/drawing/2014/main" id="{5F381482-6C45-4E4E-B9B3-159C7F346445}"/>
+                <a16:creationId xmlns:a16="http://schemas.microsoft.com/office/drawing/2014/main" xmlns="" id="{5F381482-6C45-4E4E-B9B3-159C7F346445}"/>
               </a:ext>
             </a:extLst>
           </p:cNvPr>
@@ -6205,7 +7550,7 @@
           <p:cNvPr id="7" name="图片 6">
             <a:extLst>
               <a:ext uri="{FF2B5EF4-FFF2-40B4-BE49-F238E27FC236}">
-                <a16:creationId xmlns:a16="http://schemas.microsoft.com/office/drawing/2014/main" id="{9A9424C0-4894-4540-AFC2-4EB465474A89}"/>
+                <a16:creationId xmlns:a16="http://schemas.microsoft.com/office/drawing/2014/main" xmlns="" id="{9A9424C0-4894-4540-AFC2-4EB465474A89}"/>
               </a:ext>
             </a:extLst>
           </p:cNvPr>
@@ -6235,7 +7580,7 @@
           <p:cNvPr id="8" name="文本框 7">
             <a:extLst>
               <a:ext uri="{FF2B5EF4-FFF2-40B4-BE49-F238E27FC236}">
-                <a16:creationId xmlns:a16="http://schemas.microsoft.com/office/drawing/2014/main" id="{71732254-3DF4-4D12-906C-2B84825E550B}"/>
+                <a16:creationId xmlns:a16="http://schemas.microsoft.com/office/drawing/2014/main" xmlns="" id="{71732254-3DF4-4D12-906C-2B84825E550B}"/>
               </a:ext>
             </a:extLst>
           </p:cNvPr>
@@ -6423,7 +7768,7 @@
           <p:cNvPr id="2" name="标题 1">
             <a:extLst>
               <a:ext uri="{FF2B5EF4-FFF2-40B4-BE49-F238E27FC236}">
-                <a16:creationId xmlns:a16="http://schemas.microsoft.com/office/drawing/2014/main" id="{DFB30B64-39F0-40F4-B101-3DE7852DE989}"/>
+                <a16:creationId xmlns:a16="http://schemas.microsoft.com/office/drawing/2014/main" xmlns="" id="{DFB30B64-39F0-40F4-B101-3DE7852DE989}"/>
               </a:ext>
             </a:extLst>
           </p:cNvPr>
@@ -6451,7 +7796,7 @@
           <p:cNvPr id="4" name="内容占位符 3">
             <a:extLst>
               <a:ext uri="{FF2B5EF4-FFF2-40B4-BE49-F238E27FC236}">
-                <a16:creationId xmlns:a16="http://schemas.microsoft.com/office/drawing/2014/main" id="{3CEC3F16-47A4-4682-9F57-7E0DFDBAA5EA}"/>
+                <a16:creationId xmlns:a16="http://schemas.microsoft.com/office/drawing/2014/main" xmlns="" id="{3CEC3F16-47A4-4682-9F57-7E0DFDBAA5EA}"/>
               </a:ext>
             </a:extLst>
           </p:cNvPr>
@@ -6461,36 +7806,6 @@
           <p:nvPr>
             <p:ph idx="1"/>
           </p:nvPr>
-        </p:nvPicPr>
-        <p:blipFill>
-          <a:blip r:embed="rId2"/>
-          <a:stretch>
-            <a:fillRect/>
-          </a:stretch>
-        </p:blipFill>
-        <p:spPr>
-          <a:xfrm>
-            <a:off x="375683" y="5055365"/>
-            <a:ext cx="4902215" cy="923331"/>
-          </a:xfrm>
-          <a:prstGeom prst="rect">
-            <a:avLst/>
-          </a:prstGeom>
-        </p:spPr>
-      </p:pic>
-      <p:pic>
-        <p:nvPicPr>
-          <p:cNvPr id="5" name="图片 4">
-            <a:extLst>
-              <a:ext uri="{FF2B5EF4-FFF2-40B4-BE49-F238E27FC236}">
-                <a16:creationId xmlns:a16="http://schemas.microsoft.com/office/drawing/2014/main" id="{63D664F4-31DB-4B27-838C-E31E42A55930}"/>
-              </a:ext>
-            </a:extLst>
-          </p:cNvPr>
-          <p:cNvPicPr>
-            <a:picLocks noChangeAspect="1"/>
-          </p:cNvPicPr>
-          <p:nvPr/>
         </p:nvPicPr>
         <p:blipFill>
           <a:blip r:embed="rId3"/>
@@ -6500,6 +7815,36 @@
         </p:blipFill>
         <p:spPr>
           <a:xfrm>
+            <a:off x="375683" y="5055365"/>
+            <a:ext cx="4902215" cy="923331"/>
+          </a:xfrm>
+          <a:prstGeom prst="rect">
+            <a:avLst/>
+          </a:prstGeom>
+        </p:spPr>
+      </p:pic>
+      <p:pic>
+        <p:nvPicPr>
+          <p:cNvPr id="5" name="图片 4">
+            <a:extLst>
+              <a:ext uri="{FF2B5EF4-FFF2-40B4-BE49-F238E27FC236}">
+                <a16:creationId xmlns:a16="http://schemas.microsoft.com/office/drawing/2014/main" xmlns="" id="{63D664F4-31DB-4B27-838C-E31E42A55930}"/>
+              </a:ext>
+            </a:extLst>
+          </p:cNvPr>
+          <p:cNvPicPr>
+            <a:picLocks noChangeAspect="1"/>
+          </p:cNvPicPr>
+          <p:nvPr/>
+        </p:nvPicPr>
+        <p:blipFill>
+          <a:blip r:embed="rId4"/>
+          <a:stretch>
+            <a:fillRect/>
+          </a:stretch>
+        </p:blipFill>
+        <p:spPr>
+          <a:xfrm>
             <a:off x="375682" y="1690688"/>
             <a:ext cx="5098847" cy="1901667"/>
           </a:xfrm>
@@ -6513,7 +7858,7 @@
           <p:cNvPr id="7" name="直接箭头连接符 6">
             <a:extLst>
               <a:ext uri="{FF2B5EF4-FFF2-40B4-BE49-F238E27FC236}">
-                <a16:creationId xmlns:a16="http://schemas.microsoft.com/office/drawing/2014/main" id="{93BC26C0-73DC-4129-AA7E-DC8FAD3B944B}"/>
+                <a16:creationId xmlns:a16="http://schemas.microsoft.com/office/drawing/2014/main" xmlns="" id="{93BC26C0-73DC-4129-AA7E-DC8FAD3B944B}"/>
               </a:ext>
             </a:extLst>
           </p:cNvPr>
@@ -6554,7 +7899,7 @@
           <p:cNvPr id="8" name="直接箭头连接符 7">
             <a:extLst>
               <a:ext uri="{FF2B5EF4-FFF2-40B4-BE49-F238E27FC236}">
-                <a16:creationId xmlns:a16="http://schemas.microsoft.com/office/drawing/2014/main" id="{C5BEC143-8FE1-471B-B58A-DD7FC1B9A291}"/>
+                <a16:creationId xmlns:a16="http://schemas.microsoft.com/office/drawing/2014/main" xmlns="" id="{C5BEC143-8FE1-471B-B58A-DD7FC1B9A291}"/>
               </a:ext>
             </a:extLst>
           </p:cNvPr>
@@ -6595,7 +7940,7 @@
           <p:cNvPr id="9" name="直接箭头连接符 8">
             <a:extLst>
               <a:ext uri="{FF2B5EF4-FFF2-40B4-BE49-F238E27FC236}">
-                <a16:creationId xmlns:a16="http://schemas.microsoft.com/office/drawing/2014/main" id="{6FE374E0-BF3F-44D7-B3DE-5D78A6D7290B}"/>
+                <a16:creationId xmlns:a16="http://schemas.microsoft.com/office/drawing/2014/main" xmlns="" id="{6FE374E0-BF3F-44D7-B3DE-5D78A6D7290B}"/>
               </a:ext>
             </a:extLst>
           </p:cNvPr>
@@ -6636,7 +7981,7 @@
           <p:cNvPr id="10" name="直接箭头连接符 9">
             <a:extLst>
               <a:ext uri="{FF2B5EF4-FFF2-40B4-BE49-F238E27FC236}">
-                <a16:creationId xmlns:a16="http://schemas.microsoft.com/office/drawing/2014/main" id="{ED1B34B9-1B3E-49FD-8F8E-8D79B4CF3C75}"/>
+                <a16:creationId xmlns:a16="http://schemas.microsoft.com/office/drawing/2014/main" xmlns="" id="{ED1B34B9-1B3E-49FD-8F8E-8D79B4CF3C75}"/>
               </a:ext>
             </a:extLst>
           </p:cNvPr>
@@ -6677,7 +8022,7 @@
           <p:cNvPr id="11" name="直接箭头连接符 10">
             <a:extLst>
               <a:ext uri="{FF2B5EF4-FFF2-40B4-BE49-F238E27FC236}">
-                <a16:creationId xmlns:a16="http://schemas.microsoft.com/office/drawing/2014/main" id="{C7D2B5B4-CFFA-4308-B01A-A449600E8E96}"/>
+                <a16:creationId xmlns:a16="http://schemas.microsoft.com/office/drawing/2014/main" xmlns="" id="{C7D2B5B4-CFFA-4308-B01A-A449600E8E96}"/>
               </a:ext>
             </a:extLst>
           </p:cNvPr>
@@ -6718,7 +8063,7 @@
           <p:cNvPr id="15" name="文本框 14">
             <a:extLst>
               <a:ext uri="{FF2B5EF4-FFF2-40B4-BE49-F238E27FC236}">
-                <a16:creationId xmlns:a16="http://schemas.microsoft.com/office/drawing/2014/main" id="{33695F5C-911E-4FAD-88FE-BFC25A7B1E4B}"/>
+                <a16:creationId xmlns:a16="http://schemas.microsoft.com/office/drawing/2014/main" xmlns="" id="{33695F5C-911E-4FAD-88FE-BFC25A7B1E4B}"/>
               </a:ext>
             </a:extLst>
           </p:cNvPr>
@@ -6758,7 +8103,7 @@
           <p:cNvPr id="16" name="文本框 15">
             <a:extLst>
               <a:ext uri="{FF2B5EF4-FFF2-40B4-BE49-F238E27FC236}">
-                <a16:creationId xmlns:a16="http://schemas.microsoft.com/office/drawing/2014/main" id="{2C5AA77B-C164-4DAB-BD1F-65E91C98A744}"/>
+                <a16:creationId xmlns:a16="http://schemas.microsoft.com/office/drawing/2014/main" xmlns="" id="{2C5AA77B-C164-4DAB-BD1F-65E91C98A744}"/>
               </a:ext>
             </a:extLst>
           </p:cNvPr>
@@ -6798,7 +8143,127 @@
           <p:cNvPr id="17" name="图片 16">
             <a:extLst>
               <a:ext uri="{FF2B5EF4-FFF2-40B4-BE49-F238E27FC236}">
-                <a16:creationId xmlns:a16="http://schemas.microsoft.com/office/drawing/2014/main" id="{7FB4618F-502E-4E36-9EBB-B5784CB8862E}"/>
+                <a16:creationId xmlns:a16="http://schemas.microsoft.com/office/drawing/2014/main" xmlns="" id="{7FB4618F-502E-4E36-9EBB-B5784CB8862E}"/>
+              </a:ext>
+            </a:extLst>
+          </p:cNvPr>
+          <p:cNvPicPr>
+            <a:picLocks noChangeAspect="1"/>
+          </p:cNvPicPr>
+          <p:nvPr/>
+        </p:nvPicPr>
+        <p:blipFill>
+          <a:blip r:embed="rId4"/>
+          <a:stretch>
+            <a:fillRect/>
+          </a:stretch>
+        </p:blipFill>
+        <p:spPr>
+          <a:xfrm>
+            <a:off x="6047514" y="1734513"/>
+            <a:ext cx="2906956" cy="1084179"/>
+          </a:xfrm>
+          <a:prstGeom prst="rect">
+            <a:avLst/>
+          </a:prstGeom>
+        </p:spPr>
+      </p:pic>
+      <p:pic>
+        <p:nvPicPr>
+          <p:cNvPr id="18" name="图片 17">
+            <a:extLst>
+              <a:ext uri="{FF2B5EF4-FFF2-40B4-BE49-F238E27FC236}">
+                <a16:creationId xmlns:a16="http://schemas.microsoft.com/office/drawing/2014/main" xmlns="" id="{1ACEB443-D6B7-4615-8A0E-0A6C8EFBB849}"/>
+              </a:ext>
+            </a:extLst>
+          </p:cNvPr>
+          <p:cNvPicPr>
+            <a:picLocks noChangeAspect="1"/>
+          </p:cNvPicPr>
+          <p:nvPr/>
+        </p:nvPicPr>
+        <p:blipFill>
+          <a:blip r:embed="rId4"/>
+          <a:stretch>
+            <a:fillRect/>
+          </a:stretch>
+        </p:blipFill>
+        <p:spPr>
+          <a:xfrm>
+            <a:off x="8740714" y="1732846"/>
+            <a:ext cx="2906959" cy="1084180"/>
+          </a:xfrm>
+          <a:prstGeom prst="rect">
+            <a:avLst/>
+          </a:prstGeom>
+        </p:spPr>
+      </p:pic>
+      <p:pic>
+        <p:nvPicPr>
+          <p:cNvPr id="19" name="图片 18">
+            <a:extLst>
+              <a:ext uri="{FF2B5EF4-FFF2-40B4-BE49-F238E27FC236}">
+                <a16:creationId xmlns:a16="http://schemas.microsoft.com/office/drawing/2014/main" xmlns="" id="{9CF454B8-F974-4A9B-9455-435F422C57C4}"/>
+              </a:ext>
+            </a:extLst>
+          </p:cNvPr>
+          <p:cNvPicPr>
+            <a:picLocks noChangeAspect="1"/>
+          </p:cNvPicPr>
+          <p:nvPr/>
+        </p:nvPicPr>
+        <p:blipFill>
+          <a:blip r:embed="rId4"/>
+          <a:stretch>
+            <a:fillRect/>
+          </a:stretch>
+        </p:blipFill>
+        <p:spPr>
+          <a:xfrm>
+            <a:off x="8844077" y="2696842"/>
+            <a:ext cx="2803591" cy="1045628"/>
+          </a:xfrm>
+          <a:prstGeom prst="rect">
+            <a:avLst/>
+          </a:prstGeom>
+        </p:spPr>
+      </p:pic>
+      <p:pic>
+        <p:nvPicPr>
+          <p:cNvPr id="20" name="图片 19">
+            <a:extLst>
+              <a:ext uri="{FF2B5EF4-FFF2-40B4-BE49-F238E27FC236}">
+                <a16:creationId xmlns:a16="http://schemas.microsoft.com/office/drawing/2014/main" xmlns="" id="{D52B42AF-B9F1-4A0D-BEFE-AD7904772FD4}"/>
+              </a:ext>
+            </a:extLst>
+          </p:cNvPr>
+          <p:cNvPicPr>
+            <a:picLocks noChangeAspect="1"/>
+          </p:cNvPicPr>
+          <p:nvPr/>
+        </p:nvPicPr>
+        <p:blipFill>
+          <a:blip r:embed="rId4"/>
+          <a:stretch>
+            <a:fillRect/>
+          </a:stretch>
+        </p:blipFill>
+        <p:spPr>
+          <a:xfrm>
+            <a:off x="6047509" y="2659956"/>
+            <a:ext cx="2906955" cy="1084179"/>
+          </a:xfrm>
+          <a:prstGeom prst="rect">
+            <a:avLst/>
+          </a:prstGeom>
+        </p:spPr>
+      </p:pic>
+      <p:pic>
+        <p:nvPicPr>
+          <p:cNvPr id="21" name="内容占位符 3">
+            <a:extLst>
+              <a:ext uri="{FF2B5EF4-FFF2-40B4-BE49-F238E27FC236}">
+                <a16:creationId xmlns:a16="http://schemas.microsoft.com/office/drawing/2014/main" xmlns="" id="{BD81AD11-F278-47EE-8E50-C42D30810BB0}"/>
               </a:ext>
             </a:extLst>
           </p:cNvPr>
@@ -6815,126 +8280,6 @@
         </p:blipFill>
         <p:spPr>
           <a:xfrm>
-            <a:off x="6047514" y="1734513"/>
-            <a:ext cx="2906956" cy="1084179"/>
-          </a:xfrm>
-          <a:prstGeom prst="rect">
-            <a:avLst/>
-          </a:prstGeom>
-        </p:spPr>
-      </p:pic>
-      <p:pic>
-        <p:nvPicPr>
-          <p:cNvPr id="18" name="图片 17">
-            <a:extLst>
-              <a:ext uri="{FF2B5EF4-FFF2-40B4-BE49-F238E27FC236}">
-                <a16:creationId xmlns:a16="http://schemas.microsoft.com/office/drawing/2014/main" id="{1ACEB443-D6B7-4615-8A0E-0A6C8EFBB849}"/>
-              </a:ext>
-            </a:extLst>
-          </p:cNvPr>
-          <p:cNvPicPr>
-            <a:picLocks noChangeAspect="1"/>
-          </p:cNvPicPr>
-          <p:nvPr/>
-        </p:nvPicPr>
-        <p:blipFill>
-          <a:blip r:embed="rId3"/>
-          <a:stretch>
-            <a:fillRect/>
-          </a:stretch>
-        </p:blipFill>
-        <p:spPr>
-          <a:xfrm>
-            <a:off x="8740714" y="1732846"/>
-            <a:ext cx="2906959" cy="1084180"/>
-          </a:xfrm>
-          <a:prstGeom prst="rect">
-            <a:avLst/>
-          </a:prstGeom>
-        </p:spPr>
-      </p:pic>
-      <p:pic>
-        <p:nvPicPr>
-          <p:cNvPr id="19" name="图片 18">
-            <a:extLst>
-              <a:ext uri="{FF2B5EF4-FFF2-40B4-BE49-F238E27FC236}">
-                <a16:creationId xmlns:a16="http://schemas.microsoft.com/office/drawing/2014/main" id="{9CF454B8-F974-4A9B-9455-435F422C57C4}"/>
-              </a:ext>
-            </a:extLst>
-          </p:cNvPr>
-          <p:cNvPicPr>
-            <a:picLocks noChangeAspect="1"/>
-          </p:cNvPicPr>
-          <p:nvPr/>
-        </p:nvPicPr>
-        <p:blipFill>
-          <a:blip r:embed="rId3"/>
-          <a:stretch>
-            <a:fillRect/>
-          </a:stretch>
-        </p:blipFill>
-        <p:spPr>
-          <a:xfrm>
-            <a:off x="8844077" y="2696842"/>
-            <a:ext cx="2803591" cy="1045628"/>
-          </a:xfrm>
-          <a:prstGeom prst="rect">
-            <a:avLst/>
-          </a:prstGeom>
-        </p:spPr>
-      </p:pic>
-      <p:pic>
-        <p:nvPicPr>
-          <p:cNvPr id="20" name="图片 19">
-            <a:extLst>
-              <a:ext uri="{FF2B5EF4-FFF2-40B4-BE49-F238E27FC236}">
-                <a16:creationId xmlns:a16="http://schemas.microsoft.com/office/drawing/2014/main" id="{D52B42AF-B9F1-4A0D-BEFE-AD7904772FD4}"/>
-              </a:ext>
-            </a:extLst>
-          </p:cNvPr>
-          <p:cNvPicPr>
-            <a:picLocks noChangeAspect="1"/>
-          </p:cNvPicPr>
-          <p:nvPr/>
-        </p:nvPicPr>
-        <p:blipFill>
-          <a:blip r:embed="rId3"/>
-          <a:stretch>
-            <a:fillRect/>
-          </a:stretch>
-        </p:blipFill>
-        <p:spPr>
-          <a:xfrm>
-            <a:off x="6047509" y="2659956"/>
-            <a:ext cx="2906955" cy="1084179"/>
-          </a:xfrm>
-          <a:prstGeom prst="rect">
-            <a:avLst/>
-          </a:prstGeom>
-        </p:spPr>
-      </p:pic>
-      <p:pic>
-        <p:nvPicPr>
-          <p:cNvPr id="21" name="内容占位符 3">
-            <a:extLst>
-              <a:ext uri="{FF2B5EF4-FFF2-40B4-BE49-F238E27FC236}">
-                <a16:creationId xmlns:a16="http://schemas.microsoft.com/office/drawing/2014/main" id="{BD81AD11-F278-47EE-8E50-C42D30810BB0}"/>
-              </a:ext>
-            </a:extLst>
-          </p:cNvPr>
-          <p:cNvPicPr>
-            <a:picLocks noChangeAspect="1"/>
-          </p:cNvPicPr>
-          <p:nvPr/>
-        </p:nvPicPr>
-        <p:blipFill>
-          <a:blip r:embed="rId2"/>
-          <a:stretch>
-            <a:fillRect/>
-          </a:stretch>
-        </p:blipFill>
-        <p:spPr>
-          <a:xfrm>
             <a:off x="6418308" y="5055365"/>
             <a:ext cx="5756201" cy="1084179"/>
           </a:xfrm>
@@ -6948,7 +8293,7 @@
           <p:cNvPr id="27" name="直接箭头连接符 26">
             <a:extLst>
               <a:ext uri="{FF2B5EF4-FFF2-40B4-BE49-F238E27FC236}">
-                <a16:creationId xmlns:a16="http://schemas.microsoft.com/office/drawing/2014/main" id="{1F6127F6-DEA6-45AA-9253-2F47431CF9BB}"/>
+                <a16:creationId xmlns:a16="http://schemas.microsoft.com/office/drawing/2014/main" xmlns="" id="{1F6127F6-DEA6-45AA-9253-2F47431CF9BB}"/>
               </a:ext>
             </a:extLst>
           </p:cNvPr>
@@ -6989,7 +8334,7 @@
           <p:cNvPr id="31" name="直接箭头连接符 30">
             <a:extLst>
               <a:ext uri="{FF2B5EF4-FFF2-40B4-BE49-F238E27FC236}">
-                <a16:creationId xmlns:a16="http://schemas.microsoft.com/office/drawing/2014/main" id="{ECBC7E67-8CA4-406F-9399-86AC4B4BC186}"/>
+                <a16:creationId xmlns:a16="http://schemas.microsoft.com/office/drawing/2014/main" xmlns="" id="{ECBC7E67-8CA4-406F-9399-86AC4B4BC186}"/>
               </a:ext>
             </a:extLst>
           </p:cNvPr>
@@ -7030,7 +8375,7 @@
           <p:cNvPr id="32" name="直接箭头连接符 31">
             <a:extLst>
               <a:ext uri="{FF2B5EF4-FFF2-40B4-BE49-F238E27FC236}">
-                <a16:creationId xmlns:a16="http://schemas.microsoft.com/office/drawing/2014/main" id="{3B40C431-7507-4944-A1FC-BC347D9625B2}"/>
+                <a16:creationId xmlns:a16="http://schemas.microsoft.com/office/drawing/2014/main" xmlns="" id="{3B40C431-7507-4944-A1FC-BC347D9625B2}"/>
               </a:ext>
             </a:extLst>
           </p:cNvPr>
@@ -7071,7 +8416,7 @@
           <p:cNvPr id="33" name="直接箭头连接符 32">
             <a:extLst>
               <a:ext uri="{FF2B5EF4-FFF2-40B4-BE49-F238E27FC236}">
-                <a16:creationId xmlns:a16="http://schemas.microsoft.com/office/drawing/2014/main" id="{9AA16FD6-D42E-497A-8FC4-EB2DDB0FC1A4}"/>
+                <a16:creationId xmlns:a16="http://schemas.microsoft.com/office/drawing/2014/main" xmlns="" id="{9AA16FD6-D42E-497A-8FC4-EB2DDB0FC1A4}"/>
               </a:ext>
             </a:extLst>
           </p:cNvPr>
@@ -7112,7 +8457,7 @@
           <p:cNvPr id="42" name="直接箭头连接符 41">
             <a:extLst>
               <a:ext uri="{FF2B5EF4-FFF2-40B4-BE49-F238E27FC236}">
-                <a16:creationId xmlns:a16="http://schemas.microsoft.com/office/drawing/2014/main" id="{0CDB7F0E-9AF4-49EA-B919-B7303740A78E}"/>
+                <a16:creationId xmlns:a16="http://schemas.microsoft.com/office/drawing/2014/main" xmlns="" id="{0CDB7F0E-9AF4-49EA-B919-B7303740A78E}"/>
               </a:ext>
             </a:extLst>
           </p:cNvPr>
@@ -7153,7 +8498,7 @@
           <p:cNvPr id="44" name="直接箭头连接符 43">
             <a:extLst>
               <a:ext uri="{FF2B5EF4-FFF2-40B4-BE49-F238E27FC236}">
-                <a16:creationId xmlns:a16="http://schemas.microsoft.com/office/drawing/2014/main" id="{07E4A50E-3F12-41A3-A0DA-5CCC6BD7B853}"/>
+                <a16:creationId xmlns:a16="http://schemas.microsoft.com/office/drawing/2014/main" xmlns="" id="{07E4A50E-3F12-41A3-A0DA-5CCC6BD7B853}"/>
               </a:ext>
             </a:extLst>
           </p:cNvPr>
@@ -7194,7 +8539,7 @@
           <p:cNvPr id="45" name="直接箭头连接符 44">
             <a:extLst>
               <a:ext uri="{FF2B5EF4-FFF2-40B4-BE49-F238E27FC236}">
-                <a16:creationId xmlns:a16="http://schemas.microsoft.com/office/drawing/2014/main" id="{59F21909-19AD-4CB6-AD7E-2A4138056A37}"/>
+                <a16:creationId xmlns:a16="http://schemas.microsoft.com/office/drawing/2014/main" xmlns="" id="{59F21909-19AD-4CB6-AD7E-2A4138056A37}"/>
               </a:ext>
             </a:extLst>
           </p:cNvPr>
@@ -7235,7 +8580,7 @@
           <p:cNvPr id="46" name="直接箭头连接符 45">
             <a:extLst>
               <a:ext uri="{FF2B5EF4-FFF2-40B4-BE49-F238E27FC236}">
-                <a16:creationId xmlns:a16="http://schemas.microsoft.com/office/drawing/2014/main" id="{4C1D9861-D244-4A8E-8BC5-A6B134E5F595}"/>
+                <a16:creationId xmlns:a16="http://schemas.microsoft.com/office/drawing/2014/main" xmlns="" id="{4C1D9861-D244-4A8E-8BC5-A6B134E5F595}"/>
               </a:ext>
             </a:extLst>
           </p:cNvPr>
@@ -7276,7 +8621,7 @@
           <p:cNvPr id="52" name="直接箭头连接符 51">
             <a:extLst>
               <a:ext uri="{FF2B5EF4-FFF2-40B4-BE49-F238E27FC236}">
-                <a16:creationId xmlns:a16="http://schemas.microsoft.com/office/drawing/2014/main" id="{E7162409-4001-4221-BF3D-530A6DE2652D}"/>
+                <a16:creationId xmlns:a16="http://schemas.microsoft.com/office/drawing/2014/main" xmlns="" id="{E7162409-4001-4221-BF3D-530A6DE2652D}"/>
               </a:ext>
             </a:extLst>
           </p:cNvPr>
@@ -7317,7 +8662,7 @@
           <p:cNvPr id="54" name="直接箭头连接符 53">
             <a:extLst>
               <a:ext uri="{FF2B5EF4-FFF2-40B4-BE49-F238E27FC236}">
-                <a16:creationId xmlns:a16="http://schemas.microsoft.com/office/drawing/2014/main" id="{C4F30BA7-6C62-439B-9C87-895A7FA3DB8E}"/>
+                <a16:creationId xmlns:a16="http://schemas.microsoft.com/office/drawing/2014/main" xmlns="" id="{C4F30BA7-6C62-439B-9C87-895A7FA3DB8E}"/>
               </a:ext>
             </a:extLst>
           </p:cNvPr>
@@ -7358,7 +8703,7 @@
           <p:cNvPr id="55" name="直接箭头连接符 54">
             <a:extLst>
               <a:ext uri="{FF2B5EF4-FFF2-40B4-BE49-F238E27FC236}">
-                <a16:creationId xmlns:a16="http://schemas.microsoft.com/office/drawing/2014/main" id="{9712716C-29F0-4DFB-BCE2-056B947A10A0}"/>
+                <a16:creationId xmlns:a16="http://schemas.microsoft.com/office/drawing/2014/main" xmlns="" id="{9712716C-29F0-4DFB-BCE2-056B947A10A0}"/>
               </a:ext>
             </a:extLst>
           </p:cNvPr>
@@ -7399,7 +8744,7 @@
           <p:cNvPr id="56" name="直接箭头连接符 55">
             <a:extLst>
               <a:ext uri="{FF2B5EF4-FFF2-40B4-BE49-F238E27FC236}">
-                <a16:creationId xmlns:a16="http://schemas.microsoft.com/office/drawing/2014/main" id="{C221EB8A-01E4-4599-BEBC-495F275E3B14}"/>
+                <a16:creationId xmlns:a16="http://schemas.microsoft.com/office/drawing/2014/main" xmlns="" id="{C221EB8A-01E4-4599-BEBC-495F275E3B14}"/>
               </a:ext>
             </a:extLst>
           </p:cNvPr>
@@ -7440,7 +8785,7 @@
           <p:cNvPr id="62" name="文本框 61">
             <a:extLst>
               <a:ext uri="{FF2B5EF4-FFF2-40B4-BE49-F238E27FC236}">
-                <a16:creationId xmlns:a16="http://schemas.microsoft.com/office/drawing/2014/main" id="{8EE5CCA1-7C84-42B0-B77C-9AF0683F26F9}"/>
+                <a16:creationId xmlns:a16="http://schemas.microsoft.com/office/drawing/2014/main" xmlns="" id="{8EE5CCA1-7C84-42B0-B77C-9AF0683F26F9}"/>
               </a:ext>
             </a:extLst>
           </p:cNvPr>
@@ -7483,7 +8828,7 @@
           <p:cNvPr id="3" name="文本框 2">
             <a:extLst>
               <a:ext uri="{FF2B5EF4-FFF2-40B4-BE49-F238E27FC236}">
-                <a16:creationId xmlns:a16="http://schemas.microsoft.com/office/drawing/2014/main" id="{D06499E2-8DEE-4F26-B286-95A1BEE1868C}"/>
+                <a16:creationId xmlns:a16="http://schemas.microsoft.com/office/drawing/2014/main" xmlns="" id="{D06499E2-8DEE-4F26-B286-95A1BEE1868C}"/>
               </a:ext>
             </a:extLst>
           </p:cNvPr>
@@ -7576,7 +8921,7 @@
           <p:cNvPr id="2" name="标题 1">
             <a:extLst>
               <a:ext uri="{FF2B5EF4-FFF2-40B4-BE49-F238E27FC236}">
-                <a16:creationId xmlns:a16="http://schemas.microsoft.com/office/drawing/2014/main" id="{E69B2658-BCE4-47B0-974F-62971A10C82B}"/>
+                <a16:creationId xmlns:a16="http://schemas.microsoft.com/office/drawing/2014/main" xmlns="" id="{E69B2658-BCE4-47B0-974F-62971A10C82B}"/>
               </a:ext>
             </a:extLst>
           </p:cNvPr>
@@ -7604,7 +8949,7 @@
           <p:cNvPr id="3" name="内容占位符 2">
             <a:extLst>
               <a:ext uri="{FF2B5EF4-FFF2-40B4-BE49-F238E27FC236}">
-                <a16:creationId xmlns:a16="http://schemas.microsoft.com/office/drawing/2014/main" id="{48D02E07-13C8-48F7-9BFA-A956F0856576}"/>
+                <a16:creationId xmlns:a16="http://schemas.microsoft.com/office/drawing/2014/main" xmlns="" id="{48D02E07-13C8-48F7-9BFA-A956F0856576}"/>
               </a:ext>
             </a:extLst>
           </p:cNvPr>
@@ -7629,37 +8974,7 @@
           <p:cNvPr id="8" name="图片 7">
             <a:extLst>
               <a:ext uri="{FF2B5EF4-FFF2-40B4-BE49-F238E27FC236}">
-                <a16:creationId xmlns:a16="http://schemas.microsoft.com/office/drawing/2014/main" id="{4D9002AB-83B9-4340-A857-0230FD03D572}"/>
-              </a:ext>
-            </a:extLst>
-          </p:cNvPr>
-          <p:cNvPicPr>
-            <a:picLocks noChangeAspect="1"/>
-          </p:cNvPicPr>
-          <p:nvPr/>
-        </p:nvPicPr>
-        <p:blipFill>
-          <a:blip r:embed="rId2"/>
-          <a:stretch>
-            <a:fillRect/>
-          </a:stretch>
-        </p:blipFill>
-        <p:spPr>
-          <a:xfrm>
-            <a:off x="6597256" y="507628"/>
-            <a:ext cx="6423329" cy="6249432"/>
-          </a:xfrm>
-          <a:prstGeom prst="rect">
-            <a:avLst/>
-          </a:prstGeom>
-        </p:spPr>
-      </p:pic>
-      <p:pic>
-        <p:nvPicPr>
-          <p:cNvPr id="7" name="图片 6">
-            <a:extLst>
-              <a:ext uri="{FF2B5EF4-FFF2-40B4-BE49-F238E27FC236}">
-                <a16:creationId xmlns:a16="http://schemas.microsoft.com/office/drawing/2014/main" id="{DD6CB5E4-DC9A-48A0-A40E-C622DBB0184A}"/>
+                <a16:creationId xmlns:a16="http://schemas.microsoft.com/office/drawing/2014/main" xmlns="" id="{4D9002AB-83B9-4340-A857-0230FD03D572}"/>
               </a:ext>
             </a:extLst>
           </p:cNvPr>
@@ -7676,20 +8991,50 @@
         </p:blipFill>
         <p:spPr>
           <a:xfrm>
-            <a:off x="-372765" y="1690687"/>
-            <a:ext cx="7659325" cy="5066373"/>
+            <a:off x="6597256" y="507628"/>
+            <a:ext cx="6423329" cy="6249432"/>
           </a:xfrm>
           <a:prstGeom prst="rect">
             <a:avLst/>
           </a:prstGeom>
         </p:spPr>
       </p:pic>
+      <p:pic>
+        <p:nvPicPr>
+          <p:cNvPr id="7" name="图片 6">
+            <a:extLst>
+              <a:ext uri="{FF2B5EF4-FFF2-40B4-BE49-F238E27FC236}">
+                <a16:creationId xmlns:a16="http://schemas.microsoft.com/office/drawing/2014/main" xmlns="" id="{DD6CB5E4-DC9A-48A0-A40E-C622DBB0184A}"/>
+              </a:ext>
+            </a:extLst>
+          </p:cNvPr>
+          <p:cNvPicPr>
+            <a:picLocks noChangeAspect="1"/>
+          </p:cNvPicPr>
+          <p:nvPr/>
+        </p:nvPicPr>
+        <p:blipFill>
+          <a:blip r:embed="rId4"/>
+          <a:stretch>
+            <a:fillRect/>
+          </a:stretch>
+        </p:blipFill>
+        <p:spPr>
+          <a:xfrm>
+            <a:off x="-372765" y="1690687"/>
+            <a:ext cx="7659325" cy="5066373"/>
+          </a:xfrm>
+          <a:prstGeom prst="rect">
+            <a:avLst/>
+          </a:prstGeom>
+        </p:spPr>
+      </p:pic>
       <p:sp>
         <p:nvSpPr>
           <p:cNvPr id="4" name="文本框 3">
             <a:extLst>
               <a:ext uri="{FF2B5EF4-FFF2-40B4-BE49-F238E27FC236}">
-                <a16:creationId xmlns:a16="http://schemas.microsoft.com/office/drawing/2014/main" id="{8E8028D6-3A92-407A-A103-36ACC6657028}"/>
+                <a16:creationId xmlns:a16="http://schemas.microsoft.com/office/drawing/2014/main" xmlns="" id="{8E8028D6-3A92-407A-A103-36ACC6657028}"/>
               </a:ext>
             </a:extLst>
           </p:cNvPr>
@@ -7786,7 +9131,7 @@
           <p:cNvPr id="2" name="标题 1">
             <a:extLst>
               <a:ext uri="{FF2B5EF4-FFF2-40B4-BE49-F238E27FC236}">
-                <a16:creationId xmlns:a16="http://schemas.microsoft.com/office/drawing/2014/main" id="{0DCFBE3F-1B25-4311-91A5-3F91E01804F9}"/>
+                <a16:creationId xmlns:a16="http://schemas.microsoft.com/office/drawing/2014/main" xmlns="" id="{0DCFBE3F-1B25-4311-91A5-3F91E01804F9}"/>
               </a:ext>
             </a:extLst>
           </p:cNvPr>
@@ -7814,7 +9159,7 @@
           <p:cNvPr id="7" name="内容占位符 6">
             <a:extLst>
               <a:ext uri="{FF2B5EF4-FFF2-40B4-BE49-F238E27FC236}">
-                <a16:creationId xmlns:a16="http://schemas.microsoft.com/office/drawing/2014/main" id="{4839889F-5AD7-4905-9ED7-65AAE5105AD0}"/>
+                <a16:creationId xmlns:a16="http://schemas.microsoft.com/office/drawing/2014/main" xmlns="" id="{4839889F-5AD7-4905-9ED7-65AAE5105AD0}"/>
               </a:ext>
             </a:extLst>
           </p:cNvPr>
@@ -7846,7 +9191,7 @@
           <p:cNvPr id="8" name="图片 7">
             <a:extLst>
               <a:ext uri="{FF2B5EF4-FFF2-40B4-BE49-F238E27FC236}">
-                <a16:creationId xmlns:a16="http://schemas.microsoft.com/office/drawing/2014/main" id="{905F5852-E052-44B8-91F3-8B7008E57BB9}"/>
+                <a16:creationId xmlns:a16="http://schemas.microsoft.com/office/drawing/2014/main" xmlns="" id="{905F5852-E052-44B8-91F3-8B7008E57BB9}"/>
               </a:ext>
             </a:extLst>
           </p:cNvPr>
@@ -7876,7 +9221,7 @@
           <p:cNvPr id="9" name="图片 8">
             <a:extLst>
               <a:ext uri="{FF2B5EF4-FFF2-40B4-BE49-F238E27FC236}">
-                <a16:creationId xmlns:a16="http://schemas.microsoft.com/office/drawing/2014/main" id="{9D4B3320-55DA-4792-8754-3D0A5D4DA675}"/>
+                <a16:creationId xmlns:a16="http://schemas.microsoft.com/office/drawing/2014/main" xmlns="" id="{9D4B3320-55DA-4792-8754-3D0A5D4DA675}"/>
               </a:ext>
             </a:extLst>
           </p:cNvPr>
@@ -7906,7 +9251,7 @@
           <p:cNvPr id="10" name="文本框 9">
             <a:extLst>
               <a:ext uri="{FF2B5EF4-FFF2-40B4-BE49-F238E27FC236}">
-                <a16:creationId xmlns:a16="http://schemas.microsoft.com/office/drawing/2014/main" id="{0F5919E0-8D00-4054-A1F5-6AFA8CC1B01A}"/>
+                <a16:creationId xmlns:a16="http://schemas.microsoft.com/office/drawing/2014/main" xmlns="" id="{0F5919E0-8D00-4054-A1F5-6AFA8CC1B01A}"/>
               </a:ext>
             </a:extLst>
           </p:cNvPr>
@@ -8326,4 +9671,265 @@
     </a:ext>
   </a:extLst>
 </a:theme>
+</file>
+
+<file path=ppt/theme/theme2.xml><?xml version="1.0" encoding="utf-8"?>
+<a:theme xmlns:a="http://schemas.openxmlformats.org/drawingml/2006/main" name="Office 主题">
+  <a:themeElements>
+    <a:clrScheme name="Office">
+      <a:dk1>
+        <a:sysClr val="windowText" lastClr="000000"/>
+      </a:dk1>
+      <a:lt1>
+        <a:sysClr val="window" lastClr="FFFFFF"/>
+      </a:lt1>
+      <a:dk2>
+        <a:srgbClr val="44546A"/>
+      </a:dk2>
+      <a:lt2>
+        <a:srgbClr val="E7E6E6"/>
+      </a:lt2>
+      <a:accent1>
+        <a:srgbClr val="4472C4"/>
+      </a:accent1>
+      <a:accent2>
+        <a:srgbClr val="ED7D31"/>
+      </a:accent2>
+      <a:accent3>
+        <a:srgbClr val="A5A5A5"/>
+      </a:accent3>
+      <a:accent4>
+        <a:srgbClr val="FFC000"/>
+      </a:accent4>
+      <a:accent5>
+        <a:srgbClr val="5B9BD5"/>
+      </a:accent5>
+      <a:accent6>
+        <a:srgbClr val="70AD47"/>
+      </a:accent6>
+      <a:hlink>
+        <a:srgbClr val="0563C1"/>
+      </a:hlink>
+      <a:folHlink>
+        <a:srgbClr val="954F72"/>
+      </a:folHlink>
+    </a:clrScheme>
+    <a:fontScheme name="Office">
+      <a:majorFont>
+        <a:latin typeface="DengXian Light" panose="020F0302020204030204"/>
+        <a:ea typeface=""/>
+        <a:cs typeface=""/>
+        <a:font script="Jpan" typeface="Yu Gothic Light"/>
+        <a:font script="Hang" typeface="맑은 고딕"/>
+        <a:font script="Hans" typeface="DengXian Light"/>
+        <a:font script="Hant" typeface="新細明體"/>
+        <a:font script="Arab" typeface="Times New Roman"/>
+        <a:font script="Hebr" typeface="Times New Roman"/>
+        <a:font script="Thai" typeface="Angsana New"/>
+        <a:font script="Ethi" typeface="Nyala"/>
+        <a:font script="Beng" typeface="Vrinda"/>
+        <a:font script="Gujr" typeface="Shruti"/>
+        <a:font script="Khmr" typeface="MoolBoran"/>
+        <a:font script="Knda" typeface="Tunga"/>
+        <a:font script="Guru" typeface="Raavi"/>
+        <a:font script="Cans" typeface="Euphemia"/>
+        <a:font script="Cher" typeface="Plantagenet Cherokee"/>
+        <a:font script="Yiii" typeface="Microsoft Yi Baiti"/>
+        <a:font script="Tibt" typeface="Microsoft Himalaya"/>
+        <a:font script="Thaa" typeface="MV Boli"/>
+        <a:font script="Deva" typeface="Mangal"/>
+        <a:font script="Telu" typeface="Gautami"/>
+        <a:font script="Taml" typeface="Latha"/>
+        <a:font script="Syrc" typeface="Estrangelo Edessa"/>
+        <a:font script="Orya" typeface="Kalinga"/>
+        <a:font script="Mlym" typeface="Kartika"/>
+        <a:font script="Laoo" typeface="DokChampa"/>
+        <a:font script="Sinh" typeface="Iskoola Pota"/>
+        <a:font script="Mong" typeface="Mongolian Baiti"/>
+        <a:font script="Viet" typeface="Times New Roman"/>
+        <a:font script="Uigh" typeface="Microsoft Uighur"/>
+        <a:font script="Geor" typeface="Sylfaen"/>
+      </a:majorFont>
+      <a:minorFont>
+        <a:latin typeface="DengXian" panose="020F0502020204030204"/>
+        <a:ea typeface=""/>
+        <a:cs typeface=""/>
+        <a:font script="Jpan" typeface="Yu Gothic"/>
+        <a:font script="Hang" typeface="맑은 고딕"/>
+        <a:font script="Hans" typeface="DengXian"/>
+        <a:font script="Hant" typeface="新細明體"/>
+        <a:font script="Arab" typeface="Arial"/>
+        <a:font script="Hebr" typeface="Arial"/>
+        <a:font script="Thai" typeface="Cordia New"/>
+        <a:font script="Ethi" typeface="Nyala"/>
+        <a:font script="Beng" typeface="Vrinda"/>
+        <a:font script="Gujr" typeface="Shruti"/>
+        <a:font script="Khmr" typeface="DaunPenh"/>
+        <a:font script="Knda" typeface="Tunga"/>
+        <a:font script="Guru" typeface="Raavi"/>
+        <a:font script="Cans" typeface="Euphemia"/>
+        <a:font script="Cher" typeface="Plantagenet Cherokee"/>
+        <a:font script="Yiii" typeface="Microsoft Yi Baiti"/>
+        <a:font script="Tibt" typeface="Microsoft Himalaya"/>
+        <a:font script="Thaa" typeface="MV Boli"/>
+        <a:font script="Deva" typeface="Mangal"/>
+        <a:font script="Telu" typeface="Gautami"/>
+        <a:font script="Taml" typeface="Latha"/>
+        <a:font script="Syrc" typeface="Estrangelo Edessa"/>
+        <a:font script="Orya" typeface="Kalinga"/>
+        <a:font script="Mlym" typeface="Kartika"/>
+        <a:font script="Laoo" typeface="DokChampa"/>
+        <a:font script="Sinh" typeface="Iskoola Pota"/>
+        <a:font script="Mong" typeface="Mongolian Baiti"/>
+        <a:font script="Viet" typeface="Arial"/>
+        <a:font script="Uigh" typeface="Microsoft Uighur"/>
+        <a:font script="Geor" typeface="Sylfaen"/>
+      </a:minorFont>
+    </a:fontScheme>
+    <a:fmtScheme name="Office">
+      <a:fillStyleLst>
+        <a:solidFill>
+          <a:schemeClr val="phClr"/>
+        </a:solidFill>
+        <a:gradFill rotWithShape="1">
+          <a:gsLst>
+            <a:gs pos="0">
+              <a:schemeClr val="phClr">
+                <a:lumMod val="110000"/>
+                <a:satMod val="105000"/>
+                <a:tint val="67000"/>
+              </a:schemeClr>
+            </a:gs>
+            <a:gs pos="50000">
+              <a:schemeClr val="phClr">
+                <a:lumMod val="105000"/>
+                <a:satMod val="103000"/>
+                <a:tint val="73000"/>
+              </a:schemeClr>
+            </a:gs>
+            <a:gs pos="100000">
+              <a:schemeClr val="phClr">
+                <a:lumMod val="105000"/>
+                <a:satMod val="109000"/>
+                <a:tint val="81000"/>
+              </a:schemeClr>
+            </a:gs>
+          </a:gsLst>
+          <a:lin ang="5400000" scaled="0"/>
+        </a:gradFill>
+        <a:gradFill rotWithShape="1">
+          <a:gsLst>
+            <a:gs pos="0">
+              <a:schemeClr val="phClr">
+                <a:satMod val="103000"/>
+                <a:lumMod val="102000"/>
+                <a:tint val="94000"/>
+              </a:schemeClr>
+            </a:gs>
+            <a:gs pos="50000">
+              <a:schemeClr val="phClr">
+                <a:satMod val="110000"/>
+                <a:lumMod val="100000"/>
+                <a:shade val="100000"/>
+              </a:schemeClr>
+            </a:gs>
+            <a:gs pos="100000">
+              <a:schemeClr val="phClr">
+                <a:lumMod val="99000"/>
+                <a:satMod val="120000"/>
+                <a:shade val="78000"/>
+              </a:schemeClr>
+            </a:gs>
+          </a:gsLst>
+          <a:lin ang="5400000" scaled="0"/>
+        </a:gradFill>
+      </a:fillStyleLst>
+      <a:lnStyleLst>
+        <a:ln w="6350" cap="flat" cmpd="sng" algn="ctr">
+          <a:solidFill>
+            <a:schemeClr val="phClr"/>
+          </a:solidFill>
+          <a:prstDash val="solid"/>
+          <a:miter lim="800000"/>
+        </a:ln>
+        <a:ln w="12700" cap="flat" cmpd="sng" algn="ctr">
+          <a:solidFill>
+            <a:schemeClr val="phClr"/>
+          </a:solidFill>
+          <a:prstDash val="solid"/>
+          <a:miter lim="800000"/>
+        </a:ln>
+        <a:ln w="19050" cap="flat" cmpd="sng" algn="ctr">
+          <a:solidFill>
+            <a:schemeClr val="phClr"/>
+          </a:solidFill>
+          <a:prstDash val="solid"/>
+          <a:miter lim="800000"/>
+        </a:ln>
+      </a:lnStyleLst>
+      <a:effectStyleLst>
+        <a:effectStyle>
+          <a:effectLst/>
+        </a:effectStyle>
+        <a:effectStyle>
+          <a:effectLst/>
+        </a:effectStyle>
+        <a:effectStyle>
+          <a:effectLst>
+            <a:outerShdw blurRad="57150" dist="19050" dir="5400000" algn="ctr" rotWithShape="0">
+              <a:srgbClr val="000000">
+                <a:alpha val="63000"/>
+              </a:srgbClr>
+            </a:outerShdw>
+          </a:effectLst>
+        </a:effectStyle>
+      </a:effectStyleLst>
+      <a:bgFillStyleLst>
+        <a:solidFill>
+          <a:schemeClr val="phClr"/>
+        </a:solidFill>
+        <a:solidFill>
+          <a:schemeClr val="phClr">
+            <a:tint val="95000"/>
+            <a:satMod val="170000"/>
+          </a:schemeClr>
+        </a:solidFill>
+        <a:gradFill rotWithShape="1">
+          <a:gsLst>
+            <a:gs pos="0">
+              <a:schemeClr val="phClr">
+                <a:tint val="93000"/>
+                <a:satMod val="150000"/>
+                <a:shade val="98000"/>
+                <a:lumMod val="102000"/>
+              </a:schemeClr>
+            </a:gs>
+            <a:gs pos="50000">
+              <a:schemeClr val="phClr">
+                <a:tint val="98000"/>
+                <a:satMod val="130000"/>
+                <a:shade val="90000"/>
+                <a:lumMod val="103000"/>
+              </a:schemeClr>
+            </a:gs>
+            <a:gs pos="100000">
+              <a:schemeClr val="phClr">
+                <a:shade val="63000"/>
+                <a:satMod val="120000"/>
+              </a:schemeClr>
+            </a:gs>
+          </a:gsLst>
+          <a:lin ang="5400000" scaled="0"/>
+        </a:gradFill>
+      </a:bgFillStyleLst>
+    </a:fmtScheme>
+  </a:themeElements>
+  <a:objectDefaults/>
+  <a:extraClrSchemeLst/>
+  <a:extLst>
+    <a:ext uri="{05A4C25C-085E-4340-85A3-A5531E510DB2}">
+      <thm15:themeFamily xmlns:thm15="http://schemas.microsoft.com/office/thememl/2012/main" name="Office Theme" id="{62F939B6-93AF-4DB8-9C6B-D6C7DFDC589F}" vid="{4A3C46E8-61CC-4603-A589-7422A47A8E4A}"/>
+    </a:ext>
+  </a:extLst>
+</a:theme>
 </file>
--- a/ppt/Cuda-nbody 优化思路.pptx
+++ b/ppt/Cuda-nbody 优化思路.pptx
@@ -5,7 +5,7 @@
     <p:sldMasterId id="2147483648" r:id="rId1"/>
   </p:sldMasterIdLst>
   <p:notesMasterIdLst>
-    <p:notesMasterId r:id="rId15"/>
+    <p:notesMasterId r:id="rId17"/>
   </p:notesMasterIdLst>
   <p:sldIdLst>
     <p:sldId id="256" r:id="rId2"/>
@@ -20,7 +20,9 @@
     <p:sldId id="266" r:id="rId11"/>
     <p:sldId id="267" r:id="rId12"/>
     <p:sldId id="268" r:id="rId13"/>
-    <p:sldId id="265" r:id="rId14"/>
+    <p:sldId id="269" r:id="rId14"/>
+    <p:sldId id="270" r:id="rId15"/>
+    <p:sldId id="265" r:id="rId16"/>
   </p:sldIdLst>
   <p:sldSz cx="12192000" cy="6858000"/>
   <p:notesSz cx="6858000" cy="9144000"/>
@@ -209,7 +211,7 @@
           <a:p>
             <a:fld id="{4B743BC4-317B-434F-B2B7-8D760DA1861D}" type="datetimeFigureOut">
               <a:rPr kumimoji="1" lang="zh-CN" altLang="en-US" smtClean="0"/>
-              <a:t>2019/6/20</a:t>
+              <a:t>2019/6/21</a:t>
             </a:fld>
             <a:endParaRPr kumimoji="1" lang="zh-CN" altLang="en-US"/>
           </a:p>
@@ -273,38 +275,37 @@
           <a:p>
             <a:pPr lvl="0"/>
             <a:r>
-              <a:rPr kumimoji="1" lang="zh-CN" altLang="en-US" smtClean="0"/>
+              <a:rPr kumimoji="1" lang="zh-CN" altLang="en-US"/>
               <a:t>单击此处编辑母版文本样式</a:t>
             </a:r>
           </a:p>
           <a:p>
             <a:pPr lvl="1"/>
             <a:r>
-              <a:rPr kumimoji="1" lang="zh-CN" altLang="en-US" smtClean="0"/>
+              <a:rPr kumimoji="1" lang="zh-CN" altLang="en-US"/>
               <a:t>二级</a:t>
             </a:r>
           </a:p>
           <a:p>
             <a:pPr lvl="2"/>
             <a:r>
-              <a:rPr kumimoji="1" lang="zh-CN" altLang="en-US" smtClean="0"/>
+              <a:rPr kumimoji="1" lang="zh-CN" altLang="en-US"/>
               <a:t>三级</a:t>
             </a:r>
           </a:p>
           <a:p>
             <a:pPr lvl="3"/>
             <a:r>
-              <a:rPr kumimoji="1" lang="zh-CN" altLang="en-US" smtClean="0"/>
+              <a:rPr kumimoji="1" lang="zh-CN" altLang="en-US"/>
               <a:t>四级</a:t>
             </a:r>
           </a:p>
           <a:p>
             <a:pPr lvl="4"/>
             <a:r>
-              <a:rPr kumimoji="1" lang="zh-CN" altLang="en-US" smtClean="0"/>
+              <a:rPr kumimoji="1" lang="zh-CN" altLang="en-US"/>
               <a:t>五级</a:t>
             </a:r>
-            <a:endParaRPr kumimoji="1" lang="zh-CN" altLang="en-US"/>
           </a:p>
         </p:txBody>
       </p:sp>
@@ -539,71 +540,71 @@
               <a:defRPr/>
             </a:pPr>
             <a:r>
-              <a:rPr kumimoji="1" lang="zh-CN" altLang="en-US" dirty="0" smtClean="0"/>
+              <a:rPr kumimoji="1" lang="zh-CN" altLang="en-US" dirty="0"/>
               <a:t>将数据从</a:t>
             </a:r>
             <a:r>
-              <a:rPr kumimoji="1" lang="en-US" altLang="zh-CN" dirty="0" smtClean="0"/>
+              <a:rPr kumimoji="1" lang="en-US" altLang="zh-CN" dirty="0"/>
               <a:t>global</a:t>
             </a:r>
             <a:r>
-              <a:rPr kumimoji="1" lang="zh-CN" altLang="en-US" dirty="0" smtClean="0"/>
+              <a:rPr kumimoji="1" lang="zh-CN" altLang="en-US" dirty="0"/>
               <a:t> </a:t>
             </a:r>
             <a:r>
-              <a:rPr kumimoji="1" lang="en-US" altLang="zh-CN" dirty="0" smtClean="0"/>
+              <a:rPr kumimoji="1" lang="en-US" altLang="zh-CN" dirty="0"/>
               <a:t>memory</a:t>
             </a:r>
             <a:r>
-              <a:rPr kumimoji="1" lang="zh-CN" altLang="en-US" dirty="0" smtClean="0"/>
+              <a:rPr kumimoji="1" lang="zh-CN" altLang="en-US" dirty="0"/>
               <a:t> 加载到 </a:t>
             </a:r>
             <a:r>
-              <a:rPr kumimoji="1" lang="en-US" altLang="zh-CN" dirty="0" smtClean="0"/>
+              <a:rPr kumimoji="1" lang="en-US" altLang="zh-CN" dirty="0"/>
               <a:t>shared</a:t>
             </a:r>
             <a:r>
-              <a:rPr kumimoji="1" lang="zh-CN" altLang="en-US" dirty="0" smtClean="0"/>
+              <a:rPr kumimoji="1" lang="zh-CN" altLang="en-US" dirty="0"/>
               <a:t> </a:t>
             </a:r>
             <a:r>
-              <a:rPr kumimoji="1" lang="en-US" altLang="zh-CN" dirty="0" smtClean="0"/>
+              <a:rPr kumimoji="1" lang="en-US" altLang="zh-CN" dirty="0"/>
               <a:t>memory</a:t>
             </a:r>
             <a:r>
-              <a:rPr kumimoji="1" lang="zh-CN" altLang="en-US" dirty="0" smtClean="0"/>
+              <a:rPr kumimoji="1" lang="zh-CN" altLang="en-US" dirty="0"/>
               <a:t> 中的时候，可以一开始就全部加载到</a:t>
             </a:r>
             <a:r>
-              <a:rPr kumimoji="1" lang="en-US" altLang="zh-CN" dirty="0" smtClean="0"/>
+              <a:rPr kumimoji="1" lang="en-US" altLang="zh-CN" dirty="0"/>
               <a:t>shared</a:t>
             </a:r>
             <a:r>
-              <a:rPr kumimoji="1" lang="zh-CN" altLang="en-US" dirty="0" smtClean="0"/>
+              <a:rPr kumimoji="1" lang="zh-CN" altLang="en-US" dirty="0"/>
               <a:t> </a:t>
             </a:r>
             <a:r>
-              <a:rPr kumimoji="1" lang="en-US" altLang="zh-CN" dirty="0" smtClean="0"/>
+              <a:rPr kumimoji="1" lang="en-US" altLang="zh-CN" dirty="0"/>
               <a:t>memory</a:t>
             </a:r>
             <a:r>
-              <a:rPr kumimoji="1" lang="zh-CN" altLang="en-US" dirty="0" smtClean="0"/>
+              <a:rPr kumimoji="1" lang="zh-CN" altLang="en-US" dirty="0"/>
               <a:t>中，但这样会使用大量的</a:t>
             </a:r>
             <a:r>
-              <a:rPr kumimoji="1" lang="en-US" altLang="zh-CN" dirty="0" smtClean="0"/>
+              <a:rPr kumimoji="1" lang="en-US" altLang="zh-CN" dirty="0"/>
               <a:t>shared</a:t>
             </a:r>
             <a:r>
-              <a:rPr kumimoji="1" lang="zh-CN" altLang="en-US" dirty="0" smtClean="0"/>
+              <a:rPr kumimoji="1" lang="zh-CN" altLang="en-US" dirty="0"/>
               <a:t> </a:t>
             </a:r>
             <a:r>
-              <a:rPr kumimoji="1" lang="en-US" altLang="zh-CN" dirty="0" smtClean="0"/>
+              <a:rPr kumimoji="1" lang="en-US" altLang="zh-CN" dirty="0"/>
               <a:t>memory</a:t>
             </a:r>
             <a:r>
-              <a:rPr kumimoji="1" lang="zh-CN" altLang="en-US" dirty="0" smtClean="0"/>
+              <a:rPr kumimoji="1" lang="zh-CN" altLang="en-US" dirty="0"/>
               <a:t>空间，所以采用按块加载的方式</a:t>
             </a:r>
           </a:p>
@@ -707,118 +708,118 @@
               <a:defRPr/>
             </a:pPr>
             <a:r>
-              <a:rPr kumimoji="1" lang="zh-CN" altLang="en-US" dirty="0" smtClean="0"/>
+              <a:rPr kumimoji="1" lang="zh-CN" altLang="en-US" dirty="0"/>
               <a:t>由于再计算的时候，使用到了其他</a:t>
             </a:r>
             <a:r>
-              <a:rPr kumimoji="1" lang="en-US" altLang="zh-CN" dirty="0" smtClean="0"/>
+              <a:rPr kumimoji="1" lang="en-US" altLang="zh-CN" dirty="0"/>
               <a:t>body</a:t>
             </a:r>
             <a:r>
-              <a:rPr kumimoji="1" lang="zh-CN" altLang="en-US" dirty="0" smtClean="0"/>
+              <a:rPr kumimoji="1" lang="zh-CN" altLang="en-US" dirty="0"/>
               <a:t>的</a:t>
             </a:r>
             <a:r>
-              <a:rPr kumimoji="1" lang="en-US" altLang="zh-CN" dirty="0" smtClean="0"/>
+              <a:rPr kumimoji="1" lang="en-US" altLang="zh-CN" dirty="0"/>
               <a:t>x</a:t>
             </a:r>
             <a:r>
-              <a:rPr kumimoji="1" lang="zh-CN" altLang="en-US" dirty="0" smtClean="0"/>
+              <a:rPr kumimoji="1" lang="zh-CN" altLang="en-US" dirty="0"/>
               <a:t>，</a:t>
             </a:r>
             <a:r>
-              <a:rPr kumimoji="1" lang="en-US" altLang="zh-CN" dirty="0" smtClean="0"/>
+              <a:rPr kumimoji="1" lang="en-US" altLang="zh-CN" dirty="0"/>
               <a:t>y</a:t>
             </a:r>
             <a:r>
-              <a:rPr kumimoji="1" lang="zh-CN" altLang="en-US" dirty="0" smtClean="0"/>
+              <a:rPr kumimoji="1" lang="zh-CN" altLang="en-US" dirty="0"/>
               <a:t>，</a:t>
             </a:r>
             <a:r>
-              <a:rPr kumimoji="1" lang="en-US" altLang="zh-CN" dirty="0" smtClean="0"/>
+              <a:rPr kumimoji="1" lang="en-US" altLang="zh-CN" dirty="0"/>
               <a:t>z</a:t>
             </a:r>
             <a:r>
-              <a:rPr kumimoji="1" lang="zh-CN" altLang="en-US" dirty="0" smtClean="0"/>
+              <a:rPr kumimoji="1" lang="zh-CN" altLang="en-US" dirty="0"/>
               <a:t>的数据，为了进一步缩小</a:t>
             </a:r>
             <a:r>
-              <a:rPr kumimoji="1" lang="en-US" altLang="zh-CN" dirty="0" smtClean="0"/>
+              <a:rPr kumimoji="1" lang="en-US" altLang="zh-CN" dirty="0"/>
               <a:t>shared</a:t>
             </a:r>
             <a:r>
-              <a:rPr kumimoji="1" lang="zh-CN" altLang="en-US" dirty="0" smtClean="0"/>
+              <a:rPr kumimoji="1" lang="zh-CN" altLang="en-US" dirty="0"/>
               <a:t> </a:t>
             </a:r>
             <a:r>
-              <a:rPr kumimoji="1" lang="en-US" altLang="zh-CN" dirty="0" smtClean="0"/>
+              <a:rPr kumimoji="1" lang="en-US" altLang="zh-CN" dirty="0"/>
               <a:t>memory</a:t>
             </a:r>
             <a:r>
-              <a:rPr kumimoji="1" lang="zh-CN" altLang="en-US" dirty="0" smtClean="0"/>
+              <a:rPr kumimoji="1" lang="zh-CN" altLang="en-US" dirty="0"/>
               <a:t>的使用量，</a:t>
             </a:r>
             <a:r>
-              <a:rPr kumimoji="1" lang="en-US" altLang="zh-CN" dirty="0" smtClean="0"/>
+              <a:rPr kumimoji="1" lang="en-US" altLang="zh-CN" dirty="0"/>
               <a:t>shared</a:t>
             </a:r>
             <a:r>
-              <a:rPr kumimoji="1" lang="zh-CN" altLang="en-US" dirty="0" smtClean="0"/>
+              <a:rPr kumimoji="1" lang="zh-CN" altLang="en-US" dirty="0"/>
               <a:t> </a:t>
             </a:r>
             <a:r>
-              <a:rPr kumimoji="1" lang="en-US" altLang="zh-CN" dirty="0" smtClean="0"/>
+              <a:rPr kumimoji="1" lang="en-US" altLang="zh-CN" dirty="0"/>
               <a:t>memory</a:t>
             </a:r>
             <a:r>
-              <a:rPr kumimoji="1" lang="zh-CN" altLang="en-US" dirty="0" smtClean="0"/>
+              <a:rPr kumimoji="1" lang="zh-CN" altLang="en-US" dirty="0"/>
               <a:t> 中存储的数据可以只是一个</a:t>
             </a:r>
             <a:r>
-              <a:rPr kumimoji="1" lang="en-US" altLang="zh-CN" dirty="0" smtClean="0"/>
+              <a:rPr kumimoji="1" lang="en-US" altLang="zh-CN" dirty="0"/>
               <a:t>float3</a:t>
             </a:r>
             <a:r>
-              <a:rPr kumimoji="1" lang="zh-CN" altLang="en-US" dirty="0" smtClean="0"/>
+              <a:rPr kumimoji="1" lang="zh-CN" altLang="en-US" dirty="0"/>
               <a:t>类型（</a:t>
             </a:r>
             <a:r>
-              <a:rPr kumimoji="1" lang="en-US" altLang="zh-CN" dirty="0" smtClean="0"/>
+              <a:rPr kumimoji="1" lang="en-US" altLang="zh-CN" dirty="0"/>
               <a:t>3</a:t>
             </a:r>
             <a:r>
-              <a:rPr kumimoji="1" lang="zh-CN" altLang="en-US" dirty="0" smtClean="0"/>
+              <a:rPr kumimoji="1" lang="zh-CN" altLang="en-US" dirty="0"/>
               <a:t>个</a:t>
             </a:r>
             <a:r>
-              <a:rPr kumimoji="1" lang="en-US" altLang="zh-CN" dirty="0" smtClean="0"/>
+              <a:rPr kumimoji="1" lang="en-US" altLang="zh-CN" dirty="0"/>
               <a:t>float</a:t>
             </a:r>
             <a:r>
-              <a:rPr kumimoji="1" lang="zh-CN" altLang="en-US" dirty="0" smtClean="0"/>
+              <a:rPr kumimoji="1" lang="zh-CN" altLang="en-US" dirty="0"/>
               <a:t>）的数据来存储</a:t>
             </a:r>
             <a:r>
-              <a:rPr kumimoji="1" lang="en-US" altLang="zh-CN" dirty="0" smtClean="0"/>
+              <a:rPr kumimoji="1" lang="en-US" altLang="zh-CN" dirty="0"/>
               <a:t>x</a:t>
             </a:r>
             <a:r>
-              <a:rPr kumimoji="1" lang="zh-CN" altLang="en-US" dirty="0" smtClean="0"/>
+              <a:rPr kumimoji="1" lang="zh-CN" altLang="en-US" dirty="0"/>
               <a:t>，</a:t>
             </a:r>
             <a:r>
-              <a:rPr kumimoji="1" lang="en-US" altLang="zh-CN" dirty="0" smtClean="0"/>
+              <a:rPr kumimoji="1" lang="en-US" altLang="zh-CN" dirty="0"/>
               <a:t>y</a:t>
             </a:r>
             <a:r>
-              <a:rPr kumimoji="1" lang="zh-CN" altLang="en-US" dirty="0" smtClean="0"/>
+              <a:rPr kumimoji="1" lang="zh-CN" altLang="en-US" dirty="0"/>
               <a:t>，</a:t>
             </a:r>
             <a:r>
-              <a:rPr kumimoji="1" lang="en-US" altLang="zh-CN" dirty="0" smtClean="0"/>
+              <a:rPr kumimoji="1" lang="en-US" altLang="zh-CN" dirty="0"/>
               <a:t>z</a:t>
             </a:r>
-            <a:endParaRPr kumimoji="1" lang="zh-CN" altLang="en-US" dirty="0" smtClean="0"/>
+            <a:endParaRPr kumimoji="1" lang="zh-CN" altLang="en-US" dirty="0"/>
           </a:p>
         </p:txBody>
       </p:sp>
@@ -920,375 +921,375 @@
               <a:defRPr/>
             </a:pPr>
             <a:r>
-              <a:rPr kumimoji="1" lang="zh-CN" altLang="en-US" dirty="0" smtClean="0"/>
+              <a:rPr kumimoji="1" lang="zh-CN" altLang="en-US" dirty="0"/>
               <a:t>之前的代码是一个线程计算一个</a:t>
             </a:r>
             <a:r>
-              <a:rPr kumimoji="1" lang="en-US" altLang="zh-CN" dirty="0" smtClean="0"/>
+              <a:rPr kumimoji="1" lang="en-US" altLang="zh-CN" dirty="0"/>
               <a:t>body</a:t>
             </a:r>
             <a:r>
-              <a:rPr kumimoji="1" lang="zh-CN" altLang="en-US" dirty="0" smtClean="0"/>
+              <a:rPr kumimoji="1" lang="zh-CN" altLang="en-US" dirty="0"/>
               <a:t>受其它</a:t>
             </a:r>
             <a:r>
-              <a:rPr kumimoji="1" lang="en-US" altLang="zh-CN" dirty="0" smtClean="0"/>
+              <a:rPr kumimoji="1" lang="en-US" altLang="zh-CN" dirty="0"/>
               <a:t>body</a:t>
             </a:r>
             <a:r>
-              <a:rPr kumimoji="1" lang="zh-CN" altLang="en-US" dirty="0" smtClean="0"/>
+              <a:rPr kumimoji="1" lang="zh-CN" altLang="en-US" dirty="0"/>
               <a:t>的受力情况，现在是多个线程处理一个</a:t>
             </a:r>
             <a:r>
-              <a:rPr kumimoji="1" lang="en-US" altLang="zh-CN" dirty="0" smtClean="0"/>
+              <a:rPr kumimoji="1" lang="en-US" altLang="zh-CN" dirty="0"/>
               <a:t>body</a:t>
             </a:r>
             <a:r>
-              <a:rPr kumimoji="1" lang="zh-CN" altLang="en-US" dirty="0" smtClean="0"/>
+              <a:rPr kumimoji="1" lang="zh-CN" altLang="en-US" dirty="0"/>
               <a:t>受其他</a:t>
             </a:r>
             <a:r>
-              <a:rPr kumimoji="1" lang="en-US" altLang="zh-CN" dirty="0" smtClean="0"/>
+              <a:rPr kumimoji="1" lang="en-US" altLang="zh-CN" dirty="0"/>
               <a:t>body</a:t>
             </a:r>
             <a:r>
-              <a:rPr kumimoji="1" lang="zh-CN" altLang="en-US" dirty="0" smtClean="0"/>
+              <a:rPr kumimoji="1" lang="zh-CN" altLang="en-US" dirty="0"/>
               <a:t>的受力情况，例如当步长为</a:t>
             </a:r>
             <a:r>
-              <a:rPr kumimoji="1" lang="en-US" altLang="zh-CN" dirty="0" smtClean="0"/>
+              <a:rPr kumimoji="1" lang="en-US" altLang="zh-CN" dirty="0"/>
               <a:t>4</a:t>
             </a:r>
             <a:r>
-              <a:rPr kumimoji="1" lang="zh-CN" altLang="en-US" dirty="0" smtClean="0"/>
+              <a:rPr kumimoji="1" lang="zh-CN" altLang="en-US" dirty="0"/>
               <a:t>的时候，第</a:t>
             </a:r>
             <a:r>
-              <a:rPr kumimoji="1" lang="en-US" altLang="zh-CN" dirty="0" smtClean="0"/>
+              <a:rPr kumimoji="1" lang="en-US" altLang="zh-CN" dirty="0"/>
               <a:t>0</a:t>
             </a:r>
             <a:r>
-              <a:rPr kumimoji="1" lang="zh-CN" altLang="en-US" dirty="0" smtClean="0"/>
+              <a:rPr kumimoji="1" lang="zh-CN" altLang="en-US" dirty="0"/>
               <a:t>个</a:t>
             </a:r>
             <a:r>
-              <a:rPr kumimoji="1" lang="en-US" altLang="zh-CN" dirty="0" smtClean="0"/>
+              <a:rPr kumimoji="1" lang="en-US" altLang="zh-CN" dirty="0"/>
               <a:t>block</a:t>
             </a:r>
             <a:r>
-              <a:rPr kumimoji="1" lang="zh-CN" altLang="en-US" dirty="0" smtClean="0"/>
+              <a:rPr kumimoji="1" lang="zh-CN" altLang="en-US" dirty="0"/>
               <a:t>中的第一个线程处理的是第</a:t>
             </a:r>
             <a:r>
-              <a:rPr kumimoji="1" lang="en-US" altLang="zh-CN" dirty="0" smtClean="0"/>
+              <a:rPr kumimoji="1" lang="en-US" altLang="zh-CN" dirty="0"/>
               <a:t>0</a:t>
             </a:r>
             <a:r>
-              <a:rPr kumimoji="1" lang="zh-CN" altLang="en-US" dirty="0" smtClean="0"/>
+              <a:rPr kumimoji="1" lang="zh-CN" altLang="en-US" dirty="0"/>
               <a:t>个</a:t>
             </a:r>
             <a:r>
-              <a:rPr kumimoji="1" lang="en-US" altLang="zh-CN" dirty="0" smtClean="0"/>
+              <a:rPr kumimoji="1" lang="en-US" altLang="zh-CN" dirty="0"/>
               <a:t>body</a:t>
             </a:r>
             <a:r>
-              <a:rPr kumimoji="1" lang="zh-CN" altLang="en-US" dirty="0" smtClean="0"/>
+              <a:rPr kumimoji="1" lang="zh-CN" altLang="en-US" dirty="0"/>
               <a:t>和其他</a:t>
             </a:r>
             <a:r>
-              <a:rPr kumimoji="1" lang="en-US" altLang="zh-CN" dirty="0" smtClean="0"/>
+              <a:rPr kumimoji="1" lang="en-US" altLang="zh-CN" dirty="0"/>
               <a:t>body</a:t>
             </a:r>
             <a:r>
-              <a:rPr kumimoji="1" lang="zh-CN" altLang="en-US" dirty="0" smtClean="0"/>
+              <a:rPr kumimoji="1" lang="zh-CN" altLang="en-US" dirty="0"/>
               <a:t>的受力关系，第</a:t>
             </a:r>
             <a:r>
-              <a:rPr kumimoji="1" lang="en-US" altLang="zh-CN" dirty="0" smtClean="0"/>
+              <a:rPr kumimoji="1" lang="en-US" altLang="zh-CN" dirty="0"/>
               <a:t>128</a:t>
             </a:r>
             <a:r>
-              <a:rPr kumimoji="1" lang="zh-CN" altLang="en-US" dirty="0" smtClean="0"/>
+              <a:rPr kumimoji="1" lang="zh-CN" altLang="en-US" dirty="0"/>
               <a:t>个</a:t>
             </a:r>
             <a:r>
-              <a:rPr kumimoji="1" lang="en-US" altLang="zh-CN" dirty="0" smtClean="0"/>
+              <a:rPr kumimoji="1" lang="en-US" altLang="zh-CN" dirty="0"/>
               <a:t>block</a:t>
             </a:r>
             <a:r>
-              <a:rPr kumimoji="1" lang="zh-CN" altLang="en-US" dirty="0" smtClean="0"/>
+              <a:rPr kumimoji="1" lang="zh-CN" altLang="en-US" dirty="0"/>
               <a:t>、第</a:t>
             </a:r>
             <a:r>
-              <a:rPr kumimoji="1" lang="en-US" altLang="zh-CN" dirty="0" smtClean="0"/>
+              <a:rPr kumimoji="1" lang="en-US" altLang="zh-CN" dirty="0"/>
               <a:t>256</a:t>
             </a:r>
             <a:r>
-              <a:rPr kumimoji="1" lang="zh-CN" altLang="en-US" dirty="0" smtClean="0"/>
+              <a:rPr kumimoji="1" lang="zh-CN" altLang="en-US" dirty="0"/>
               <a:t>个</a:t>
             </a:r>
             <a:r>
-              <a:rPr kumimoji="1" lang="en-US" altLang="zh-CN" dirty="0" smtClean="0"/>
+              <a:rPr kumimoji="1" lang="en-US" altLang="zh-CN" dirty="0"/>
               <a:t>block</a:t>
             </a:r>
             <a:r>
-              <a:rPr kumimoji="1" lang="zh-CN" altLang="en-US" dirty="0" smtClean="0"/>
+              <a:rPr kumimoji="1" lang="zh-CN" altLang="en-US" dirty="0"/>
               <a:t>、第</a:t>
             </a:r>
             <a:r>
-              <a:rPr kumimoji="1" lang="en-US" altLang="zh-CN" dirty="0" smtClean="0"/>
+              <a:rPr kumimoji="1" lang="en-US" altLang="zh-CN" dirty="0"/>
               <a:t>384</a:t>
             </a:r>
             <a:r>
-              <a:rPr kumimoji="1" lang="zh-CN" altLang="en-US" dirty="0" smtClean="0"/>
+              <a:rPr kumimoji="1" lang="zh-CN" altLang="en-US" dirty="0"/>
               <a:t>个</a:t>
             </a:r>
             <a:r>
-              <a:rPr kumimoji="1" lang="en-US" altLang="zh-CN" dirty="0" smtClean="0"/>
+              <a:rPr kumimoji="1" lang="en-US" altLang="zh-CN" dirty="0"/>
               <a:t>block</a:t>
             </a:r>
             <a:r>
-              <a:rPr kumimoji="1" lang="zh-CN" altLang="en-US" dirty="0" smtClean="0"/>
+              <a:rPr kumimoji="1" lang="zh-CN" altLang="en-US" dirty="0"/>
               <a:t>中的第一个线程处理的仍然是第</a:t>
             </a:r>
             <a:r>
-              <a:rPr kumimoji="1" lang="en-US" altLang="zh-CN" dirty="0" smtClean="0"/>
+              <a:rPr kumimoji="1" lang="en-US" altLang="zh-CN" dirty="0"/>
               <a:t>0</a:t>
             </a:r>
             <a:r>
-              <a:rPr kumimoji="1" lang="zh-CN" altLang="en-US" dirty="0" smtClean="0"/>
+              <a:rPr kumimoji="1" lang="zh-CN" altLang="en-US" dirty="0"/>
               <a:t>个</a:t>
             </a:r>
             <a:r>
-              <a:rPr kumimoji="1" lang="en-US" altLang="zh-CN" dirty="0" smtClean="0"/>
+              <a:rPr kumimoji="1" lang="en-US" altLang="zh-CN" dirty="0"/>
               <a:t>body</a:t>
             </a:r>
             <a:r>
-              <a:rPr kumimoji="1" lang="zh-CN" altLang="en-US" dirty="0" smtClean="0"/>
+              <a:rPr kumimoji="1" lang="zh-CN" altLang="en-US" dirty="0"/>
               <a:t>和其他</a:t>
             </a:r>
             <a:r>
-              <a:rPr kumimoji="1" lang="en-US" altLang="zh-CN" dirty="0" smtClean="0"/>
+              <a:rPr kumimoji="1" lang="en-US" altLang="zh-CN" dirty="0"/>
               <a:t>body</a:t>
             </a:r>
             <a:r>
-              <a:rPr kumimoji="1" lang="zh-CN" altLang="en-US" dirty="0" smtClean="0"/>
+              <a:rPr kumimoji="1" lang="zh-CN" altLang="en-US" dirty="0"/>
               <a:t>的受力关系，因为有多个线程处理同一</a:t>
             </a:r>
             <a:r>
-              <a:rPr kumimoji="1" lang="en-US" altLang="zh-CN" dirty="0" smtClean="0"/>
+              <a:rPr kumimoji="1" lang="en-US" altLang="zh-CN" dirty="0"/>
               <a:t>body</a:t>
             </a:r>
             <a:r>
-              <a:rPr kumimoji="1" lang="zh-CN" altLang="en-US" dirty="0" smtClean="0"/>
+              <a:rPr kumimoji="1" lang="zh-CN" altLang="en-US" dirty="0"/>
               <a:t>和其他</a:t>
             </a:r>
             <a:r>
-              <a:rPr kumimoji="1" lang="en-US" altLang="zh-CN" dirty="0" smtClean="0"/>
+              <a:rPr kumimoji="1" lang="en-US" altLang="zh-CN" dirty="0"/>
               <a:t>body</a:t>
             </a:r>
             <a:r>
-              <a:rPr kumimoji="1" lang="zh-CN" altLang="en-US" dirty="0" smtClean="0"/>
+              <a:rPr kumimoji="1" lang="zh-CN" altLang="en-US" dirty="0"/>
               <a:t>的受力关系，所以每个线程需要处理的</a:t>
             </a:r>
             <a:r>
-              <a:rPr kumimoji="1" lang="en-US" altLang="zh-CN" dirty="0" smtClean="0"/>
+              <a:rPr kumimoji="1" lang="en-US" altLang="zh-CN" dirty="0"/>
               <a:t>body</a:t>
             </a:r>
             <a:r>
-              <a:rPr kumimoji="1" lang="zh-CN" altLang="en-US" dirty="0" smtClean="0"/>
+              <a:rPr kumimoji="1" lang="zh-CN" altLang="en-US" dirty="0"/>
               <a:t>数量就会变少，例如这里每个线程需要处理的</a:t>
             </a:r>
             <a:r>
-              <a:rPr kumimoji="1" lang="en-US" altLang="zh-CN" dirty="0" smtClean="0"/>
+              <a:rPr kumimoji="1" lang="en-US" altLang="zh-CN" dirty="0"/>
               <a:t>body</a:t>
             </a:r>
             <a:r>
-              <a:rPr kumimoji="1" lang="zh-CN" altLang="en-US" dirty="0" smtClean="0"/>
+              <a:rPr kumimoji="1" lang="zh-CN" altLang="en-US" dirty="0"/>
               <a:t>数就只有</a:t>
             </a:r>
             <a:r>
-              <a:rPr kumimoji="1" lang="en-US" altLang="zh-CN" dirty="0" smtClean="0"/>
+              <a:rPr kumimoji="1" lang="en-US" altLang="zh-CN" dirty="0"/>
               <a:t>1024</a:t>
             </a:r>
             <a:r>
-              <a:rPr kumimoji="1" lang="zh-CN" altLang="en-US" dirty="0" smtClean="0"/>
+              <a:rPr kumimoji="1" lang="zh-CN" altLang="en-US" dirty="0"/>
               <a:t>个。如果将</a:t>
             </a:r>
             <a:r>
-              <a:rPr kumimoji="1" lang="en-US" altLang="zh-CN" dirty="0" smtClean="0"/>
+              <a:rPr kumimoji="1" lang="en-US" altLang="zh-CN" dirty="0"/>
               <a:t>body</a:t>
             </a:r>
             <a:r>
-              <a:rPr kumimoji="1" lang="zh-CN" altLang="en-US" dirty="0" smtClean="0"/>
+              <a:rPr kumimoji="1" lang="zh-CN" altLang="en-US" dirty="0"/>
               <a:t>数组分块，那么就是第</a:t>
             </a:r>
             <a:r>
-              <a:rPr kumimoji="1" lang="en-US" altLang="zh-CN" dirty="0" smtClean="0"/>
+              <a:rPr kumimoji="1" lang="en-US" altLang="zh-CN" dirty="0"/>
               <a:t>0</a:t>
             </a:r>
             <a:r>
-              <a:rPr kumimoji="1" lang="zh-CN" altLang="en-US" dirty="0" smtClean="0"/>
+              <a:rPr kumimoji="1" lang="zh-CN" altLang="en-US" dirty="0"/>
               <a:t>个</a:t>
             </a:r>
             <a:r>
-              <a:rPr kumimoji="1" lang="en-US" altLang="zh-CN" dirty="0" smtClean="0"/>
+              <a:rPr kumimoji="1" lang="en-US" altLang="zh-CN" dirty="0"/>
               <a:t>block</a:t>
             </a:r>
             <a:r>
-              <a:rPr kumimoji="1" lang="zh-CN" altLang="en-US" dirty="0" smtClean="0"/>
+              <a:rPr kumimoji="1" lang="zh-CN" altLang="en-US" dirty="0"/>
               <a:t>的的第一个线程处理第</a:t>
             </a:r>
             <a:r>
-              <a:rPr kumimoji="1" lang="en-US" altLang="zh-CN" dirty="0" smtClean="0"/>
+              <a:rPr kumimoji="1" lang="en-US" altLang="zh-CN" dirty="0"/>
               <a:t>0</a:t>
             </a:r>
             <a:r>
-              <a:rPr kumimoji="1" lang="zh-CN" altLang="en-US" dirty="0" smtClean="0"/>
+              <a:rPr kumimoji="1" lang="zh-CN" altLang="en-US" dirty="0"/>
               <a:t>个</a:t>
             </a:r>
             <a:r>
-              <a:rPr kumimoji="1" lang="en-US" altLang="zh-CN" dirty="0" smtClean="0"/>
+              <a:rPr kumimoji="1" lang="en-US" altLang="zh-CN" dirty="0"/>
               <a:t>body</a:t>
             </a:r>
             <a:r>
-              <a:rPr kumimoji="1" lang="zh-CN" altLang="en-US" dirty="0" smtClean="0"/>
+              <a:rPr kumimoji="1" lang="zh-CN" altLang="en-US" dirty="0"/>
               <a:t>和</a:t>
             </a:r>
             <a:r>
-              <a:rPr kumimoji="1" lang="en-US" altLang="zh-CN" dirty="0" smtClean="0"/>
+              <a:rPr kumimoji="1" lang="en-US" altLang="zh-CN" dirty="0"/>
               <a:t>0</a:t>
             </a:r>
             <a:r>
-              <a:rPr kumimoji="1" lang="zh-CN" altLang="en-US" dirty="0" smtClean="0"/>
+              <a:rPr kumimoji="1" lang="zh-CN" altLang="en-US" dirty="0"/>
               <a:t>、</a:t>
             </a:r>
             <a:r>
-              <a:rPr kumimoji="1" lang="en-US" altLang="zh-CN" dirty="0" smtClean="0"/>
+              <a:rPr kumimoji="1" lang="en-US" altLang="zh-CN" dirty="0"/>
               <a:t>4</a:t>
             </a:r>
             <a:r>
-              <a:rPr kumimoji="1" lang="zh-CN" altLang="en-US" dirty="0" smtClean="0"/>
+              <a:rPr kumimoji="1" lang="zh-CN" altLang="en-US" dirty="0"/>
               <a:t>、</a:t>
             </a:r>
             <a:r>
-              <a:rPr kumimoji="1" lang="en-US" altLang="zh-CN" dirty="0" smtClean="0"/>
+              <a:rPr kumimoji="1" lang="en-US" altLang="zh-CN" dirty="0"/>
               <a:t>8</a:t>
             </a:r>
             <a:r>
-              <a:rPr kumimoji="1" lang="zh-CN" altLang="en-US" dirty="0" smtClean="0"/>
+              <a:rPr kumimoji="1" lang="zh-CN" altLang="en-US" dirty="0"/>
               <a:t>、</a:t>
             </a:r>
             <a:r>
-              <a:rPr kumimoji="1" lang="en-US" altLang="zh-CN" dirty="0" smtClean="0"/>
+              <a:rPr kumimoji="1" lang="en-US" altLang="zh-CN" dirty="0"/>
               <a:t>...</a:t>
             </a:r>
             <a:r>
-              <a:rPr kumimoji="1" lang="zh-CN" altLang="en-US" dirty="0" smtClean="0"/>
+              <a:rPr kumimoji="1" lang="zh-CN" altLang="en-US" dirty="0"/>
               <a:t>、</a:t>
             </a:r>
             <a:r>
-              <a:rPr kumimoji="1" lang="en-US" altLang="zh-CN" dirty="0" smtClean="0"/>
+              <a:rPr kumimoji="1" lang="en-US" altLang="zh-CN" dirty="0"/>
               <a:t>128</a:t>
             </a:r>
             <a:r>
-              <a:rPr kumimoji="1" lang="zh-CN" altLang="en-US" dirty="0" smtClean="0"/>
+              <a:rPr kumimoji="1" lang="zh-CN" altLang="en-US" dirty="0"/>
               <a:t>块中的</a:t>
             </a:r>
             <a:r>
-              <a:rPr kumimoji="1" lang="en-US" altLang="zh-CN" dirty="0" smtClean="0"/>
+              <a:rPr kumimoji="1" lang="en-US" altLang="zh-CN" dirty="0"/>
               <a:t>body</a:t>
             </a:r>
             <a:r>
-              <a:rPr kumimoji="1" lang="zh-CN" altLang="en-US" dirty="0" smtClean="0"/>
+              <a:rPr kumimoji="1" lang="zh-CN" altLang="en-US" dirty="0"/>
               <a:t>的受力关系，第</a:t>
             </a:r>
             <a:r>
-              <a:rPr kumimoji="1" lang="en-US" altLang="zh-CN" dirty="0" smtClean="0"/>
+              <a:rPr kumimoji="1" lang="en-US" altLang="zh-CN" dirty="0"/>
               <a:t>128</a:t>
             </a:r>
             <a:r>
-              <a:rPr kumimoji="1" lang="zh-CN" altLang="en-US" dirty="0" smtClean="0"/>
+              <a:rPr kumimoji="1" lang="zh-CN" altLang="en-US" dirty="0"/>
               <a:t>个</a:t>
             </a:r>
             <a:r>
-              <a:rPr kumimoji="1" lang="en-US" altLang="zh-CN" dirty="0" smtClean="0"/>
+              <a:rPr kumimoji="1" lang="en-US" altLang="zh-CN" dirty="0"/>
               <a:t>block</a:t>
             </a:r>
             <a:r>
-              <a:rPr kumimoji="1" lang="zh-CN" altLang="en-US" dirty="0" smtClean="0"/>
+              <a:rPr kumimoji="1" lang="zh-CN" altLang="en-US" dirty="0"/>
               <a:t>中的第</a:t>
             </a:r>
             <a:r>
-              <a:rPr kumimoji="1" lang="en-US" altLang="zh-CN" dirty="0" smtClean="0"/>
+              <a:rPr kumimoji="1" lang="en-US" altLang="zh-CN" dirty="0"/>
               <a:t>0</a:t>
             </a:r>
             <a:r>
-              <a:rPr kumimoji="1" lang="zh-CN" altLang="en-US" dirty="0" smtClean="0"/>
+              <a:rPr kumimoji="1" lang="zh-CN" altLang="en-US" dirty="0"/>
               <a:t>个线程处理第</a:t>
             </a:r>
             <a:r>
-              <a:rPr kumimoji="1" lang="en-US" altLang="zh-CN" dirty="0" smtClean="0"/>
+              <a:rPr kumimoji="1" lang="en-US" altLang="zh-CN" dirty="0"/>
               <a:t>0</a:t>
             </a:r>
             <a:r>
-              <a:rPr kumimoji="1" lang="zh-CN" altLang="en-US" dirty="0" smtClean="0"/>
+              <a:rPr kumimoji="1" lang="zh-CN" altLang="en-US" dirty="0"/>
               <a:t>个</a:t>
             </a:r>
             <a:r>
-              <a:rPr kumimoji="1" lang="en-US" altLang="zh-CN" dirty="0" smtClean="0"/>
+              <a:rPr kumimoji="1" lang="en-US" altLang="zh-CN" dirty="0"/>
               <a:t>body</a:t>
             </a:r>
             <a:r>
-              <a:rPr kumimoji="1" lang="zh-CN" altLang="en-US" dirty="0" smtClean="0"/>
+              <a:rPr kumimoji="1" lang="zh-CN" altLang="en-US" dirty="0"/>
               <a:t>和第</a:t>
             </a:r>
             <a:r>
-              <a:rPr kumimoji="1" lang="en-US" altLang="zh-CN" dirty="0" smtClean="0"/>
+              <a:rPr kumimoji="1" lang="en-US" altLang="zh-CN" dirty="0"/>
               <a:t>1</a:t>
             </a:r>
             <a:r>
-              <a:rPr kumimoji="1" lang="zh-CN" altLang="en-US" dirty="0" smtClean="0"/>
+              <a:rPr kumimoji="1" lang="zh-CN" altLang="en-US" dirty="0"/>
               <a:t>、</a:t>
             </a:r>
             <a:r>
-              <a:rPr kumimoji="1" lang="en-US" altLang="zh-CN" dirty="0" smtClean="0"/>
+              <a:rPr kumimoji="1" lang="en-US" altLang="zh-CN" dirty="0"/>
               <a:t>5</a:t>
             </a:r>
             <a:r>
-              <a:rPr kumimoji="1" lang="zh-CN" altLang="en-US" dirty="0" smtClean="0"/>
+              <a:rPr kumimoji="1" lang="zh-CN" altLang="en-US" dirty="0"/>
               <a:t>、</a:t>
             </a:r>
             <a:r>
-              <a:rPr kumimoji="1" lang="en-US" altLang="zh-CN" dirty="0" smtClean="0"/>
+              <a:rPr kumimoji="1" lang="en-US" altLang="zh-CN" dirty="0"/>
               <a:t>9</a:t>
             </a:r>
             <a:r>
-              <a:rPr kumimoji="1" lang="zh-CN" altLang="en-US" dirty="0" smtClean="0"/>
+              <a:rPr kumimoji="1" lang="zh-CN" altLang="en-US" dirty="0"/>
               <a:t>、</a:t>
             </a:r>
             <a:r>
-              <a:rPr kumimoji="1" lang="en-US" altLang="zh-CN" dirty="0" smtClean="0"/>
+              <a:rPr kumimoji="1" lang="en-US" altLang="zh-CN" dirty="0"/>
               <a:t>...</a:t>
             </a:r>
             <a:r>
-              <a:rPr kumimoji="1" lang="zh-CN" altLang="en-US" dirty="0" smtClean="0"/>
+              <a:rPr kumimoji="1" lang="zh-CN" altLang="en-US" dirty="0"/>
               <a:t>、</a:t>
             </a:r>
             <a:r>
-              <a:rPr kumimoji="1" lang="en-US" altLang="zh-CN" dirty="0" smtClean="0"/>
+              <a:rPr kumimoji="1" lang="en-US" altLang="zh-CN" dirty="0"/>
               <a:t>125</a:t>
             </a:r>
             <a:r>
-              <a:rPr kumimoji="1" lang="zh-CN" altLang="en-US" dirty="0" smtClean="0"/>
+              <a:rPr kumimoji="1" lang="zh-CN" altLang="en-US" dirty="0"/>
               <a:t>块中的</a:t>
             </a:r>
             <a:r>
-              <a:rPr kumimoji="1" lang="en-US" altLang="zh-CN" dirty="0" smtClean="0"/>
+              <a:rPr kumimoji="1" lang="en-US" altLang="zh-CN" dirty="0"/>
               <a:t>body</a:t>
             </a:r>
             <a:r>
-              <a:rPr kumimoji="1" lang="zh-CN" altLang="en-US" dirty="0" smtClean="0"/>
+              <a:rPr kumimoji="1" lang="zh-CN" altLang="en-US" dirty="0"/>
               <a:t>的受力关系，以此类推。</a:t>
             </a:r>
           </a:p>
@@ -1395,38 +1396,38 @@
               <a:defRPr/>
             </a:pPr>
             <a:r>
-              <a:rPr kumimoji="1" lang="zh-CN" altLang="en-US" dirty="0" smtClean="0"/>
+              <a:rPr kumimoji="1" lang="zh-CN" altLang="en-US" dirty="0"/>
               <a:t>由于多个线程处理同一个</a:t>
             </a:r>
             <a:r>
-              <a:rPr kumimoji="1" lang="en-US" altLang="zh-CN" dirty="0" smtClean="0"/>
+              <a:rPr kumimoji="1" lang="en-US" altLang="zh-CN" dirty="0"/>
               <a:t>body</a:t>
             </a:r>
             <a:r>
-              <a:rPr kumimoji="1" lang="zh-CN" altLang="en-US" dirty="0" smtClean="0"/>
+              <a:rPr kumimoji="1" lang="zh-CN" altLang="en-US" dirty="0"/>
               <a:t>的受力情况，最后计算</a:t>
             </a:r>
             <a:r>
-              <a:rPr kumimoji="1" lang="en-US" altLang="zh-CN" dirty="0" err="1" smtClean="0"/>
+              <a:rPr kumimoji="1" lang="en-US" altLang="zh-CN" dirty="0" err="1"/>
               <a:t>vx</a:t>
             </a:r>
             <a:r>
-              <a:rPr kumimoji="1" lang="zh-CN" altLang="en-US" dirty="0" smtClean="0"/>
+              <a:rPr kumimoji="1" lang="zh-CN" altLang="en-US" dirty="0"/>
               <a:t>的时候会有多个线程同时进行</a:t>
             </a:r>
             <a:r>
-              <a:rPr kumimoji="1" lang="en-US" altLang="zh-CN" dirty="0" smtClean="0"/>
+              <a:rPr kumimoji="1" lang="en-US" altLang="zh-CN" dirty="0"/>
               <a:t>add</a:t>
             </a:r>
             <a:r>
-              <a:rPr kumimoji="1" lang="zh-CN" altLang="en-US" dirty="0" smtClean="0"/>
+              <a:rPr kumimoji="1" lang="zh-CN" altLang="en-US" dirty="0"/>
               <a:t>操作，所以需要使用原子加</a:t>
             </a:r>
             <a:r>
-              <a:rPr kumimoji="1" lang="en-US" altLang="zh-CN" dirty="0" err="1" smtClean="0"/>
+              <a:rPr kumimoji="1" lang="en-US" altLang="zh-CN" dirty="0" err="1"/>
               <a:t>atomicAdd</a:t>
             </a:r>
-            <a:endParaRPr kumimoji="1" lang="zh-CN" altLang="en-US" dirty="0" smtClean="0"/>
+            <a:endParaRPr kumimoji="1" lang="zh-CN" altLang="en-US" dirty="0"/>
           </a:p>
           <a:p>
             <a:endParaRPr kumimoji="1" lang="zh-CN" altLang="en-US" dirty="0"/>
@@ -1460,6 +1461,90 @@
     <p:extLst>
       <p:ext uri="{BB962C8B-B14F-4D97-AF65-F5344CB8AC3E}">
         <p14:creationId xmlns:p14="http://schemas.microsoft.com/office/powerpoint/2010/main" val="1162564684"/>
+      </p:ext>
+    </p:extLst>
+  </p:cSld>
+  <p:clrMapOvr>
+    <a:masterClrMapping/>
+  </p:clrMapOvr>
+</p:notes>
+</file>
+
+<file path=ppt/notesSlides/notesSlide5.xml><?xml version="1.0" encoding="utf-8"?>
+<p:notes xmlns:a="http://schemas.openxmlformats.org/drawingml/2006/main" xmlns:r="http://schemas.openxmlformats.org/officeDocument/2006/relationships" xmlns:p="http://schemas.openxmlformats.org/presentationml/2006/main">
+  <p:cSld>
+    <p:spTree>
+      <p:nvGrpSpPr>
+        <p:cNvPr id="1" name=""/>
+        <p:cNvGrpSpPr/>
+        <p:nvPr/>
+      </p:nvGrpSpPr>
+      <p:grpSpPr>
+        <a:xfrm>
+          <a:off x="0" y="0"/>
+          <a:ext cx="0" cy="0"/>
+          <a:chOff x="0" y="0"/>
+          <a:chExt cx="0" cy="0"/>
+        </a:xfrm>
+      </p:grpSpPr>
+      <p:sp>
+        <p:nvSpPr>
+          <p:cNvPr id="2" name="幻灯片图像占位符 1"/>
+          <p:cNvSpPr>
+            <a:spLocks noGrp="1" noRot="1" noChangeAspect="1"/>
+          </p:cNvSpPr>
+          <p:nvPr>
+            <p:ph type="sldImg"/>
+          </p:nvPr>
+        </p:nvSpPr>
+        <p:spPr/>
+      </p:sp>
+      <p:sp>
+        <p:nvSpPr>
+          <p:cNvPr id="3" name="备注占位符 2"/>
+          <p:cNvSpPr>
+            <a:spLocks noGrp="1"/>
+          </p:cNvSpPr>
+          <p:nvPr>
+            <p:ph type="body" idx="1"/>
+          </p:nvPr>
+        </p:nvSpPr>
+        <p:spPr/>
+        <p:txBody>
+          <a:bodyPr/>
+          <a:lstStyle/>
+          <a:p>
+            <a:endParaRPr lang="zh-CN" altLang="en-US" dirty="0"/>
+          </a:p>
+        </p:txBody>
+      </p:sp>
+      <p:sp>
+        <p:nvSpPr>
+          <p:cNvPr id="4" name="灯片编号占位符 3"/>
+          <p:cNvSpPr>
+            <a:spLocks noGrp="1"/>
+          </p:cNvSpPr>
+          <p:nvPr>
+            <p:ph type="sldNum" sz="quarter" idx="5"/>
+          </p:nvPr>
+        </p:nvSpPr>
+        <p:spPr/>
+        <p:txBody>
+          <a:bodyPr/>
+          <a:lstStyle/>
+          <a:p>
+            <a:fld id="{81A77586-BD1D-8C4A-9A71-7FCC963615FD}" type="slidenum">
+              <a:rPr kumimoji="1" lang="zh-CN" altLang="en-US" smtClean="0"/>
+              <a:t>12</a:t>
+            </a:fld>
+            <a:endParaRPr kumimoji="1" lang="zh-CN" altLang="en-US"/>
+          </a:p>
+        </p:txBody>
+      </p:sp>
+    </p:spTree>
+    <p:extLst>
+      <p:ext uri="{BB962C8B-B14F-4D97-AF65-F5344CB8AC3E}">
+        <p14:creationId xmlns:p14="http://schemas.microsoft.com/office/powerpoint/2010/main" val="1230578068"/>
       </p:ext>
     </p:extLst>
   </p:cSld>
@@ -1491,7 +1576,7 @@
           <p:cNvPr id="2" name="标题 1">
             <a:extLst>
               <a:ext uri="{FF2B5EF4-FFF2-40B4-BE49-F238E27FC236}">
-                <a16:creationId xmlns:a16="http://schemas.microsoft.com/office/drawing/2014/main" xmlns="" id="{54CD5184-687C-45AE-B6AF-D01DC9390462}"/>
+                <a16:creationId xmlns:a16="http://schemas.microsoft.com/office/drawing/2014/main" id="{54CD5184-687C-45AE-B6AF-D01DC9390462}"/>
               </a:ext>
             </a:extLst>
           </p:cNvPr>
@@ -1528,7 +1613,7 @@
           <p:cNvPr id="3" name="副标题 2">
             <a:extLst>
               <a:ext uri="{FF2B5EF4-FFF2-40B4-BE49-F238E27FC236}">
-                <a16:creationId xmlns:a16="http://schemas.microsoft.com/office/drawing/2014/main" xmlns="" id="{3C1B7832-B241-40C5-8BEF-0897DB76B5C0}"/>
+                <a16:creationId xmlns:a16="http://schemas.microsoft.com/office/drawing/2014/main" id="{3C1B7832-B241-40C5-8BEF-0897DB76B5C0}"/>
               </a:ext>
             </a:extLst>
           </p:cNvPr>
@@ -1598,7 +1683,7 @@
           <p:cNvPr id="4" name="日期占位符 3">
             <a:extLst>
               <a:ext uri="{FF2B5EF4-FFF2-40B4-BE49-F238E27FC236}">
-                <a16:creationId xmlns:a16="http://schemas.microsoft.com/office/drawing/2014/main" xmlns="" id="{1B9EC787-1E52-453E-9855-2C4A2244D657}"/>
+                <a16:creationId xmlns:a16="http://schemas.microsoft.com/office/drawing/2014/main" id="{1B9EC787-1E52-453E-9855-2C4A2244D657}"/>
               </a:ext>
             </a:extLst>
           </p:cNvPr>
@@ -1616,7 +1701,7 @@
           <a:p>
             <a:fld id="{DA4DE531-B8A6-42BC-8300-7A016E80DF81}" type="datetimeFigureOut">
               <a:rPr lang="zh-CN" altLang="en-US" smtClean="0"/>
-              <a:t>2019/6/20</a:t>
+              <a:t>2019/6/21</a:t>
             </a:fld>
             <a:endParaRPr lang="zh-CN" altLang="en-US"/>
           </a:p>
@@ -1627,7 +1712,7 @@
           <p:cNvPr id="5" name="页脚占位符 4">
             <a:extLst>
               <a:ext uri="{FF2B5EF4-FFF2-40B4-BE49-F238E27FC236}">
-                <a16:creationId xmlns:a16="http://schemas.microsoft.com/office/drawing/2014/main" xmlns="" id="{AB0C4A29-30DC-4B98-817C-4C3121606D03}"/>
+                <a16:creationId xmlns:a16="http://schemas.microsoft.com/office/drawing/2014/main" id="{AB0C4A29-30DC-4B98-817C-4C3121606D03}"/>
               </a:ext>
             </a:extLst>
           </p:cNvPr>
@@ -1652,7 +1737,7 @@
           <p:cNvPr id="6" name="灯片编号占位符 5">
             <a:extLst>
               <a:ext uri="{FF2B5EF4-FFF2-40B4-BE49-F238E27FC236}">
-                <a16:creationId xmlns:a16="http://schemas.microsoft.com/office/drawing/2014/main" xmlns="" id="{E17BDA01-5691-4DC2-A397-BD293F86EAFC}"/>
+                <a16:creationId xmlns:a16="http://schemas.microsoft.com/office/drawing/2014/main" id="{E17BDA01-5691-4DC2-A397-BD293F86EAFC}"/>
               </a:ext>
             </a:extLst>
           </p:cNvPr>
@@ -1711,7 +1796,7 @@
           <p:cNvPr id="2" name="标题 1">
             <a:extLst>
               <a:ext uri="{FF2B5EF4-FFF2-40B4-BE49-F238E27FC236}">
-                <a16:creationId xmlns:a16="http://schemas.microsoft.com/office/drawing/2014/main" xmlns="" id="{0B336018-C28C-42C7-89AB-B53CE4B573C6}"/>
+                <a16:creationId xmlns:a16="http://schemas.microsoft.com/office/drawing/2014/main" id="{0B336018-C28C-42C7-89AB-B53CE4B573C6}"/>
               </a:ext>
             </a:extLst>
           </p:cNvPr>
@@ -1739,7 +1824,7 @@
           <p:cNvPr id="3" name="竖排文字占位符 2">
             <a:extLst>
               <a:ext uri="{FF2B5EF4-FFF2-40B4-BE49-F238E27FC236}">
-                <a16:creationId xmlns:a16="http://schemas.microsoft.com/office/drawing/2014/main" xmlns="" id="{03B2A4DB-85E2-4EE0-A8B2-0375037E3029}"/>
+                <a16:creationId xmlns:a16="http://schemas.microsoft.com/office/drawing/2014/main" id="{03B2A4DB-85E2-4EE0-A8B2-0375037E3029}"/>
               </a:ext>
             </a:extLst>
           </p:cNvPr>
@@ -1796,7 +1881,7 @@
           <p:cNvPr id="4" name="日期占位符 3">
             <a:extLst>
               <a:ext uri="{FF2B5EF4-FFF2-40B4-BE49-F238E27FC236}">
-                <a16:creationId xmlns:a16="http://schemas.microsoft.com/office/drawing/2014/main" xmlns="" id="{DE52E869-7336-44A7-B685-CEF7B8413546}"/>
+                <a16:creationId xmlns:a16="http://schemas.microsoft.com/office/drawing/2014/main" id="{DE52E869-7336-44A7-B685-CEF7B8413546}"/>
               </a:ext>
             </a:extLst>
           </p:cNvPr>
@@ -1814,7 +1899,7 @@
           <a:p>
             <a:fld id="{DA4DE531-B8A6-42BC-8300-7A016E80DF81}" type="datetimeFigureOut">
               <a:rPr lang="zh-CN" altLang="en-US" smtClean="0"/>
-              <a:t>2019/6/20</a:t>
+              <a:t>2019/6/21</a:t>
             </a:fld>
             <a:endParaRPr lang="zh-CN" altLang="en-US"/>
           </a:p>
@@ -1825,7 +1910,7 @@
           <p:cNvPr id="5" name="页脚占位符 4">
             <a:extLst>
               <a:ext uri="{FF2B5EF4-FFF2-40B4-BE49-F238E27FC236}">
-                <a16:creationId xmlns:a16="http://schemas.microsoft.com/office/drawing/2014/main" xmlns="" id="{59213677-0E47-48A8-8279-540633387F8B}"/>
+                <a16:creationId xmlns:a16="http://schemas.microsoft.com/office/drawing/2014/main" id="{59213677-0E47-48A8-8279-540633387F8B}"/>
               </a:ext>
             </a:extLst>
           </p:cNvPr>
@@ -1850,7 +1935,7 @@
           <p:cNvPr id="6" name="灯片编号占位符 5">
             <a:extLst>
               <a:ext uri="{FF2B5EF4-FFF2-40B4-BE49-F238E27FC236}">
-                <a16:creationId xmlns:a16="http://schemas.microsoft.com/office/drawing/2014/main" xmlns="" id="{4C9F36F3-5AFC-4B54-A025-24F0618FC213}"/>
+                <a16:creationId xmlns:a16="http://schemas.microsoft.com/office/drawing/2014/main" id="{4C9F36F3-5AFC-4B54-A025-24F0618FC213}"/>
               </a:ext>
             </a:extLst>
           </p:cNvPr>
@@ -1909,7 +1994,7 @@
           <p:cNvPr id="2" name="竖排标题 1">
             <a:extLst>
               <a:ext uri="{FF2B5EF4-FFF2-40B4-BE49-F238E27FC236}">
-                <a16:creationId xmlns:a16="http://schemas.microsoft.com/office/drawing/2014/main" xmlns="" id="{BD238A3C-19A3-428F-B625-285998C24FD4}"/>
+                <a16:creationId xmlns:a16="http://schemas.microsoft.com/office/drawing/2014/main" id="{BD238A3C-19A3-428F-B625-285998C24FD4}"/>
               </a:ext>
             </a:extLst>
           </p:cNvPr>
@@ -1942,7 +2027,7 @@
           <p:cNvPr id="3" name="竖排文字占位符 2">
             <a:extLst>
               <a:ext uri="{FF2B5EF4-FFF2-40B4-BE49-F238E27FC236}">
-                <a16:creationId xmlns:a16="http://schemas.microsoft.com/office/drawing/2014/main" xmlns="" id="{67977BCF-AE18-44DA-A11D-6159B515EC00}"/>
+                <a16:creationId xmlns:a16="http://schemas.microsoft.com/office/drawing/2014/main" id="{67977BCF-AE18-44DA-A11D-6159B515EC00}"/>
               </a:ext>
             </a:extLst>
           </p:cNvPr>
@@ -2004,7 +2089,7 @@
           <p:cNvPr id="4" name="日期占位符 3">
             <a:extLst>
               <a:ext uri="{FF2B5EF4-FFF2-40B4-BE49-F238E27FC236}">
-                <a16:creationId xmlns:a16="http://schemas.microsoft.com/office/drawing/2014/main" xmlns="" id="{BBA9FA3D-D34A-4AAF-8BBB-D2B055FFAF65}"/>
+                <a16:creationId xmlns:a16="http://schemas.microsoft.com/office/drawing/2014/main" id="{BBA9FA3D-D34A-4AAF-8BBB-D2B055FFAF65}"/>
               </a:ext>
             </a:extLst>
           </p:cNvPr>
@@ -2022,7 +2107,7 @@
           <a:p>
             <a:fld id="{DA4DE531-B8A6-42BC-8300-7A016E80DF81}" type="datetimeFigureOut">
               <a:rPr lang="zh-CN" altLang="en-US" smtClean="0"/>
-              <a:t>2019/6/20</a:t>
+              <a:t>2019/6/21</a:t>
             </a:fld>
             <a:endParaRPr lang="zh-CN" altLang="en-US"/>
           </a:p>
@@ -2033,7 +2118,7 @@
           <p:cNvPr id="5" name="页脚占位符 4">
             <a:extLst>
               <a:ext uri="{FF2B5EF4-FFF2-40B4-BE49-F238E27FC236}">
-                <a16:creationId xmlns:a16="http://schemas.microsoft.com/office/drawing/2014/main" xmlns="" id="{E16BF3FB-0E91-4295-92C2-182A059EC0FF}"/>
+                <a16:creationId xmlns:a16="http://schemas.microsoft.com/office/drawing/2014/main" id="{E16BF3FB-0E91-4295-92C2-182A059EC0FF}"/>
               </a:ext>
             </a:extLst>
           </p:cNvPr>
@@ -2058,7 +2143,7 @@
           <p:cNvPr id="6" name="灯片编号占位符 5">
             <a:extLst>
               <a:ext uri="{FF2B5EF4-FFF2-40B4-BE49-F238E27FC236}">
-                <a16:creationId xmlns:a16="http://schemas.microsoft.com/office/drawing/2014/main" xmlns="" id="{09DEBE10-B7B9-4A5B-90CA-30AFACB60A4C}"/>
+                <a16:creationId xmlns:a16="http://schemas.microsoft.com/office/drawing/2014/main" id="{09DEBE10-B7B9-4A5B-90CA-30AFACB60A4C}"/>
               </a:ext>
             </a:extLst>
           </p:cNvPr>
@@ -2117,7 +2202,7 @@
           <p:cNvPr id="2" name="标题 1">
             <a:extLst>
               <a:ext uri="{FF2B5EF4-FFF2-40B4-BE49-F238E27FC236}">
-                <a16:creationId xmlns:a16="http://schemas.microsoft.com/office/drawing/2014/main" xmlns="" id="{F6ECC4D3-AFDA-4197-872C-36750C9B6EF2}"/>
+                <a16:creationId xmlns:a16="http://schemas.microsoft.com/office/drawing/2014/main" id="{F6ECC4D3-AFDA-4197-872C-36750C9B6EF2}"/>
               </a:ext>
             </a:extLst>
           </p:cNvPr>
@@ -2145,7 +2230,7 @@
           <p:cNvPr id="3" name="内容占位符 2">
             <a:extLst>
               <a:ext uri="{FF2B5EF4-FFF2-40B4-BE49-F238E27FC236}">
-                <a16:creationId xmlns:a16="http://schemas.microsoft.com/office/drawing/2014/main" xmlns="" id="{19C61A62-C3E7-4A81-A43B-51B27AFC3B40}"/>
+                <a16:creationId xmlns:a16="http://schemas.microsoft.com/office/drawing/2014/main" id="{19C61A62-C3E7-4A81-A43B-51B27AFC3B40}"/>
               </a:ext>
             </a:extLst>
           </p:cNvPr>
@@ -2202,7 +2287,7 @@
           <p:cNvPr id="4" name="日期占位符 3">
             <a:extLst>
               <a:ext uri="{FF2B5EF4-FFF2-40B4-BE49-F238E27FC236}">
-                <a16:creationId xmlns:a16="http://schemas.microsoft.com/office/drawing/2014/main" xmlns="" id="{B499659B-B9F7-4A3D-8A27-D6B1795F9A78}"/>
+                <a16:creationId xmlns:a16="http://schemas.microsoft.com/office/drawing/2014/main" id="{B499659B-B9F7-4A3D-8A27-D6B1795F9A78}"/>
               </a:ext>
             </a:extLst>
           </p:cNvPr>
@@ -2220,7 +2305,7 @@
           <a:p>
             <a:fld id="{DA4DE531-B8A6-42BC-8300-7A016E80DF81}" type="datetimeFigureOut">
               <a:rPr lang="zh-CN" altLang="en-US" smtClean="0"/>
-              <a:t>2019/6/20</a:t>
+              <a:t>2019/6/21</a:t>
             </a:fld>
             <a:endParaRPr lang="zh-CN" altLang="en-US"/>
           </a:p>
@@ -2231,7 +2316,7 @@
           <p:cNvPr id="5" name="页脚占位符 4">
             <a:extLst>
               <a:ext uri="{FF2B5EF4-FFF2-40B4-BE49-F238E27FC236}">
-                <a16:creationId xmlns:a16="http://schemas.microsoft.com/office/drawing/2014/main" xmlns="" id="{7E605585-415A-49AA-B4EB-6A5815410334}"/>
+                <a16:creationId xmlns:a16="http://schemas.microsoft.com/office/drawing/2014/main" id="{7E605585-415A-49AA-B4EB-6A5815410334}"/>
               </a:ext>
             </a:extLst>
           </p:cNvPr>
@@ -2256,7 +2341,7 @@
           <p:cNvPr id="6" name="灯片编号占位符 5">
             <a:extLst>
               <a:ext uri="{FF2B5EF4-FFF2-40B4-BE49-F238E27FC236}">
-                <a16:creationId xmlns:a16="http://schemas.microsoft.com/office/drawing/2014/main" xmlns="" id="{CB585055-C433-4B90-8E6F-47012A4A51FB}"/>
+                <a16:creationId xmlns:a16="http://schemas.microsoft.com/office/drawing/2014/main" id="{CB585055-C433-4B90-8E6F-47012A4A51FB}"/>
               </a:ext>
             </a:extLst>
           </p:cNvPr>
@@ -2315,7 +2400,7 @@
           <p:cNvPr id="2" name="标题 1">
             <a:extLst>
               <a:ext uri="{FF2B5EF4-FFF2-40B4-BE49-F238E27FC236}">
-                <a16:creationId xmlns:a16="http://schemas.microsoft.com/office/drawing/2014/main" xmlns="" id="{01AEEED0-74AF-42E6-A01D-D12FF63E7F10}"/>
+                <a16:creationId xmlns:a16="http://schemas.microsoft.com/office/drawing/2014/main" id="{01AEEED0-74AF-42E6-A01D-D12FF63E7F10}"/>
               </a:ext>
             </a:extLst>
           </p:cNvPr>
@@ -2352,7 +2437,7 @@
           <p:cNvPr id="3" name="文本占位符 2">
             <a:extLst>
               <a:ext uri="{FF2B5EF4-FFF2-40B4-BE49-F238E27FC236}">
-                <a16:creationId xmlns:a16="http://schemas.microsoft.com/office/drawing/2014/main" xmlns="" id="{4F5C3668-7127-4308-AECE-B3F2F1B975F6}"/>
+                <a16:creationId xmlns:a16="http://schemas.microsoft.com/office/drawing/2014/main" id="{4F5C3668-7127-4308-AECE-B3F2F1B975F6}"/>
               </a:ext>
             </a:extLst>
           </p:cNvPr>
@@ -2477,7 +2562,7 @@
           <p:cNvPr id="4" name="日期占位符 3">
             <a:extLst>
               <a:ext uri="{FF2B5EF4-FFF2-40B4-BE49-F238E27FC236}">
-                <a16:creationId xmlns:a16="http://schemas.microsoft.com/office/drawing/2014/main" xmlns="" id="{2C15579D-756F-415E-B734-19021D56EFC9}"/>
+                <a16:creationId xmlns:a16="http://schemas.microsoft.com/office/drawing/2014/main" id="{2C15579D-756F-415E-B734-19021D56EFC9}"/>
               </a:ext>
             </a:extLst>
           </p:cNvPr>
@@ -2495,7 +2580,7 @@
           <a:p>
             <a:fld id="{DA4DE531-B8A6-42BC-8300-7A016E80DF81}" type="datetimeFigureOut">
               <a:rPr lang="zh-CN" altLang="en-US" smtClean="0"/>
-              <a:t>2019/6/20</a:t>
+              <a:t>2019/6/21</a:t>
             </a:fld>
             <a:endParaRPr lang="zh-CN" altLang="en-US"/>
           </a:p>
@@ -2506,7 +2591,7 @@
           <p:cNvPr id="5" name="页脚占位符 4">
             <a:extLst>
               <a:ext uri="{FF2B5EF4-FFF2-40B4-BE49-F238E27FC236}">
-                <a16:creationId xmlns:a16="http://schemas.microsoft.com/office/drawing/2014/main" xmlns="" id="{AF1847B3-B6CC-4AA8-91C5-1771D4B15C80}"/>
+                <a16:creationId xmlns:a16="http://schemas.microsoft.com/office/drawing/2014/main" id="{AF1847B3-B6CC-4AA8-91C5-1771D4B15C80}"/>
               </a:ext>
             </a:extLst>
           </p:cNvPr>
@@ -2531,7 +2616,7 @@
           <p:cNvPr id="6" name="灯片编号占位符 5">
             <a:extLst>
               <a:ext uri="{FF2B5EF4-FFF2-40B4-BE49-F238E27FC236}">
-                <a16:creationId xmlns:a16="http://schemas.microsoft.com/office/drawing/2014/main" xmlns="" id="{20D6F410-9C0B-4269-94DB-564D3DF048CE}"/>
+                <a16:creationId xmlns:a16="http://schemas.microsoft.com/office/drawing/2014/main" id="{20D6F410-9C0B-4269-94DB-564D3DF048CE}"/>
               </a:ext>
             </a:extLst>
           </p:cNvPr>
@@ -2590,7 +2675,7 @@
           <p:cNvPr id="2" name="标题 1">
             <a:extLst>
               <a:ext uri="{FF2B5EF4-FFF2-40B4-BE49-F238E27FC236}">
-                <a16:creationId xmlns:a16="http://schemas.microsoft.com/office/drawing/2014/main" xmlns="" id="{89104A76-6A82-4A6E-8561-8D41122CAFFD}"/>
+                <a16:creationId xmlns:a16="http://schemas.microsoft.com/office/drawing/2014/main" id="{89104A76-6A82-4A6E-8561-8D41122CAFFD}"/>
               </a:ext>
             </a:extLst>
           </p:cNvPr>
@@ -2618,7 +2703,7 @@
           <p:cNvPr id="3" name="内容占位符 2">
             <a:extLst>
               <a:ext uri="{FF2B5EF4-FFF2-40B4-BE49-F238E27FC236}">
-                <a16:creationId xmlns:a16="http://schemas.microsoft.com/office/drawing/2014/main" xmlns="" id="{5E23DC8E-873E-4E45-9CC9-701A4940891A}"/>
+                <a16:creationId xmlns:a16="http://schemas.microsoft.com/office/drawing/2014/main" id="{5E23DC8E-873E-4E45-9CC9-701A4940891A}"/>
               </a:ext>
             </a:extLst>
           </p:cNvPr>
@@ -2680,7 +2765,7 @@
           <p:cNvPr id="4" name="内容占位符 3">
             <a:extLst>
               <a:ext uri="{FF2B5EF4-FFF2-40B4-BE49-F238E27FC236}">
-                <a16:creationId xmlns:a16="http://schemas.microsoft.com/office/drawing/2014/main" xmlns="" id="{FA50D352-0B77-4F44-BC5B-849CB1DE8D61}"/>
+                <a16:creationId xmlns:a16="http://schemas.microsoft.com/office/drawing/2014/main" id="{FA50D352-0B77-4F44-BC5B-849CB1DE8D61}"/>
               </a:ext>
             </a:extLst>
           </p:cNvPr>
@@ -2742,7 +2827,7 @@
           <p:cNvPr id="5" name="日期占位符 4">
             <a:extLst>
               <a:ext uri="{FF2B5EF4-FFF2-40B4-BE49-F238E27FC236}">
-                <a16:creationId xmlns:a16="http://schemas.microsoft.com/office/drawing/2014/main" xmlns="" id="{BD1F5A2D-B556-461F-A2A8-795EBB676CE5}"/>
+                <a16:creationId xmlns:a16="http://schemas.microsoft.com/office/drawing/2014/main" id="{BD1F5A2D-B556-461F-A2A8-795EBB676CE5}"/>
               </a:ext>
             </a:extLst>
           </p:cNvPr>
@@ -2760,7 +2845,7 @@
           <a:p>
             <a:fld id="{DA4DE531-B8A6-42BC-8300-7A016E80DF81}" type="datetimeFigureOut">
               <a:rPr lang="zh-CN" altLang="en-US" smtClean="0"/>
-              <a:t>2019/6/20</a:t>
+              <a:t>2019/6/21</a:t>
             </a:fld>
             <a:endParaRPr lang="zh-CN" altLang="en-US"/>
           </a:p>
@@ -2771,7 +2856,7 @@
           <p:cNvPr id="6" name="页脚占位符 5">
             <a:extLst>
               <a:ext uri="{FF2B5EF4-FFF2-40B4-BE49-F238E27FC236}">
-                <a16:creationId xmlns:a16="http://schemas.microsoft.com/office/drawing/2014/main" xmlns="" id="{1938A5C4-A71A-4EB2-8608-011888D70485}"/>
+                <a16:creationId xmlns:a16="http://schemas.microsoft.com/office/drawing/2014/main" id="{1938A5C4-A71A-4EB2-8608-011888D70485}"/>
               </a:ext>
             </a:extLst>
           </p:cNvPr>
@@ -2796,7 +2881,7 @@
           <p:cNvPr id="7" name="灯片编号占位符 6">
             <a:extLst>
               <a:ext uri="{FF2B5EF4-FFF2-40B4-BE49-F238E27FC236}">
-                <a16:creationId xmlns:a16="http://schemas.microsoft.com/office/drawing/2014/main" xmlns="" id="{4E5845C3-C376-4D34-9953-FBD9E8518D38}"/>
+                <a16:creationId xmlns:a16="http://schemas.microsoft.com/office/drawing/2014/main" id="{4E5845C3-C376-4D34-9953-FBD9E8518D38}"/>
               </a:ext>
             </a:extLst>
           </p:cNvPr>
@@ -2855,7 +2940,7 @@
           <p:cNvPr id="2" name="标题 1">
             <a:extLst>
               <a:ext uri="{FF2B5EF4-FFF2-40B4-BE49-F238E27FC236}">
-                <a16:creationId xmlns:a16="http://schemas.microsoft.com/office/drawing/2014/main" xmlns="" id="{D9D76AB6-E4DB-4E55-B9B3-4D5E0DA893F6}"/>
+                <a16:creationId xmlns:a16="http://schemas.microsoft.com/office/drawing/2014/main" id="{D9D76AB6-E4DB-4E55-B9B3-4D5E0DA893F6}"/>
               </a:ext>
             </a:extLst>
           </p:cNvPr>
@@ -2888,7 +2973,7 @@
           <p:cNvPr id="3" name="文本占位符 2">
             <a:extLst>
               <a:ext uri="{FF2B5EF4-FFF2-40B4-BE49-F238E27FC236}">
-                <a16:creationId xmlns:a16="http://schemas.microsoft.com/office/drawing/2014/main" xmlns="" id="{A6FDB0A2-4497-48D9-AB36-3F5AFDC642D0}"/>
+                <a16:creationId xmlns:a16="http://schemas.microsoft.com/office/drawing/2014/main" id="{A6FDB0A2-4497-48D9-AB36-3F5AFDC642D0}"/>
               </a:ext>
             </a:extLst>
           </p:cNvPr>
@@ -2959,7 +3044,7 @@
           <p:cNvPr id="4" name="内容占位符 3">
             <a:extLst>
               <a:ext uri="{FF2B5EF4-FFF2-40B4-BE49-F238E27FC236}">
-                <a16:creationId xmlns:a16="http://schemas.microsoft.com/office/drawing/2014/main" xmlns="" id="{1D45BA0E-485A-41BA-86F5-2BE1A0B72E61}"/>
+                <a16:creationId xmlns:a16="http://schemas.microsoft.com/office/drawing/2014/main" id="{1D45BA0E-485A-41BA-86F5-2BE1A0B72E61}"/>
               </a:ext>
             </a:extLst>
           </p:cNvPr>
@@ -3021,7 +3106,7 @@
           <p:cNvPr id="5" name="文本占位符 4">
             <a:extLst>
               <a:ext uri="{FF2B5EF4-FFF2-40B4-BE49-F238E27FC236}">
-                <a16:creationId xmlns:a16="http://schemas.microsoft.com/office/drawing/2014/main" xmlns="" id="{9F71588E-29C2-4BE4-A022-BBA911CB96EE}"/>
+                <a16:creationId xmlns:a16="http://schemas.microsoft.com/office/drawing/2014/main" id="{9F71588E-29C2-4BE4-A022-BBA911CB96EE}"/>
               </a:ext>
             </a:extLst>
           </p:cNvPr>
@@ -3092,7 +3177,7 @@
           <p:cNvPr id="6" name="内容占位符 5">
             <a:extLst>
               <a:ext uri="{FF2B5EF4-FFF2-40B4-BE49-F238E27FC236}">
-                <a16:creationId xmlns:a16="http://schemas.microsoft.com/office/drawing/2014/main" xmlns="" id="{818E5082-CEB2-4F2D-82C1-EA4F41A096F1}"/>
+                <a16:creationId xmlns:a16="http://schemas.microsoft.com/office/drawing/2014/main" id="{818E5082-CEB2-4F2D-82C1-EA4F41A096F1}"/>
               </a:ext>
             </a:extLst>
           </p:cNvPr>
@@ -3154,7 +3239,7 @@
           <p:cNvPr id="7" name="日期占位符 6">
             <a:extLst>
               <a:ext uri="{FF2B5EF4-FFF2-40B4-BE49-F238E27FC236}">
-                <a16:creationId xmlns:a16="http://schemas.microsoft.com/office/drawing/2014/main" xmlns="" id="{76D828CC-0483-40C1-856E-FFFEBD439BDE}"/>
+                <a16:creationId xmlns:a16="http://schemas.microsoft.com/office/drawing/2014/main" id="{76D828CC-0483-40C1-856E-FFFEBD439BDE}"/>
               </a:ext>
             </a:extLst>
           </p:cNvPr>
@@ -3172,7 +3257,7 @@
           <a:p>
             <a:fld id="{DA4DE531-B8A6-42BC-8300-7A016E80DF81}" type="datetimeFigureOut">
               <a:rPr lang="zh-CN" altLang="en-US" smtClean="0"/>
-              <a:t>2019/6/20</a:t>
+              <a:t>2019/6/21</a:t>
             </a:fld>
             <a:endParaRPr lang="zh-CN" altLang="en-US"/>
           </a:p>
@@ -3183,7 +3268,7 @@
           <p:cNvPr id="8" name="页脚占位符 7">
             <a:extLst>
               <a:ext uri="{FF2B5EF4-FFF2-40B4-BE49-F238E27FC236}">
-                <a16:creationId xmlns:a16="http://schemas.microsoft.com/office/drawing/2014/main" xmlns="" id="{F0F69D36-6AB9-4505-8C89-21A59497F0A5}"/>
+                <a16:creationId xmlns:a16="http://schemas.microsoft.com/office/drawing/2014/main" id="{F0F69D36-6AB9-4505-8C89-21A59497F0A5}"/>
               </a:ext>
             </a:extLst>
           </p:cNvPr>
@@ -3208,7 +3293,7 @@
           <p:cNvPr id="9" name="灯片编号占位符 8">
             <a:extLst>
               <a:ext uri="{FF2B5EF4-FFF2-40B4-BE49-F238E27FC236}">
-                <a16:creationId xmlns:a16="http://schemas.microsoft.com/office/drawing/2014/main" xmlns="" id="{D34F39D5-2187-4F48-8FB7-B092631B230E}"/>
+                <a16:creationId xmlns:a16="http://schemas.microsoft.com/office/drawing/2014/main" id="{D34F39D5-2187-4F48-8FB7-B092631B230E}"/>
               </a:ext>
             </a:extLst>
           </p:cNvPr>
@@ -3267,7 +3352,7 @@
           <p:cNvPr id="2" name="标题 1">
             <a:extLst>
               <a:ext uri="{FF2B5EF4-FFF2-40B4-BE49-F238E27FC236}">
-                <a16:creationId xmlns:a16="http://schemas.microsoft.com/office/drawing/2014/main" xmlns="" id="{25621271-35EC-4FAF-94BB-3B8E3D08C44A}"/>
+                <a16:creationId xmlns:a16="http://schemas.microsoft.com/office/drawing/2014/main" id="{25621271-35EC-4FAF-94BB-3B8E3D08C44A}"/>
               </a:ext>
             </a:extLst>
           </p:cNvPr>
@@ -3295,7 +3380,7 @@
           <p:cNvPr id="3" name="日期占位符 2">
             <a:extLst>
               <a:ext uri="{FF2B5EF4-FFF2-40B4-BE49-F238E27FC236}">
-                <a16:creationId xmlns:a16="http://schemas.microsoft.com/office/drawing/2014/main" xmlns="" id="{D7DEDE6C-8BFC-4BA3-8CAB-46350D90AE0A}"/>
+                <a16:creationId xmlns:a16="http://schemas.microsoft.com/office/drawing/2014/main" id="{D7DEDE6C-8BFC-4BA3-8CAB-46350D90AE0A}"/>
               </a:ext>
             </a:extLst>
           </p:cNvPr>
@@ -3313,7 +3398,7 @@
           <a:p>
             <a:fld id="{DA4DE531-B8A6-42BC-8300-7A016E80DF81}" type="datetimeFigureOut">
               <a:rPr lang="zh-CN" altLang="en-US" smtClean="0"/>
-              <a:t>2019/6/20</a:t>
+              <a:t>2019/6/21</a:t>
             </a:fld>
             <a:endParaRPr lang="zh-CN" altLang="en-US"/>
           </a:p>
@@ -3324,7 +3409,7 @@
           <p:cNvPr id="4" name="页脚占位符 3">
             <a:extLst>
               <a:ext uri="{FF2B5EF4-FFF2-40B4-BE49-F238E27FC236}">
-                <a16:creationId xmlns:a16="http://schemas.microsoft.com/office/drawing/2014/main" xmlns="" id="{9225BFA9-EAAC-4A3D-A961-8BE0B9FA8D36}"/>
+                <a16:creationId xmlns:a16="http://schemas.microsoft.com/office/drawing/2014/main" id="{9225BFA9-EAAC-4A3D-A961-8BE0B9FA8D36}"/>
               </a:ext>
             </a:extLst>
           </p:cNvPr>
@@ -3349,7 +3434,7 @@
           <p:cNvPr id="5" name="灯片编号占位符 4">
             <a:extLst>
               <a:ext uri="{FF2B5EF4-FFF2-40B4-BE49-F238E27FC236}">
-                <a16:creationId xmlns:a16="http://schemas.microsoft.com/office/drawing/2014/main" xmlns="" id="{ADCC64CB-EC48-4656-B8E2-D0D5FCA19D62}"/>
+                <a16:creationId xmlns:a16="http://schemas.microsoft.com/office/drawing/2014/main" id="{ADCC64CB-EC48-4656-B8E2-D0D5FCA19D62}"/>
               </a:ext>
             </a:extLst>
           </p:cNvPr>
@@ -3408,7 +3493,7 @@
           <p:cNvPr id="2" name="日期占位符 1">
             <a:extLst>
               <a:ext uri="{FF2B5EF4-FFF2-40B4-BE49-F238E27FC236}">
-                <a16:creationId xmlns:a16="http://schemas.microsoft.com/office/drawing/2014/main" xmlns="" id="{D50E68EE-5B6D-431C-AECC-74C2B8D9562A}"/>
+                <a16:creationId xmlns:a16="http://schemas.microsoft.com/office/drawing/2014/main" id="{D50E68EE-5B6D-431C-AECC-74C2B8D9562A}"/>
               </a:ext>
             </a:extLst>
           </p:cNvPr>
@@ -3426,7 +3511,7 @@
           <a:p>
             <a:fld id="{DA4DE531-B8A6-42BC-8300-7A016E80DF81}" type="datetimeFigureOut">
               <a:rPr lang="zh-CN" altLang="en-US" smtClean="0"/>
-              <a:t>2019/6/20</a:t>
+              <a:t>2019/6/21</a:t>
             </a:fld>
             <a:endParaRPr lang="zh-CN" altLang="en-US"/>
           </a:p>
@@ -3437,7 +3522,7 @@
           <p:cNvPr id="3" name="页脚占位符 2">
             <a:extLst>
               <a:ext uri="{FF2B5EF4-FFF2-40B4-BE49-F238E27FC236}">
-                <a16:creationId xmlns:a16="http://schemas.microsoft.com/office/drawing/2014/main" xmlns="" id="{8B6A1092-6FB1-40EC-AF42-05E40C8E7AD0}"/>
+                <a16:creationId xmlns:a16="http://schemas.microsoft.com/office/drawing/2014/main" id="{8B6A1092-6FB1-40EC-AF42-05E40C8E7AD0}"/>
               </a:ext>
             </a:extLst>
           </p:cNvPr>
@@ -3462,7 +3547,7 @@
           <p:cNvPr id="4" name="灯片编号占位符 3">
             <a:extLst>
               <a:ext uri="{FF2B5EF4-FFF2-40B4-BE49-F238E27FC236}">
-                <a16:creationId xmlns:a16="http://schemas.microsoft.com/office/drawing/2014/main" xmlns="" id="{F00F1464-B7CA-4AA0-9B39-951AD1D6967E}"/>
+                <a16:creationId xmlns:a16="http://schemas.microsoft.com/office/drawing/2014/main" id="{F00F1464-B7CA-4AA0-9B39-951AD1D6967E}"/>
               </a:ext>
             </a:extLst>
           </p:cNvPr>
@@ -3521,7 +3606,7 @@
           <p:cNvPr id="2" name="标题 1">
             <a:extLst>
               <a:ext uri="{FF2B5EF4-FFF2-40B4-BE49-F238E27FC236}">
-                <a16:creationId xmlns:a16="http://schemas.microsoft.com/office/drawing/2014/main" xmlns="" id="{7CACB425-F080-43E6-B6FF-1047AE54A1A4}"/>
+                <a16:creationId xmlns:a16="http://schemas.microsoft.com/office/drawing/2014/main" id="{7CACB425-F080-43E6-B6FF-1047AE54A1A4}"/>
               </a:ext>
             </a:extLst>
           </p:cNvPr>
@@ -3558,7 +3643,7 @@
           <p:cNvPr id="3" name="内容占位符 2">
             <a:extLst>
               <a:ext uri="{FF2B5EF4-FFF2-40B4-BE49-F238E27FC236}">
-                <a16:creationId xmlns:a16="http://schemas.microsoft.com/office/drawing/2014/main" xmlns="" id="{0C54FF23-FFC1-489B-BF14-D78B3B95D4E1}"/>
+                <a16:creationId xmlns:a16="http://schemas.microsoft.com/office/drawing/2014/main" id="{0C54FF23-FFC1-489B-BF14-D78B3B95D4E1}"/>
               </a:ext>
             </a:extLst>
           </p:cNvPr>
@@ -3648,7 +3733,7 @@
           <p:cNvPr id="4" name="文本占位符 3">
             <a:extLst>
               <a:ext uri="{FF2B5EF4-FFF2-40B4-BE49-F238E27FC236}">
-                <a16:creationId xmlns:a16="http://schemas.microsoft.com/office/drawing/2014/main" xmlns="" id="{651F3BC9-BA3B-407A-ACC6-D83EAA3F97E3}"/>
+                <a16:creationId xmlns:a16="http://schemas.microsoft.com/office/drawing/2014/main" id="{651F3BC9-BA3B-407A-ACC6-D83EAA3F97E3}"/>
               </a:ext>
             </a:extLst>
           </p:cNvPr>
@@ -3719,7 +3804,7 @@
           <p:cNvPr id="5" name="日期占位符 4">
             <a:extLst>
               <a:ext uri="{FF2B5EF4-FFF2-40B4-BE49-F238E27FC236}">
-                <a16:creationId xmlns:a16="http://schemas.microsoft.com/office/drawing/2014/main" xmlns="" id="{D20BE6E0-6874-4A0B-B58E-70CD6D0E165C}"/>
+                <a16:creationId xmlns:a16="http://schemas.microsoft.com/office/drawing/2014/main" id="{D20BE6E0-6874-4A0B-B58E-70CD6D0E165C}"/>
               </a:ext>
             </a:extLst>
           </p:cNvPr>
@@ -3737,7 +3822,7 @@
           <a:p>
             <a:fld id="{DA4DE531-B8A6-42BC-8300-7A016E80DF81}" type="datetimeFigureOut">
               <a:rPr lang="zh-CN" altLang="en-US" smtClean="0"/>
-              <a:t>2019/6/20</a:t>
+              <a:t>2019/6/21</a:t>
             </a:fld>
             <a:endParaRPr lang="zh-CN" altLang="en-US"/>
           </a:p>
@@ -3748,7 +3833,7 @@
           <p:cNvPr id="6" name="页脚占位符 5">
             <a:extLst>
               <a:ext uri="{FF2B5EF4-FFF2-40B4-BE49-F238E27FC236}">
-                <a16:creationId xmlns:a16="http://schemas.microsoft.com/office/drawing/2014/main" xmlns="" id="{D4AA1536-FC39-468D-837E-63A828851466}"/>
+                <a16:creationId xmlns:a16="http://schemas.microsoft.com/office/drawing/2014/main" id="{D4AA1536-FC39-468D-837E-63A828851466}"/>
               </a:ext>
             </a:extLst>
           </p:cNvPr>
@@ -3773,7 +3858,7 @@
           <p:cNvPr id="7" name="灯片编号占位符 6">
             <a:extLst>
               <a:ext uri="{FF2B5EF4-FFF2-40B4-BE49-F238E27FC236}">
-                <a16:creationId xmlns:a16="http://schemas.microsoft.com/office/drawing/2014/main" xmlns="" id="{1EB1EC0F-D676-435C-B042-89452549B04A}"/>
+                <a16:creationId xmlns:a16="http://schemas.microsoft.com/office/drawing/2014/main" id="{1EB1EC0F-D676-435C-B042-89452549B04A}"/>
               </a:ext>
             </a:extLst>
           </p:cNvPr>
@@ -3832,7 +3917,7 @@
           <p:cNvPr id="2" name="标题 1">
             <a:extLst>
               <a:ext uri="{FF2B5EF4-FFF2-40B4-BE49-F238E27FC236}">
-                <a16:creationId xmlns:a16="http://schemas.microsoft.com/office/drawing/2014/main" xmlns="" id="{B5E60A70-2801-4814-A141-0BA325396211}"/>
+                <a16:creationId xmlns:a16="http://schemas.microsoft.com/office/drawing/2014/main" id="{B5E60A70-2801-4814-A141-0BA325396211}"/>
               </a:ext>
             </a:extLst>
           </p:cNvPr>
@@ -3869,7 +3954,7 @@
           <p:cNvPr id="3" name="图片占位符 2">
             <a:extLst>
               <a:ext uri="{FF2B5EF4-FFF2-40B4-BE49-F238E27FC236}">
-                <a16:creationId xmlns:a16="http://schemas.microsoft.com/office/drawing/2014/main" xmlns="" id="{EEF9E7A3-1A87-43EE-9146-76D705F8D3CE}"/>
+                <a16:creationId xmlns:a16="http://schemas.microsoft.com/office/drawing/2014/main" id="{EEF9E7A3-1A87-43EE-9146-76D705F8D3CE}"/>
               </a:ext>
             </a:extLst>
           </p:cNvPr>
@@ -3936,7 +4021,7 @@
           <p:cNvPr id="4" name="文本占位符 3">
             <a:extLst>
               <a:ext uri="{FF2B5EF4-FFF2-40B4-BE49-F238E27FC236}">
-                <a16:creationId xmlns:a16="http://schemas.microsoft.com/office/drawing/2014/main" xmlns="" id="{576D465A-1D9D-4ABA-990A-0046A74685FF}"/>
+                <a16:creationId xmlns:a16="http://schemas.microsoft.com/office/drawing/2014/main" id="{576D465A-1D9D-4ABA-990A-0046A74685FF}"/>
               </a:ext>
             </a:extLst>
           </p:cNvPr>
@@ -4007,7 +4092,7 @@
           <p:cNvPr id="5" name="日期占位符 4">
             <a:extLst>
               <a:ext uri="{FF2B5EF4-FFF2-40B4-BE49-F238E27FC236}">
-                <a16:creationId xmlns:a16="http://schemas.microsoft.com/office/drawing/2014/main" xmlns="" id="{BD53777A-3F16-443A-94E4-76C6F2BBA1F7}"/>
+                <a16:creationId xmlns:a16="http://schemas.microsoft.com/office/drawing/2014/main" id="{BD53777A-3F16-443A-94E4-76C6F2BBA1F7}"/>
               </a:ext>
             </a:extLst>
           </p:cNvPr>
@@ -4025,7 +4110,7 @@
           <a:p>
             <a:fld id="{DA4DE531-B8A6-42BC-8300-7A016E80DF81}" type="datetimeFigureOut">
               <a:rPr lang="zh-CN" altLang="en-US" smtClean="0"/>
-              <a:t>2019/6/20</a:t>
+              <a:t>2019/6/21</a:t>
             </a:fld>
             <a:endParaRPr lang="zh-CN" altLang="en-US"/>
           </a:p>
@@ -4036,7 +4121,7 @@
           <p:cNvPr id="6" name="页脚占位符 5">
             <a:extLst>
               <a:ext uri="{FF2B5EF4-FFF2-40B4-BE49-F238E27FC236}">
-                <a16:creationId xmlns:a16="http://schemas.microsoft.com/office/drawing/2014/main" xmlns="" id="{C0972071-CCCC-4817-8E5C-09E03025950A}"/>
+                <a16:creationId xmlns:a16="http://schemas.microsoft.com/office/drawing/2014/main" id="{C0972071-CCCC-4817-8E5C-09E03025950A}"/>
               </a:ext>
             </a:extLst>
           </p:cNvPr>
@@ -4061,7 +4146,7 @@
           <p:cNvPr id="7" name="灯片编号占位符 6">
             <a:extLst>
               <a:ext uri="{FF2B5EF4-FFF2-40B4-BE49-F238E27FC236}">
-                <a16:creationId xmlns:a16="http://schemas.microsoft.com/office/drawing/2014/main" xmlns="" id="{EA9D1B0C-3C59-4CA8-858D-82C4FE2E0427}"/>
+                <a16:creationId xmlns:a16="http://schemas.microsoft.com/office/drawing/2014/main" id="{EA9D1B0C-3C59-4CA8-858D-82C4FE2E0427}"/>
               </a:ext>
             </a:extLst>
           </p:cNvPr>
@@ -4130,7 +4215,7 @@
           <p:cNvPr id="2" name="标题占位符 1">
             <a:extLst>
               <a:ext uri="{FF2B5EF4-FFF2-40B4-BE49-F238E27FC236}">
-                <a16:creationId xmlns:a16="http://schemas.microsoft.com/office/drawing/2014/main" xmlns="" id="{ECE7A69D-461A-41FC-89C6-5DBC8F1609F5}"/>
+                <a16:creationId xmlns:a16="http://schemas.microsoft.com/office/drawing/2014/main" id="{ECE7A69D-461A-41FC-89C6-5DBC8F1609F5}"/>
               </a:ext>
             </a:extLst>
           </p:cNvPr>
@@ -4168,7 +4253,7 @@
           <p:cNvPr id="3" name="文本占位符 2">
             <a:extLst>
               <a:ext uri="{FF2B5EF4-FFF2-40B4-BE49-F238E27FC236}">
-                <a16:creationId xmlns:a16="http://schemas.microsoft.com/office/drawing/2014/main" xmlns="" id="{673D7220-ECC8-40FC-9EFE-B351BC31E7D6}"/>
+                <a16:creationId xmlns:a16="http://schemas.microsoft.com/office/drawing/2014/main" id="{673D7220-ECC8-40FC-9EFE-B351BC31E7D6}"/>
               </a:ext>
             </a:extLst>
           </p:cNvPr>
@@ -4235,7 +4320,7 @@
           <p:cNvPr id="4" name="日期占位符 3">
             <a:extLst>
               <a:ext uri="{FF2B5EF4-FFF2-40B4-BE49-F238E27FC236}">
-                <a16:creationId xmlns:a16="http://schemas.microsoft.com/office/drawing/2014/main" xmlns="" id="{72816873-FD09-4E94-A4F9-5DDDEA5BA7CA}"/>
+                <a16:creationId xmlns:a16="http://schemas.microsoft.com/office/drawing/2014/main" id="{72816873-FD09-4E94-A4F9-5DDDEA5BA7CA}"/>
               </a:ext>
             </a:extLst>
           </p:cNvPr>
@@ -4271,7 +4356,7 @@
           <a:p>
             <a:fld id="{DA4DE531-B8A6-42BC-8300-7A016E80DF81}" type="datetimeFigureOut">
               <a:rPr lang="zh-CN" altLang="en-US" smtClean="0"/>
-              <a:t>2019/6/20</a:t>
+              <a:t>2019/6/21</a:t>
             </a:fld>
             <a:endParaRPr lang="zh-CN" altLang="en-US"/>
           </a:p>
@@ -4282,7 +4367,7 @@
           <p:cNvPr id="5" name="页脚占位符 4">
             <a:extLst>
               <a:ext uri="{FF2B5EF4-FFF2-40B4-BE49-F238E27FC236}">
-                <a16:creationId xmlns:a16="http://schemas.microsoft.com/office/drawing/2014/main" xmlns="" id="{089994A9-EE77-410B-B623-D63D727C35A7}"/>
+                <a16:creationId xmlns:a16="http://schemas.microsoft.com/office/drawing/2014/main" id="{089994A9-EE77-410B-B623-D63D727C35A7}"/>
               </a:ext>
             </a:extLst>
           </p:cNvPr>
@@ -4325,7 +4410,7 @@
           <p:cNvPr id="6" name="灯片编号占位符 5">
             <a:extLst>
               <a:ext uri="{FF2B5EF4-FFF2-40B4-BE49-F238E27FC236}">
-                <a16:creationId xmlns:a16="http://schemas.microsoft.com/office/drawing/2014/main" xmlns="" id="{97A139A9-CC99-4471-9156-47226AF1AD54}"/>
+                <a16:creationId xmlns:a16="http://schemas.microsoft.com/office/drawing/2014/main" id="{97A139A9-CC99-4471-9156-47226AF1AD54}"/>
               </a:ext>
             </a:extLst>
           </p:cNvPr>
@@ -4693,7 +4778,7 @@
           <p:cNvPr id="2" name="标题 1">
             <a:extLst>
               <a:ext uri="{FF2B5EF4-FFF2-40B4-BE49-F238E27FC236}">
-                <a16:creationId xmlns:a16="http://schemas.microsoft.com/office/drawing/2014/main" xmlns="" id="{54B864FA-CC7A-4307-BE98-0420689A65DE}"/>
+                <a16:creationId xmlns:a16="http://schemas.microsoft.com/office/drawing/2014/main" id="{54B864FA-CC7A-4307-BE98-0420689A65DE}"/>
               </a:ext>
             </a:extLst>
           </p:cNvPr>
@@ -4729,7 +4814,7 @@
           <p:cNvPr id="3" name="副标题 2">
             <a:extLst>
               <a:ext uri="{FF2B5EF4-FFF2-40B4-BE49-F238E27FC236}">
-                <a16:creationId xmlns:a16="http://schemas.microsoft.com/office/drawing/2014/main" xmlns="" id="{2CB7A8A4-0312-44BB-BD04-12264291C1D7}"/>
+                <a16:creationId xmlns:a16="http://schemas.microsoft.com/office/drawing/2014/main" id="{2CB7A8A4-0312-44BB-BD04-12264291C1D7}"/>
               </a:ext>
             </a:extLst>
           </p:cNvPr>
@@ -4784,7 +4869,7 @@
           <p:cNvPr id="2" name="标题 1">
             <a:extLst>
               <a:ext uri="{FF2B5EF4-FFF2-40B4-BE49-F238E27FC236}">
-                <a16:creationId xmlns:a16="http://schemas.microsoft.com/office/drawing/2014/main" xmlns="" id="{0D16DDC7-7AE4-4A96-AF9B-9D515E4566B4}"/>
+                <a16:creationId xmlns:a16="http://schemas.microsoft.com/office/drawing/2014/main" id="{0D16DDC7-7AE4-4A96-AF9B-9D515E4566B4}"/>
               </a:ext>
             </a:extLst>
           </p:cNvPr>
@@ -4819,7 +4904,7 @@
           <p:cNvPr id="4" name="内容占位符 3">
             <a:extLst>
               <a:ext uri="{FF2B5EF4-FFF2-40B4-BE49-F238E27FC236}">
-                <a16:creationId xmlns:a16="http://schemas.microsoft.com/office/drawing/2014/main" xmlns="" id="{F6769618-3D75-4ED2-8745-7D476C7597E5}"/>
+                <a16:creationId xmlns:a16="http://schemas.microsoft.com/office/drawing/2014/main" id="{F6769618-3D75-4ED2-8745-7D476C7597E5}"/>
               </a:ext>
             </a:extLst>
           </p:cNvPr>
@@ -4830,16 +4915,15 @@
             <p:ph idx="1"/>
           </p:nvPr>
         </p:nvPicPr>
-        <p:blipFill>
+        <p:blipFill rotWithShape="1">
           <a:blip r:embed="rId2"/>
-          <a:stretch>
-            <a:fillRect/>
-          </a:stretch>
+          <a:srcRect l="3238"/>
+          <a:stretch/>
         </p:blipFill>
         <p:spPr>
           <a:xfrm>
-            <a:off x="2133603" y="-84814"/>
-            <a:ext cx="9934852" cy="7088932"/>
+            <a:off x="2455333" y="-84814"/>
+            <a:ext cx="9613122" cy="7088932"/>
           </a:xfrm>
           <a:prstGeom prst="rect">
             <a:avLst/>
@@ -4851,7 +4935,7 @@
           <p:cNvPr id="5" name="文本框 4">
             <a:extLst>
               <a:ext uri="{FF2B5EF4-FFF2-40B4-BE49-F238E27FC236}">
-                <a16:creationId xmlns:a16="http://schemas.microsoft.com/office/drawing/2014/main" xmlns="" id="{D10A5FE5-A3FC-454F-9ABF-09CBE44A9E7D}"/>
+                <a16:creationId xmlns:a16="http://schemas.microsoft.com/office/drawing/2014/main" id="{D10A5FE5-A3FC-454F-9ABF-09CBE44A9E7D}"/>
               </a:ext>
             </a:extLst>
           </p:cNvPr>
@@ -4967,7 +5051,7 @@
           <p:cNvPr id="6" name="文本框 5">
             <a:extLst>
               <a:ext uri="{FF2B5EF4-FFF2-40B4-BE49-F238E27FC236}">
-                <a16:creationId xmlns:a16="http://schemas.microsoft.com/office/drawing/2014/main" xmlns="" id="{35321816-336C-4504-85FB-7DAE3BA117C9}"/>
+                <a16:creationId xmlns:a16="http://schemas.microsoft.com/office/drawing/2014/main" id="{35321816-336C-4504-85FB-7DAE3BA117C9}"/>
               </a:ext>
             </a:extLst>
           </p:cNvPr>
@@ -5022,7 +5106,7 @@
           <p:cNvPr id="7" name="文本框 6">
             <a:extLst>
               <a:ext uri="{FF2B5EF4-FFF2-40B4-BE49-F238E27FC236}">
-                <a16:creationId xmlns:a16="http://schemas.microsoft.com/office/drawing/2014/main" xmlns="" id="{75DD1D46-8A81-4FB1-89F7-EF38D365AF14}"/>
+                <a16:creationId xmlns:a16="http://schemas.microsoft.com/office/drawing/2014/main" id="{75DD1D46-8A81-4FB1-89F7-EF38D365AF14}"/>
               </a:ext>
             </a:extLst>
           </p:cNvPr>
@@ -5068,6 +5152,112 @@
               <a:t>和前面分块算法的计算量是相同的，但是计算涉及的对象组成有所不同。</a:t>
             </a:r>
             <a:endParaRPr lang="en-US" altLang="zh-CN" dirty="0"/>
+          </a:p>
+        </p:txBody>
+      </p:sp>
+      <p:sp>
+        <p:nvSpPr>
+          <p:cNvPr id="3" name="文本框 2">
+            <a:extLst>
+              <a:ext uri="{FF2B5EF4-FFF2-40B4-BE49-F238E27FC236}">
+                <a16:creationId xmlns:a16="http://schemas.microsoft.com/office/drawing/2014/main" id="{49D93C38-2725-466B-A750-5B75689F8AC0}"/>
+              </a:ext>
+            </a:extLst>
+          </p:cNvPr>
+          <p:cNvSpPr txBox="1"/>
+          <p:nvPr/>
+        </p:nvSpPr>
+        <p:spPr>
+          <a:xfrm>
+            <a:off x="10210801" y="1859214"/>
+            <a:ext cx="1689099" cy="1384995"/>
+          </a:xfrm>
+          <a:prstGeom prst="rect">
+            <a:avLst/>
+          </a:prstGeom>
+          <a:noFill/>
+        </p:spPr>
+        <p:txBody>
+          <a:bodyPr wrap="square" rtlCol="0">
+            <a:spAutoFit/>
+          </a:bodyPr>
+          <a:lstStyle/>
+          <a:p>
+            <a:r>
+              <a:rPr lang="zh-CN" altLang="en-US" sz="1400" dirty="0"/>
+              <a:t>每次循环取数</a:t>
+            </a:r>
+            <a:r>
+              <a:rPr lang="en-US" altLang="zh-CN" sz="1400" dirty="0"/>
+              <a:t> BLOCK_SIZE/BLOCK_REDUN </a:t>
+            </a:r>
+            <a:r>
+              <a:rPr lang="zh-CN" altLang="en-US" sz="1400" dirty="0"/>
+              <a:t>次，循环 </a:t>
+            </a:r>
+            <a:r>
+              <a:rPr lang="en-US" altLang="zh-CN" sz="1400" dirty="0"/>
+              <a:t>n/BLOCK_SIZE </a:t>
+            </a:r>
+            <a:r>
+              <a:rPr lang="zh-CN" altLang="en-US" sz="1400" dirty="0"/>
+              <a:t>次，在这里是取数</a:t>
+            </a:r>
+            <a:r>
+              <a:rPr lang="en-US" altLang="zh-CN" sz="1400" dirty="0">
+                <a:solidFill>
+                  <a:srgbClr val="FF0000"/>
+                </a:solidFill>
+              </a:rPr>
+              <a:t>128</a:t>
+            </a:r>
+            <a:r>
+              <a:rPr lang="zh-CN" altLang="en-US" sz="1400" dirty="0"/>
+              <a:t>次</a:t>
+            </a:r>
+          </a:p>
+        </p:txBody>
+      </p:sp>
+      <p:sp>
+        <p:nvSpPr>
+          <p:cNvPr id="8" name="文本框 7">
+            <a:extLst>
+              <a:ext uri="{FF2B5EF4-FFF2-40B4-BE49-F238E27FC236}">
+                <a16:creationId xmlns:a16="http://schemas.microsoft.com/office/drawing/2014/main" id="{9C634D6C-F46E-485A-88FB-1211451EE531}"/>
+              </a:ext>
+            </a:extLst>
+          </p:cNvPr>
+          <p:cNvSpPr txBox="1"/>
+          <p:nvPr/>
+        </p:nvSpPr>
+        <p:spPr>
+          <a:xfrm>
+            <a:off x="123545" y="4711700"/>
+            <a:ext cx="2175155" cy="646331"/>
+          </a:xfrm>
+          <a:prstGeom prst="rect">
+            <a:avLst/>
+          </a:prstGeom>
+          <a:noFill/>
+        </p:spPr>
+        <p:txBody>
+          <a:bodyPr wrap="square" rtlCol="0">
+            <a:spAutoFit/>
+          </a:bodyPr>
+          <a:lstStyle/>
+          <a:p>
+            <a:r>
+              <a:rPr lang="zh-CN" altLang="en-US" dirty="0"/>
+              <a:t>代码取自另一位</a:t>
+            </a:r>
+            <a:r>
+              <a:rPr lang="en-US" altLang="zh-CN" dirty="0"/>
+              <a:t>280w+</a:t>
+            </a:r>
+            <a:r>
+              <a:rPr lang="zh-CN" altLang="en-US" dirty="0"/>
+              <a:t>得分的同学</a:t>
+            </a:r>
           </a:p>
         </p:txBody>
       </p:sp>
@@ -5106,7 +5296,7 @@
           <p:cNvPr id="2" name="标题 1">
             <a:extLst>
               <a:ext uri="{FF2B5EF4-FFF2-40B4-BE49-F238E27FC236}">
-                <a16:creationId xmlns:a16="http://schemas.microsoft.com/office/drawing/2014/main" xmlns="" id="{9308EBD6-7813-4FA6-8B70-27FADDAA1C53}"/>
+                <a16:creationId xmlns:a16="http://schemas.microsoft.com/office/drawing/2014/main" id="{9308EBD6-7813-4FA6-8B70-27FADDAA1C53}"/>
               </a:ext>
             </a:extLst>
           </p:cNvPr>
@@ -5134,7 +5324,7 @@
           <p:cNvPr id="5" name="内容占位符 4">
             <a:extLst>
               <a:ext uri="{FF2B5EF4-FFF2-40B4-BE49-F238E27FC236}">
-                <a16:creationId xmlns:a16="http://schemas.microsoft.com/office/drawing/2014/main" xmlns="" id="{1F8E0E2B-B23A-452F-8674-4E086E553D6E}"/>
+                <a16:creationId xmlns:a16="http://schemas.microsoft.com/office/drawing/2014/main" id="{1F8E0E2B-B23A-452F-8674-4E086E553D6E}"/>
               </a:ext>
             </a:extLst>
           </p:cNvPr>
@@ -5166,7 +5356,7 @@
           <p:cNvPr id="6" name="图片 5">
             <a:extLst>
               <a:ext uri="{FF2B5EF4-FFF2-40B4-BE49-F238E27FC236}">
-                <a16:creationId xmlns:a16="http://schemas.microsoft.com/office/drawing/2014/main" xmlns="" id="{8A670A6E-C314-4D55-91FF-D2E1B61353CC}"/>
+                <a16:creationId xmlns:a16="http://schemas.microsoft.com/office/drawing/2014/main" id="{8A670A6E-C314-4D55-91FF-D2E1B61353CC}"/>
               </a:ext>
             </a:extLst>
           </p:cNvPr>
@@ -5196,7 +5386,7 @@
           <p:cNvPr id="7" name="图片 6">
             <a:extLst>
               <a:ext uri="{FF2B5EF4-FFF2-40B4-BE49-F238E27FC236}">
-                <a16:creationId xmlns:a16="http://schemas.microsoft.com/office/drawing/2014/main" xmlns="" id="{B905EC9C-1121-479D-BA33-BDFB1D7478F3}"/>
+                <a16:creationId xmlns:a16="http://schemas.microsoft.com/office/drawing/2014/main" id="{B905EC9C-1121-479D-BA33-BDFB1D7478F3}"/>
               </a:ext>
             </a:extLst>
           </p:cNvPr>
@@ -5226,7 +5416,7 @@
           <p:cNvPr id="8" name="文本框 7">
             <a:extLst>
               <a:ext uri="{FF2B5EF4-FFF2-40B4-BE49-F238E27FC236}">
-                <a16:creationId xmlns:a16="http://schemas.microsoft.com/office/drawing/2014/main" xmlns="" id="{3038C292-56F9-4081-BE1A-B4FA683FCD07}"/>
+                <a16:creationId xmlns:a16="http://schemas.microsoft.com/office/drawing/2014/main" id="{3038C292-56F9-4081-BE1A-B4FA683FCD07}"/>
               </a:ext>
             </a:extLst>
           </p:cNvPr>
@@ -5314,7 +5504,7 @@
           <p:cNvPr id="2" name="标题 1">
             <a:extLst>
               <a:ext uri="{FF2B5EF4-FFF2-40B4-BE49-F238E27FC236}">
-                <a16:creationId xmlns:a16="http://schemas.microsoft.com/office/drawing/2014/main" xmlns="" id="{A7C67B6E-9403-492C-9F33-BFBA8F012D72}"/>
+                <a16:creationId xmlns:a16="http://schemas.microsoft.com/office/drawing/2014/main" id="{A7C67B6E-9403-492C-9F33-BFBA8F012D72}"/>
               </a:ext>
             </a:extLst>
           </p:cNvPr>
@@ -5342,7 +5532,7 @@
           <p:cNvPr id="3" name="内容占位符 2">
             <a:extLst>
               <a:ext uri="{FF2B5EF4-FFF2-40B4-BE49-F238E27FC236}">
-                <a16:creationId xmlns:a16="http://schemas.microsoft.com/office/drawing/2014/main" xmlns="" id="{F7627589-C871-41A1-BDBF-BF43E368A048}"/>
+                <a16:creationId xmlns:a16="http://schemas.microsoft.com/office/drawing/2014/main" id="{F7627589-C871-41A1-BDBF-BF43E368A048}"/>
               </a:ext>
             </a:extLst>
           </p:cNvPr>
@@ -5421,37 +5611,7 @@
           <p:cNvPr id="4" name="图片 3">
             <a:extLst>
               <a:ext uri="{FF2B5EF4-FFF2-40B4-BE49-F238E27FC236}">
-                <a16:creationId xmlns:a16="http://schemas.microsoft.com/office/drawing/2014/main" xmlns="" id="{738704A8-D3A5-4808-8A01-86DA7BD842A6}"/>
-              </a:ext>
-            </a:extLst>
-          </p:cNvPr>
-          <p:cNvPicPr>
-            <a:picLocks noChangeAspect="1"/>
-          </p:cNvPicPr>
-          <p:nvPr/>
-        </p:nvPicPr>
-        <p:blipFill>
-          <a:blip r:embed="rId2"/>
-          <a:stretch>
-            <a:fillRect/>
-          </a:stretch>
-        </p:blipFill>
-        <p:spPr>
-          <a:xfrm>
-            <a:off x="1120088" y="3693777"/>
-            <a:ext cx="9006045" cy="1033019"/>
-          </a:xfrm>
-          <a:prstGeom prst="rect">
-            <a:avLst/>
-          </a:prstGeom>
-        </p:spPr>
-      </p:pic>
-      <p:pic>
-        <p:nvPicPr>
-          <p:cNvPr id="5" name="图片 4">
-            <a:extLst>
-              <a:ext uri="{FF2B5EF4-FFF2-40B4-BE49-F238E27FC236}">
-                <a16:creationId xmlns:a16="http://schemas.microsoft.com/office/drawing/2014/main" xmlns="" id="{57C785CA-4C26-48FD-8CE8-BA0ED50F020B}"/>
+                <a16:creationId xmlns:a16="http://schemas.microsoft.com/office/drawing/2014/main" id="{738704A8-D3A5-4808-8A01-86DA7BD842A6}"/>
               </a:ext>
             </a:extLst>
           </p:cNvPr>
@@ -5462,6 +5622,36 @@
         </p:nvPicPr>
         <p:blipFill>
           <a:blip r:embed="rId3"/>
+          <a:stretch>
+            <a:fillRect/>
+          </a:stretch>
+        </p:blipFill>
+        <p:spPr>
+          <a:xfrm>
+            <a:off x="1120088" y="3693777"/>
+            <a:ext cx="9006045" cy="1033019"/>
+          </a:xfrm>
+          <a:prstGeom prst="rect">
+            <a:avLst/>
+          </a:prstGeom>
+        </p:spPr>
+      </p:pic>
+      <p:pic>
+        <p:nvPicPr>
+          <p:cNvPr id="5" name="图片 4">
+            <a:extLst>
+              <a:ext uri="{FF2B5EF4-FFF2-40B4-BE49-F238E27FC236}">
+                <a16:creationId xmlns:a16="http://schemas.microsoft.com/office/drawing/2014/main" id="{57C785CA-4C26-48FD-8CE8-BA0ED50F020B}"/>
+              </a:ext>
+            </a:extLst>
+          </p:cNvPr>
+          <p:cNvPicPr>
+            <a:picLocks noChangeAspect="1"/>
+          </p:cNvPicPr>
+          <p:nvPr/>
+        </p:nvPicPr>
+        <p:blipFill>
+          <a:blip r:embed="rId4"/>
           <a:stretch>
             <a:fillRect/>
           </a:stretch>
@@ -5511,7 +5701,7 @@
           <p:cNvPr id="2" name="标题 1">
             <a:extLst>
               <a:ext uri="{FF2B5EF4-FFF2-40B4-BE49-F238E27FC236}">
-                <a16:creationId xmlns:a16="http://schemas.microsoft.com/office/drawing/2014/main" xmlns="" id="{C3811FE0-93A5-4E16-8619-53D1B7AEA996}"/>
+                <a16:creationId xmlns:a16="http://schemas.microsoft.com/office/drawing/2014/main" id="{2395D628-0DE9-426B-8D4E-C61D636E04FA}"/>
               </a:ext>
             </a:extLst>
           </p:cNvPr>
@@ -5522,13 +5712,445 @@
             <p:ph type="title"/>
           </p:nvPr>
         </p:nvSpPr>
-        <p:spPr/>
+        <p:spPr>
+          <a:xfrm>
+            <a:off x="105878" y="0"/>
+            <a:ext cx="3099335" cy="1366788"/>
+          </a:xfrm>
+        </p:spPr>
         <p:txBody>
           <a:bodyPr/>
           <a:lstStyle/>
           <a:p>
             <a:r>
               <a:rPr lang="zh-CN" altLang="en-US" dirty="0"/>
+              <a:t>消除</a:t>
+            </a:r>
+            <a:r>
+              <a:rPr lang="en-US" altLang="zh-CN" dirty="0"/>
+              <a:t>divergence</a:t>
+            </a:r>
+            <a:endParaRPr lang="zh-CN" altLang="en-US" dirty="0"/>
+          </a:p>
+        </p:txBody>
+      </p:sp>
+      <p:pic>
+        <p:nvPicPr>
+          <p:cNvPr id="6" name="内容占位符 5">
+            <a:extLst>
+              <a:ext uri="{FF2B5EF4-FFF2-40B4-BE49-F238E27FC236}">
+                <a16:creationId xmlns:a16="http://schemas.microsoft.com/office/drawing/2014/main" id="{4CBA8AB3-53F8-4682-B41D-FB1442784742}"/>
+              </a:ext>
+            </a:extLst>
+          </p:cNvPr>
+          <p:cNvPicPr>
+            <a:picLocks noGrp="1" noChangeAspect="1"/>
+          </p:cNvPicPr>
+          <p:nvPr>
+            <p:ph idx="1"/>
+          </p:nvPr>
+        </p:nvPicPr>
+        <p:blipFill>
+          <a:blip r:embed="rId2"/>
+          <a:stretch>
+            <a:fillRect/>
+          </a:stretch>
+        </p:blipFill>
+        <p:spPr>
+          <a:xfrm>
+            <a:off x="2753636" y="142696"/>
+            <a:ext cx="10300527" cy="6572608"/>
+          </a:xfrm>
+          <a:prstGeom prst="rect">
+            <a:avLst/>
+          </a:prstGeom>
+        </p:spPr>
+      </p:pic>
+      <p:sp>
+        <p:nvSpPr>
+          <p:cNvPr id="7" name="文本框 6">
+            <a:extLst>
+              <a:ext uri="{FF2B5EF4-FFF2-40B4-BE49-F238E27FC236}">
+                <a16:creationId xmlns:a16="http://schemas.microsoft.com/office/drawing/2014/main" id="{03C00A66-5E21-4C2A-A2E4-B8D01AD7FBF4}"/>
+              </a:ext>
+            </a:extLst>
+          </p:cNvPr>
+          <p:cNvSpPr txBox="1"/>
+          <p:nvPr/>
+        </p:nvSpPr>
+        <p:spPr>
+          <a:xfrm>
+            <a:off x="10160000" y="3429000"/>
+            <a:ext cx="2527300" cy="1200329"/>
+          </a:xfrm>
+          <a:prstGeom prst="rect">
+            <a:avLst/>
+          </a:prstGeom>
+          <a:noFill/>
+        </p:spPr>
+        <p:txBody>
+          <a:bodyPr wrap="square" rtlCol="0">
+            <a:spAutoFit/>
+          </a:bodyPr>
+          <a:lstStyle/>
+          <a:p>
+            <a:r>
+              <a:rPr lang="zh-CN" altLang="en-US" dirty="0">
+                <a:solidFill>
+                  <a:srgbClr val="FF0000"/>
+                </a:solidFill>
+              </a:rPr>
+              <a:t>将原来的循环取数逻辑修改为直接取出</a:t>
+            </a:r>
+            <a:r>
+              <a:rPr lang="en-US" altLang="zh-CN" dirty="0">
+                <a:solidFill>
+                  <a:srgbClr val="FF0000"/>
+                </a:solidFill>
+              </a:rPr>
+              <a:t>128</a:t>
+            </a:r>
+            <a:r>
+              <a:rPr lang="zh-CN" altLang="en-US" dirty="0">
+                <a:solidFill>
+                  <a:srgbClr val="FF0000"/>
+                </a:solidFill>
+              </a:rPr>
+              <a:t>个对应位置物体，计算受力情况。</a:t>
+            </a:r>
+          </a:p>
+        </p:txBody>
+      </p:sp>
+      <p:sp>
+        <p:nvSpPr>
+          <p:cNvPr id="8" name="矩形 7">
+            <a:extLst>
+              <a:ext uri="{FF2B5EF4-FFF2-40B4-BE49-F238E27FC236}">
+                <a16:creationId xmlns:a16="http://schemas.microsoft.com/office/drawing/2014/main" id="{F3155496-CD8A-49BB-BFC0-89E077591E0F}"/>
+              </a:ext>
+            </a:extLst>
+          </p:cNvPr>
+          <p:cNvSpPr/>
+          <p:nvPr/>
+        </p:nvSpPr>
+        <p:spPr>
+          <a:xfrm>
+            <a:off x="3060700" y="3238500"/>
+            <a:ext cx="6377664" cy="1536700"/>
+          </a:xfrm>
+          <a:prstGeom prst="rect">
+            <a:avLst/>
+          </a:prstGeom>
+          <a:noFill/>
+          <a:ln>
+            <a:solidFill>
+              <a:srgbClr val="FF0000"/>
+            </a:solidFill>
+          </a:ln>
+        </p:spPr>
+        <p:style>
+          <a:lnRef idx="2">
+            <a:schemeClr val="accent1">
+              <a:shade val="50000"/>
+            </a:schemeClr>
+          </a:lnRef>
+          <a:fillRef idx="1">
+            <a:schemeClr val="accent1"/>
+          </a:fillRef>
+          <a:effectRef idx="0">
+            <a:schemeClr val="accent1"/>
+          </a:effectRef>
+          <a:fontRef idx="minor">
+            <a:schemeClr val="lt1"/>
+          </a:fontRef>
+        </p:style>
+        <p:txBody>
+          <a:bodyPr rtlCol="0" anchor="ctr"/>
+          <a:lstStyle/>
+          <a:p>
+            <a:pPr algn="ctr"/>
+            <a:endParaRPr lang="zh-CN" altLang="en-US" dirty="0"/>
+          </a:p>
+        </p:txBody>
+      </p:sp>
+    </p:spTree>
+    <p:extLst>
+      <p:ext uri="{BB962C8B-B14F-4D97-AF65-F5344CB8AC3E}">
+        <p14:creationId xmlns:p14="http://schemas.microsoft.com/office/powerpoint/2010/main" val="2067570992"/>
+      </p:ext>
+    </p:extLst>
+  </p:cSld>
+  <p:clrMapOvr>
+    <a:masterClrMapping/>
+  </p:clrMapOvr>
+</p:sld>
+</file>
+
+<file path=ppt/slides/slide14.xml><?xml version="1.0" encoding="utf-8"?>
+<p:sld xmlns:a="http://schemas.openxmlformats.org/drawingml/2006/main" xmlns:r="http://schemas.openxmlformats.org/officeDocument/2006/relationships" xmlns:p="http://schemas.openxmlformats.org/presentationml/2006/main">
+  <p:cSld>
+    <p:spTree>
+      <p:nvGrpSpPr>
+        <p:cNvPr id="1" name=""/>
+        <p:cNvGrpSpPr/>
+        <p:nvPr/>
+      </p:nvGrpSpPr>
+      <p:grpSpPr>
+        <a:xfrm>
+          <a:off x="0" y="0"/>
+          <a:ext cx="0" cy="0"/>
+          <a:chOff x="0" y="0"/>
+          <a:chExt cx="0" cy="0"/>
+        </a:xfrm>
+      </p:grpSpPr>
+      <p:sp>
+        <p:nvSpPr>
+          <p:cNvPr id="2" name="标题 1">
+            <a:extLst>
+              <a:ext uri="{FF2B5EF4-FFF2-40B4-BE49-F238E27FC236}">
+                <a16:creationId xmlns:a16="http://schemas.microsoft.com/office/drawing/2014/main" id="{452D5A7B-98D6-412A-A19D-DBE5C4A71DD9}"/>
+              </a:ext>
+            </a:extLst>
+          </p:cNvPr>
+          <p:cNvSpPr>
+            <a:spLocks noGrp="1"/>
+          </p:cNvSpPr>
+          <p:nvPr>
+            <p:ph type="title"/>
+          </p:nvPr>
+        </p:nvSpPr>
+        <p:spPr/>
+        <p:txBody>
+          <a:bodyPr/>
+          <a:lstStyle/>
+          <a:p>
+            <a:r>
+              <a:rPr lang="zh-CN" altLang="en-US" dirty="0"/>
+              <a:t>优化结果</a:t>
+            </a:r>
+          </a:p>
+        </p:txBody>
+      </p:sp>
+      <p:pic>
+        <p:nvPicPr>
+          <p:cNvPr id="4" name="内容占位符 3">
+            <a:extLst>
+              <a:ext uri="{FF2B5EF4-FFF2-40B4-BE49-F238E27FC236}">
+                <a16:creationId xmlns:a16="http://schemas.microsoft.com/office/drawing/2014/main" id="{408EBDCE-368D-489A-9B76-8FC9CD0B6525}"/>
+              </a:ext>
+            </a:extLst>
+          </p:cNvPr>
+          <p:cNvPicPr>
+            <a:picLocks noGrp="1" noChangeAspect="1"/>
+          </p:cNvPicPr>
+          <p:nvPr>
+            <p:ph idx="1"/>
+          </p:nvPr>
+        </p:nvPicPr>
+        <p:blipFill>
+          <a:blip r:embed="rId2"/>
+          <a:stretch>
+            <a:fillRect/>
+          </a:stretch>
+        </p:blipFill>
+        <p:spPr>
+          <a:xfrm>
+            <a:off x="253218" y="1347790"/>
+            <a:ext cx="8687582" cy="1325563"/>
+          </a:xfrm>
+          <a:prstGeom prst="rect">
+            <a:avLst/>
+          </a:prstGeom>
+        </p:spPr>
+      </p:pic>
+      <p:pic>
+        <p:nvPicPr>
+          <p:cNvPr id="5" name="图片 4">
+            <a:extLst>
+              <a:ext uri="{FF2B5EF4-FFF2-40B4-BE49-F238E27FC236}">
+                <a16:creationId xmlns:a16="http://schemas.microsoft.com/office/drawing/2014/main" id="{46620F2F-6723-40CD-A9BC-CC40B7165C31}"/>
+              </a:ext>
+            </a:extLst>
+          </p:cNvPr>
+          <p:cNvPicPr>
+            <a:picLocks noChangeAspect="1"/>
+          </p:cNvPicPr>
+          <p:nvPr/>
+        </p:nvPicPr>
+        <p:blipFill>
+          <a:blip r:embed="rId3"/>
+          <a:stretch>
+            <a:fillRect/>
+          </a:stretch>
+        </p:blipFill>
+        <p:spPr>
+          <a:xfrm>
+            <a:off x="371019" y="2673353"/>
+            <a:ext cx="8451980" cy="2214121"/>
+          </a:xfrm>
+          <a:prstGeom prst="rect">
+            <a:avLst/>
+          </a:prstGeom>
+        </p:spPr>
+      </p:pic>
+      <p:pic>
+        <p:nvPicPr>
+          <p:cNvPr id="7" name="图片 6">
+            <a:extLst>
+              <a:ext uri="{FF2B5EF4-FFF2-40B4-BE49-F238E27FC236}">
+                <a16:creationId xmlns:a16="http://schemas.microsoft.com/office/drawing/2014/main" id="{3EFEE275-FA60-4C43-AEF3-44CB49B2CBA3}"/>
+              </a:ext>
+            </a:extLst>
+          </p:cNvPr>
+          <p:cNvPicPr>
+            <a:picLocks noChangeAspect="1"/>
+          </p:cNvPicPr>
+          <p:nvPr/>
+        </p:nvPicPr>
+        <p:blipFill>
+          <a:blip r:embed="rId4"/>
+          <a:stretch>
+            <a:fillRect/>
+          </a:stretch>
+        </p:blipFill>
+        <p:spPr>
+          <a:xfrm>
+            <a:off x="-435006" y="5167310"/>
+            <a:ext cx="12627006" cy="1325563"/>
+          </a:xfrm>
+          <a:prstGeom prst="rect">
+            <a:avLst/>
+          </a:prstGeom>
+        </p:spPr>
+      </p:pic>
+      <p:sp>
+        <p:nvSpPr>
+          <p:cNvPr id="8" name="文本框 7">
+            <a:extLst>
+              <a:ext uri="{FF2B5EF4-FFF2-40B4-BE49-F238E27FC236}">
+                <a16:creationId xmlns:a16="http://schemas.microsoft.com/office/drawing/2014/main" id="{C580E3A8-75FB-4281-8543-4BC49C9C6FDB}"/>
+              </a:ext>
+            </a:extLst>
+          </p:cNvPr>
+          <p:cNvSpPr txBox="1"/>
+          <p:nvPr/>
+        </p:nvSpPr>
+        <p:spPr>
+          <a:xfrm>
+            <a:off x="9043182" y="1212524"/>
+            <a:ext cx="2777799" cy="3416320"/>
+          </a:xfrm>
+          <a:prstGeom prst="rect">
+            <a:avLst/>
+          </a:prstGeom>
+          <a:noFill/>
+        </p:spPr>
+        <p:txBody>
+          <a:bodyPr wrap="square" rtlCol="0">
+            <a:spAutoFit/>
+          </a:bodyPr>
+          <a:lstStyle/>
+          <a:p>
+            <a:pPr marL="342900" indent="-342900">
+              <a:buFont typeface="+mj-lt"/>
+              <a:buAutoNum type="arabicPeriod"/>
+            </a:pPr>
+            <a:r>
+              <a:rPr lang="zh-CN" altLang="en-US" sz="2400" dirty="0"/>
+              <a:t>分支利用率达到</a:t>
+            </a:r>
+            <a:r>
+              <a:rPr lang="en-US" altLang="zh-CN" sz="2400" dirty="0"/>
+              <a:t>100%</a:t>
+            </a:r>
+            <a:r>
+              <a:rPr lang="zh-CN" altLang="en-US" sz="2400" dirty="0"/>
+              <a:t>，无</a:t>
+            </a:r>
+            <a:r>
+              <a:rPr lang="en-US" altLang="zh-CN" sz="2400" dirty="0"/>
+              <a:t>control divergence</a:t>
+            </a:r>
+          </a:p>
+          <a:p>
+            <a:pPr marL="342900" indent="-342900">
+              <a:buFont typeface="+mj-lt"/>
+              <a:buAutoNum type="arabicPeriod"/>
+            </a:pPr>
+            <a:r>
+              <a:rPr lang="zh-CN" altLang="en-US" sz="2400" dirty="0"/>
+              <a:t>占有率得到进一步提升，达到</a:t>
+            </a:r>
+            <a:r>
+              <a:rPr lang="en-US" altLang="zh-CN" sz="2400" dirty="0"/>
+              <a:t>70%</a:t>
+            </a:r>
+          </a:p>
+          <a:p>
+            <a:pPr marL="342900" indent="-342900">
+              <a:buFont typeface="+mj-lt"/>
+              <a:buAutoNum type="arabicPeriod"/>
+            </a:pPr>
+            <a:r>
+              <a:rPr lang="zh-CN" altLang="en-US" sz="2400" dirty="0"/>
+              <a:t>带宽略有提升，离峰值还有一定差距</a:t>
+            </a:r>
+          </a:p>
+        </p:txBody>
+      </p:sp>
+    </p:spTree>
+    <p:extLst>
+      <p:ext uri="{BB962C8B-B14F-4D97-AF65-F5344CB8AC3E}">
+        <p14:creationId xmlns:p14="http://schemas.microsoft.com/office/powerpoint/2010/main" val="4070452731"/>
+      </p:ext>
+    </p:extLst>
+  </p:cSld>
+  <p:clrMapOvr>
+    <a:masterClrMapping/>
+  </p:clrMapOvr>
+</p:sld>
+</file>
+
+<file path=ppt/slides/slide15.xml><?xml version="1.0" encoding="utf-8"?>
+<p:sld xmlns:a="http://schemas.openxmlformats.org/drawingml/2006/main" xmlns:r="http://schemas.openxmlformats.org/officeDocument/2006/relationships" xmlns:p="http://schemas.openxmlformats.org/presentationml/2006/main">
+  <p:cSld>
+    <p:spTree>
+      <p:nvGrpSpPr>
+        <p:cNvPr id="1" name=""/>
+        <p:cNvGrpSpPr/>
+        <p:nvPr/>
+      </p:nvGrpSpPr>
+      <p:grpSpPr>
+        <a:xfrm>
+          <a:off x="0" y="0"/>
+          <a:ext cx="0" cy="0"/>
+          <a:chOff x="0" y="0"/>
+          <a:chExt cx="0" cy="0"/>
+        </a:xfrm>
+      </p:grpSpPr>
+      <p:sp>
+        <p:nvSpPr>
+          <p:cNvPr id="2" name="标题 1">
+            <a:extLst>
+              <a:ext uri="{FF2B5EF4-FFF2-40B4-BE49-F238E27FC236}">
+                <a16:creationId xmlns:a16="http://schemas.microsoft.com/office/drawing/2014/main" id="{C3811FE0-93A5-4E16-8619-53D1B7AEA996}"/>
+              </a:ext>
+            </a:extLst>
+          </p:cNvPr>
+          <p:cNvSpPr>
+            <a:spLocks noGrp="1"/>
+          </p:cNvSpPr>
+          <p:nvPr>
+            <p:ph type="title"/>
+          </p:nvPr>
+        </p:nvSpPr>
+        <p:spPr/>
+        <p:txBody>
+          <a:bodyPr/>
+          <a:lstStyle/>
+          <a:p>
+            <a:r>
+              <a:rPr lang="zh-CN" altLang="en-US" dirty="0"/>
               <a:t>优化总结</a:t>
             </a:r>
           </a:p>
@@ -5539,7 +6161,7 @@
           <p:cNvPr id="3" name="内容占位符 2">
             <a:extLst>
               <a:ext uri="{FF2B5EF4-FFF2-40B4-BE49-F238E27FC236}">
-                <a16:creationId xmlns:a16="http://schemas.microsoft.com/office/drawing/2014/main" xmlns="" id="{85EEF6F3-928C-4B88-AD59-F9A7145F050F}"/>
+                <a16:creationId xmlns:a16="http://schemas.microsoft.com/office/drawing/2014/main" id="{85EEF6F3-928C-4B88-AD59-F9A7145F050F}"/>
               </a:ext>
             </a:extLst>
           </p:cNvPr>
@@ -5636,7 +6258,7 @@
             </a:r>
             <a:r>
               <a:rPr lang="zh-CN" altLang="en-US" sz="2000" dirty="0"/>
-              <a:t>的效果都是程序优化的一部分体现，某个参数达到最佳不能代表整体的最佳，要综合来看，结合提升。</a:t>
+              <a:t>的效果都是程序优化的一部分体现，某个参数达到最佳不能代表整体的最佳，要结合起来来看，综合提升。</a:t>
             </a:r>
             <a:endParaRPr lang="en-US" altLang="zh-CN" sz="2000" dirty="0"/>
           </a:p>
@@ -5659,7 +6281,7 @@
             </a:r>
             <a:r>
               <a:rPr lang="zh-CN" altLang="en-US" sz="2000" dirty="0"/>
-              <a:t>，调节计算模型</a:t>
+              <a:t>，调整计算模型</a:t>
             </a:r>
             <a:r>
               <a:rPr lang="en-US" altLang="zh-CN" sz="2000" dirty="0"/>
@@ -5716,7 +6338,7 @@
           <p:cNvPr id="29" name="图片 28">
             <a:extLst>
               <a:ext uri="{FF2B5EF4-FFF2-40B4-BE49-F238E27FC236}">
-                <a16:creationId xmlns:a16="http://schemas.microsoft.com/office/drawing/2014/main" xmlns="" id="{B2132DA7-6ABF-4226-AF19-9D97A73E573C}"/>
+                <a16:creationId xmlns:a16="http://schemas.microsoft.com/office/drawing/2014/main" id="{B2132DA7-6ABF-4226-AF19-9D97A73E573C}"/>
               </a:ext>
             </a:extLst>
           </p:cNvPr>
@@ -5746,7 +6368,7 @@
           <p:cNvPr id="2" name="标题 1">
             <a:extLst>
               <a:ext uri="{FF2B5EF4-FFF2-40B4-BE49-F238E27FC236}">
-                <a16:creationId xmlns:a16="http://schemas.microsoft.com/office/drawing/2014/main" xmlns="" id="{7EF384BB-226E-4294-9B64-A7AE4BE81D58}"/>
+                <a16:creationId xmlns:a16="http://schemas.microsoft.com/office/drawing/2014/main" id="{7EF384BB-226E-4294-9B64-A7AE4BE81D58}"/>
               </a:ext>
             </a:extLst>
           </p:cNvPr>
@@ -5779,7 +6401,7 @@
           <p:cNvPr id="7" name="内容占位符 6">
             <a:extLst>
               <a:ext uri="{FF2B5EF4-FFF2-40B4-BE49-F238E27FC236}">
-                <a16:creationId xmlns:a16="http://schemas.microsoft.com/office/drawing/2014/main" xmlns="" id="{B6C6BDDA-16C4-4A72-A6AD-3B03D6B12686}"/>
+                <a16:creationId xmlns:a16="http://schemas.microsoft.com/office/drawing/2014/main" id="{B6C6BDDA-16C4-4A72-A6AD-3B03D6B12686}"/>
               </a:ext>
             </a:extLst>
           </p:cNvPr>
@@ -5811,7 +6433,7 @@
           <p:cNvPr id="9" name="图片 8">
             <a:extLst>
               <a:ext uri="{FF2B5EF4-FFF2-40B4-BE49-F238E27FC236}">
-                <a16:creationId xmlns:a16="http://schemas.microsoft.com/office/drawing/2014/main" xmlns="" id="{2177472B-E14B-4227-8380-34EC88378EBF}"/>
+                <a16:creationId xmlns:a16="http://schemas.microsoft.com/office/drawing/2014/main" id="{2177472B-E14B-4227-8380-34EC88378EBF}"/>
               </a:ext>
             </a:extLst>
           </p:cNvPr>
@@ -5841,7 +6463,7 @@
           <p:cNvPr id="11" name="直接箭头连接符 10">
             <a:extLst>
               <a:ext uri="{FF2B5EF4-FFF2-40B4-BE49-F238E27FC236}">
-                <a16:creationId xmlns:a16="http://schemas.microsoft.com/office/drawing/2014/main" xmlns="" id="{83F0797F-9EC2-455D-A3FD-B55F1EACA0D1}"/>
+                <a16:creationId xmlns:a16="http://schemas.microsoft.com/office/drawing/2014/main" id="{83F0797F-9EC2-455D-A3FD-B55F1EACA0D1}"/>
               </a:ext>
             </a:extLst>
           </p:cNvPr>
@@ -5883,7 +6505,7 @@
           <p:cNvPr id="15" name="直接箭头连接符 14">
             <a:extLst>
               <a:ext uri="{FF2B5EF4-FFF2-40B4-BE49-F238E27FC236}">
-                <a16:creationId xmlns:a16="http://schemas.microsoft.com/office/drawing/2014/main" xmlns="" id="{A17FE52D-F505-4286-831B-6CCE02239233}"/>
+                <a16:creationId xmlns:a16="http://schemas.microsoft.com/office/drawing/2014/main" id="{A17FE52D-F505-4286-831B-6CCE02239233}"/>
               </a:ext>
             </a:extLst>
           </p:cNvPr>
@@ -5927,7 +6549,7 @@
           <p:cNvPr id="18" name="直接箭头连接符 17">
             <a:extLst>
               <a:ext uri="{FF2B5EF4-FFF2-40B4-BE49-F238E27FC236}">
-                <a16:creationId xmlns:a16="http://schemas.microsoft.com/office/drawing/2014/main" xmlns="" id="{B508E974-A3F4-46FF-A1B1-1EECA4582960}"/>
+                <a16:creationId xmlns:a16="http://schemas.microsoft.com/office/drawing/2014/main" id="{B508E974-A3F4-46FF-A1B1-1EECA4582960}"/>
               </a:ext>
             </a:extLst>
           </p:cNvPr>
@@ -5971,7 +6593,7 @@
           <p:cNvPr id="21" name="直接箭头连接符 20">
             <a:extLst>
               <a:ext uri="{FF2B5EF4-FFF2-40B4-BE49-F238E27FC236}">
-                <a16:creationId xmlns:a16="http://schemas.microsoft.com/office/drawing/2014/main" xmlns="" id="{9AAF0346-BBFA-40F7-8FA7-EA6AFDCC60A0}"/>
+                <a16:creationId xmlns:a16="http://schemas.microsoft.com/office/drawing/2014/main" id="{9AAF0346-BBFA-40F7-8FA7-EA6AFDCC60A0}"/>
               </a:ext>
             </a:extLst>
           </p:cNvPr>
@@ -6015,7 +6637,7 @@
           <p:cNvPr id="23" name="直接箭头连接符 22">
             <a:extLst>
               <a:ext uri="{FF2B5EF4-FFF2-40B4-BE49-F238E27FC236}">
-                <a16:creationId xmlns:a16="http://schemas.microsoft.com/office/drawing/2014/main" xmlns="" id="{FC7ACAED-5D56-4207-8BA8-F4B76B3A2725}"/>
+                <a16:creationId xmlns:a16="http://schemas.microsoft.com/office/drawing/2014/main" id="{FC7ACAED-5D56-4207-8BA8-F4B76B3A2725}"/>
               </a:ext>
             </a:extLst>
           </p:cNvPr>
@@ -6059,7 +6681,7 @@
           <p:cNvPr id="24" name="直接箭头连接符 23">
             <a:extLst>
               <a:ext uri="{FF2B5EF4-FFF2-40B4-BE49-F238E27FC236}">
-                <a16:creationId xmlns:a16="http://schemas.microsoft.com/office/drawing/2014/main" xmlns="" id="{B729A076-E6FC-4FF6-ACC3-3BB20B621B6B}"/>
+                <a16:creationId xmlns:a16="http://schemas.microsoft.com/office/drawing/2014/main" id="{B729A076-E6FC-4FF6-ACC3-3BB20B621B6B}"/>
               </a:ext>
             </a:extLst>
           </p:cNvPr>
@@ -6103,7 +6725,7 @@
           <p:cNvPr id="25" name="直接箭头连接符 24">
             <a:extLst>
               <a:ext uri="{FF2B5EF4-FFF2-40B4-BE49-F238E27FC236}">
-                <a16:creationId xmlns:a16="http://schemas.microsoft.com/office/drawing/2014/main" xmlns="" id="{62A67F31-7252-49A9-995F-E5D31D65AC38}"/>
+                <a16:creationId xmlns:a16="http://schemas.microsoft.com/office/drawing/2014/main" id="{62A67F31-7252-49A9-995F-E5D31D65AC38}"/>
               </a:ext>
             </a:extLst>
           </p:cNvPr>
@@ -6147,7 +6769,7 @@
           <p:cNvPr id="26" name="直接箭头连接符 25">
             <a:extLst>
               <a:ext uri="{FF2B5EF4-FFF2-40B4-BE49-F238E27FC236}">
-                <a16:creationId xmlns:a16="http://schemas.microsoft.com/office/drawing/2014/main" xmlns="" id="{BA8ADF29-6DCA-4EC7-98DD-153AE2AAA5A0}"/>
+                <a16:creationId xmlns:a16="http://schemas.microsoft.com/office/drawing/2014/main" id="{BA8ADF29-6DCA-4EC7-98DD-153AE2AAA5A0}"/>
               </a:ext>
             </a:extLst>
           </p:cNvPr>
@@ -6191,7 +6813,7 @@
           <p:cNvPr id="37" name="直接箭头连接符 36">
             <a:extLst>
               <a:ext uri="{FF2B5EF4-FFF2-40B4-BE49-F238E27FC236}">
-                <a16:creationId xmlns:a16="http://schemas.microsoft.com/office/drawing/2014/main" xmlns="" id="{9C69E0F1-81E9-4770-8AF7-9C9F5A4DC826}"/>
+                <a16:creationId xmlns:a16="http://schemas.microsoft.com/office/drawing/2014/main" id="{9C69E0F1-81E9-4770-8AF7-9C9F5A4DC826}"/>
               </a:ext>
             </a:extLst>
           </p:cNvPr>
@@ -6235,7 +6857,7 @@
           <p:cNvPr id="40" name="直接箭头连接符 39">
             <a:extLst>
               <a:ext uri="{FF2B5EF4-FFF2-40B4-BE49-F238E27FC236}">
-                <a16:creationId xmlns:a16="http://schemas.microsoft.com/office/drawing/2014/main" xmlns="" id="{FE791026-1457-4E39-A183-264FD390C476}"/>
+                <a16:creationId xmlns:a16="http://schemas.microsoft.com/office/drawing/2014/main" id="{FE791026-1457-4E39-A183-264FD390C476}"/>
               </a:ext>
             </a:extLst>
           </p:cNvPr>
@@ -6279,7 +6901,7 @@
           <p:cNvPr id="41" name="直接箭头连接符 40">
             <a:extLst>
               <a:ext uri="{FF2B5EF4-FFF2-40B4-BE49-F238E27FC236}">
-                <a16:creationId xmlns:a16="http://schemas.microsoft.com/office/drawing/2014/main" xmlns="" id="{FFEC20CE-959B-425A-AC86-C589FB87D314}"/>
+                <a16:creationId xmlns:a16="http://schemas.microsoft.com/office/drawing/2014/main" id="{FFEC20CE-959B-425A-AC86-C589FB87D314}"/>
               </a:ext>
             </a:extLst>
           </p:cNvPr>
@@ -6323,7 +6945,7 @@
           <p:cNvPr id="42" name="文本框 41">
             <a:extLst>
               <a:ext uri="{FF2B5EF4-FFF2-40B4-BE49-F238E27FC236}">
-                <a16:creationId xmlns:a16="http://schemas.microsoft.com/office/drawing/2014/main" xmlns="" id="{874E2BD7-E6B5-4AD7-A5FE-C7D98738669D}"/>
+                <a16:creationId xmlns:a16="http://schemas.microsoft.com/office/drawing/2014/main" id="{874E2BD7-E6B5-4AD7-A5FE-C7D98738669D}"/>
               </a:ext>
             </a:extLst>
           </p:cNvPr>
@@ -6366,7 +6988,7 @@
           <p:cNvPr id="44" name="连接符: 肘形 43">
             <a:extLst>
               <a:ext uri="{FF2B5EF4-FFF2-40B4-BE49-F238E27FC236}">
-                <a16:creationId xmlns:a16="http://schemas.microsoft.com/office/drawing/2014/main" xmlns="" id="{B7BF48E9-5458-4FEF-93AB-9FDC4FEFE7C5}"/>
+                <a16:creationId xmlns:a16="http://schemas.microsoft.com/office/drawing/2014/main" id="{B7BF48E9-5458-4FEF-93AB-9FDC4FEFE7C5}"/>
               </a:ext>
             </a:extLst>
           </p:cNvPr>
@@ -6410,7 +7032,7 @@
           <p:cNvPr id="47" name="文本框 46">
             <a:extLst>
               <a:ext uri="{FF2B5EF4-FFF2-40B4-BE49-F238E27FC236}">
-                <a16:creationId xmlns:a16="http://schemas.microsoft.com/office/drawing/2014/main" xmlns="" id="{D2C3BC11-20CA-4682-9B58-3E5DB4A431DF}"/>
+                <a16:creationId xmlns:a16="http://schemas.microsoft.com/office/drawing/2014/main" id="{D2C3BC11-20CA-4682-9B58-3E5DB4A431DF}"/>
               </a:ext>
             </a:extLst>
           </p:cNvPr>
@@ -6450,7 +7072,7 @@
           <p:cNvPr id="3" name="文本框 2">
             <a:extLst>
               <a:ext uri="{FF2B5EF4-FFF2-40B4-BE49-F238E27FC236}">
-                <a16:creationId xmlns:a16="http://schemas.microsoft.com/office/drawing/2014/main" xmlns="" id="{DBD62070-C783-48BC-8DF1-1BA70ABC886C}"/>
+                <a16:creationId xmlns:a16="http://schemas.microsoft.com/office/drawing/2014/main" id="{DBD62070-C783-48BC-8DF1-1BA70ABC886C}"/>
               </a:ext>
             </a:extLst>
           </p:cNvPr>
@@ -6792,7 +7414,7 @@
           <p:cNvPr id="2" name="标题 1">
             <a:extLst>
               <a:ext uri="{FF2B5EF4-FFF2-40B4-BE49-F238E27FC236}">
-                <a16:creationId xmlns:a16="http://schemas.microsoft.com/office/drawing/2014/main" xmlns="" id="{752429C3-C831-4135-B497-DA6F5A9FB5EB}"/>
+                <a16:creationId xmlns:a16="http://schemas.microsoft.com/office/drawing/2014/main" id="{752429C3-C831-4135-B497-DA6F5A9FB5EB}"/>
               </a:ext>
             </a:extLst>
           </p:cNvPr>
@@ -6821,7 +7443,7 @@
           <p:cNvPr id="4" name="内容占位符 3">
             <a:extLst>
               <a:ext uri="{FF2B5EF4-FFF2-40B4-BE49-F238E27FC236}">
-                <a16:creationId xmlns:a16="http://schemas.microsoft.com/office/drawing/2014/main" xmlns="" id="{AC4200E2-4E4C-4059-B992-DDD044AC88BB}"/>
+                <a16:creationId xmlns:a16="http://schemas.microsoft.com/office/drawing/2014/main" id="{AC4200E2-4E4C-4059-B992-DDD044AC88BB}"/>
               </a:ext>
             </a:extLst>
           </p:cNvPr>
@@ -6853,7 +7475,7 @@
           <p:cNvPr id="5" name="图片 4">
             <a:extLst>
               <a:ext uri="{FF2B5EF4-FFF2-40B4-BE49-F238E27FC236}">
-                <a16:creationId xmlns:a16="http://schemas.microsoft.com/office/drawing/2014/main" xmlns="" id="{BBA5B3D8-F09A-42B8-8762-5785BB69F65C}"/>
+                <a16:creationId xmlns:a16="http://schemas.microsoft.com/office/drawing/2014/main" id="{BBA5B3D8-F09A-42B8-8762-5785BB69F65C}"/>
               </a:ext>
             </a:extLst>
           </p:cNvPr>
@@ -6913,7 +7535,7 @@
           <p:cNvPr id="2" name="标题 1">
             <a:extLst>
               <a:ext uri="{FF2B5EF4-FFF2-40B4-BE49-F238E27FC236}">
-                <a16:creationId xmlns:a16="http://schemas.microsoft.com/office/drawing/2014/main" xmlns="" id="{E4ADBCFA-E502-4AFA-AF82-8C0ACCBAF87D}"/>
+                <a16:creationId xmlns:a16="http://schemas.microsoft.com/office/drawing/2014/main" id="{E4ADBCFA-E502-4AFA-AF82-8C0ACCBAF87D}"/>
               </a:ext>
             </a:extLst>
           </p:cNvPr>
@@ -6953,7 +7575,7 @@
           <p:cNvPr id="4" name="内容占位符 3">
             <a:extLst>
               <a:ext uri="{FF2B5EF4-FFF2-40B4-BE49-F238E27FC236}">
-                <a16:creationId xmlns:a16="http://schemas.microsoft.com/office/drawing/2014/main" xmlns="" id="{4D1665ED-3D88-4A91-8373-B48C83363E97}"/>
+                <a16:creationId xmlns:a16="http://schemas.microsoft.com/office/drawing/2014/main" id="{4D1665ED-3D88-4A91-8373-B48C83363E97}"/>
               </a:ext>
             </a:extLst>
           </p:cNvPr>
@@ -6985,7 +7607,7 @@
           <p:cNvPr id="6" name="图片 5">
             <a:extLst>
               <a:ext uri="{FF2B5EF4-FFF2-40B4-BE49-F238E27FC236}">
-                <a16:creationId xmlns:a16="http://schemas.microsoft.com/office/drawing/2014/main" xmlns="" id="{F9DC9FBB-DD24-4A7E-A622-451F6A857DBA}"/>
+                <a16:creationId xmlns:a16="http://schemas.microsoft.com/office/drawing/2014/main" id="{F9DC9FBB-DD24-4A7E-A622-451F6A857DBA}"/>
               </a:ext>
             </a:extLst>
           </p:cNvPr>
@@ -7015,7 +7637,7 @@
           <p:cNvPr id="3" name="文本框 2">
             <a:extLst>
               <a:ext uri="{FF2B5EF4-FFF2-40B4-BE49-F238E27FC236}">
-                <a16:creationId xmlns:a16="http://schemas.microsoft.com/office/drawing/2014/main" xmlns="" id="{BB706CF2-DFF9-4EFF-AFE1-FBF83B9BDE93}"/>
+                <a16:creationId xmlns:a16="http://schemas.microsoft.com/office/drawing/2014/main" id="{BB706CF2-DFF9-4EFF-AFE1-FBF83B9BDE93}"/>
               </a:ext>
             </a:extLst>
           </p:cNvPr>
@@ -7126,7 +7748,7 @@
           <p:cNvPr id="5" name="图片 4">
             <a:extLst>
               <a:ext uri="{FF2B5EF4-FFF2-40B4-BE49-F238E27FC236}">
-                <a16:creationId xmlns:a16="http://schemas.microsoft.com/office/drawing/2014/main" xmlns="" id="{6C009300-D8FE-4930-8D25-602CB0A7CEB3}"/>
+                <a16:creationId xmlns:a16="http://schemas.microsoft.com/office/drawing/2014/main" id="{6C009300-D8FE-4930-8D25-602CB0A7CEB3}"/>
               </a:ext>
             </a:extLst>
           </p:cNvPr>
@@ -7156,7 +7778,7 @@
           <p:cNvPr id="9" name="图片 8">
             <a:extLst>
               <a:ext uri="{FF2B5EF4-FFF2-40B4-BE49-F238E27FC236}">
-                <a16:creationId xmlns:a16="http://schemas.microsoft.com/office/drawing/2014/main" xmlns="" id="{E8EE0E91-EA40-4FA8-8A8B-FCA30C022DED}"/>
+                <a16:creationId xmlns:a16="http://schemas.microsoft.com/office/drawing/2014/main" id="{E8EE0E91-EA40-4FA8-8A8B-FCA30C022DED}"/>
               </a:ext>
             </a:extLst>
           </p:cNvPr>
@@ -7216,7 +7838,7 @@
           <p:cNvPr id="2" name="标题 1">
             <a:extLst>
               <a:ext uri="{FF2B5EF4-FFF2-40B4-BE49-F238E27FC236}">
-                <a16:creationId xmlns:a16="http://schemas.microsoft.com/office/drawing/2014/main" xmlns="" id="{494753AF-D77E-4C90-9C64-6C997F9C6CFA}"/>
+                <a16:creationId xmlns:a16="http://schemas.microsoft.com/office/drawing/2014/main" id="{494753AF-D77E-4C90-9C64-6C997F9C6CFA}"/>
               </a:ext>
             </a:extLst>
           </p:cNvPr>
@@ -7253,7 +7875,7 @@
           <p:cNvPr id="3" name="内容占位符 2">
             <a:extLst>
               <a:ext uri="{FF2B5EF4-FFF2-40B4-BE49-F238E27FC236}">
-                <a16:creationId xmlns:a16="http://schemas.microsoft.com/office/drawing/2014/main" xmlns="" id="{1F3C2F20-0833-48C6-B868-EDBA4740CE05}"/>
+                <a16:creationId xmlns:a16="http://schemas.microsoft.com/office/drawing/2014/main" id="{1F3C2F20-0833-48C6-B868-EDBA4740CE05}"/>
               </a:ext>
             </a:extLst>
           </p:cNvPr>
@@ -7486,7 +8108,7 @@
           <p:cNvPr id="2" name="标题 1">
             <a:extLst>
               <a:ext uri="{FF2B5EF4-FFF2-40B4-BE49-F238E27FC236}">
-                <a16:creationId xmlns:a16="http://schemas.microsoft.com/office/drawing/2014/main" xmlns="" id="{B0154214-FAE3-4D45-B6DB-4A78EAD1CD1E}"/>
+                <a16:creationId xmlns:a16="http://schemas.microsoft.com/office/drawing/2014/main" id="{B0154214-FAE3-4D45-B6DB-4A78EAD1CD1E}"/>
               </a:ext>
             </a:extLst>
           </p:cNvPr>
@@ -7522,7 +8144,7 @@
           <p:cNvPr id="6" name="内容占位符 5">
             <a:extLst>
               <a:ext uri="{FF2B5EF4-FFF2-40B4-BE49-F238E27FC236}">
-                <a16:creationId xmlns:a16="http://schemas.microsoft.com/office/drawing/2014/main" xmlns="" id="{5F381482-6C45-4E4E-B9B3-159C7F346445}"/>
+                <a16:creationId xmlns:a16="http://schemas.microsoft.com/office/drawing/2014/main" id="{5F381482-6C45-4E4E-B9B3-159C7F346445}"/>
               </a:ext>
             </a:extLst>
           </p:cNvPr>
@@ -7550,7 +8172,7 @@
           <p:cNvPr id="7" name="图片 6">
             <a:extLst>
               <a:ext uri="{FF2B5EF4-FFF2-40B4-BE49-F238E27FC236}">
-                <a16:creationId xmlns:a16="http://schemas.microsoft.com/office/drawing/2014/main" xmlns="" id="{9A9424C0-4894-4540-AFC2-4EB465474A89}"/>
+                <a16:creationId xmlns:a16="http://schemas.microsoft.com/office/drawing/2014/main" id="{9A9424C0-4894-4540-AFC2-4EB465474A89}"/>
               </a:ext>
             </a:extLst>
           </p:cNvPr>
@@ -7580,7 +8202,7 @@
           <p:cNvPr id="8" name="文本框 7">
             <a:extLst>
               <a:ext uri="{FF2B5EF4-FFF2-40B4-BE49-F238E27FC236}">
-                <a16:creationId xmlns:a16="http://schemas.microsoft.com/office/drawing/2014/main" xmlns="" id="{71732254-3DF4-4D12-906C-2B84825E550B}"/>
+                <a16:creationId xmlns:a16="http://schemas.microsoft.com/office/drawing/2014/main" id="{71732254-3DF4-4D12-906C-2B84825E550B}"/>
               </a:ext>
             </a:extLst>
           </p:cNvPr>
@@ -7768,7 +8390,7 @@
           <p:cNvPr id="2" name="标题 1">
             <a:extLst>
               <a:ext uri="{FF2B5EF4-FFF2-40B4-BE49-F238E27FC236}">
-                <a16:creationId xmlns:a16="http://schemas.microsoft.com/office/drawing/2014/main" xmlns="" id="{DFB30B64-39F0-40F4-B101-3DE7852DE989}"/>
+                <a16:creationId xmlns:a16="http://schemas.microsoft.com/office/drawing/2014/main" id="{DFB30B64-39F0-40F4-B101-3DE7852DE989}"/>
               </a:ext>
             </a:extLst>
           </p:cNvPr>
@@ -7796,7 +8418,7 @@
           <p:cNvPr id="4" name="内容占位符 3">
             <a:extLst>
               <a:ext uri="{FF2B5EF4-FFF2-40B4-BE49-F238E27FC236}">
-                <a16:creationId xmlns:a16="http://schemas.microsoft.com/office/drawing/2014/main" xmlns="" id="{3CEC3F16-47A4-4682-9F57-7E0DFDBAA5EA}"/>
+                <a16:creationId xmlns:a16="http://schemas.microsoft.com/office/drawing/2014/main" id="{3CEC3F16-47A4-4682-9F57-7E0DFDBAA5EA}"/>
               </a:ext>
             </a:extLst>
           </p:cNvPr>
@@ -7828,7 +8450,7 @@
           <p:cNvPr id="5" name="图片 4">
             <a:extLst>
               <a:ext uri="{FF2B5EF4-FFF2-40B4-BE49-F238E27FC236}">
-                <a16:creationId xmlns:a16="http://schemas.microsoft.com/office/drawing/2014/main" xmlns="" id="{63D664F4-31DB-4B27-838C-E31E42A55930}"/>
+                <a16:creationId xmlns:a16="http://schemas.microsoft.com/office/drawing/2014/main" id="{63D664F4-31DB-4B27-838C-E31E42A55930}"/>
               </a:ext>
             </a:extLst>
           </p:cNvPr>
@@ -7858,7 +8480,7 @@
           <p:cNvPr id="7" name="直接箭头连接符 6">
             <a:extLst>
               <a:ext uri="{FF2B5EF4-FFF2-40B4-BE49-F238E27FC236}">
-                <a16:creationId xmlns:a16="http://schemas.microsoft.com/office/drawing/2014/main" xmlns="" id="{93BC26C0-73DC-4129-AA7E-DC8FAD3B944B}"/>
+                <a16:creationId xmlns:a16="http://schemas.microsoft.com/office/drawing/2014/main" id="{93BC26C0-73DC-4129-AA7E-DC8FAD3B944B}"/>
               </a:ext>
             </a:extLst>
           </p:cNvPr>
@@ -7899,7 +8521,7 @@
           <p:cNvPr id="8" name="直接箭头连接符 7">
             <a:extLst>
               <a:ext uri="{FF2B5EF4-FFF2-40B4-BE49-F238E27FC236}">
-                <a16:creationId xmlns:a16="http://schemas.microsoft.com/office/drawing/2014/main" xmlns="" id="{C5BEC143-8FE1-471B-B58A-DD7FC1B9A291}"/>
+                <a16:creationId xmlns:a16="http://schemas.microsoft.com/office/drawing/2014/main" id="{C5BEC143-8FE1-471B-B58A-DD7FC1B9A291}"/>
               </a:ext>
             </a:extLst>
           </p:cNvPr>
@@ -7940,7 +8562,7 @@
           <p:cNvPr id="9" name="直接箭头连接符 8">
             <a:extLst>
               <a:ext uri="{FF2B5EF4-FFF2-40B4-BE49-F238E27FC236}">
-                <a16:creationId xmlns:a16="http://schemas.microsoft.com/office/drawing/2014/main" xmlns="" id="{6FE374E0-BF3F-44D7-B3DE-5D78A6D7290B}"/>
+                <a16:creationId xmlns:a16="http://schemas.microsoft.com/office/drawing/2014/main" id="{6FE374E0-BF3F-44D7-B3DE-5D78A6D7290B}"/>
               </a:ext>
             </a:extLst>
           </p:cNvPr>
@@ -7981,7 +8603,7 @@
           <p:cNvPr id="10" name="直接箭头连接符 9">
             <a:extLst>
               <a:ext uri="{FF2B5EF4-FFF2-40B4-BE49-F238E27FC236}">
-                <a16:creationId xmlns:a16="http://schemas.microsoft.com/office/drawing/2014/main" xmlns="" id="{ED1B34B9-1B3E-49FD-8F8E-8D79B4CF3C75}"/>
+                <a16:creationId xmlns:a16="http://schemas.microsoft.com/office/drawing/2014/main" id="{ED1B34B9-1B3E-49FD-8F8E-8D79B4CF3C75}"/>
               </a:ext>
             </a:extLst>
           </p:cNvPr>
@@ -8022,7 +8644,7 @@
           <p:cNvPr id="11" name="直接箭头连接符 10">
             <a:extLst>
               <a:ext uri="{FF2B5EF4-FFF2-40B4-BE49-F238E27FC236}">
-                <a16:creationId xmlns:a16="http://schemas.microsoft.com/office/drawing/2014/main" xmlns="" id="{C7D2B5B4-CFFA-4308-B01A-A449600E8E96}"/>
+                <a16:creationId xmlns:a16="http://schemas.microsoft.com/office/drawing/2014/main" id="{C7D2B5B4-CFFA-4308-B01A-A449600E8E96}"/>
               </a:ext>
             </a:extLst>
           </p:cNvPr>
@@ -8063,7 +8685,7 @@
           <p:cNvPr id="15" name="文本框 14">
             <a:extLst>
               <a:ext uri="{FF2B5EF4-FFF2-40B4-BE49-F238E27FC236}">
-                <a16:creationId xmlns:a16="http://schemas.microsoft.com/office/drawing/2014/main" xmlns="" id="{33695F5C-911E-4FAD-88FE-BFC25A7B1E4B}"/>
+                <a16:creationId xmlns:a16="http://schemas.microsoft.com/office/drawing/2014/main" id="{33695F5C-911E-4FAD-88FE-BFC25A7B1E4B}"/>
               </a:ext>
             </a:extLst>
           </p:cNvPr>
@@ -8103,7 +8725,7 @@
           <p:cNvPr id="16" name="文本框 15">
             <a:extLst>
               <a:ext uri="{FF2B5EF4-FFF2-40B4-BE49-F238E27FC236}">
-                <a16:creationId xmlns:a16="http://schemas.microsoft.com/office/drawing/2014/main" xmlns="" id="{2C5AA77B-C164-4DAB-BD1F-65E91C98A744}"/>
+                <a16:creationId xmlns:a16="http://schemas.microsoft.com/office/drawing/2014/main" id="{2C5AA77B-C164-4DAB-BD1F-65E91C98A744}"/>
               </a:ext>
             </a:extLst>
           </p:cNvPr>
@@ -8143,7 +8765,7 @@
           <p:cNvPr id="17" name="图片 16">
             <a:extLst>
               <a:ext uri="{FF2B5EF4-FFF2-40B4-BE49-F238E27FC236}">
-                <a16:creationId xmlns:a16="http://schemas.microsoft.com/office/drawing/2014/main" xmlns="" id="{7FB4618F-502E-4E36-9EBB-B5784CB8862E}"/>
+                <a16:creationId xmlns:a16="http://schemas.microsoft.com/office/drawing/2014/main" id="{7FB4618F-502E-4E36-9EBB-B5784CB8862E}"/>
               </a:ext>
             </a:extLst>
           </p:cNvPr>
@@ -8173,7 +8795,7 @@
           <p:cNvPr id="18" name="图片 17">
             <a:extLst>
               <a:ext uri="{FF2B5EF4-FFF2-40B4-BE49-F238E27FC236}">
-                <a16:creationId xmlns:a16="http://schemas.microsoft.com/office/drawing/2014/main" xmlns="" id="{1ACEB443-D6B7-4615-8A0E-0A6C8EFBB849}"/>
+                <a16:creationId xmlns:a16="http://schemas.microsoft.com/office/drawing/2014/main" id="{1ACEB443-D6B7-4615-8A0E-0A6C8EFBB849}"/>
               </a:ext>
             </a:extLst>
           </p:cNvPr>
@@ -8203,7 +8825,7 @@
           <p:cNvPr id="19" name="图片 18">
             <a:extLst>
               <a:ext uri="{FF2B5EF4-FFF2-40B4-BE49-F238E27FC236}">
-                <a16:creationId xmlns:a16="http://schemas.microsoft.com/office/drawing/2014/main" xmlns="" id="{9CF454B8-F974-4A9B-9455-435F422C57C4}"/>
+                <a16:creationId xmlns:a16="http://schemas.microsoft.com/office/drawing/2014/main" id="{9CF454B8-F974-4A9B-9455-435F422C57C4}"/>
               </a:ext>
             </a:extLst>
           </p:cNvPr>
@@ -8233,7 +8855,7 @@
           <p:cNvPr id="20" name="图片 19">
             <a:extLst>
               <a:ext uri="{FF2B5EF4-FFF2-40B4-BE49-F238E27FC236}">
-                <a16:creationId xmlns:a16="http://schemas.microsoft.com/office/drawing/2014/main" xmlns="" id="{D52B42AF-B9F1-4A0D-BEFE-AD7904772FD4}"/>
+                <a16:creationId xmlns:a16="http://schemas.microsoft.com/office/drawing/2014/main" id="{D52B42AF-B9F1-4A0D-BEFE-AD7904772FD4}"/>
               </a:ext>
             </a:extLst>
           </p:cNvPr>
@@ -8263,7 +8885,7 @@
           <p:cNvPr id="21" name="内容占位符 3">
             <a:extLst>
               <a:ext uri="{FF2B5EF4-FFF2-40B4-BE49-F238E27FC236}">
-                <a16:creationId xmlns:a16="http://schemas.microsoft.com/office/drawing/2014/main" xmlns="" id="{BD81AD11-F278-47EE-8E50-C42D30810BB0}"/>
+                <a16:creationId xmlns:a16="http://schemas.microsoft.com/office/drawing/2014/main" id="{BD81AD11-F278-47EE-8E50-C42D30810BB0}"/>
               </a:ext>
             </a:extLst>
           </p:cNvPr>
@@ -8293,7 +8915,7 @@
           <p:cNvPr id="27" name="直接箭头连接符 26">
             <a:extLst>
               <a:ext uri="{FF2B5EF4-FFF2-40B4-BE49-F238E27FC236}">
-                <a16:creationId xmlns:a16="http://schemas.microsoft.com/office/drawing/2014/main" xmlns="" id="{1F6127F6-DEA6-45AA-9253-2F47431CF9BB}"/>
+                <a16:creationId xmlns:a16="http://schemas.microsoft.com/office/drawing/2014/main" id="{1F6127F6-DEA6-45AA-9253-2F47431CF9BB}"/>
               </a:ext>
             </a:extLst>
           </p:cNvPr>
@@ -8334,7 +8956,7 @@
           <p:cNvPr id="31" name="直接箭头连接符 30">
             <a:extLst>
               <a:ext uri="{FF2B5EF4-FFF2-40B4-BE49-F238E27FC236}">
-                <a16:creationId xmlns:a16="http://schemas.microsoft.com/office/drawing/2014/main" xmlns="" id="{ECBC7E67-8CA4-406F-9399-86AC4B4BC186}"/>
+                <a16:creationId xmlns:a16="http://schemas.microsoft.com/office/drawing/2014/main" id="{ECBC7E67-8CA4-406F-9399-86AC4B4BC186}"/>
               </a:ext>
             </a:extLst>
           </p:cNvPr>
@@ -8375,7 +8997,7 @@
           <p:cNvPr id="32" name="直接箭头连接符 31">
             <a:extLst>
               <a:ext uri="{FF2B5EF4-FFF2-40B4-BE49-F238E27FC236}">
-                <a16:creationId xmlns:a16="http://schemas.microsoft.com/office/drawing/2014/main" xmlns="" id="{3B40C431-7507-4944-A1FC-BC347D9625B2}"/>
+                <a16:creationId xmlns:a16="http://schemas.microsoft.com/office/drawing/2014/main" id="{3B40C431-7507-4944-A1FC-BC347D9625B2}"/>
               </a:ext>
             </a:extLst>
           </p:cNvPr>
@@ -8416,7 +9038,7 @@
           <p:cNvPr id="33" name="直接箭头连接符 32">
             <a:extLst>
               <a:ext uri="{FF2B5EF4-FFF2-40B4-BE49-F238E27FC236}">
-                <a16:creationId xmlns:a16="http://schemas.microsoft.com/office/drawing/2014/main" xmlns="" id="{9AA16FD6-D42E-497A-8FC4-EB2DDB0FC1A4}"/>
+                <a16:creationId xmlns:a16="http://schemas.microsoft.com/office/drawing/2014/main" id="{9AA16FD6-D42E-497A-8FC4-EB2DDB0FC1A4}"/>
               </a:ext>
             </a:extLst>
           </p:cNvPr>
@@ -8457,7 +9079,7 @@
           <p:cNvPr id="42" name="直接箭头连接符 41">
             <a:extLst>
               <a:ext uri="{FF2B5EF4-FFF2-40B4-BE49-F238E27FC236}">
-                <a16:creationId xmlns:a16="http://schemas.microsoft.com/office/drawing/2014/main" xmlns="" id="{0CDB7F0E-9AF4-49EA-B919-B7303740A78E}"/>
+                <a16:creationId xmlns:a16="http://schemas.microsoft.com/office/drawing/2014/main" id="{0CDB7F0E-9AF4-49EA-B919-B7303740A78E}"/>
               </a:ext>
             </a:extLst>
           </p:cNvPr>
@@ -8498,7 +9120,7 @@
           <p:cNvPr id="44" name="直接箭头连接符 43">
             <a:extLst>
               <a:ext uri="{FF2B5EF4-FFF2-40B4-BE49-F238E27FC236}">
-                <a16:creationId xmlns:a16="http://schemas.microsoft.com/office/drawing/2014/main" xmlns="" id="{07E4A50E-3F12-41A3-A0DA-5CCC6BD7B853}"/>
+                <a16:creationId xmlns:a16="http://schemas.microsoft.com/office/drawing/2014/main" id="{07E4A50E-3F12-41A3-A0DA-5CCC6BD7B853}"/>
               </a:ext>
             </a:extLst>
           </p:cNvPr>
@@ -8539,7 +9161,7 @@
           <p:cNvPr id="45" name="直接箭头连接符 44">
             <a:extLst>
               <a:ext uri="{FF2B5EF4-FFF2-40B4-BE49-F238E27FC236}">
-                <a16:creationId xmlns:a16="http://schemas.microsoft.com/office/drawing/2014/main" xmlns="" id="{59F21909-19AD-4CB6-AD7E-2A4138056A37}"/>
+                <a16:creationId xmlns:a16="http://schemas.microsoft.com/office/drawing/2014/main" id="{59F21909-19AD-4CB6-AD7E-2A4138056A37}"/>
               </a:ext>
             </a:extLst>
           </p:cNvPr>
@@ -8580,7 +9202,7 @@
           <p:cNvPr id="46" name="直接箭头连接符 45">
             <a:extLst>
               <a:ext uri="{FF2B5EF4-FFF2-40B4-BE49-F238E27FC236}">
-                <a16:creationId xmlns:a16="http://schemas.microsoft.com/office/drawing/2014/main" xmlns="" id="{4C1D9861-D244-4A8E-8BC5-A6B134E5F595}"/>
+                <a16:creationId xmlns:a16="http://schemas.microsoft.com/office/drawing/2014/main" id="{4C1D9861-D244-4A8E-8BC5-A6B134E5F595}"/>
               </a:ext>
             </a:extLst>
           </p:cNvPr>
@@ -8621,7 +9243,7 @@
           <p:cNvPr id="52" name="直接箭头连接符 51">
             <a:extLst>
               <a:ext uri="{FF2B5EF4-FFF2-40B4-BE49-F238E27FC236}">
-                <a16:creationId xmlns:a16="http://schemas.microsoft.com/office/drawing/2014/main" xmlns="" id="{E7162409-4001-4221-BF3D-530A6DE2652D}"/>
+                <a16:creationId xmlns:a16="http://schemas.microsoft.com/office/drawing/2014/main" id="{E7162409-4001-4221-BF3D-530A6DE2652D}"/>
               </a:ext>
             </a:extLst>
           </p:cNvPr>
@@ -8662,7 +9284,7 @@
           <p:cNvPr id="54" name="直接箭头连接符 53">
             <a:extLst>
               <a:ext uri="{FF2B5EF4-FFF2-40B4-BE49-F238E27FC236}">
-                <a16:creationId xmlns:a16="http://schemas.microsoft.com/office/drawing/2014/main" xmlns="" id="{C4F30BA7-6C62-439B-9C87-895A7FA3DB8E}"/>
+                <a16:creationId xmlns:a16="http://schemas.microsoft.com/office/drawing/2014/main" id="{C4F30BA7-6C62-439B-9C87-895A7FA3DB8E}"/>
               </a:ext>
             </a:extLst>
           </p:cNvPr>
@@ -8703,7 +9325,7 @@
           <p:cNvPr id="55" name="直接箭头连接符 54">
             <a:extLst>
               <a:ext uri="{FF2B5EF4-FFF2-40B4-BE49-F238E27FC236}">
-                <a16:creationId xmlns:a16="http://schemas.microsoft.com/office/drawing/2014/main" xmlns="" id="{9712716C-29F0-4DFB-BCE2-056B947A10A0}"/>
+                <a16:creationId xmlns:a16="http://schemas.microsoft.com/office/drawing/2014/main" id="{9712716C-29F0-4DFB-BCE2-056B947A10A0}"/>
               </a:ext>
             </a:extLst>
           </p:cNvPr>
@@ -8744,7 +9366,7 @@
           <p:cNvPr id="56" name="直接箭头连接符 55">
             <a:extLst>
               <a:ext uri="{FF2B5EF4-FFF2-40B4-BE49-F238E27FC236}">
-                <a16:creationId xmlns:a16="http://schemas.microsoft.com/office/drawing/2014/main" xmlns="" id="{C221EB8A-01E4-4599-BEBC-495F275E3B14}"/>
+                <a16:creationId xmlns:a16="http://schemas.microsoft.com/office/drawing/2014/main" id="{C221EB8A-01E4-4599-BEBC-495F275E3B14}"/>
               </a:ext>
             </a:extLst>
           </p:cNvPr>
@@ -8785,7 +9407,7 @@
           <p:cNvPr id="62" name="文本框 61">
             <a:extLst>
               <a:ext uri="{FF2B5EF4-FFF2-40B4-BE49-F238E27FC236}">
-                <a16:creationId xmlns:a16="http://schemas.microsoft.com/office/drawing/2014/main" xmlns="" id="{8EE5CCA1-7C84-42B0-B77C-9AF0683F26F9}"/>
+                <a16:creationId xmlns:a16="http://schemas.microsoft.com/office/drawing/2014/main" id="{8EE5CCA1-7C84-42B0-B77C-9AF0683F26F9}"/>
               </a:ext>
             </a:extLst>
           </p:cNvPr>
@@ -8828,7 +9450,7 @@
           <p:cNvPr id="3" name="文本框 2">
             <a:extLst>
               <a:ext uri="{FF2B5EF4-FFF2-40B4-BE49-F238E27FC236}">
-                <a16:creationId xmlns:a16="http://schemas.microsoft.com/office/drawing/2014/main" xmlns="" id="{D06499E2-8DEE-4F26-B286-95A1BEE1868C}"/>
+                <a16:creationId xmlns:a16="http://schemas.microsoft.com/office/drawing/2014/main" id="{D06499E2-8DEE-4F26-B286-95A1BEE1868C}"/>
               </a:ext>
             </a:extLst>
           </p:cNvPr>
@@ -8921,7 +9543,7 @@
           <p:cNvPr id="2" name="标题 1">
             <a:extLst>
               <a:ext uri="{FF2B5EF4-FFF2-40B4-BE49-F238E27FC236}">
-                <a16:creationId xmlns:a16="http://schemas.microsoft.com/office/drawing/2014/main" xmlns="" id="{E69B2658-BCE4-47B0-974F-62971A10C82B}"/>
+                <a16:creationId xmlns:a16="http://schemas.microsoft.com/office/drawing/2014/main" id="{E69B2658-BCE4-47B0-974F-62971A10C82B}"/>
               </a:ext>
             </a:extLst>
           </p:cNvPr>
@@ -8949,7 +9571,7 @@
           <p:cNvPr id="3" name="内容占位符 2">
             <a:extLst>
               <a:ext uri="{FF2B5EF4-FFF2-40B4-BE49-F238E27FC236}">
-                <a16:creationId xmlns:a16="http://schemas.microsoft.com/office/drawing/2014/main" xmlns="" id="{48D02E07-13C8-48F7-9BFA-A956F0856576}"/>
+                <a16:creationId xmlns:a16="http://schemas.microsoft.com/office/drawing/2014/main" id="{48D02E07-13C8-48F7-9BFA-A956F0856576}"/>
               </a:ext>
             </a:extLst>
           </p:cNvPr>
@@ -8974,7 +9596,7 @@
           <p:cNvPr id="8" name="图片 7">
             <a:extLst>
               <a:ext uri="{FF2B5EF4-FFF2-40B4-BE49-F238E27FC236}">
-                <a16:creationId xmlns:a16="http://schemas.microsoft.com/office/drawing/2014/main" xmlns="" id="{4D9002AB-83B9-4340-A857-0230FD03D572}"/>
+                <a16:creationId xmlns:a16="http://schemas.microsoft.com/office/drawing/2014/main" id="{4D9002AB-83B9-4340-A857-0230FD03D572}"/>
               </a:ext>
             </a:extLst>
           </p:cNvPr>
@@ -9004,7 +9626,7 @@
           <p:cNvPr id="7" name="图片 6">
             <a:extLst>
               <a:ext uri="{FF2B5EF4-FFF2-40B4-BE49-F238E27FC236}">
-                <a16:creationId xmlns:a16="http://schemas.microsoft.com/office/drawing/2014/main" xmlns="" id="{DD6CB5E4-DC9A-48A0-A40E-C622DBB0184A}"/>
+                <a16:creationId xmlns:a16="http://schemas.microsoft.com/office/drawing/2014/main" id="{DD6CB5E4-DC9A-48A0-A40E-C622DBB0184A}"/>
               </a:ext>
             </a:extLst>
           </p:cNvPr>
@@ -9034,7 +9656,7 @@
           <p:cNvPr id="4" name="文本框 3">
             <a:extLst>
               <a:ext uri="{FF2B5EF4-FFF2-40B4-BE49-F238E27FC236}">
-                <a16:creationId xmlns:a16="http://schemas.microsoft.com/office/drawing/2014/main" xmlns="" id="{8E8028D6-3A92-407A-A103-36ACC6657028}"/>
+                <a16:creationId xmlns:a16="http://schemas.microsoft.com/office/drawing/2014/main" id="{8E8028D6-3A92-407A-A103-36ACC6657028}"/>
               </a:ext>
             </a:extLst>
           </p:cNvPr>
@@ -9131,7 +9753,7 @@
           <p:cNvPr id="2" name="标题 1">
             <a:extLst>
               <a:ext uri="{FF2B5EF4-FFF2-40B4-BE49-F238E27FC236}">
-                <a16:creationId xmlns:a16="http://schemas.microsoft.com/office/drawing/2014/main" xmlns="" id="{0DCFBE3F-1B25-4311-91A5-3F91E01804F9}"/>
+                <a16:creationId xmlns:a16="http://schemas.microsoft.com/office/drawing/2014/main" id="{0DCFBE3F-1B25-4311-91A5-3F91E01804F9}"/>
               </a:ext>
             </a:extLst>
           </p:cNvPr>
@@ -9159,7 +9781,7 @@
           <p:cNvPr id="7" name="内容占位符 6">
             <a:extLst>
               <a:ext uri="{FF2B5EF4-FFF2-40B4-BE49-F238E27FC236}">
-                <a16:creationId xmlns:a16="http://schemas.microsoft.com/office/drawing/2014/main" xmlns="" id="{4839889F-5AD7-4905-9ED7-65AAE5105AD0}"/>
+                <a16:creationId xmlns:a16="http://schemas.microsoft.com/office/drawing/2014/main" id="{4839889F-5AD7-4905-9ED7-65AAE5105AD0}"/>
               </a:ext>
             </a:extLst>
           </p:cNvPr>
@@ -9191,7 +9813,7 @@
           <p:cNvPr id="8" name="图片 7">
             <a:extLst>
               <a:ext uri="{FF2B5EF4-FFF2-40B4-BE49-F238E27FC236}">
-                <a16:creationId xmlns:a16="http://schemas.microsoft.com/office/drawing/2014/main" xmlns="" id="{905F5852-E052-44B8-91F3-8B7008E57BB9}"/>
+                <a16:creationId xmlns:a16="http://schemas.microsoft.com/office/drawing/2014/main" id="{905F5852-E052-44B8-91F3-8B7008E57BB9}"/>
               </a:ext>
             </a:extLst>
           </p:cNvPr>
@@ -9221,7 +9843,7 @@
           <p:cNvPr id="9" name="图片 8">
             <a:extLst>
               <a:ext uri="{FF2B5EF4-FFF2-40B4-BE49-F238E27FC236}">
-                <a16:creationId xmlns:a16="http://schemas.microsoft.com/office/drawing/2014/main" xmlns="" id="{9D4B3320-55DA-4792-8754-3D0A5D4DA675}"/>
+                <a16:creationId xmlns:a16="http://schemas.microsoft.com/office/drawing/2014/main" id="{9D4B3320-55DA-4792-8754-3D0A5D4DA675}"/>
               </a:ext>
             </a:extLst>
           </p:cNvPr>
@@ -9251,7 +9873,7 @@
           <p:cNvPr id="10" name="文本框 9">
             <a:extLst>
               <a:ext uri="{FF2B5EF4-FFF2-40B4-BE49-F238E27FC236}">
-                <a16:creationId xmlns:a16="http://schemas.microsoft.com/office/drawing/2014/main" xmlns="" id="{0F5919E0-8D00-4054-A1F5-6AFA8CC1B01A}"/>
+                <a16:creationId xmlns:a16="http://schemas.microsoft.com/office/drawing/2014/main" id="{0F5919E0-8D00-4054-A1F5-6AFA8CC1B01A}"/>
               </a:ext>
             </a:extLst>
           </p:cNvPr>
